--- a/WAD2 Group Project Design Spec.pptx
+++ b/WAD2 Group Project Design Spec.pptx
@@ -8,6 +8,7 @@
     <p:sldId id="256" r:id="rId2"/>
     <p:sldId id="257" r:id="rId3"/>
     <p:sldId id="258" r:id="rId4"/>
+    <p:sldId id="259" r:id="rId5"/>
   </p:sldIdLst>
   <p:sldSz cx="12192000" cy="6858000"/>
   <p:notesSz cx="6858000" cy="9144000"/>
@@ -106,6 +107,11 @@
       </a:defRPr>
     </a:lvl9pPr>
   </p:defaultTextStyle>
+  <p:extLst>
+    <p:ext uri="{EFAFB233-063F-42B5-8137-9DF3F51BA10A}">
+      <p15:sldGuideLst xmlns:p15="http://schemas.microsoft.com/office/powerpoint/2012/main"/>
+    </p:ext>
+  </p:extLst>
 </p:presentation>
 </file>
 
@@ -3576,6 +3582,934 @@
     <p:extLst>
       <p:ext uri="{BB962C8B-B14F-4D97-AF65-F5344CB8AC3E}">
         <p14:creationId xmlns:p14="http://schemas.microsoft.com/office/powerpoint/2010/main" val="2058726886"/>
+      </p:ext>
+    </p:extLst>
+  </p:cSld>
+  <p:clrMapOvr>
+    <a:masterClrMapping/>
+  </p:clrMapOvr>
+</p:sld>
+</file>
+
+<file path=ppt/slides/slide4.xml><?xml version="1.0" encoding="utf-8"?>
+<p:sld xmlns:a="http://schemas.openxmlformats.org/drawingml/2006/main" xmlns:r="http://schemas.openxmlformats.org/officeDocument/2006/relationships" xmlns:p="http://schemas.openxmlformats.org/presentationml/2006/main">
+  <p:cSld>
+    <p:spTree>
+      <p:nvGrpSpPr>
+        <p:cNvPr id="1" name=""/>
+        <p:cNvGrpSpPr/>
+        <p:nvPr/>
+      </p:nvGrpSpPr>
+      <p:grpSpPr>
+        <a:xfrm>
+          <a:off x="0" y="0"/>
+          <a:ext cx="0" cy="0"/>
+          <a:chOff x="0" y="0"/>
+          <a:chExt cx="0" cy="0"/>
+        </a:xfrm>
+      </p:grpSpPr>
+      <p:sp>
+        <p:nvSpPr>
+          <p:cNvPr id="2" name="Title 1">
+            <a:extLst>
+              <a:ext uri="{FF2B5EF4-FFF2-40B4-BE49-F238E27FC236}">
+                <a16:creationId xmlns:a16="http://schemas.microsoft.com/office/drawing/2014/main" id="{41EA2D55-21D6-B6D6-9F55-727B1DB29312}"/>
+              </a:ext>
+            </a:extLst>
+          </p:cNvPr>
+          <p:cNvSpPr>
+            <a:spLocks noGrp="1"/>
+          </p:cNvSpPr>
+          <p:nvPr>
+            <p:ph type="title"/>
+          </p:nvPr>
+        </p:nvSpPr>
+        <p:spPr/>
+        <p:txBody>
+          <a:bodyPr/>
+          <a:lstStyle/>
+          <a:p>
+            <a:r>
+              <a:rPr lang="en-GB" dirty="0"/>
+              <a:t>ER diagram</a:t>
+            </a:r>
+          </a:p>
+        </p:txBody>
+      </p:sp>
+      <p:pic>
+        <p:nvPicPr>
+          <p:cNvPr id="71" name="Picture 70">
+            <a:extLst>
+              <a:ext uri="{FF2B5EF4-FFF2-40B4-BE49-F238E27FC236}">
+                <a16:creationId xmlns:a16="http://schemas.microsoft.com/office/drawing/2014/main" id="{A547FD92-61E2-213B-CADB-C21A836C8F29}"/>
+              </a:ext>
+            </a:extLst>
+          </p:cNvPr>
+          <p:cNvPicPr>
+            <a:picLocks noChangeAspect="1"/>
+          </p:cNvPicPr>
+          <p:nvPr/>
+        </p:nvPicPr>
+        <p:blipFill>
+          <a:blip r:embed="rId2"/>
+          <a:stretch>
+            <a:fillRect/>
+          </a:stretch>
+        </p:blipFill>
+        <p:spPr>
+          <a:xfrm>
+            <a:off x="838200" y="1673102"/>
+            <a:ext cx="4765519" cy="3009429"/>
+          </a:xfrm>
+          <a:prstGeom prst="rect">
+            <a:avLst/>
+          </a:prstGeom>
+        </p:spPr>
+      </p:pic>
+      <p:graphicFrame>
+        <p:nvGraphicFramePr>
+          <p:cNvPr id="72" name="Table 71">
+            <a:extLst>
+              <a:ext uri="{FF2B5EF4-FFF2-40B4-BE49-F238E27FC236}">
+                <a16:creationId xmlns:a16="http://schemas.microsoft.com/office/drawing/2014/main" id="{06EBC0DF-4A1D-DD4C-12DF-00BA674345D3}"/>
+              </a:ext>
+            </a:extLst>
+          </p:cNvPr>
+          <p:cNvGraphicFramePr>
+            <a:graphicFrameLocks noGrp="1"/>
+          </p:cNvGraphicFramePr>
+          <p:nvPr>
+            <p:extLst>
+              <p:ext uri="{D42A27DB-BD31-4B8C-83A1-F6EECF244321}">
+                <p14:modId xmlns:p14="http://schemas.microsoft.com/office/powerpoint/2010/main" val="508242387"/>
+              </p:ext>
+            </p:extLst>
+          </p:nvPr>
+        </p:nvGraphicFramePr>
+        <p:xfrm>
+          <a:off x="5584797" y="575822"/>
+          <a:ext cx="2893962" cy="2194560"/>
+        </p:xfrm>
+        <a:graphic>
+          <a:graphicData uri="http://schemas.openxmlformats.org/drawingml/2006/table">
+            <a:tbl>
+              <a:tblPr firstRow="1" bandRow="1">
+                <a:tableStyleId>{5C22544A-7EE6-4342-B048-85BDC9FD1C3A}</a:tableStyleId>
+              </a:tblPr>
+              <a:tblGrid>
+                <a:gridCol w="1446981">
+                  <a:extLst>
+                    <a:ext uri="{9D8B030D-6E8A-4147-A177-3AD203B41FA5}">
+                      <a16:colId xmlns:a16="http://schemas.microsoft.com/office/drawing/2014/main" val="1978240753"/>
+                    </a:ext>
+                  </a:extLst>
+                </a:gridCol>
+                <a:gridCol w="1446981">
+                  <a:extLst>
+                    <a:ext uri="{9D8B030D-6E8A-4147-A177-3AD203B41FA5}">
+                      <a16:colId xmlns:a16="http://schemas.microsoft.com/office/drawing/2014/main" val="1094651281"/>
+                    </a:ext>
+                  </a:extLst>
+                </a:gridCol>
+              </a:tblGrid>
+              <a:tr h="318720">
+                <a:tc>
+                  <a:txBody>
+                    <a:bodyPr/>
+                    <a:lstStyle/>
+                    <a:p>
+                      <a:r>
+                        <a:rPr lang="en-GB" dirty="0"/>
+                        <a:t>Fields</a:t>
+                      </a:r>
+                    </a:p>
+                  </a:txBody>
+                  <a:tcPr/>
+                </a:tc>
+                <a:tc>
+                  <a:txBody>
+                    <a:bodyPr/>
+                    <a:lstStyle/>
+                    <a:p>
+                      <a:r>
+                        <a:rPr lang="en-GB" dirty="0"/>
+                        <a:t>Type</a:t>
+                      </a:r>
+                    </a:p>
+                  </a:txBody>
+                  <a:tcPr/>
+                </a:tc>
+                <a:extLst>
+                  <a:ext uri="{0D108BD9-81ED-4DB2-BD59-A6C34878D82A}">
+                    <a16:rowId xmlns:a16="http://schemas.microsoft.com/office/drawing/2014/main" val="1005000879"/>
+                  </a:ext>
+                </a:extLst>
+              </a:tr>
+              <a:tr h="318720">
+                <a:tc>
+                  <a:txBody>
+                    <a:bodyPr/>
+                    <a:lstStyle/>
+                    <a:p>
+                      <a:r>
+                        <a:rPr lang="en-GB" dirty="0"/>
+                        <a:t>Username</a:t>
+                      </a:r>
+                    </a:p>
+                  </a:txBody>
+                  <a:tcPr/>
+                </a:tc>
+                <a:tc>
+                  <a:txBody>
+                    <a:bodyPr/>
+                    <a:lstStyle/>
+                    <a:p>
+                      <a:r>
+                        <a:rPr lang="en-GB" dirty="0"/>
+                        <a:t>Char(20)</a:t>
+                      </a:r>
+                    </a:p>
+                  </a:txBody>
+                  <a:tcPr/>
+                </a:tc>
+                <a:extLst>
+                  <a:ext uri="{0D108BD9-81ED-4DB2-BD59-A6C34878D82A}">
+                    <a16:rowId xmlns:a16="http://schemas.microsoft.com/office/drawing/2014/main" val="2980255561"/>
+                  </a:ext>
+                </a:extLst>
+              </a:tr>
+              <a:tr h="318720">
+                <a:tc>
+                  <a:txBody>
+                    <a:bodyPr/>
+                    <a:lstStyle/>
+                    <a:p>
+                      <a:endParaRPr lang="en-GB" dirty="0"/>
+                    </a:p>
+                  </a:txBody>
+                  <a:tcPr/>
+                </a:tc>
+                <a:tc>
+                  <a:txBody>
+                    <a:bodyPr/>
+                    <a:lstStyle/>
+                    <a:p>
+                      <a:endParaRPr lang="en-GB"/>
+                    </a:p>
+                  </a:txBody>
+                  <a:tcPr/>
+                </a:tc>
+                <a:extLst>
+                  <a:ext uri="{0D108BD9-81ED-4DB2-BD59-A6C34878D82A}">
+                    <a16:rowId xmlns:a16="http://schemas.microsoft.com/office/drawing/2014/main" val="3945668263"/>
+                  </a:ext>
+                </a:extLst>
+              </a:tr>
+              <a:tr h="318720">
+                <a:tc>
+                  <a:txBody>
+                    <a:bodyPr/>
+                    <a:lstStyle/>
+                    <a:p>
+                      <a:endParaRPr lang="en-GB"/>
+                    </a:p>
+                  </a:txBody>
+                  <a:tcPr/>
+                </a:tc>
+                <a:tc>
+                  <a:txBody>
+                    <a:bodyPr/>
+                    <a:lstStyle/>
+                    <a:p>
+                      <a:endParaRPr lang="en-GB"/>
+                    </a:p>
+                  </a:txBody>
+                  <a:tcPr/>
+                </a:tc>
+                <a:extLst>
+                  <a:ext uri="{0D108BD9-81ED-4DB2-BD59-A6C34878D82A}">
+                    <a16:rowId xmlns:a16="http://schemas.microsoft.com/office/drawing/2014/main" val="988923780"/>
+                  </a:ext>
+                </a:extLst>
+              </a:tr>
+              <a:tr h="318720">
+                <a:tc>
+                  <a:txBody>
+                    <a:bodyPr/>
+                    <a:lstStyle/>
+                    <a:p>
+                      <a:endParaRPr lang="en-GB"/>
+                    </a:p>
+                  </a:txBody>
+                  <a:tcPr/>
+                </a:tc>
+                <a:tc>
+                  <a:txBody>
+                    <a:bodyPr/>
+                    <a:lstStyle/>
+                    <a:p>
+                      <a:endParaRPr lang="en-GB"/>
+                    </a:p>
+                  </a:txBody>
+                  <a:tcPr/>
+                </a:tc>
+                <a:extLst>
+                  <a:ext uri="{0D108BD9-81ED-4DB2-BD59-A6C34878D82A}">
+                    <a16:rowId xmlns:a16="http://schemas.microsoft.com/office/drawing/2014/main" val="1289283692"/>
+                  </a:ext>
+                </a:extLst>
+              </a:tr>
+              <a:tr h="318720">
+                <a:tc>
+                  <a:txBody>
+                    <a:bodyPr/>
+                    <a:lstStyle/>
+                    <a:p>
+                      <a:endParaRPr lang="en-GB"/>
+                    </a:p>
+                  </a:txBody>
+                  <a:tcPr/>
+                </a:tc>
+                <a:tc>
+                  <a:txBody>
+                    <a:bodyPr/>
+                    <a:lstStyle/>
+                    <a:p>
+                      <a:endParaRPr lang="en-GB" dirty="0"/>
+                    </a:p>
+                  </a:txBody>
+                  <a:tcPr/>
+                </a:tc>
+                <a:extLst>
+                  <a:ext uri="{0D108BD9-81ED-4DB2-BD59-A6C34878D82A}">
+                    <a16:rowId xmlns:a16="http://schemas.microsoft.com/office/drawing/2014/main" val="2525786986"/>
+                  </a:ext>
+                </a:extLst>
+              </a:tr>
+            </a:tbl>
+          </a:graphicData>
+        </a:graphic>
+      </p:graphicFrame>
+      <p:sp>
+        <p:nvSpPr>
+          <p:cNvPr id="73" name="TextBox 72">
+            <a:extLst>
+              <a:ext uri="{FF2B5EF4-FFF2-40B4-BE49-F238E27FC236}">
+                <a16:creationId xmlns:a16="http://schemas.microsoft.com/office/drawing/2014/main" id="{170E3E0C-5DB5-2C05-35C6-55C5EB15183E}"/>
+              </a:ext>
+            </a:extLst>
+          </p:cNvPr>
+          <p:cNvSpPr txBox="1"/>
+          <p:nvPr/>
+        </p:nvSpPr>
+        <p:spPr>
+          <a:xfrm>
+            <a:off x="5597239" y="180459"/>
+            <a:ext cx="2881520" cy="369332"/>
+          </a:xfrm>
+          <a:prstGeom prst="rect">
+            <a:avLst/>
+          </a:prstGeom>
+          <a:noFill/>
+        </p:spPr>
+        <p:txBody>
+          <a:bodyPr wrap="square" rtlCol="0">
+            <a:spAutoFit/>
+          </a:bodyPr>
+          <a:lstStyle/>
+          <a:p>
+            <a:pPr algn="ctr"/>
+            <a:r>
+              <a:rPr lang="en-GB" dirty="0"/>
+              <a:t>Users</a:t>
+            </a:r>
+          </a:p>
+        </p:txBody>
+      </p:sp>
+      <p:sp>
+        <p:nvSpPr>
+          <p:cNvPr id="75" name="Content Placeholder 74">
+            <a:extLst>
+              <a:ext uri="{FF2B5EF4-FFF2-40B4-BE49-F238E27FC236}">
+                <a16:creationId xmlns:a16="http://schemas.microsoft.com/office/drawing/2014/main" id="{0378450C-A436-0540-7673-280DEF70E967}"/>
+              </a:ext>
+            </a:extLst>
+          </p:cNvPr>
+          <p:cNvSpPr>
+            <a:spLocks noGrp="1"/>
+          </p:cNvSpPr>
+          <p:nvPr>
+            <p:ph idx="1"/>
+          </p:nvPr>
+        </p:nvSpPr>
+        <p:spPr>
+          <a:xfrm>
+            <a:off x="11248101" y="6131244"/>
+            <a:ext cx="105698" cy="45719"/>
+          </a:xfrm>
+        </p:spPr>
+        <p:txBody>
+          <a:bodyPr>
+            <a:normAutofit fontScale="25000" lnSpcReduction="20000"/>
+          </a:bodyPr>
+          <a:lstStyle/>
+          <a:p>
+            <a:pPr marL="0" indent="0">
+              <a:buNone/>
+            </a:pPr>
+            <a:endParaRPr lang="en-GB" dirty="0"/>
+          </a:p>
+        </p:txBody>
+      </p:sp>
+      <p:graphicFrame>
+        <p:nvGraphicFramePr>
+          <p:cNvPr id="76" name="Table 75">
+            <a:extLst>
+              <a:ext uri="{FF2B5EF4-FFF2-40B4-BE49-F238E27FC236}">
+                <a16:creationId xmlns:a16="http://schemas.microsoft.com/office/drawing/2014/main" id="{A10FCE13-4C24-77CE-52BB-F6B2BDA6BAF9}"/>
+              </a:ext>
+            </a:extLst>
+          </p:cNvPr>
+          <p:cNvGraphicFramePr>
+            <a:graphicFrameLocks noGrp="1"/>
+          </p:cNvGraphicFramePr>
+          <p:nvPr>
+            <p:extLst>
+              <p:ext uri="{D42A27DB-BD31-4B8C-83A1-F6EECF244321}">
+                <p14:modId xmlns:p14="http://schemas.microsoft.com/office/powerpoint/2010/main" val="929973107"/>
+              </p:ext>
+            </p:extLst>
+          </p:nvPr>
+        </p:nvGraphicFramePr>
+        <p:xfrm>
+          <a:off x="8598384" y="575822"/>
+          <a:ext cx="2893962" cy="2194560"/>
+        </p:xfrm>
+        <a:graphic>
+          <a:graphicData uri="http://schemas.openxmlformats.org/drawingml/2006/table">
+            <a:tbl>
+              <a:tblPr firstRow="1" bandRow="1">
+                <a:tableStyleId>{5C22544A-7EE6-4342-B048-85BDC9FD1C3A}</a:tableStyleId>
+              </a:tblPr>
+              <a:tblGrid>
+                <a:gridCol w="1446981">
+                  <a:extLst>
+                    <a:ext uri="{9D8B030D-6E8A-4147-A177-3AD203B41FA5}">
+                      <a16:colId xmlns:a16="http://schemas.microsoft.com/office/drawing/2014/main" val="1978240753"/>
+                    </a:ext>
+                  </a:extLst>
+                </a:gridCol>
+                <a:gridCol w="1446981">
+                  <a:extLst>
+                    <a:ext uri="{9D8B030D-6E8A-4147-A177-3AD203B41FA5}">
+                      <a16:colId xmlns:a16="http://schemas.microsoft.com/office/drawing/2014/main" val="1094651281"/>
+                    </a:ext>
+                  </a:extLst>
+                </a:gridCol>
+              </a:tblGrid>
+              <a:tr h="318720">
+                <a:tc>
+                  <a:txBody>
+                    <a:bodyPr/>
+                    <a:lstStyle/>
+                    <a:p>
+                      <a:r>
+                        <a:rPr lang="en-GB" dirty="0"/>
+                        <a:t>Fields</a:t>
+                      </a:r>
+                    </a:p>
+                  </a:txBody>
+                  <a:tcPr/>
+                </a:tc>
+                <a:tc>
+                  <a:txBody>
+                    <a:bodyPr/>
+                    <a:lstStyle/>
+                    <a:p>
+                      <a:r>
+                        <a:rPr lang="en-GB" dirty="0"/>
+                        <a:t>Type</a:t>
+                      </a:r>
+                    </a:p>
+                  </a:txBody>
+                  <a:tcPr/>
+                </a:tc>
+                <a:extLst>
+                  <a:ext uri="{0D108BD9-81ED-4DB2-BD59-A6C34878D82A}">
+                    <a16:rowId xmlns:a16="http://schemas.microsoft.com/office/drawing/2014/main" val="1005000879"/>
+                  </a:ext>
+                </a:extLst>
+              </a:tr>
+              <a:tr h="318720">
+                <a:tc>
+                  <a:txBody>
+                    <a:bodyPr/>
+                    <a:lstStyle/>
+                    <a:p>
+                      <a:r>
+                        <a:rPr lang="en-GB" dirty="0"/>
+                        <a:t>Title</a:t>
+                      </a:r>
+                    </a:p>
+                  </a:txBody>
+                  <a:tcPr/>
+                </a:tc>
+                <a:tc>
+                  <a:txBody>
+                    <a:bodyPr/>
+                    <a:lstStyle/>
+                    <a:p>
+                      <a:r>
+                        <a:rPr lang="en-GB" dirty="0"/>
+                        <a:t>Char(40)</a:t>
+                      </a:r>
+                    </a:p>
+                  </a:txBody>
+                  <a:tcPr/>
+                </a:tc>
+                <a:extLst>
+                  <a:ext uri="{0D108BD9-81ED-4DB2-BD59-A6C34878D82A}">
+                    <a16:rowId xmlns:a16="http://schemas.microsoft.com/office/drawing/2014/main" val="2980255561"/>
+                  </a:ext>
+                </a:extLst>
+              </a:tr>
+              <a:tr h="318720">
+                <a:tc>
+                  <a:txBody>
+                    <a:bodyPr/>
+                    <a:lstStyle/>
+                    <a:p>
+                      <a:r>
+                        <a:rPr lang="en-GB" dirty="0"/>
+                        <a:t>Likes</a:t>
+                      </a:r>
+                    </a:p>
+                  </a:txBody>
+                  <a:tcPr/>
+                </a:tc>
+                <a:tc>
+                  <a:txBody>
+                    <a:bodyPr/>
+                    <a:lstStyle/>
+                    <a:p>
+                      <a:r>
+                        <a:rPr lang="en-GB" dirty="0"/>
+                        <a:t>int</a:t>
+                      </a:r>
+                    </a:p>
+                  </a:txBody>
+                  <a:tcPr/>
+                </a:tc>
+                <a:extLst>
+                  <a:ext uri="{0D108BD9-81ED-4DB2-BD59-A6C34878D82A}">
+                    <a16:rowId xmlns:a16="http://schemas.microsoft.com/office/drawing/2014/main" val="3945668263"/>
+                  </a:ext>
+                </a:extLst>
+              </a:tr>
+              <a:tr h="318720">
+                <a:tc>
+                  <a:txBody>
+                    <a:bodyPr/>
+                    <a:lstStyle/>
+                    <a:p>
+                      <a:r>
+                        <a:rPr lang="en-GB" dirty="0"/>
+                        <a:t>Dislikes</a:t>
+                      </a:r>
+                    </a:p>
+                  </a:txBody>
+                  <a:tcPr/>
+                </a:tc>
+                <a:tc>
+                  <a:txBody>
+                    <a:bodyPr/>
+                    <a:lstStyle/>
+                    <a:p>
+                      <a:r>
+                        <a:rPr lang="en-GB" dirty="0"/>
+                        <a:t>int</a:t>
+                      </a:r>
+                    </a:p>
+                  </a:txBody>
+                  <a:tcPr/>
+                </a:tc>
+                <a:extLst>
+                  <a:ext uri="{0D108BD9-81ED-4DB2-BD59-A6C34878D82A}">
+                    <a16:rowId xmlns:a16="http://schemas.microsoft.com/office/drawing/2014/main" val="988923780"/>
+                  </a:ext>
+                </a:extLst>
+              </a:tr>
+              <a:tr h="318720">
+                <a:tc>
+                  <a:txBody>
+                    <a:bodyPr/>
+                    <a:lstStyle/>
+                    <a:p>
+                      <a:endParaRPr lang="en-GB" dirty="0"/>
+                    </a:p>
+                  </a:txBody>
+                  <a:tcPr/>
+                </a:tc>
+                <a:tc>
+                  <a:txBody>
+                    <a:bodyPr/>
+                    <a:lstStyle/>
+                    <a:p>
+                      <a:endParaRPr lang="en-GB"/>
+                    </a:p>
+                  </a:txBody>
+                  <a:tcPr/>
+                </a:tc>
+                <a:extLst>
+                  <a:ext uri="{0D108BD9-81ED-4DB2-BD59-A6C34878D82A}">
+                    <a16:rowId xmlns:a16="http://schemas.microsoft.com/office/drawing/2014/main" val="1289283692"/>
+                  </a:ext>
+                </a:extLst>
+              </a:tr>
+              <a:tr h="318720">
+                <a:tc>
+                  <a:txBody>
+                    <a:bodyPr/>
+                    <a:lstStyle/>
+                    <a:p>
+                      <a:endParaRPr lang="en-GB"/>
+                    </a:p>
+                  </a:txBody>
+                  <a:tcPr/>
+                </a:tc>
+                <a:tc>
+                  <a:txBody>
+                    <a:bodyPr/>
+                    <a:lstStyle/>
+                    <a:p>
+                      <a:endParaRPr lang="en-GB" dirty="0"/>
+                    </a:p>
+                  </a:txBody>
+                  <a:tcPr/>
+                </a:tc>
+                <a:extLst>
+                  <a:ext uri="{0D108BD9-81ED-4DB2-BD59-A6C34878D82A}">
+                    <a16:rowId xmlns:a16="http://schemas.microsoft.com/office/drawing/2014/main" val="2525786986"/>
+                  </a:ext>
+                </a:extLst>
+              </a:tr>
+            </a:tbl>
+          </a:graphicData>
+        </a:graphic>
+      </p:graphicFrame>
+      <p:sp>
+        <p:nvSpPr>
+          <p:cNvPr id="77" name="TextBox 76">
+            <a:extLst>
+              <a:ext uri="{FF2B5EF4-FFF2-40B4-BE49-F238E27FC236}">
+                <a16:creationId xmlns:a16="http://schemas.microsoft.com/office/drawing/2014/main" id="{15E53AA4-38A8-C20A-0677-300104229B66}"/>
+              </a:ext>
+            </a:extLst>
+          </p:cNvPr>
+          <p:cNvSpPr txBox="1"/>
+          <p:nvPr/>
+        </p:nvSpPr>
+        <p:spPr>
+          <a:xfrm>
+            <a:off x="8610826" y="180459"/>
+            <a:ext cx="2881520" cy="369332"/>
+          </a:xfrm>
+          <a:prstGeom prst="rect">
+            <a:avLst/>
+          </a:prstGeom>
+          <a:noFill/>
+        </p:spPr>
+        <p:txBody>
+          <a:bodyPr wrap="square" rtlCol="0">
+            <a:spAutoFit/>
+          </a:bodyPr>
+          <a:lstStyle/>
+          <a:p>
+            <a:pPr algn="ctr"/>
+            <a:r>
+              <a:rPr lang="en-GB" dirty="0"/>
+              <a:t>Albums</a:t>
+            </a:r>
+          </a:p>
+        </p:txBody>
+      </p:sp>
+      <p:graphicFrame>
+        <p:nvGraphicFramePr>
+          <p:cNvPr id="78" name="Table 77">
+            <a:extLst>
+              <a:ext uri="{FF2B5EF4-FFF2-40B4-BE49-F238E27FC236}">
+                <a16:creationId xmlns:a16="http://schemas.microsoft.com/office/drawing/2014/main" id="{113D315B-A5C3-8062-06AC-C23E610C98A1}"/>
+              </a:ext>
+            </a:extLst>
+          </p:cNvPr>
+          <p:cNvGraphicFramePr>
+            <a:graphicFrameLocks noGrp="1"/>
+          </p:cNvGraphicFramePr>
+          <p:nvPr>
+            <p:extLst>
+              <p:ext uri="{D42A27DB-BD31-4B8C-83A1-F6EECF244321}">
+                <p14:modId xmlns:p14="http://schemas.microsoft.com/office/powerpoint/2010/main" val="1165967550"/>
+              </p:ext>
+            </p:extLst>
+          </p:nvPr>
+        </p:nvGraphicFramePr>
+        <p:xfrm>
+          <a:off x="5578576" y="3300682"/>
+          <a:ext cx="2893962" cy="2194560"/>
+        </p:xfrm>
+        <a:graphic>
+          <a:graphicData uri="http://schemas.openxmlformats.org/drawingml/2006/table">
+            <a:tbl>
+              <a:tblPr firstRow="1" bandRow="1">
+                <a:tableStyleId>{5C22544A-7EE6-4342-B048-85BDC9FD1C3A}</a:tableStyleId>
+              </a:tblPr>
+              <a:tblGrid>
+                <a:gridCol w="1446981">
+                  <a:extLst>
+                    <a:ext uri="{9D8B030D-6E8A-4147-A177-3AD203B41FA5}">
+                      <a16:colId xmlns:a16="http://schemas.microsoft.com/office/drawing/2014/main" val="1978240753"/>
+                    </a:ext>
+                  </a:extLst>
+                </a:gridCol>
+                <a:gridCol w="1446981">
+                  <a:extLst>
+                    <a:ext uri="{9D8B030D-6E8A-4147-A177-3AD203B41FA5}">
+                      <a16:colId xmlns:a16="http://schemas.microsoft.com/office/drawing/2014/main" val="1094651281"/>
+                    </a:ext>
+                  </a:extLst>
+                </a:gridCol>
+              </a:tblGrid>
+              <a:tr h="318720">
+                <a:tc>
+                  <a:txBody>
+                    <a:bodyPr/>
+                    <a:lstStyle/>
+                    <a:p>
+                      <a:r>
+                        <a:rPr lang="en-GB" dirty="0"/>
+                        <a:t>Fields</a:t>
+                      </a:r>
+                    </a:p>
+                  </a:txBody>
+                  <a:tcPr/>
+                </a:tc>
+                <a:tc>
+                  <a:txBody>
+                    <a:bodyPr/>
+                    <a:lstStyle/>
+                    <a:p>
+                      <a:r>
+                        <a:rPr lang="en-GB" dirty="0"/>
+                        <a:t>Type</a:t>
+                      </a:r>
+                    </a:p>
+                  </a:txBody>
+                  <a:tcPr/>
+                </a:tc>
+                <a:extLst>
+                  <a:ext uri="{0D108BD9-81ED-4DB2-BD59-A6C34878D82A}">
+                    <a16:rowId xmlns:a16="http://schemas.microsoft.com/office/drawing/2014/main" val="1005000879"/>
+                  </a:ext>
+                </a:extLst>
+              </a:tr>
+              <a:tr h="318720">
+                <a:tc>
+                  <a:txBody>
+                    <a:bodyPr/>
+                    <a:lstStyle/>
+                    <a:p>
+                      <a:r>
+                        <a:rPr lang="en-GB" dirty="0"/>
+                        <a:t>Text</a:t>
+                      </a:r>
+                    </a:p>
+                  </a:txBody>
+                  <a:tcPr/>
+                </a:tc>
+                <a:tc>
+                  <a:txBody>
+                    <a:bodyPr/>
+                    <a:lstStyle/>
+                    <a:p>
+                      <a:r>
+                        <a:rPr lang="en-GB" dirty="0"/>
+                        <a:t>Char(128)</a:t>
+                      </a:r>
+                    </a:p>
+                  </a:txBody>
+                  <a:tcPr/>
+                </a:tc>
+                <a:extLst>
+                  <a:ext uri="{0D108BD9-81ED-4DB2-BD59-A6C34878D82A}">
+                    <a16:rowId xmlns:a16="http://schemas.microsoft.com/office/drawing/2014/main" val="2980255561"/>
+                  </a:ext>
+                </a:extLst>
+              </a:tr>
+              <a:tr h="318720">
+                <a:tc>
+                  <a:txBody>
+                    <a:bodyPr/>
+                    <a:lstStyle/>
+                    <a:p>
+                      <a:r>
+                        <a:rPr lang="en-GB" dirty="0"/>
+                        <a:t>Username</a:t>
+                      </a:r>
+                    </a:p>
+                  </a:txBody>
+                  <a:tcPr/>
+                </a:tc>
+                <a:tc>
+                  <a:txBody>
+                    <a:bodyPr/>
+                    <a:lstStyle/>
+                    <a:p>
+                      <a:r>
+                        <a:rPr lang="en-GB" dirty="0"/>
+                        <a:t>Char(20)</a:t>
+                      </a:r>
+                    </a:p>
+                  </a:txBody>
+                  <a:tcPr/>
+                </a:tc>
+                <a:extLst>
+                  <a:ext uri="{0D108BD9-81ED-4DB2-BD59-A6C34878D82A}">
+                    <a16:rowId xmlns:a16="http://schemas.microsoft.com/office/drawing/2014/main" val="3945668263"/>
+                  </a:ext>
+                </a:extLst>
+              </a:tr>
+              <a:tr h="318720">
+                <a:tc>
+                  <a:txBody>
+                    <a:bodyPr/>
+                    <a:lstStyle/>
+                    <a:p>
+                      <a:r>
+                        <a:rPr lang="en-GB" dirty="0" err="1"/>
+                        <a:t>AlbumTitle</a:t>
+                      </a:r>
+                      <a:endParaRPr lang="en-GB" dirty="0"/>
+                    </a:p>
+                  </a:txBody>
+                  <a:tcPr/>
+                </a:tc>
+                <a:tc>
+                  <a:txBody>
+                    <a:bodyPr/>
+                    <a:lstStyle/>
+                    <a:p>
+                      <a:r>
+                        <a:rPr lang="en-GB" dirty="0"/>
+                        <a:t>Char(40)</a:t>
+                      </a:r>
+                    </a:p>
+                  </a:txBody>
+                  <a:tcPr/>
+                </a:tc>
+                <a:extLst>
+                  <a:ext uri="{0D108BD9-81ED-4DB2-BD59-A6C34878D82A}">
+                    <a16:rowId xmlns:a16="http://schemas.microsoft.com/office/drawing/2014/main" val="988923780"/>
+                  </a:ext>
+                </a:extLst>
+              </a:tr>
+              <a:tr h="318720">
+                <a:tc>
+                  <a:txBody>
+                    <a:bodyPr/>
+                    <a:lstStyle/>
+                    <a:p>
+                      <a:endParaRPr lang="en-GB"/>
+                    </a:p>
+                  </a:txBody>
+                  <a:tcPr/>
+                </a:tc>
+                <a:tc>
+                  <a:txBody>
+                    <a:bodyPr/>
+                    <a:lstStyle/>
+                    <a:p>
+                      <a:endParaRPr lang="en-GB"/>
+                    </a:p>
+                  </a:txBody>
+                  <a:tcPr/>
+                </a:tc>
+                <a:extLst>
+                  <a:ext uri="{0D108BD9-81ED-4DB2-BD59-A6C34878D82A}">
+                    <a16:rowId xmlns:a16="http://schemas.microsoft.com/office/drawing/2014/main" val="1289283692"/>
+                  </a:ext>
+                </a:extLst>
+              </a:tr>
+              <a:tr h="318720">
+                <a:tc>
+                  <a:txBody>
+                    <a:bodyPr/>
+                    <a:lstStyle/>
+                    <a:p>
+                      <a:endParaRPr lang="en-GB"/>
+                    </a:p>
+                  </a:txBody>
+                  <a:tcPr/>
+                </a:tc>
+                <a:tc>
+                  <a:txBody>
+                    <a:bodyPr/>
+                    <a:lstStyle/>
+                    <a:p>
+                      <a:endParaRPr lang="en-GB" dirty="0"/>
+                    </a:p>
+                  </a:txBody>
+                  <a:tcPr/>
+                </a:tc>
+                <a:extLst>
+                  <a:ext uri="{0D108BD9-81ED-4DB2-BD59-A6C34878D82A}">
+                    <a16:rowId xmlns:a16="http://schemas.microsoft.com/office/drawing/2014/main" val="2525786986"/>
+                  </a:ext>
+                </a:extLst>
+              </a:tr>
+            </a:tbl>
+          </a:graphicData>
+        </a:graphic>
+      </p:graphicFrame>
+      <p:sp>
+        <p:nvSpPr>
+          <p:cNvPr id="79" name="TextBox 78">
+            <a:extLst>
+              <a:ext uri="{FF2B5EF4-FFF2-40B4-BE49-F238E27FC236}">
+                <a16:creationId xmlns:a16="http://schemas.microsoft.com/office/drawing/2014/main" id="{90791E3C-4AE5-48B7-EED1-93E1DEF2B272}"/>
+              </a:ext>
+            </a:extLst>
+          </p:cNvPr>
+          <p:cNvSpPr txBox="1"/>
+          <p:nvPr/>
+        </p:nvSpPr>
+        <p:spPr>
+          <a:xfrm>
+            <a:off x="5591018" y="2905319"/>
+            <a:ext cx="2881520" cy="369332"/>
+          </a:xfrm>
+          <a:prstGeom prst="rect">
+            <a:avLst/>
+          </a:prstGeom>
+          <a:noFill/>
+        </p:spPr>
+        <p:txBody>
+          <a:bodyPr wrap="square" rtlCol="0">
+            <a:spAutoFit/>
+          </a:bodyPr>
+          <a:lstStyle/>
+          <a:p>
+            <a:pPr algn="ctr"/>
+            <a:r>
+              <a:rPr lang="en-GB" dirty="0"/>
+              <a:t>Comments</a:t>
+            </a:r>
+          </a:p>
+        </p:txBody>
+      </p:sp>
+    </p:spTree>
+    <p:extLst>
+      <p:ext uri="{BB962C8B-B14F-4D97-AF65-F5344CB8AC3E}">
+        <p14:creationId xmlns:p14="http://schemas.microsoft.com/office/powerpoint/2010/main" val="1032153461"/>
       </p:ext>
     </p:extLst>
   </p:cSld>

--- a/WAD2 Group Project Design Spec.pptx
+++ b/WAD2 Group Project Design Spec.pptx
@@ -3681,7 +3681,7 @@
           <p:nvPr>
             <p:extLst>
               <p:ext uri="{D42A27DB-BD31-4B8C-83A1-F6EECF244321}">
-                <p14:modId xmlns:p14="http://schemas.microsoft.com/office/powerpoint/2010/main" val="508242387"/>
+                <p14:modId xmlns:p14="http://schemas.microsoft.com/office/powerpoint/2010/main" val="294875610"/>
               </p:ext>
             </p:extLst>
           </p:nvPr>
@@ -3697,14 +3697,14 @@
                 <a:tableStyleId>{5C22544A-7EE6-4342-B048-85BDC9FD1C3A}</a:tableStyleId>
               </a:tblPr>
               <a:tblGrid>
-                <a:gridCol w="1446981">
+                <a:gridCol w="1484597">
                   <a:extLst>
                     <a:ext uri="{9D8B030D-6E8A-4147-A177-3AD203B41FA5}">
                       <a16:colId xmlns:a16="http://schemas.microsoft.com/office/drawing/2014/main" val="1978240753"/>
                     </a:ext>
                   </a:extLst>
                 </a:gridCol>
-                <a:gridCol w="1446981">
+                <a:gridCol w="1409365">
                   <a:extLst>
                     <a:ext uri="{9D8B030D-6E8A-4147-A177-3AD203B41FA5}">
                       <a16:colId xmlns:a16="http://schemas.microsoft.com/office/drawing/2014/main" val="1094651281"/>
@@ -3784,6 +3784,10 @@
                     <a:bodyPr/>
                     <a:lstStyle/>
                     <a:p>
+                      <a:r>
+                        <a:rPr lang="en-GB" dirty="0" err="1"/>
+                        <a:t>DateCreated</a:t>
+                      </a:r>
                       <a:endParaRPr lang="en-GB" dirty="0"/>
                     </a:p>
                   </a:txBody>
@@ -3794,7 +3798,10 @@
                     <a:bodyPr/>
                     <a:lstStyle/>
                     <a:p>
-                      <a:endParaRPr lang="en-GB"/>
+                      <a:r>
+                        <a:rPr lang="en-GB" dirty="0"/>
+                        <a:t>Date</a:t>
+                      </a:r>
                     </a:p>
                   </a:txBody>
                   <a:tcPr/>
@@ -3976,14 +3983,14 @@
           <p:nvPr>
             <p:extLst>
               <p:ext uri="{D42A27DB-BD31-4B8C-83A1-F6EECF244321}">
-                <p14:modId xmlns:p14="http://schemas.microsoft.com/office/powerpoint/2010/main" val="929973107"/>
+                <p14:modId xmlns:p14="http://schemas.microsoft.com/office/powerpoint/2010/main" val="1482190724"/>
               </p:ext>
             </p:extLst>
           </p:nvPr>
         </p:nvGraphicFramePr>
         <p:xfrm>
-          <a:off x="8598384" y="575822"/>
-          <a:ext cx="2893962" cy="2194560"/>
+          <a:off x="8610826" y="567193"/>
+          <a:ext cx="3364864" cy="3291840"/>
         </p:xfrm>
         <a:graphic>
           <a:graphicData uri="http://schemas.openxmlformats.org/drawingml/2006/table">
@@ -3992,14 +3999,14 @@
                 <a:tableStyleId>{5C22544A-7EE6-4342-B048-85BDC9FD1C3A}</a:tableStyleId>
               </a:tblPr>
               <a:tblGrid>
-                <a:gridCol w="1446981">
+                <a:gridCol w="2246331">
                   <a:extLst>
                     <a:ext uri="{9D8B030D-6E8A-4147-A177-3AD203B41FA5}">
                       <a16:colId xmlns:a16="http://schemas.microsoft.com/office/drawing/2014/main" val="1978240753"/>
                     </a:ext>
                   </a:extLst>
                 </a:gridCol>
-                <a:gridCol w="1446981">
+                <a:gridCol w="1118533">
                   <a:extLst>
                     <a:ext uri="{9D8B030D-6E8A-4147-A177-3AD203B41FA5}">
                       <a16:colId xmlns:a16="http://schemas.microsoft.com/office/drawing/2014/main" val="1094651281"/>
@@ -4094,7 +4101,7 @@
                     <a:p>
                       <a:r>
                         <a:rPr lang="en-GB" dirty="0"/>
-                        <a:t>int</a:t>
+                        <a:t>Integer</a:t>
                       </a:r>
                     </a:p>
                   </a:txBody>
@@ -4126,9 +4133,10 @@
                     <a:lstStyle/>
                     <a:p>
                       <a:r>
-                        <a:rPr lang="en-GB" dirty="0"/>
-                        <a:t>int</a:t>
+                        <a:rPr lang="en-GB"/>
+                        <a:t>Integer</a:t>
                       </a:r>
+                      <a:endParaRPr lang="en-GB" dirty="0"/>
                     </a:p>
                   </a:txBody>
                   <a:tcPr/>
@@ -4145,7 +4153,10 @@
                     <a:bodyPr/>
                     <a:lstStyle/>
                     <a:p>
-                      <a:endParaRPr lang="en-GB" dirty="0"/>
+                      <a:r>
+                        <a:rPr lang="en-GB" dirty="0"/>
+                        <a:t>Followers</a:t>
+                      </a:r>
                     </a:p>
                   </a:txBody>
                   <a:tcPr/>
@@ -4155,7 +4166,10 @@
                     <a:bodyPr/>
                     <a:lstStyle/>
                     <a:p>
-                      <a:endParaRPr lang="en-GB"/>
+                      <a:r>
+                        <a:rPr lang="en-GB" dirty="0"/>
+                        <a:t>Integer</a:t>
+                      </a:r>
                     </a:p>
                   </a:txBody>
                   <a:tcPr/>
@@ -4172,7 +4186,11 @@
                     <a:bodyPr/>
                     <a:lstStyle/>
                     <a:p>
-                      <a:endParaRPr lang="en-GB"/>
+                      <a:r>
+                        <a:rPr lang="en-GB" dirty="0" err="1"/>
+                        <a:t>CoverArt</a:t>
+                      </a:r>
+                      <a:endParaRPr lang="en-GB" dirty="0"/>
                     </a:p>
                   </a:txBody>
                   <a:tcPr/>
@@ -4182,7 +4200,10 @@
                     <a:bodyPr/>
                     <a:lstStyle/>
                     <a:p>
-                      <a:endParaRPr lang="en-GB" dirty="0"/>
+                      <a:r>
+                        <a:rPr lang="en-GB" dirty="0"/>
+                        <a:t>Image</a:t>
+                      </a:r>
                     </a:p>
                   </a:txBody>
                   <a:tcPr/>
@@ -4190,6 +4211,107 @@
                 <a:extLst>
                   <a:ext uri="{0D108BD9-81ED-4DB2-BD59-A6C34878D82A}">
                     <a16:rowId xmlns:a16="http://schemas.microsoft.com/office/drawing/2014/main" val="2525786986"/>
+                  </a:ext>
+                </a:extLst>
+              </a:tr>
+              <a:tr h="318720">
+                <a:tc>
+                  <a:txBody>
+                    <a:bodyPr/>
+                    <a:lstStyle/>
+                    <a:p>
+                      <a:r>
+                        <a:rPr lang="en-GB" dirty="0" err="1"/>
+                        <a:t>UploaderUsername</a:t>
+                      </a:r>
+                      <a:endParaRPr lang="en-GB" dirty="0"/>
+                    </a:p>
+                  </a:txBody>
+                  <a:tcPr/>
+                </a:tc>
+                <a:tc>
+                  <a:txBody>
+                    <a:bodyPr/>
+                    <a:lstStyle/>
+                    <a:p>
+                      <a:r>
+                        <a:rPr lang="en-GB" dirty="0"/>
+                        <a:t>Char(20)</a:t>
+                      </a:r>
+                    </a:p>
+                  </a:txBody>
+                  <a:tcPr/>
+                </a:tc>
+                <a:extLst>
+                  <a:ext uri="{0D108BD9-81ED-4DB2-BD59-A6C34878D82A}">
+                    <a16:rowId xmlns:a16="http://schemas.microsoft.com/office/drawing/2014/main" val="2882015945"/>
+                  </a:ext>
+                </a:extLst>
+              </a:tr>
+              <a:tr h="318720">
+                <a:tc>
+                  <a:txBody>
+                    <a:bodyPr/>
+                    <a:lstStyle/>
+                    <a:p>
+                      <a:r>
+                        <a:rPr lang="en-GB" dirty="0" err="1"/>
+                        <a:t>UploadDate</a:t>
+                      </a:r>
+                      <a:endParaRPr lang="en-GB" dirty="0"/>
+                    </a:p>
+                  </a:txBody>
+                  <a:tcPr/>
+                </a:tc>
+                <a:tc>
+                  <a:txBody>
+                    <a:bodyPr/>
+                    <a:lstStyle/>
+                    <a:p>
+                      <a:r>
+                        <a:rPr lang="en-GB" dirty="0"/>
+                        <a:t>Date</a:t>
+                      </a:r>
+                    </a:p>
+                  </a:txBody>
+                  <a:tcPr/>
+                </a:tc>
+                <a:extLst>
+                  <a:ext uri="{0D108BD9-81ED-4DB2-BD59-A6C34878D82A}">
+                    <a16:rowId xmlns:a16="http://schemas.microsoft.com/office/drawing/2014/main" val="2319001431"/>
+                  </a:ext>
+                </a:extLst>
+              </a:tr>
+              <a:tr h="318720">
+                <a:tc>
+                  <a:txBody>
+                    <a:bodyPr/>
+                    <a:lstStyle/>
+                    <a:p>
+                      <a:r>
+                        <a:rPr lang="en-GB" dirty="0"/>
+                        <a:t>Views</a:t>
+                      </a:r>
+                    </a:p>
+                  </a:txBody>
+                  <a:tcPr/>
+                </a:tc>
+                <a:tc>
+                  <a:txBody>
+                    <a:bodyPr/>
+                    <a:lstStyle/>
+                    <a:p>
+                      <a:r>
+                        <a:rPr lang="en-GB" dirty="0"/>
+                        <a:t>Integer</a:t>
+                      </a:r>
+                    </a:p>
+                  </a:txBody>
+                  <a:tcPr/>
+                </a:tc>
+                <a:extLst>
+                  <a:ext uri="{0D108BD9-81ED-4DB2-BD59-A6C34878D82A}">
+                    <a16:rowId xmlns:a16="http://schemas.microsoft.com/office/drawing/2014/main" val="2149279636"/>
                   </a:ext>
                 </a:extLst>
               </a:tr>
@@ -4502,6 +4624,75 @@
             <a:r>
               <a:rPr lang="en-GB" dirty="0"/>
               <a:t>Comments</a:t>
+            </a:r>
+          </a:p>
+        </p:txBody>
+      </p:sp>
+      <p:sp>
+        <p:nvSpPr>
+          <p:cNvPr id="3" name="Rectangle 2">
+            <a:extLst>
+              <a:ext uri="{FF2B5EF4-FFF2-40B4-BE49-F238E27FC236}">
+                <a16:creationId xmlns:a16="http://schemas.microsoft.com/office/drawing/2014/main" id="{81AFBF2B-EC91-3735-709B-4D64D6095A03}"/>
+              </a:ext>
+            </a:extLst>
+          </p:cNvPr>
+          <p:cNvSpPr/>
+          <p:nvPr/>
+        </p:nvSpPr>
+        <p:spPr>
+          <a:xfrm>
+            <a:off x="1691148" y="2278338"/>
+            <a:ext cx="147484" cy="157316"/>
+          </a:xfrm>
+          <a:prstGeom prst="rect">
+            <a:avLst/>
+          </a:prstGeom>
+          <a:solidFill>
+            <a:schemeClr val="bg1"/>
+          </a:solidFill>
+          <a:ln>
+            <a:solidFill>
+              <a:schemeClr val="bg1"/>
+            </a:solidFill>
+          </a:ln>
+        </p:spPr>
+        <p:style>
+          <a:lnRef idx="2">
+            <a:schemeClr val="accent1">
+              <a:shade val="15000"/>
+            </a:schemeClr>
+          </a:lnRef>
+          <a:fillRef idx="1">
+            <a:schemeClr val="accent1"/>
+          </a:fillRef>
+          <a:effectRef idx="0">
+            <a:schemeClr val="accent1"/>
+          </a:effectRef>
+          <a:fontRef idx="minor">
+            <a:schemeClr val="lt1"/>
+          </a:fontRef>
+        </p:style>
+        <p:txBody>
+          <a:bodyPr rtlCol="0" anchor="ctr"/>
+          <a:lstStyle/>
+          <a:p>
+            <a:pPr algn="ctr"/>
+            <a:r>
+              <a:rPr lang="en-GB" dirty="0">
+                <a:ln w="0"/>
+                <a:solidFill>
+                  <a:schemeClr val="tx1"/>
+                </a:solidFill>
+                <a:effectLst>
+                  <a:outerShdw blurRad="38100" dist="19050" dir="2700000" algn="tl" rotWithShape="0">
+                    <a:schemeClr val="dk1">
+                      <a:alpha val="40000"/>
+                    </a:schemeClr>
+                  </a:outerShdw>
+                </a:effectLst>
+              </a:rPr>
+              <a:t>1</a:t>
             </a:r>
           </a:p>
         </p:txBody>

--- a/WAD2 Group Project Design Spec.pptx
+++ b/WAD2 Group Project Design Spec.pptx
@@ -7,8 +7,10 @@
   <p:sldIdLst>
     <p:sldId id="256" r:id="rId2"/>
     <p:sldId id="257" r:id="rId3"/>
-    <p:sldId id="258" r:id="rId4"/>
-    <p:sldId id="259" r:id="rId5"/>
+    <p:sldId id="260" r:id="rId4"/>
+    <p:sldId id="258" r:id="rId5"/>
+    <p:sldId id="261" r:id="rId6"/>
+    <p:sldId id="259" r:id="rId7"/>
   </p:sldIdLst>
   <p:sldSz cx="12192000" cy="6858000"/>
   <p:notesSz cx="6858000" cy="9144000"/>
@@ -262,7 +264,7 @@
           <a:p>
             <a:fld id="{386EAC6E-8ADC-498C-8D78-A1467B1978D3}" type="datetimeFigureOut">
               <a:rPr lang="en-GB" smtClean="0"/>
-              <a:t>21/02/2025</a:t>
+              <a:t>22/02/2025</a:t>
             </a:fld>
             <a:endParaRPr lang="en-GB"/>
           </a:p>
@@ -460,7 +462,7 @@
           <a:p>
             <a:fld id="{386EAC6E-8ADC-498C-8D78-A1467B1978D3}" type="datetimeFigureOut">
               <a:rPr lang="en-GB" smtClean="0"/>
-              <a:t>21/02/2025</a:t>
+              <a:t>22/02/2025</a:t>
             </a:fld>
             <a:endParaRPr lang="en-GB"/>
           </a:p>
@@ -668,7 +670,7 @@
           <a:p>
             <a:fld id="{386EAC6E-8ADC-498C-8D78-A1467B1978D3}" type="datetimeFigureOut">
               <a:rPr lang="en-GB" smtClean="0"/>
-              <a:t>21/02/2025</a:t>
+              <a:t>22/02/2025</a:t>
             </a:fld>
             <a:endParaRPr lang="en-GB"/>
           </a:p>
@@ -866,7 +868,7 @@
           <a:p>
             <a:fld id="{386EAC6E-8ADC-498C-8D78-A1467B1978D3}" type="datetimeFigureOut">
               <a:rPr lang="en-GB" smtClean="0"/>
-              <a:t>21/02/2025</a:t>
+              <a:t>22/02/2025</a:t>
             </a:fld>
             <a:endParaRPr lang="en-GB"/>
           </a:p>
@@ -1141,7 +1143,7 @@
           <a:p>
             <a:fld id="{386EAC6E-8ADC-498C-8D78-A1467B1978D3}" type="datetimeFigureOut">
               <a:rPr lang="en-GB" smtClean="0"/>
-              <a:t>21/02/2025</a:t>
+              <a:t>22/02/2025</a:t>
             </a:fld>
             <a:endParaRPr lang="en-GB"/>
           </a:p>
@@ -1406,7 +1408,7 @@
           <a:p>
             <a:fld id="{386EAC6E-8ADC-498C-8D78-A1467B1978D3}" type="datetimeFigureOut">
               <a:rPr lang="en-GB" smtClean="0"/>
-              <a:t>21/02/2025</a:t>
+              <a:t>22/02/2025</a:t>
             </a:fld>
             <a:endParaRPr lang="en-GB"/>
           </a:p>
@@ -1818,7 +1820,7 @@
           <a:p>
             <a:fld id="{386EAC6E-8ADC-498C-8D78-A1467B1978D3}" type="datetimeFigureOut">
               <a:rPr lang="en-GB" smtClean="0"/>
-              <a:t>21/02/2025</a:t>
+              <a:t>22/02/2025</a:t>
             </a:fld>
             <a:endParaRPr lang="en-GB"/>
           </a:p>
@@ -1959,7 +1961,7 @@
           <a:p>
             <a:fld id="{386EAC6E-8ADC-498C-8D78-A1467B1978D3}" type="datetimeFigureOut">
               <a:rPr lang="en-GB" smtClean="0"/>
-              <a:t>21/02/2025</a:t>
+              <a:t>22/02/2025</a:t>
             </a:fld>
             <a:endParaRPr lang="en-GB"/>
           </a:p>
@@ -2072,7 +2074,7 @@
           <a:p>
             <a:fld id="{386EAC6E-8ADC-498C-8D78-A1467B1978D3}" type="datetimeFigureOut">
               <a:rPr lang="en-GB" smtClean="0"/>
-              <a:t>21/02/2025</a:t>
+              <a:t>22/02/2025</a:t>
             </a:fld>
             <a:endParaRPr lang="en-GB"/>
           </a:p>
@@ -2383,7 +2385,7 @@
           <a:p>
             <a:fld id="{386EAC6E-8ADC-498C-8D78-A1467B1978D3}" type="datetimeFigureOut">
               <a:rPr lang="en-GB" smtClean="0"/>
-              <a:t>21/02/2025</a:t>
+              <a:t>22/02/2025</a:t>
             </a:fld>
             <a:endParaRPr lang="en-GB"/>
           </a:p>
@@ -2671,7 +2673,7 @@
           <a:p>
             <a:fld id="{386EAC6E-8ADC-498C-8D78-A1467B1978D3}" type="datetimeFigureOut">
               <a:rPr lang="en-GB" smtClean="0"/>
-              <a:t>21/02/2025</a:t>
+              <a:t>22/02/2025</a:t>
             </a:fld>
             <a:endParaRPr lang="en-GB"/>
           </a:p>
@@ -2912,7 +2914,7 @@
           <a:p>
             <a:fld id="{386EAC6E-8ADC-498C-8D78-A1467B1978D3}" type="datetimeFigureOut">
               <a:rPr lang="en-GB" smtClean="0"/>
-              <a:t>21/02/2025</a:t>
+              <a:t>22/02/2025</a:t>
             </a:fld>
             <a:endParaRPr lang="en-GB"/>
           </a:p>
@@ -3351,7 +3353,7 @@
           <a:lstStyle/>
           <a:p>
             <a:r>
-              <a:rPr lang="en-GB" dirty="0"/>
+              <a:rPr lang="en-GB" noProof="0" dirty="0"/>
               <a:t>WAD2 Group Project	</a:t>
             </a:r>
           </a:p>
@@ -3379,7 +3381,7 @@
           <a:lstStyle/>
           <a:p>
             <a:r>
-              <a:rPr lang="en-GB" dirty="0"/>
+              <a:rPr lang="en-GB" noProof="0" dirty="0"/>
               <a:t>Team 10-D</a:t>
             </a:r>
           </a:p>
@@ -3431,13 +3433,18 @@
             <p:ph type="title"/>
           </p:nvPr>
         </p:nvSpPr>
-        <p:spPr/>
+        <p:spPr>
+          <a:xfrm>
+            <a:off x="431800" y="365125"/>
+            <a:ext cx="10515600" cy="1325563"/>
+          </a:xfrm>
+        </p:spPr>
         <p:txBody>
           <a:bodyPr/>
           <a:lstStyle/>
           <a:p>
             <a:r>
-              <a:rPr lang="en-GB" dirty="0"/>
+              <a:rPr lang="en-GB" noProof="0" dirty="0"/>
               <a:t>Project Overview</a:t>
             </a:r>
           </a:p>
@@ -3459,36 +3466,41 @@
             <p:ph idx="1"/>
           </p:nvPr>
         </p:nvSpPr>
-        <p:spPr/>
+        <p:spPr>
+          <a:xfrm>
+            <a:off x="368300" y="1690688"/>
+            <a:ext cx="10515600" cy="4351338"/>
+          </a:xfrm>
+        </p:spPr>
         <p:txBody>
           <a:bodyPr/>
           <a:lstStyle/>
           <a:p>
             <a:r>
-              <a:rPr lang="en-GB" dirty="0"/>
+              <a:rPr lang="en-GB" noProof="0" dirty="0"/>
               <a:t>Users will be able to view albums</a:t>
             </a:r>
           </a:p>
           <a:p>
             <a:r>
-              <a:rPr lang="en-GB" dirty="0"/>
+              <a:rPr lang="en-GB" noProof="0" dirty="0"/>
               <a:t>Authenticated users will be able to like/dislike, comment on and upload albums</a:t>
             </a:r>
           </a:p>
           <a:p>
             <a:r>
-              <a:rPr lang="en-GB" dirty="0"/>
+              <a:rPr lang="en-GB" noProof="0" dirty="0"/>
               <a:t>The home page will show top rated albums, albums uploaded that day, and a search feature for users/albums</a:t>
             </a:r>
           </a:p>
           <a:p>
             <a:r>
-              <a:rPr lang="en-GB" dirty="0"/>
+              <a:rPr lang="en-GB" noProof="0" dirty="0"/>
               <a:t>A “follow” system- users will be able to follow other users, and albums they rate will show in the home page</a:t>
             </a:r>
           </a:p>
           <a:p>
-            <a:endParaRPr lang="en-GB" dirty="0"/>
+            <a:endParaRPr lang="en-GB" noProof="0" dirty="0"/>
           </a:p>
         </p:txBody>
       </p:sp>
@@ -3510,7 +3522,13 @@
   <p:cSld>
     <p:spTree>
       <p:nvGrpSpPr>
-        <p:cNvPr id="1" name=""/>
+        <p:cNvPr id="1" name="">
+          <a:extLst>
+            <a:ext uri="{FF2B5EF4-FFF2-40B4-BE49-F238E27FC236}">
+              <a16:creationId xmlns:a16="http://schemas.microsoft.com/office/drawing/2014/main" id="{A67D487C-ADA8-31AC-435F-B6DEE1DFAF96}"/>
+            </a:ext>
+          </a:extLst>
+        </p:cNvPr>
         <p:cNvGrpSpPr/>
         <p:nvPr/>
       </p:nvGrpSpPr>
@@ -3527,7 +3545,7 @@
           <p:cNvPr id="2" name="Title 1">
             <a:extLst>
               <a:ext uri="{FF2B5EF4-FFF2-40B4-BE49-F238E27FC236}">
-                <a16:creationId xmlns:a16="http://schemas.microsoft.com/office/drawing/2014/main" id="{3D4BB3E7-3677-9628-3BED-8C06AB41A9CF}"/>
+                <a16:creationId xmlns:a16="http://schemas.microsoft.com/office/drawing/2014/main" id="{5A47E641-6C73-6AC0-61DA-360021474C60}"/>
               </a:ext>
             </a:extLst>
           </p:cNvPr>
@@ -3538,14 +3556,19 @@
             <p:ph type="title"/>
           </p:nvPr>
         </p:nvSpPr>
-        <p:spPr/>
+        <p:spPr>
+          <a:xfrm>
+            <a:off x="279400" y="320675"/>
+            <a:ext cx="10515600" cy="1325563"/>
+          </a:xfrm>
+        </p:spPr>
         <p:txBody>
           <a:bodyPr/>
           <a:lstStyle/>
           <a:p>
             <a:r>
-              <a:rPr lang="en-GB" dirty="0"/>
-              <a:t>Project Specification</a:t>
+              <a:rPr lang="en-GB" noProof="0" dirty="0"/>
+              <a:t>User Personas</a:t>
             </a:r>
           </a:p>
         </p:txBody>
@@ -3555,7 +3578,7 @@
           <p:cNvPr id="3" name="Content Placeholder 2">
             <a:extLst>
               <a:ext uri="{FF2B5EF4-FFF2-40B4-BE49-F238E27FC236}">
-                <a16:creationId xmlns:a16="http://schemas.microsoft.com/office/drawing/2014/main" id="{CCDC9EDC-60DC-11A2-2D48-72DBECFE4670}"/>
+                <a16:creationId xmlns:a16="http://schemas.microsoft.com/office/drawing/2014/main" id="{0F19E9B1-00A2-5137-CA05-787ABE9D9D3F}"/>
               </a:ext>
             </a:extLst>
           </p:cNvPr>
@@ -3566,14 +3589,613 @@
             <p:ph idx="1"/>
           </p:nvPr>
         </p:nvSpPr>
-        <p:spPr/>
-        <p:txBody>
-          <a:bodyPr/>
+        <p:spPr>
+          <a:xfrm>
+            <a:off x="279400" y="1546224"/>
+            <a:ext cx="3924300" cy="4848225"/>
+          </a:xfrm>
+        </p:spPr>
+        <p:txBody>
+          <a:bodyPr>
+            <a:normAutofit/>
+          </a:bodyPr>
           <a:lstStyle/>
           <a:p>
-            <a:r>
-              <a:rPr lang="en-GB" dirty="0"/>
-              <a:t>Use of cookies, to keep track of views</a:t>
+            <a:pPr marL="0" indent="0">
+              <a:buNone/>
+            </a:pPr>
+            <a:r>
+              <a:rPr lang="en-GB" sz="1800" b="1" noProof="0" dirty="0"/>
+              <a:t>Casual Listener</a:t>
+            </a:r>
+            <a:r>
+              <a:rPr lang="en-GB" sz="1800" noProof="0" dirty="0"/>
+              <a:t>:</a:t>
+            </a:r>
+          </a:p>
+          <a:p>
+            <a:pPr marL="0" indent="0">
+              <a:buNone/>
+            </a:pPr>
+            <a:r>
+              <a:rPr lang="en-GB" sz="1800" noProof="0" dirty="0"/>
+              <a:t>Description: Loves listening to music, but doesn't have time to search deeply for new releases.</a:t>
+            </a:r>
+          </a:p>
+          <a:p>
+            <a:pPr marL="0" indent="0">
+              <a:buNone/>
+            </a:pPr>
+            <a:r>
+              <a:rPr lang="en-GB" sz="1800" i="1" noProof="0" dirty="0"/>
+              <a:t>Goal: </a:t>
+            </a:r>
+            <a:r>
+              <a:rPr lang="en-GB" sz="1800" noProof="0" dirty="0"/>
+              <a:t>Find new albums, quickly rate, read reviews from other users, leave short comments.</a:t>
+            </a:r>
+          </a:p>
+          <a:p>
+            <a:pPr marL="0" indent="0">
+              <a:buNone/>
+            </a:pPr>
+            <a:r>
+              <a:rPr lang="en-GB" sz="1800" i="1" noProof="0" dirty="0"/>
+              <a:t>Tasks:</a:t>
+            </a:r>
+          </a:p>
+          <a:p>
+            <a:pPr lvl="1"/>
+            <a:r>
+              <a:rPr lang="en-GB" sz="1800" dirty="0"/>
+              <a:t>Convenient</a:t>
+            </a:r>
+            <a:r>
+              <a:rPr lang="en-GB" sz="1800" noProof="0" dirty="0"/>
+              <a:t> search for albums, sort them by popularity/dates.</a:t>
+            </a:r>
+          </a:p>
+          <a:p>
+            <a:pPr lvl="1"/>
+            <a:r>
+              <a:rPr lang="en-GB" sz="1800" noProof="0" dirty="0"/>
+              <a:t>Keep track of what his friends like.</a:t>
+            </a:r>
+          </a:p>
+          <a:p>
+            <a:endParaRPr lang="en-GB" sz="1800" noProof="0" dirty="0"/>
+          </a:p>
+        </p:txBody>
+      </p:sp>
+      <p:sp>
+        <p:nvSpPr>
+          <p:cNvPr id="5" name="Content Placeholder 2">
+            <a:extLst>
+              <a:ext uri="{FF2B5EF4-FFF2-40B4-BE49-F238E27FC236}">
+                <a16:creationId xmlns:a16="http://schemas.microsoft.com/office/drawing/2014/main" id="{E800BC42-6DF4-355D-DD16-C45C46791893}"/>
+              </a:ext>
+            </a:extLst>
+          </p:cNvPr>
+          <p:cNvSpPr txBox="1">
+            <a:spLocks/>
+          </p:cNvSpPr>
+          <p:nvPr/>
+        </p:nvSpPr>
+        <p:spPr>
+          <a:xfrm>
+            <a:off x="4203700" y="1546224"/>
+            <a:ext cx="3924300" cy="4848225"/>
+          </a:xfrm>
+          <a:prstGeom prst="rect">
+            <a:avLst/>
+          </a:prstGeom>
+        </p:spPr>
+        <p:txBody>
+          <a:bodyPr vert="horz" lIns="91440" tIns="45720" rIns="91440" bIns="45720" rtlCol="0">
+            <a:normAutofit/>
+          </a:bodyPr>
+          <a:lstStyle>
+            <a:lvl1pPr marL="228600" indent="-228600" algn="l" defTabSz="914400" rtl="0" eaLnBrk="1" latinLnBrk="0" hangingPunct="1">
+              <a:lnSpc>
+                <a:spcPct val="90000"/>
+              </a:lnSpc>
+              <a:spcBef>
+                <a:spcPts val="1000"/>
+              </a:spcBef>
+              <a:buFont typeface="Arial" panose="020B0604020202020204" pitchFamily="34" charset="0"/>
+              <a:buChar char="•"/>
+              <a:defRPr sz="2800" kern="1200">
+                <a:solidFill>
+                  <a:schemeClr val="tx1"/>
+                </a:solidFill>
+                <a:latin typeface="+mn-lt"/>
+                <a:ea typeface="+mn-ea"/>
+                <a:cs typeface="+mn-cs"/>
+              </a:defRPr>
+            </a:lvl1pPr>
+            <a:lvl2pPr marL="685800" indent="-228600" algn="l" defTabSz="914400" rtl="0" eaLnBrk="1" latinLnBrk="0" hangingPunct="1">
+              <a:lnSpc>
+                <a:spcPct val="90000"/>
+              </a:lnSpc>
+              <a:spcBef>
+                <a:spcPts val="500"/>
+              </a:spcBef>
+              <a:buFont typeface="Arial" panose="020B0604020202020204" pitchFamily="34" charset="0"/>
+              <a:buChar char="•"/>
+              <a:defRPr sz="2400" kern="1200">
+                <a:solidFill>
+                  <a:schemeClr val="tx1"/>
+                </a:solidFill>
+                <a:latin typeface="+mn-lt"/>
+                <a:ea typeface="+mn-ea"/>
+                <a:cs typeface="+mn-cs"/>
+              </a:defRPr>
+            </a:lvl2pPr>
+            <a:lvl3pPr marL="1143000" indent="-228600" algn="l" defTabSz="914400" rtl="0" eaLnBrk="1" latinLnBrk="0" hangingPunct="1">
+              <a:lnSpc>
+                <a:spcPct val="90000"/>
+              </a:lnSpc>
+              <a:spcBef>
+                <a:spcPts val="500"/>
+              </a:spcBef>
+              <a:buFont typeface="Arial" panose="020B0604020202020204" pitchFamily="34" charset="0"/>
+              <a:buChar char="•"/>
+              <a:defRPr sz="2000" kern="1200">
+                <a:solidFill>
+                  <a:schemeClr val="tx1"/>
+                </a:solidFill>
+                <a:latin typeface="+mn-lt"/>
+                <a:ea typeface="+mn-ea"/>
+                <a:cs typeface="+mn-cs"/>
+              </a:defRPr>
+            </a:lvl3pPr>
+            <a:lvl4pPr marL="1600200" indent="-228600" algn="l" defTabSz="914400" rtl="0" eaLnBrk="1" latinLnBrk="0" hangingPunct="1">
+              <a:lnSpc>
+                <a:spcPct val="90000"/>
+              </a:lnSpc>
+              <a:spcBef>
+                <a:spcPts val="500"/>
+              </a:spcBef>
+              <a:buFont typeface="Arial" panose="020B0604020202020204" pitchFamily="34" charset="0"/>
+              <a:buChar char="•"/>
+              <a:defRPr sz="1800" kern="1200">
+                <a:solidFill>
+                  <a:schemeClr val="tx1"/>
+                </a:solidFill>
+                <a:latin typeface="+mn-lt"/>
+                <a:ea typeface="+mn-ea"/>
+                <a:cs typeface="+mn-cs"/>
+              </a:defRPr>
+            </a:lvl4pPr>
+            <a:lvl5pPr marL="2057400" indent="-228600" algn="l" defTabSz="914400" rtl="0" eaLnBrk="1" latinLnBrk="0" hangingPunct="1">
+              <a:lnSpc>
+                <a:spcPct val="90000"/>
+              </a:lnSpc>
+              <a:spcBef>
+                <a:spcPts val="500"/>
+              </a:spcBef>
+              <a:buFont typeface="Arial" panose="020B0604020202020204" pitchFamily="34" charset="0"/>
+              <a:buChar char="•"/>
+              <a:defRPr sz="1800" kern="1200">
+                <a:solidFill>
+                  <a:schemeClr val="tx1"/>
+                </a:solidFill>
+                <a:latin typeface="+mn-lt"/>
+                <a:ea typeface="+mn-ea"/>
+                <a:cs typeface="+mn-cs"/>
+              </a:defRPr>
+            </a:lvl5pPr>
+            <a:lvl6pPr marL="2514600" indent="-228600" algn="l" defTabSz="914400" rtl="0" eaLnBrk="1" latinLnBrk="0" hangingPunct="1">
+              <a:lnSpc>
+                <a:spcPct val="90000"/>
+              </a:lnSpc>
+              <a:spcBef>
+                <a:spcPts val="500"/>
+              </a:spcBef>
+              <a:buFont typeface="Arial" panose="020B0604020202020204" pitchFamily="34" charset="0"/>
+              <a:buChar char="•"/>
+              <a:defRPr sz="1800" kern="1200">
+                <a:solidFill>
+                  <a:schemeClr val="tx1"/>
+                </a:solidFill>
+                <a:latin typeface="+mn-lt"/>
+                <a:ea typeface="+mn-ea"/>
+                <a:cs typeface="+mn-cs"/>
+              </a:defRPr>
+            </a:lvl6pPr>
+            <a:lvl7pPr marL="2971800" indent="-228600" algn="l" defTabSz="914400" rtl="0" eaLnBrk="1" latinLnBrk="0" hangingPunct="1">
+              <a:lnSpc>
+                <a:spcPct val="90000"/>
+              </a:lnSpc>
+              <a:spcBef>
+                <a:spcPts val="500"/>
+              </a:spcBef>
+              <a:buFont typeface="Arial" panose="020B0604020202020204" pitchFamily="34" charset="0"/>
+              <a:buChar char="•"/>
+              <a:defRPr sz="1800" kern="1200">
+                <a:solidFill>
+                  <a:schemeClr val="tx1"/>
+                </a:solidFill>
+                <a:latin typeface="+mn-lt"/>
+                <a:ea typeface="+mn-ea"/>
+                <a:cs typeface="+mn-cs"/>
+              </a:defRPr>
+            </a:lvl7pPr>
+            <a:lvl8pPr marL="3429000" indent="-228600" algn="l" defTabSz="914400" rtl="0" eaLnBrk="1" latinLnBrk="0" hangingPunct="1">
+              <a:lnSpc>
+                <a:spcPct val="90000"/>
+              </a:lnSpc>
+              <a:spcBef>
+                <a:spcPts val="500"/>
+              </a:spcBef>
+              <a:buFont typeface="Arial" panose="020B0604020202020204" pitchFamily="34" charset="0"/>
+              <a:buChar char="•"/>
+              <a:defRPr sz="1800" kern="1200">
+                <a:solidFill>
+                  <a:schemeClr val="tx1"/>
+                </a:solidFill>
+                <a:latin typeface="+mn-lt"/>
+                <a:ea typeface="+mn-ea"/>
+                <a:cs typeface="+mn-cs"/>
+              </a:defRPr>
+            </a:lvl8pPr>
+            <a:lvl9pPr marL="3886200" indent="-228600" algn="l" defTabSz="914400" rtl="0" eaLnBrk="1" latinLnBrk="0" hangingPunct="1">
+              <a:lnSpc>
+                <a:spcPct val="90000"/>
+              </a:lnSpc>
+              <a:spcBef>
+                <a:spcPts val="500"/>
+              </a:spcBef>
+              <a:buFont typeface="Arial" panose="020B0604020202020204" pitchFamily="34" charset="0"/>
+              <a:buChar char="•"/>
+              <a:defRPr sz="1800" kern="1200">
+                <a:solidFill>
+                  <a:schemeClr val="tx1"/>
+                </a:solidFill>
+                <a:latin typeface="+mn-lt"/>
+                <a:ea typeface="+mn-ea"/>
+                <a:cs typeface="+mn-cs"/>
+              </a:defRPr>
+            </a:lvl9pPr>
+          </a:lstStyle>
+          <a:p>
+            <a:pPr marL="0" indent="0">
+              <a:buFont typeface="Arial" panose="020B0604020202020204" pitchFamily="34" charset="0"/>
+              <a:buNone/>
+            </a:pPr>
+            <a:r>
+              <a:rPr lang="en-GB" sz="1800" b="1" noProof="0" dirty="0"/>
+              <a:t>Content Creator</a:t>
+            </a:r>
+            <a:r>
+              <a:rPr lang="en-GB" sz="1800" noProof="0" dirty="0"/>
+              <a:t>:</a:t>
+            </a:r>
+          </a:p>
+          <a:p>
+            <a:pPr marL="0" indent="0">
+              <a:buFont typeface="Arial" panose="020B0604020202020204" pitchFamily="34" charset="0"/>
+              <a:buNone/>
+            </a:pPr>
+            <a:r>
+              <a:rPr lang="en-GB" sz="1800" i="1" noProof="0" dirty="0"/>
+              <a:t>Description:</a:t>
+            </a:r>
+            <a:r>
+              <a:rPr lang="en-GB" sz="1800" noProof="0" dirty="0"/>
+              <a:t> An aspiring musician, he records his own tracks and wants to share them with the community.</a:t>
+            </a:r>
+          </a:p>
+          <a:p>
+            <a:pPr marL="0" indent="0">
+              <a:buFont typeface="Arial" panose="020B0604020202020204" pitchFamily="34" charset="0"/>
+              <a:buNone/>
+            </a:pPr>
+            <a:r>
+              <a:rPr lang="en-GB" sz="1800" i="1" noProof="0" dirty="0"/>
+              <a:t>Goal: </a:t>
+            </a:r>
+            <a:r>
+              <a:rPr lang="en-GB" sz="1800" noProof="0" dirty="0"/>
+              <a:t>Upload your albums, get feedback and a fan base.</a:t>
+            </a:r>
+          </a:p>
+          <a:p>
+            <a:pPr marL="0" indent="0">
+              <a:buFont typeface="Arial" panose="020B0604020202020204" pitchFamily="34" charset="0"/>
+              <a:buNone/>
+            </a:pPr>
+            <a:r>
+              <a:rPr lang="en-GB" sz="1800" i="1" noProof="0" dirty="0"/>
+              <a:t>Tasks:</a:t>
+            </a:r>
+          </a:p>
+          <a:p>
+            <a:pPr lvl="1"/>
+            <a:r>
+              <a:rPr lang="en-GB" sz="1800" noProof="0" dirty="0"/>
+              <a:t>Easy upload albums and covers.</a:t>
+            </a:r>
+          </a:p>
+          <a:p>
+            <a:pPr lvl="1"/>
+            <a:r>
+              <a:rPr lang="en-GB" sz="1800" noProof="0" dirty="0"/>
+              <a:t>Ability to track statistics (number of likes, views and comments).</a:t>
+            </a:r>
+          </a:p>
+          <a:p>
+            <a:pPr lvl="1"/>
+            <a:r>
+              <a:rPr lang="en-GB" sz="1800" noProof="0" dirty="0"/>
+              <a:t>Communicate with fans through comments.</a:t>
+            </a:r>
+          </a:p>
+        </p:txBody>
+      </p:sp>
+      <p:sp>
+        <p:nvSpPr>
+          <p:cNvPr id="6" name="Content Placeholder 2">
+            <a:extLst>
+              <a:ext uri="{FF2B5EF4-FFF2-40B4-BE49-F238E27FC236}">
+                <a16:creationId xmlns:a16="http://schemas.microsoft.com/office/drawing/2014/main" id="{6C202748-E359-D596-5AFC-AEFA8D2BD373}"/>
+              </a:ext>
+            </a:extLst>
+          </p:cNvPr>
+          <p:cNvSpPr txBox="1">
+            <a:spLocks/>
+          </p:cNvSpPr>
+          <p:nvPr/>
+        </p:nvSpPr>
+        <p:spPr>
+          <a:xfrm>
+            <a:off x="8128000" y="1546224"/>
+            <a:ext cx="3924300" cy="4848225"/>
+          </a:xfrm>
+          <a:prstGeom prst="rect">
+            <a:avLst/>
+          </a:prstGeom>
+        </p:spPr>
+        <p:txBody>
+          <a:bodyPr vert="horz" lIns="91440" tIns="45720" rIns="91440" bIns="45720" rtlCol="0">
+            <a:noAutofit/>
+          </a:bodyPr>
+          <a:lstStyle>
+            <a:lvl1pPr marL="228600" indent="-228600" algn="l" defTabSz="914400" rtl="0" eaLnBrk="1" latinLnBrk="0" hangingPunct="1">
+              <a:lnSpc>
+                <a:spcPct val="90000"/>
+              </a:lnSpc>
+              <a:spcBef>
+                <a:spcPts val="1000"/>
+              </a:spcBef>
+              <a:buFont typeface="Arial" panose="020B0604020202020204" pitchFamily="34" charset="0"/>
+              <a:buChar char="•"/>
+              <a:defRPr sz="2800" kern="1200">
+                <a:solidFill>
+                  <a:schemeClr val="tx1"/>
+                </a:solidFill>
+                <a:latin typeface="+mn-lt"/>
+                <a:ea typeface="+mn-ea"/>
+                <a:cs typeface="+mn-cs"/>
+              </a:defRPr>
+            </a:lvl1pPr>
+            <a:lvl2pPr marL="685800" indent="-228600" algn="l" defTabSz="914400" rtl="0" eaLnBrk="1" latinLnBrk="0" hangingPunct="1">
+              <a:lnSpc>
+                <a:spcPct val="90000"/>
+              </a:lnSpc>
+              <a:spcBef>
+                <a:spcPts val="500"/>
+              </a:spcBef>
+              <a:buFont typeface="Arial" panose="020B0604020202020204" pitchFamily="34" charset="0"/>
+              <a:buChar char="•"/>
+              <a:defRPr sz="2400" kern="1200">
+                <a:solidFill>
+                  <a:schemeClr val="tx1"/>
+                </a:solidFill>
+                <a:latin typeface="+mn-lt"/>
+                <a:ea typeface="+mn-ea"/>
+                <a:cs typeface="+mn-cs"/>
+              </a:defRPr>
+            </a:lvl2pPr>
+            <a:lvl3pPr marL="1143000" indent="-228600" algn="l" defTabSz="914400" rtl="0" eaLnBrk="1" latinLnBrk="0" hangingPunct="1">
+              <a:lnSpc>
+                <a:spcPct val="90000"/>
+              </a:lnSpc>
+              <a:spcBef>
+                <a:spcPts val="500"/>
+              </a:spcBef>
+              <a:buFont typeface="Arial" panose="020B0604020202020204" pitchFamily="34" charset="0"/>
+              <a:buChar char="•"/>
+              <a:defRPr sz="2000" kern="1200">
+                <a:solidFill>
+                  <a:schemeClr val="tx1"/>
+                </a:solidFill>
+                <a:latin typeface="+mn-lt"/>
+                <a:ea typeface="+mn-ea"/>
+                <a:cs typeface="+mn-cs"/>
+              </a:defRPr>
+            </a:lvl3pPr>
+            <a:lvl4pPr marL="1600200" indent="-228600" algn="l" defTabSz="914400" rtl="0" eaLnBrk="1" latinLnBrk="0" hangingPunct="1">
+              <a:lnSpc>
+                <a:spcPct val="90000"/>
+              </a:lnSpc>
+              <a:spcBef>
+                <a:spcPts val="500"/>
+              </a:spcBef>
+              <a:buFont typeface="Arial" panose="020B0604020202020204" pitchFamily="34" charset="0"/>
+              <a:buChar char="•"/>
+              <a:defRPr sz="1800" kern="1200">
+                <a:solidFill>
+                  <a:schemeClr val="tx1"/>
+                </a:solidFill>
+                <a:latin typeface="+mn-lt"/>
+                <a:ea typeface="+mn-ea"/>
+                <a:cs typeface="+mn-cs"/>
+              </a:defRPr>
+            </a:lvl4pPr>
+            <a:lvl5pPr marL="2057400" indent="-228600" algn="l" defTabSz="914400" rtl="0" eaLnBrk="1" latinLnBrk="0" hangingPunct="1">
+              <a:lnSpc>
+                <a:spcPct val="90000"/>
+              </a:lnSpc>
+              <a:spcBef>
+                <a:spcPts val="500"/>
+              </a:spcBef>
+              <a:buFont typeface="Arial" panose="020B0604020202020204" pitchFamily="34" charset="0"/>
+              <a:buChar char="•"/>
+              <a:defRPr sz="1800" kern="1200">
+                <a:solidFill>
+                  <a:schemeClr val="tx1"/>
+                </a:solidFill>
+                <a:latin typeface="+mn-lt"/>
+                <a:ea typeface="+mn-ea"/>
+                <a:cs typeface="+mn-cs"/>
+              </a:defRPr>
+            </a:lvl5pPr>
+            <a:lvl6pPr marL="2514600" indent="-228600" algn="l" defTabSz="914400" rtl="0" eaLnBrk="1" latinLnBrk="0" hangingPunct="1">
+              <a:lnSpc>
+                <a:spcPct val="90000"/>
+              </a:lnSpc>
+              <a:spcBef>
+                <a:spcPts val="500"/>
+              </a:spcBef>
+              <a:buFont typeface="Arial" panose="020B0604020202020204" pitchFamily="34" charset="0"/>
+              <a:buChar char="•"/>
+              <a:defRPr sz="1800" kern="1200">
+                <a:solidFill>
+                  <a:schemeClr val="tx1"/>
+                </a:solidFill>
+                <a:latin typeface="+mn-lt"/>
+                <a:ea typeface="+mn-ea"/>
+                <a:cs typeface="+mn-cs"/>
+              </a:defRPr>
+            </a:lvl6pPr>
+            <a:lvl7pPr marL="2971800" indent="-228600" algn="l" defTabSz="914400" rtl="0" eaLnBrk="1" latinLnBrk="0" hangingPunct="1">
+              <a:lnSpc>
+                <a:spcPct val="90000"/>
+              </a:lnSpc>
+              <a:spcBef>
+                <a:spcPts val="500"/>
+              </a:spcBef>
+              <a:buFont typeface="Arial" panose="020B0604020202020204" pitchFamily="34" charset="0"/>
+              <a:buChar char="•"/>
+              <a:defRPr sz="1800" kern="1200">
+                <a:solidFill>
+                  <a:schemeClr val="tx1"/>
+                </a:solidFill>
+                <a:latin typeface="+mn-lt"/>
+                <a:ea typeface="+mn-ea"/>
+                <a:cs typeface="+mn-cs"/>
+              </a:defRPr>
+            </a:lvl7pPr>
+            <a:lvl8pPr marL="3429000" indent="-228600" algn="l" defTabSz="914400" rtl="0" eaLnBrk="1" latinLnBrk="0" hangingPunct="1">
+              <a:lnSpc>
+                <a:spcPct val="90000"/>
+              </a:lnSpc>
+              <a:spcBef>
+                <a:spcPts val="500"/>
+              </a:spcBef>
+              <a:buFont typeface="Arial" panose="020B0604020202020204" pitchFamily="34" charset="0"/>
+              <a:buChar char="•"/>
+              <a:defRPr sz="1800" kern="1200">
+                <a:solidFill>
+                  <a:schemeClr val="tx1"/>
+                </a:solidFill>
+                <a:latin typeface="+mn-lt"/>
+                <a:ea typeface="+mn-ea"/>
+                <a:cs typeface="+mn-cs"/>
+              </a:defRPr>
+            </a:lvl8pPr>
+            <a:lvl9pPr marL="3886200" indent="-228600" algn="l" defTabSz="914400" rtl="0" eaLnBrk="1" latinLnBrk="0" hangingPunct="1">
+              <a:lnSpc>
+                <a:spcPct val="90000"/>
+              </a:lnSpc>
+              <a:spcBef>
+                <a:spcPts val="500"/>
+              </a:spcBef>
+              <a:buFont typeface="Arial" panose="020B0604020202020204" pitchFamily="34" charset="0"/>
+              <a:buChar char="•"/>
+              <a:defRPr sz="1800" kern="1200">
+                <a:solidFill>
+                  <a:schemeClr val="tx1"/>
+                </a:solidFill>
+                <a:latin typeface="+mn-lt"/>
+                <a:ea typeface="+mn-ea"/>
+                <a:cs typeface="+mn-cs"/>
+              </a:defRPr>
+            </a:lvl9pPr>
+          </a:lstStyle>
+          <a:p>
+            <a:pPr marL="0" indent="0">
+              <a:buFont typeface="Arial" panose="020B0604020202020204" pitchFamily="34" charset="0"/>
+              <a:buNone/>
+            </a:pPr>
+            <a:r>
+              <a:rPr lang="en-GB" sz="1800" b="1" noProof="0" dirty="0"/>
+              <a:t>Music Critic</a:t>
+            </a:r>
+            <a:r>
+              <a:rPr lang="en-GB" sz="1800" noProof="0" dirty="0"/>
+              <a:t>:</a:t>
+            </a:r>
+          </a:p>
+          <a:p>
+            <a:pPr marL="0" indent="0">
+              <a:buFont typeface="Arial" panose="020B0604020202020204" pitchFamily="34" charset="0"/>
+              <a:buNone/>
+            </a:pPr>
+            <a:r>
+              <a:rPr lang="en-GB" sz="1800" i="1" noProof="0" dirty="0"/>
+              <a:t>Description:</a:t>
+            </a:r>
+            <a:r>
+              <a:rPr lang="en-GB" sz="1800" noProof="0" dirty="0"/>
+              <a:t> An experienced music lover, he runs a blog and loves to give detailed reviews of music.</a:t>
+            </a:r>
+          </a:p>
+          <a:p>
+            <a:pPr marL="0" indent="0">
+              <a:buFont typeface="Arial" panose="020B0604020202020204" pitchFamily="34" charset="0"/>
+              <a:buNone/>
+            </a:pPr>
+            <a:r>
+              <a:rPr lang="en-GB" sz="1800" i="1" noProof="0" dirty="0"/>
+              <a:t>Goal: </a:t>
+            </a:r>
+            <a:r>
+              <a:rPr lang="en-US" sz="1800" noProof="0" dirty="0"/>
+              <a:t>Search for rare/interesting albums, comment on them in detail</a:t>
+            </a:r>
+            <a:r>
+              <a:rPr lang="en-GB" sz="1800" noProof="0" dirty="0"/>
+              <a:t>.</a:t>
+            </a:r>
+          </a:p>
+          <a:p>
+            <a:pPr marL="0" indent="0">
+              <a:buFont typeface="Arial" panose="020B0604020202020204" pitchFamily="34" charset="0"/>
+              <a:buNone/>
+            </a:pPr>
+            <a:r>
+              <a:rPr lang="en-GB" sz="1800" i="1" noProof="0" dirty="0"/>
+              <a:t>Tasks:</a:t>
+            </a:r>
+          </a:p>
+          <a:p>
+            <a:pPr lvl="1"/>
+            <a:r>
+              <a:rPr lang="en-US" sz="1800" noProof="0" dirty="0"/>
+              <a:t>Ability to find albums by genre and other metadata.</a:t>
+            </a:r>
+          </a:p>
+          <a:p>
+            <a:pPr lvl="1"/>
+            <a:r>
+              <a:rPr lang="en-US" sz="1800" dirty="0"/>
+              <a:t>Write detailed reviews for each album</a:t>
+            </a:r>
+            <a:r>
+              <a:rPr lang="en-US" sz="1800" noProof="0" dirty="0"/>
+              <a:t>.</a:t>
             </a:r>
           </a:p>
         </p:txBody>
@@ -3581,7 +4203,7 @@
     </p:spTree>
     <p:extLst>
       <p:ext uri="{BB962C8B-B14F-4D97-AF65-F5344CB8AC3E}">
-        <p14:creationId xmlns:p14="http://schemas.microsoft.com/office/powerpoint/2010/main" val="2058726886"/>
+        <p14:creationId xmlns:p14="http://schemas.microsoft.com/office/powerpoint/2010/main" val="173748744"/>
       </p:ext>
     </p:extLst>
   </p:cSld>
@@ -3613,7 +4235,7 @@
           <p:cNvPr id="2" name="Title 1">
             <a:extLst>
               <a:ext uri="{FF2B5EF4-FFF2-40B4-BE49-F238E27FC236}">
-                <a16:creationId xmlns:a16="http://schemas.microsoft.com/office/drawing/2014/main" id="{41EA2D55-21D6-B6D6-9F55-727B1DB29312}"/>
+                <a16:creationId xmlns:a16="http://schemas.microsoft.com/office/drawing/2014/main" id="{3D4BB3E7-3677-9628-3BED-8C06AB41A9CF}"/>
               </a:ext>
             </a:extLst>
           </p:cNvPr>
@@ -3624,13 +4246,1650 @@
             <p:ph type="title"/>
           </p:nvPr>
         </p:nvSpPr>
-        <p:spPr/>
+        <p:spPr>
+          <a:xfrm>
+            <a:off x="330200" y="257175"/>
+            <a:ext cx="10515600" cy="1325563"/>
+          </a:xfrm>
+        </p:spPr>
         <p:txBody>
           <a:bodyPr/>
           <a:lstStyle/>
           <a:p>
             <a:r>
+              <a:rPr lang="en-GB" noProof="0" dirty="0"/>
+              <a:t>Project Specification</a:t>
+            </a:r>
+          </a:p>
+        </p:txBody>
+      </p:sp>
+      <p:graphicFrame>
+        <p:nvGraphicFramePr>
+          <p:cNvPr id="4" name="Table 3">
+            <a:extLst>
+              <a:ext uri="{FF2B5EF4-FFF2-40B4-BE49-F238E27FC236}">
+                <a16:creationId xmlns:a16="http://schemas.microsoft.com/office/drawing/2014/main" id="{C086A621-F8F0-0464-129E-826126E15D4D}"/>
+              </a:ext>
+            </a:extLst>
+          </p:cNvPr>
+          <p:cNvGraphicFramePr>
+            <a:graphicFrameLocks noGrp="1"/>
+          </p:cNvGraphicFramePr>
+          <p:nvPr>
+            <p:extLst>
+              <p:ext uri="{D42A27DB-BD31-4B8C-83A1-F6EECF244321}">
+                <p14:modId xmlns:p14="http://schemas.microsoft.com/office/powerpoint/2010/main" val="3828459622"/>
+              </p:ext>
+            </p:extLst>
+          </p:nvPr>
+        </p:nvGraphicFramePr>
+        <p:xfrm>
+          <a:off x="405685" y="1278036"/>
+          <a:ext cx="11352726" cy="4211320"/>
+        </p:xfrm>
+        <a:graphic>
+          <a:graphicData uri="http://schemas.openxmlformats.org/drawingml/2006/table">
+            <a:tbl>
+              <a:tblPr firstRow="1" bandRow="1">
+                <a:tableStyleId>{5C22544A-7EE6-4342-B048-85BDC9FD1C3A}</a:tableStyleId>
+              </a:tblPr>
+              <a:tblGrid>
+                <a:gridCol w="5546029">
+                  <a:extLst>
+                    <a:ext uri="{9D8B030D-6E8A-4147-A177-3AD203B41FA5}">
+                      <a16:colId xmlns:a16="http://schemas.microsoft.com/office/drawing/2014/main" val="1641353362"/>
+                    </a:ext>
+                  </a:extLst>
+                </a:gridCol>
+                <a:gridCol w="5806697">
+                  <a:extLst>
+                    <a:ext uri="{9D8B030D-6E8A-4147-A177-3AD203B41FA5}">
+                      <a16:colId xmlns:a16="http://schemas.microsoft.com/office/drawing/2014/main" val="4291018923"/>
+                    </a:ext>
+                  </a:extLst>
+                </a:gridCol>
+              </a:tblGrid>
+              <a:tr h="370840">
+                <a:tc>
+                  <a:txBody>
+                    <a:bodyPr/>
+                    <a:lstStyle/>
+                    <a:p>
+                      <a:r>
+                        <a:rPr lang="en-GB" noProof="0" dirty="0"/>
+                        <a:t>Specification</a:t>
+                      </a:r>
+                      <a:endParaRPr lang="en-US" dirty="0"/>
+                    </a:p>
+                  </a:txBody>
+                  <a:tcPr/>
+                </a:tc>
+                <a:tc>
+                  <a:txBody>
+                    <a:bodyPr/>
+                    <a:lstStyle/>
+                    <a:p>
+                      <a:r>
+                        <a:rPr lang="en-GB" dirty="0"/>
+                        <a:t>Description</a:t>
+                      </a:r>
+                      <a:endParaRPr lang="en-US" dirty="0"/>
+                    </a:p>
+                  </a:txBody>
+                  <a:tcPr/>
+                </a:tc>
+                <a:extLst>
+                  <a:ext uri="{0D108BD9-81ED-4DB2-BD59-A6C34878D82A}">
+                    <a16:rowId xmlns:a16="http://schemas.microsoft.com/office/drawing/2014/main" val="1518990347"/>
+                  </a:ext>
+                </a:extLst>
+              </a:tr>
+              <a:tr h="370840">
+                <a:tc>
+                  <a:txBody>
+                    <a:bodyPr/>
+                    <a:lstStyle/>
+                    <a:p>
+                      <a:r>
+                        <a:rPr lang="en-GB" sz="1200" noProof="0" dirty="0"/>
+                        <a:t>Registration and authorisation</a:t>
+                      </a:r>
+                      <a:endParaRPr lang="en-US" sz="1200" dirty="0"/>
+                    </a:p>
+                  </a:txBody>
+                  <a:tcPr/>
+                </a:tc>
+                <a:tc>
+                  <a:txBody>
+                    <a:bodyPr/>
+                    <a:lstStyle/>
+                    <a:p>
+                      <a:pPr marL="171450" indent="-171450">
+                        <a:buFont typeface="Arial" panose="020B0604020202020204" pitchFamily="34" charset="0"/>
+                        <a:buChar char="•"/>
+                      </a:pPr>
+                      <a:r>
+                        <a:rPr lang="en-US" sz="1200" dirty="0"/>
+                        <a:t>The user can create an account using a login and password.</a:t>
+                      </a:r>
+                    </a:p>
+                    <a:p>
+                      <a:pPr marL="171450" indent="-171450">
+                        <a:buFont typeface="Arial" panose="020B0604020202020204" pitchFamily="34" charset="0"/>
+                        <a:buChar char="•"/>
+                      </a:pPr>
+                      <a:r>
+                        <a:rPr lang="en-US" sz="1200" dirty="0"/>
+                        <a:t>Authenticated users have access to like, comment and upload album features.</a:t>
+                      </a:r>
+                    </a:p>
+                  </a:txBody>
+                  <a:tcPr/>
+                </a:tc>
+                <a:extLst>
+                  <a:ext uri="{0D108BD9-81ED-4DB2-BD59-A6C34878D82A}">
+                    <a16:rowId xmlns:a16="http://schemas.microsoft.com/office/drawing/2014/main" val="1979020116"/>
+                  </a:ext>
+                </a:extLst>
+              </a:tr>
+              <a:tr h="370840">
+                <a:tc>
+                  <a:txBody>
+                    <a:bodyPr/>
+                    <a:lstStyle/>
+                    <a:p>
+                      <a:r>
+                        <a:rPr lang="en-US" sz="1200" dirty="0"/>
+                        <a:t>User profile</a:t>
+                      </a:r>
+                    </a:p>
+                  </a:txBody>
+                  <a:tcPr/>
+                </a:tc>
+                <a:tc>
+                  <a:txBody>
+                    <a:bodyPr/>
+                    <a:lstStyle/>
+                    <a:p>
+                      <a:pPr marL="171450" indent="-171450">
+                        <a:buFont typeface="Arial" panose="020B0604020202020204" pitchFamily="34" charset="0"/>
+                        <a:buChar char="•"/>
+                      </a:pPr>
+                      <a:r>
+                        <a:rPr lang="en-US" sz="1200" dirty="0"/>
+                        <a:t>Display basic information: username, registration date, uploaded albums, etc.</a:t>
+                      </a:r>
+                    </a:p>
+                    <a:p>
+                      <a:pPr marL="171450" indent="-171450">
+                        <a:buFont typeface="Arial" panose="020B0604020202020204" pitchFamily="34" charset="0"/>
+                        <a:buChar char="•"/>
+                      </a:pPr>
+                      <a:r>
+                        <a:rPr lang="en-US" sz="1200" dirty="0"/>
+                        <a:t>Ability to change password and some settings.</a:t>
+                      </a:r>
+                    </a:p>
+                  </a:txBody>
+                  <a:tcPr/>
+                </a:tc>
+                <a:extLst>
+                  <a:ext uri="{0D108BD9-81ED-4DB2-BD59-A6C34878D82A}">
+                    <a16:rowId xmlns:a16="http://schemas.microsoft.com/office/drawing/2014/main" val="1513095257"/>
+                  </a:ext>
+                </a:extLst>
+              </a:tr>
+              <a:tr h="370840">
+                <a:tc>
+                  <a:txBody>
+                    <a:bodyPr/>
+                    <a:lstStyle/>
+                    <a:p>
+                      <a:r>
+                        <a:rPr lang="en-US" sz="1200" dirty="0"/>
+                        <a:t>Albums uploading</a:t>
+                      </a:r>
+                    </a:p>
+                  </a:txBody>
+                  <a:tcPr/>
+                </a:tc>
+                <a:tc>
+                  <a:txBody>
+                    <a:bodyPr/>
+                    <a:lstStyle/>
+                    <a:p>
+                      <a:pPr marL="171450" indent="-171450">
+                        <a:buFont typeface="Arial" panose="020B0604020202020204" pitchFamily="34" charset="0"/>
+                        <a:buChar char="•"/>
+                      </a:pPr>
+                      <a:r>
+                        <a:rPr lang="en-US" sz="1200" dirty="0"/>
+                        <a:t>Fields when uploading: Album title, Cover, Genre, Description (optional).</a:t>
+                      </a:r>
+                    </a:p>
+                    <a:p>
+                      <a:pPr marL="171450" indent="-171450">
+                        <a:buFont typeface="Arial" panose="020B0604020202020204" pitchFamily="34" charset="0"/>
+                        <a:buChar char="•"/>
+                      </a:pPr>
+                      <a:r>
+                        <a:rPr lang="en-US" sz="1200" dirty="0"/>
+                        <a:t>Tracking upload date, views, likes/dislikes.</a:t>
+                      </a:r>
+                    </a:p>
+                  </a:txBody>
+                  <a:tcPr/>
+                </a:tc>
+                <a:extLst>
+                  <a:ext uri="{0D108BD9-81ED-4DB2-BD59-A6C34878D82A}">
+                    <a16:rowId xmlns:a16="http://schemas.microsoft.com/office/drawing/2014/main" val="3924231895"/>
+                  </a:ext>
+                </a:extLst>
+              </a:tr>
+              <a:tr h="370840">
+                <a:tc>
+                  <a:txBody>
+                    <a:bodyPr/>
+                    <a:lstStyle/>
+                    <a:p>
+                      <a:r>
+                        <a:rPr lang="en-US" sz="1200" dirty="0"/>
+                        <a:t>Like/dislike system</a:t>
+                      </a:r>
+                    </a:p>
+                  </a:txBody>
+                  <a:tcPr/>
+                </a:tc>
+                <a:tc>
+                  <a:txBody>
+                    <a:bodyPr/>
+                    <a:lstStyle/>
+                    <a:p>
+                      <a:pPr marL="171450" indent="-171450">
+                        <a:buFont typeface="Arial" panose="020B0604020202020204" pitchFamily="34" charset="0"/>
+                        <a:buChar char="•"/>
+                      </a:pPr>
+                      <a:r>
+                        <a:rPr lang="en-US" sz="1200" dirty="0"/>
+                        <a:t>Each album can be rated positively or negatively.</a:t>
+                      </a:r>
+                      <a:endParaRPr lang="ru-RU" sz="1200" dirty="0"/>
+                    </a:p>
+                    <a:p>
+                      <a:pPr marL="171450" indent="-171450">
+                        <a:buFont typeface="Arial" panose="020B0604020202020204" pitchFamily="34" charset="0"/>
+                        <a:buChar char="•"/>
+                      </a:pPr>
+                      <a:r>
+                        <a:rPr lang="en-US" sz="1200" dirty="0"/>
+                        <a:t>The like/dislike counter is displayed next to each album.</a:t>
+                      </a:r>
+                    </a:p>
+                  </a:txBody>
+                  <a:tcPr/>
+                </a:tc>
+                <a:extLst>
+                  <a:ext uri="{0D108BD9-81ED-4DB2-BD59-A6C34878D82A}">
+                    <a16:rowId xmlns:a16="http://schemas.microsoft.com/office/drawing/2014/main" val="2028155564"/>
+                  </a:ext>
+                </a:extLst>
+              </a:tr>
+              <a:tr h="370840">
+                <a:tc>
+                  <a:txBody>
+                    <a:bodyPr/>
+                    <a:lstStyle/>
+                    <a:p>
+                      <a:r>
+                        <a:rPr lang="en-US" sz="1200" dirty="0"/>
+                        <a:t>Comment system</a:t>
+                      </a:r>
+                    </a:p>
+                  </a:txBody>
+                  <a:tcPr/>
+                </a:tc>
+                <a:tc>
+                  <a:txBody>
+                    <a:bodyPr/>
+                    <a:lstStyle/>
+                    <a:p>
+                      <a:pPr marL="171450" indent="-171450">
+                        <a:buFont typeface="Arial" panose="020B0604020202020204" pitchFamily="34" charset="0"/>
+                        <a:buChar char="•"/>
+                      </a:pPr>
+                      <a:r>
+                        <a:rPr lang="en-US" sz="1200" dirty="0"/>
+                        <a:t>Ability to leave text comments under the album.</a:t>
+                      </a:r>
+                      <a:endParaRPr lang="ru-RU" sz="1200" dirty="0"/>
+                    </a:p>
+                    <a:p>
+                      <a:pPr marL="171450" indent="-171450">
+                        <a:buFont typeface="Arial" panose="020B0604020202020204" pitchFamily="34" charset="0"/>
+                        <a:buChar char="•"/>
+                      </a:pPr>
+                      <a:r>
+                        <a:rPr lang="en-US" sz="1200" dirty="0"/>
+                        <a:t>Display a list of all comments in chronological order.</a:t>
+                      </a:r>
+                    </a:p>
+                  </a:txBody>
+                  <a:tcPr/>
+                </a:tc>
+                <a:extLst>
+                  <a:ext uri="{0D108BD9-81ED-4DB2-BD59-A6C34878D82A}">
+                    <a16:rowId xmlns:a16="http://schemas.microsoft.com/office/drawing/2014/main" val="4265522486"/>
+                  </a:ext>
+                </a:extLst>
+              </a:tr>
+              <a:tr h="370840">
+                <a:tc>
+                  <a:txBody>
+                    <a:bodyPr/>
+                    <a:lstStyle/>
+                    <a:p>
+                      <a:r>
+                        <a:rPr lang="en-US" sz="1200" dirty="0"/>
+                        <a:t>The mechanics of “Followers”</a:t>
+                      </a:r>
+                    </a:p>
+                  </a:txBody>
+                  <a:tcPr/>
+                </a:tc>
+                <a:tc>
+                  <a:txBody>
+                    <a:bodyPr/>
+                    <a:lstStyle/>
+                    <a:p>
+                      <a:pPr marL="171450" indent="-171450">
+                        <a:buFont typeface="Arial" panose="020B0604020202020204" pitchFamily="34" charset="0"/>
+                        <a:buChar char="•"/>
+                      </a:pPr>
+                      <a:r>
+                        <a:rPr lang="en-US" sz="1200" dirty="0"/>
+                        <a:t>Users can follow each other.</a:t>
+                      </a:r>
+                    </a:p>
+                    <a:p>
+                      <a:pPr marL="171450" indent="-171450">
+                        <a:buFont typeface="Arial" panose="020B0604020202020204" pitchFamily="34" charset="0"/>
+                        <a:buChar char="•"/>
+                      </a:pPr>
+                      <a:r>
+                        <a:rPr lang="en-US" sz="1200" dirty="0"/>
+                        <a:t>The Home page displays the latest ratings and comments from people you follow.</a:t>
+                      </a:r>
+                    </a:p>
+                  </a:txBody>
+                  <a:tcPr/>
+                </a:tc>
+                <a:extLst>
+                  <a:ext uri="{0D108BD9-81ED-4DB2-BD59-A6C34878D82A}">
+                    <a16:rowId xmlns:a16="http://schemas.microsoft.com/office/drawing/2014/main" val="1065828768"/>
+                  </a:ext>
+                </a:extLst>
+              </a:tr>
+              <a:tr h="370840">
+                <a:tc>
+                  <a:txBody>
+                    <a:bodyPr/>
+                    <a:lstStyle/>
+                    <a:p>
+                      <a:r>
+                        <a:rPr lang="en-US" sz="1200" dirty="0"/>
+                        <a:t>Search and sort</a:t>
+                      </a:r>
+                    </a:p>
+                  </a:txBody>
+                  <a:tcPr/>
+                </a:tc>
+                <a:tc>
+                  <a:txBody>
+                    <a:bodyPr/>
+                    <a:lstStyle/>
+                    <a:p>
+                      <a:pPr marL="171450" indent="-171450">
+                        <a:buFont typeface="Arial" panose="020B0604020202020204" pitchFamily="34" charset="0"/>
+                        <a:buChar char="•"/>
+                      </a:pPr>
+                      <a:r>
+                        <a:rPr lang="en-US" sz="1200" dirty="0"/>
+                        <a:t>Full text search by album title and username.</a:t>
+                      </a:r>
+                    </a:p>
+                    <a:p>
+                      <a:pPr marL="171450" indent="-171450">
+                        <a:buFont typeface="Arial" panose="020B0604020202020204" pitchFamily="34" charset="0"/>
+                        <a:buChar char="•"/>
+                      </a:pPr>
+                      <a:r>
+                        <a:rPr lang="en-US" sz="1200" dirty="0"/>
+                        <a:t>Filter by number of likes, upload date, popularity.</a:t>
+                      </a:r>
+                    </a:p>
+                  </a:txBody>
+                  <a:tcPr/>
+                </a:tc>
+                <a:extLst>
+                  <a:ext uri="{0D108BD9-81ED-4DB2-BD59-A6C34878D82A}">
+                    <a16:rowId xmlns:a16="http://schemas.microsoft.com/office/drawing/2014/main" val="2254452428"/>
+                  </a:ext>
+                </a:extLst>
+              </a:tr>
+              <a:tr h="370840">
+                <a:tc>
+                  <a:txBody>
+                    <a:bodyPr/>
+                    <a:lstStyle/>
+                    <a:p>
+                      <a:r>
+                        <a:rPr lang="en-US" sz="1200" dirty="0"/>
+                        <a:t>Views</a:t>
+                      </a:r>
+                    </a:p>
+                  </a:txBody>
+                  <a:tcPr/>
+                </a:tc>
+                <a:tc>
+                  <a:txBody>
+                    <a:bodyPr/>
+                    <a:lstStyle/>
+                    <a:p>
+                      <a:pPr marL="171450" indent="-171450">
+                        <a:buFont typeface="Arial" panose="020B0604020202020204" pitchFamily="34" charset="0"/>
+                        <a:buChar char="•"/>
+                      </a:pPr>
+                      <a:r>
+                        <a:rPr lang="en-US" sz="1200" dirty="0"/>
+                        <a:t>Each time you open an album page the view counter increases.</a:t>
+                      </a:r>
+                    </a:p>
+                    <a:p>
+                      <a:pPr marL="171450" indent="-171450">
+                        <a:buFont typeface="Arial" panose="020B0604020202020204" pitchFamily="34" charset="0"/>
+                        <a:buChar char="•"/>
+                      </a:pPr>
+                      <a:r>
+                        <a:rPr lang="en-US" sz="1200" dirty="0"/>
+                        <a:t>Using cookies or sessions to avoid “cheat</a:t>
+                      </a:r>
+                      <a:r>
+                        <a:rPr lang="en-GB" sz="1200" dirty="0"/>
+                        <a:t>ed</a:t>
+                      </a:r>
+                      <a:r>
+                        <a:rPr lang="en-US" sz="1200" dirty="0"/>
+                        <a:t>” views from the same user in a short period of time.</a:t>
+                      </a:r>
+                    </a:p>
+                  </a:txBody>
+                  <a:tcPr/>
+                </a:tc>
+                <a:extLst>
+                  <a:ext uri="{0D108BD9-81ED-4DB2-BD59-A6C34878D82A}">
+                    <a16:rowId xmlns:a16="http://schemas.microsoft.com/office/drawing/2014/main" val="3235469331"/>
+                  </a:ext>
+                </a:extLst>
+              </a:tr>
+            </a:tbl>
+          </a:graphicData>
+        </a:graphic>
+      </p:graphicFrame>
+    </p:spTree>
+    <p:extLst>
+      <p:ext uri="{BB962C8B-B14F-4D97-AF65-F5344CB8AC3E}">
+        <p14:creationId xmlns:p14="http://schemas.microsoft.com/office/powerpoint/2010/main" val="2058726886"/>
+      </p:ext>
+    </p:extLst>
+  </p:cSld>
+  <p:clrMapOvr>
+    <a:masterClrMapping/>
+  </p:clrMapOvr>
+</p:sld>
+</file>
+
+<file path=ppt/slides/slide5.xml><?xml version="1.0" encoding="utf-8"?>
+<p:sld xmlns:a="http://schemas.openxmlformats.org/drawingml/2006/main" xmlns:r="http://schemas.openxmlformats.org/officeDocument/2006/relationships" xmlns:p="http://schemas.openxmlformats.org/presentationml/2006/main">
+  <p:cSld>
+    <p:spTree>
+      <p:nvGrpSpPr>
+        <p:cNvPr id="1" name="">
+          <a:extLst>
+            <a:ext uri="{FF2B5EF4-FFF2-40B4-BE49-F238E27FC236}">
+              <a16:creationId xmlns:a16="http://schemas.microsoft.com/office/drawing/2014/main" id="{686D98EF-D14C-8B0C-4083-87C7E2545D87}"/>
+            </a:ext>
+          </a:extLst>
+        </p:cNvPr>
+        <p:cNvGrpSpPr/>
+        <p:nvPr/>
+      </p:nvGrpSpPr>
+      <p:grpSpPr>
+        <a:xfrm>
+          <a:off x="0" y="0"/>
+          <a:ext cx="0" cy="0"/>
+          <a:chOff x="0" y="0"/>
+          <a:chExt cx="0" cy="0"/>
+        </a:xfrm>
+      </p:grpSpPr>
+      <p:sp>
+        <p:nvSpPr>
+          <p:cNvPr id="2" name="Title 1">
+            <a:extLst>
+              <a:ext uri="{FF2B5EF4-FFF2-40B4-BE49-F238E27FC236}">
+                <a16:creationId xmlns:a16="http://schemas.microsoft.com/office/drawing/2014/main" id="{859D85F2-27FF-5E61-92AA-661B2E9CF5B9}"/>
+              </a:ext>
+            </a:extLst>
+          </p:cNvPr>
+          <p:cNvSpPr>
+            <a:spLocks noGrp="1"/>
+          </p:cNvSpPr>
+          <p:nvPr>
+            <p:ph type="title"/>
+          </p:nvPr>
+        </p:nvSpPr>
+        <p:spPr>
+          <a:xfrm>
+            <a:off x="279400" y="320675"/>
+            <a:ext cx="10515600" cy="1325563"/>
+          </a:xfrm>
+        </p:spPr>
+        <p:txBody>
+          <a:bodyPr/>
+          <a:lstStyle/>
+          <a:p>
+            <a:r>
+              <a:rPr lang="en-GB" noProof="0" dirty="0"/>
+              <a:t>System Architecture Diagram</a:t>
+            </a:r>
+          </a:p>
+        </p:txBody>
+      </p:sp>
+      <p:pic>
+        <p:nvPicPr>
+          <p:cNvPr id="7" name="Picture 6">
+            <a:extLst>
+              <a:ext uri="{FF2B5EF4-FFF2-40B4-BE49-F238E27FC236}">
+                <a16:creationId xmlns:a16="http://schemas.microsoft.com/office/drawing/2014/main" id="{750266B3-C7EB-B2BB-B965-6C068C2294D5}"/>
+              </a:ext>
+            </a:extLst>
+          </p:cNvPr>
+          <p:cNvPicPr>
+            <a:picLocks noChangeAspect="1"/>
+          </p:cNvPicPr>
+          <p:nvPr/>
+        </p:nvPicPr>
+        <p:blipFill>
+          <a:blip r:embed="rId2">
+            <a:extLst>
+              <a:ext uri="{28A0092B-C50C-407E-A947-70E740481C1C}">
+                <a14:useLocalDpi xmlns:a14="http://schemas.microsoft.com/office/drawing/2010/main" val="0"/>
+              </a:ext>
+            </a:extLst>
+          </a:blip>
+          <a:stretch>
+            <a:fillRect/>
+          </a:stretch>
+        </p:blipFill>
+        <p:spPr>
+          <a:xfrm>
+            <a:off x="595786" y="2998042"/>
+            <a:ext cx="1421280" cy="861915"/>
+          </a:xfrm>
+          <a:prstGeom prst="rect">
+            <a:avLst/>
+          </a:prstGeom>
+        </p:spPr>
+      </p:pic>
+      <p:grpSp>
+        <p:nvGrpSpPr>
+          <p:cNvPr id="13" name="Group 12">
+            <a:extLst>
+              <a:ext uri="{FF2B5EF4-FFF2-40B4-BE49-F238E27FC236}">
+                <a16:creationId xmlns:a16="http://schemas.microsoft.com/office/drawing/2014/main" id="{7C864776-4BB1-4B94-7253-7275D06E5967}"/>
+              </a:ext>
+            </a:extLst>
+          </p:cNvPr>
+          <p:cNvGrpSpPr/>
+          <p:nvPr/>
+        </p:nvGrpSpPr>
+        <p:grpSpPr>
+          <a:xfrm>
+            <a:off x="1792646" y="3032719"/>
+            <a:ext cx="659726" cy="696124"/>
+            <a:chOff x="2609849" y="2519101"/>
+            <a:chExt cx="1137374" cy="1246319"/>
+          </a:xfrm>
+        </p:grpSpPr>
+        <p:pic>
+          <p:nvPicPr>
+            <p:cNvPr id="11" name="Picture 10">
+              <a:extLst>
+                <a:ext uri="{FF2B5EF4-FFF2-40B4-BE49-F238E27FC236}">
+                  <a16:creationId xmlns:a16="http://schemas.microsoft.com/office/drawing/2014/main" id="{52A10ED4-AC3C-62B8-7C3B-1A51C4F96B9A}"/>
+                </a:ext>
+              </a:extLst>
+            </p:cNvPr>
+            <p:cNvPicPr>
+              <a:picLocks noChangeAspect="1"/>
+            </p:cNvPicPr>
+            <p:nvPr/>
+          </p:nvPicPr>
+          <p:blipFill>
+            <a:blip r:embed="rId3">
+              <a:extLst>
+                <a:ext uri="{28A0092B-C50C-407E-A947-70E740481C1C}">
+                  <a14:useLocalDpi xmlns:a14="http://schemas.microsoft.com/office/drawing/2010/main" val="0"/>
+                </a:ext>
+              </a:extLst>
+            </a:blip>
+            <a:stretch>
+              <a:fillRect/>
+            </a:stretch>
+          </p:blipFill>
+          <p:spPr>
+            <a:xfrm>
+              <a:off x="2609850" y="2519101"/>
+              <a:ext cx="1137373" cy="909898"/>
+            </a:xfrm>
+            <a:prstGeom prst="rect">
+              <a:avLst/>
+            </a:prstGeom>
+          </p:spPr>
+        </p:pic>
+        <p:pic>
+          <p:nvPicPr>
+            <p:cNvPr id="12" name="Picture 11">
+              <a:extLst>
+                <a:ext uri="{FF2B5EF4-FFF2-40B4-BE49-F238E27FC236}">
+                  <a16:creationId xmlns:a16="http://schemas.microsoft.com/office/drawing/2014/main" id="{A4552AB6-8633-EA79-1B46-B76724B7C90E}"/>
+                </a:ext>
+              </a:extLst>
+            </p:cNvPr>
+            <p:cNvPicPr>
+              <a:picLocks noChangeAspect="1"/>
+            </p:cNvPicPr>
+            <p:nvPr/>
+          </p:nvPicPr>
+          <p:blipFill>
+            <a:blip r:embed="rId3">
+              <a:extLst>
+                <a:ext uri="{28A0092B-C50C-407E-A947-70E740481C1C}">
+                  <a14:useLocalDpi xmlns:a14="http://schemas.microsoft.com/office/drawing/2010/main" val="0"/>
+                </a:ext>
+              </a:extLst>
+            </a:blip>
+            <a:stretch>
+              <a:fillRect/>
+            </a:stretch>
+          </p:blipFill>
+          <p:spPr>
+            <a:xfrm rot="10800000">
+              <a:off x="2609849" y="2855522"/>
+              <a:ext cx="1137373" cy="909898"/>
+            </a:xfrm>
+            <a:prstGeom prst="rect">
+              <a:avLst/>
+            </a:prstGeom>
+          </p:spPr>
+        </p:pic>
+      </p:grpSp>
+      <p:pic>
+        <p:nvPicPr>
+          <p:cNvPr id="15" name="Picture 14">
+            <a:extLst>
+              <a:ext uri="{FF2B5EF4-FFF2-40B4-BE49-F238E27FC236}">
+                <a16:creationId xmlns:a16="http://schemas.microsoft.com/office/drawing/2014/main" id="{9CFE3F02-540C-6482-6F96-B6EB646C08B8}"/>
+              </a:ext>
+            </a:extLst>
+          </p:cNvPr>
+          <p:cNvPicPr>
+            <a:picLocks noChangeAspect="1"/>
+          </p:cNvPicPr>
+          <p:nvPr/>
+        </p:nvPicPr>
+        <p:blipFill>
+          <a:blip r:embed="rId4">
+            <a:extLst>
+              <a:ext uri="{28A0092B-C50C-407E-A947-70E740481C1C}">
+                <a14:useLocalDpi xmlns:a14="http://schemas.microsoft.com/office/drawing/2010/main" val="0"/>
+              </a:ext>
+            </a:extLst>
+          </a:blip>
+          <a:stretch>
+            <a:fillRect/>
+          </a:stretch>
+        </p:blipFill>
+        <p:spPr>
+          <a:xfrm>
+            <a:off x="2543211" y="2973144"/>
+            <a:ext cx="860682" cy="862439"/>
+          </a:xfrm>
+          <a:prstGeom prst="rect">
+            <a:avLst/>
+          </a:prstGeom>
+        </p:spPr>
+      </p:pic>
+      <p:grpSp>
+        <p:nvGrpSpPr>
+          <p:cNvPr id="16" name="Group 15">
+            <a:extLst>
+              <a:ext uri="{FF2B5EF4-FFF2-40B4-BE49-F238E27FC236}">
+                <a16:creationId xmlns:a16="http://schemas.microsoft.com/office/drawing/2014/main" id="{A8D5AF47-153E-82F2-CFB1-135F9C7D28C5}"/>
+              </a:ext>
+            </a:extLst>
+          </p:cNvPr>
+          <p:cNvGrpSpPr/>
+          <p:nvPr/>
+        </p:nvGrpSpPr>
+        <p:grpSpPr>
+          <a:xfrm>
+            <a:off x="3504490" y="3020717"/>
+            <a:ext cx="707949" cy="747008"/>
+            <a:chOff x="2609849" y="2519101"/>
+            <a:chExt cx="1137374" cy="1246319"/>
+          </a:xfrm>
+        </p:grpSpPr>
+        <p:pic>
+          <p:nvPicPr>
+            <p:cNvPr id="17" name="Picture 16">
+              <a:extLst>
+                <a:ext uri="{FF2B5EF4-FFF2-40B4-BE49-F238E27FC236}">
+                  <a16:creationId xmlns:a16="http://schemas.microsoft.com/office/drawing/2014/main" id="{330FC198-64DF-9036-A16E-B5C473133C83}"/>
+                </a:ext>
+              </a:extLst>
+            </p:cNvPr>
+            <p:cNvPicPr>
+              <a:picLocks noChangeAspect="1"/>
+            </p:cNvPicPr>
+            <p:nvPr/>
+          </p:nvPicPr>
+          <p:blipFill>
+            <a:blip r:embed="rId3">
+              <a:extLst>
+                <a:ext uri="{28A0092B-C50C-407E-A947-70E740481C1C}">
+                  <a14:useLocalDpi xmlns:a14="http://schemas.microsoft.com/office/drawing/2010/main" val="0"/>
+                </a:ext>
+              </a:extLst>
+            </a:blip>
+            <a:stretch>
+              <a:fillRect/>
+            </a:stretch>
+          </p:blipFill>
+          <p:spPr>
+            <a:xfrm>
+              <a:off x="2609850" y="2519101"/>
+              <a:ext cx="1137373" cy="909898"/>
+            </a:xfrm>
+            <a:prstGeom prst="rect">
+              <a:avLst/>
+            </a:prstGeom>
+          </p:spPr>
+        </p:pic>
+        <p:pic>
+          <p:nvPicPr>
+            <p:cNvPr id="18" name="Picture 17">
+              <a:extLst>
+                <a:ext uri="{FF2B5EF4-FFF2-40B4-BE49-F238E27FC236}">
+                  <a16:creationId xmlns:a16="http://schemas.microsoft.com/office/drawing/2014/main" id="{A53143CF-7CC2-4A9A-C313-44E98CEEE182}"/>
+                </a:ext>
+              </a:extLst>
+            </p:cNvPr>
+            <p:cNvPicPr>
+              <a:picLocks noChangeAspect="1"/>
+            </p:cNvPicPr>
+            <p:nvPr/>
+          </p:nvPicPr>
+          <p:blipFill>
+            <a:blip r:embed="rId3">
+              <a:extLst>
+                <a:ext uri="{28A0092B-C50C-407E-A947-70E740481C1C}">
+                  <a14:useLocalDpi xmlns:a14="http://schemas.microsoft.com/office/drawing/2010/main" val="0"/>
+                </a:ext>
+              </a:extLst>
+            </a:blip>
+            <a:stretch>
+              <a:fillRect/>
+            </a:stretch>
+          </p:blipFill>
+          <p:spPr>
+            <a:xfrm rot="10800000">
+              <a:off x="2609849" y="2855522"/>
+              <a:ext cx="1137373" cy="909898"/>
+            </a:xfrm>
+            <a:prstGeom prst="rect">
+              <a:avLst/>
+            </a:prstGeom>
+          </p:spPr>
+        </p:pic>
+      </p:grpSp>
+      <p:pic>
+        <p:nvPicPr>
+          <p:cNvPr id="20" name="Picture 19">
+            <a:extLst>
+              <a:ext uri="{FF2B5EF4-FFF2-40B4-BE49-F238E27FC236}">
+                <a16:creationId xmlns:a16="http://schemas.microsoft.com/office/drawing/2014/main" id="{D4571D94-0688-89C0-2689-2CDB31675146}"/>
+              </a:ext>
+            </a:extLst>
+          </p:cNvPr>
+          <p:cNvPicPr>
+            <a:picLocks noChangeAspect="1"/>
+          </p:cNvPicPr>
+          <p:nvPr/>
+        </p:nvPicPr>
+        <p:blipFill>
+          <a:blip r:embed="rId5">
+            <a:extLst>
+              <a:ext uri="{28A0092B-C50C-407E-A947-70E740481C1C}">
+                <a14:useLocalDpi xmlns:a14="http://schemas.microsoft.com/office/drawing/2010/main" val="0"/>
+              </a:ext>
+            </a:extLst>
+          </a:blip>
+          <a:stretch>
+            <a:fillRect/>
+          </a:stretch>
+        </p:blipFill>
+        <p:spPr>
+          <a:xfrm>
+            <a:off x="4183350" y="2949561"/>
+            <a:ext cx="862440" cy="862440"/>
+          </a:xfrm>
+          <a:prstGeom prst="rect">
+            <a:avLst/>
+          </a:prstGeom>
+        </p:spPr>
+      </p:pic>
+      <p:grpSp>
+        <p:nvGrpSpPr>
+          <p:cNvPr id="21" name="Group 20">
+            <a:extLst>
+              <a:ext uri="{FF2B5EF4-FFF2-40B4-BE49-F238E27FC236}">
+                <a16:creationId xmlns:a16="http://schemas.microsoft.com/office/drawing/2014/main" id="{9B7E6C56-0611-269D-E269-D1506CE83E5C}"/>
+              </a:ext>
+            </a:extLst>
+          </p:cNvPr>
+          <p:cNvGrpSpPr/>
+          <p:nvPr/>
+        </p:nvGrpSpPr>
+        <p:grpSpPr>
+          <a:xfrm>
+            <a:off x="5044120" y="3048724"/>
+            <a:ext cx="723368" cy="763277"/>
+            <a:chOff x="2609849" y="2519101"/>
+            <a:chExt cx="1137374" cy="1246319"/>
+          </a:xfrm>
+        </p:grpSpPr>
+        <p:pic>
+          <p:nvPicPr>
+            <p:cNvPr id="22" name="Picture 21">
+              <a:extLst>
+                <a:ext uri="{FF2B5EF4-FFF2-40B4-BE49-F238E27FC236}">
+                  <a16:creationId xmlns:a16="http://schemas.microsoft.com/office/drawing/2014/main" id="{AA0B8FE4-9295-9E70-240E-13A972A01207}"/>
+                </a:ext>
+              </a:extLst>
+            </p:cNvPr>
+            <p:cNvPicPr>
+              <a:picLocks noChangeAspect="1"/>
+            </p:cNvPicPr>
+            <p:nvPr/>
+          </p:nvPicPr>
+          <p:blipFill>
+            <a:blip r:embed="rId3">
+              <a:extLst>
+                <a:ext uri="{28A0092B-C50C-407E-A947-70E740481C1C}">
+                  <a14:useLocalDpi xmlns:a14="http://schemas.microsoft.com/office/drawing/2010/main" val="0"/>
+                </a:ext>
+              </a:extLst>
+            </a:blip>
+            <a:stretch>
+              <a:fillRect/>
+            </a:stretch>
+          </p:blipFill>
+          <p:spPr>
+            <a:xfrm>
+              <a:off x="2609850" y="2519101"/>
+              <a:ext cx="1137373" cy="909898"/>
+            </a:xfrm>
+            <a:prstGeom prst="rect">
+              <a:avLst/>
+            </a:prstGeom>
+          </p:spPr>
+        </p:pic>
+        <p:pic>
+          <p:nvPicPr>
+            <p:cNvPr id="23" name="Picture 22">
+              <a:extLst>
+                <a:ext uri="{FF2B5EF4-FFF2-40B4-BE49-F238E27FC236}">
+                  <a16:creationId xmlns:a16="http://schemas.microsoft.com/office/drawing/2014/main" id="{23D409B1-EE0E-96A0-B0F6-2DF9F919BB77}"/>
+                </a:ext>
+              </a:extLst>
+            </p:cNvPr>
+            <p:cNvPicPr>
+              <a:picLocks noChangeAspect="1"/>
+            </p:cNvPicPr>
+            <p:nvPr/>
+          </p:nvPicPr>
+          <p:blipFill>
+            <a:blip r:embed="rId3">
+              <a:extLst>
+                <a:ext uri="{28A0092B-C50C-407E-A947-70E740481C1C}">
+                  <a14:useLocalDpi xmlns:a14="http://schemas.microsoft.com/office/drawing/2010/main" val="0"/>
+                </a:ext>
+              </a:extLst>
+            </a:blip>
+            <a:stretch>
+              <a:fillRect/>
+            </a:stretch>
+          </p:blipFill>
+          <p:spPr>
+            <a:xfrm rot="10800000">
+              <a:off x="2609849" y="2855522"/>
+              <a:ext cx="1137373" cy="909898"/>
+            </a:xfrm>
+            <a:prstGeom prst="rect">
+              <a:avLst/>
+            </a:prstGeom>
+          </p:spPr>
+        </p:pic>
+      </p:grpSp>
+      <p:sp>
+        <p:nvSpPr>
+          <p:cNvPr id="34" name="Rectangle: Rounded Corners 33">
+            <a:extLst>
+              <a:ext uri="{FF2B5EF4-FFF2-40B4-BE49-F238E27FC236}">
+                <a16:creationId xmlns:a16="http://schemas.microsoft.com/office/drawing/2014/main" id="{9C9E46EC-7802-ADF8-B04A-3E6BFF8A2986}"/>
+              </a:ext>
+            </a:extLst>
+          </p:cNvPr>
+          <p:cNvSpPr/>
+          <p:nvPr/>
+        </p:nvSpPr>
+        <p:spPr>
+          <a:xfrm>
+            <a:off x="5852664" y="3213375"/>
+            <a:ext cx="1241388" cy="474086"/>
+          </a:xfrm>
+          <a:prstGeom prst="roundRect">
+            <a:avLst/>
+          </a:prstGeom>
+          <a:noFill/>
+          <a:ln w="28575">
+            <a:solidFill>
+              <a:schemeClr val="tx1"/>
+            </a:solidFill>
+          </a:ln>
+        </p:spPr>
+        <p:style>
+          <a:lnRef idx="2">
+            <a:schemeClr val="accent1">
+              <a:shade val="15000"/>
+            </a:schemeClr>
+          </a:lnRef>
+          <a:fillRef idx="1">
+            <a:schemeClr val="accent1"/>
+          </a:fillRef>
+          <a:effectRef idx="0">
+            <a:schemeClr val="accent1"/>
+          </a:effectRef>
+          <a:fontRef idx="minor">
+            <a:schemeClr val="lt1"/>
+          </a:fontRef>
+        </p:style>
+        <p:txBody>
+          <a:bodyPr rtlCol="0" anchor="ctr"/>
+          <a:lstStyle/>
+          <a:p>
+            <a:pPr algn="ctr"/>
+            <a:r>
+              <a:rPr lang="en-GB" dirty="0">
+                <a:solidFill>
+                  <a:schemeClr val="tx1"/>
+                </a:solidFill>
+              </a:rPr>
+              <a:t>URL</a:t>
+            </a:r>
+            <a:endParaRPr lang="en-US" dirty="0">
+              <a:solidFill>
+                <a:schemeClr val="tx1"/>
+              </a:solidFill>
+            </a:endParaRPr>
+          </a:p>
+        </p:txBody>
+      </p:sp>
+      <p:grpSp>
+        <p:nvGrpSpPr>
+          <p:cNvPr id="35" name="Group 34">
+            <a:extLst>
+              <a:ext uri="{FF2B5EF4-FFF2-40B4-BE49-F238E27FC236}">
+                <a16:creationId xmlns:a16="http://schemas.microsoft.com/office/drawing/2014/main" id="{B2CA29F8-3412-A286-8631-32A4538A5F23}"/>
+              </a:ext>
+            </a:extLst>
+          </p:cNvPr>
+          <p:cNvGrpSpPr/>
+          <p:nvPr/>
+        </p:nvGrpSpPr>
+        <p:grpSpPr>
+          <a:xfrm>
+            <a:off x="7168436" y="3057616"/>
+            <a:ext cx="723368" cy="763277"/>
+            <a:chOff x="2609849" y="2519101"/>
+            <a:chExt cx="1137374" cy="1246319"/>
+          </a:xfrm>
+        </p:grpSpPr>
+        <p:pic>
+          <p:nvPicPr>
+            <p:cNvPr id="36" name="Picture 35">
+              <a:extLst>
+                <a:ext uri="{FF2B5EF4-FFF2-40B4-BE49-F238E27FC236}">
+                  <a16:creationId xmlns:a16="http://schemas.microsoft.com/office/drawing/2014/main" id="{2BCF5E14-DAAC-1D87-CE97-189D83FAF337}"/>
+                </a:ext>
+              </a:extLst>
+            </p:cNvPr>
+            <p:cNvPicPr>
+              <a:picLocks noChangeAspect="1"/>
+            </p:cNvPicPr>
+            <p:nvPr/>
+          </p:nvPicPr>
+          <p:blipFill>
+            <a:blip r:embed="rId3">
+              <a:extLst>
+                <a:ext uri="{28A0092B-C50C-407E-A947-70E740481C1C}">
+                  <a14:useLocalDpi xmlns:a14="http://schemas.microsoft.com/office/drawing/2010/main" val="0"/>
+                </a:ext>
+              </a:extLst>
+            </a:blip>
+            <a:stretch>
+              <a:fillRect/>
+            </a:stretch>
+          </p:blipFill>
+          <p:spPr>
+            <a:xfrm>
+              <a:off x="2609850" y="2519101"/>
+              <a:ext cx="1137373" cy="909898"/>
+            </a:xfrm>
+            <a:prstGeom prst="rect">
+              <a:avLst/>
+            </a:prstGeom>
+          </p:spPr>
+        </p:pic>
+        <p:pic>
+          <p:nvPicPr>
+            <p:cNvPr id="37" name="Picture 36">
+              <a:extLst>
+                <a:ext uri="{FF2B5EF4-FFF2-40B4-BE49-F238E27FC236}">
+                  <a16:creationId xmlns:a16="http://schemas.microsoft.com/office/drawing/2014/main" id="{3A06979E-E565-B31F-E79E-C86DDD1DD770}"/>
+                </a:ext>
+              </a:extLst>
+            </p:cNvPr>
+            <p:cNvPicPr>
+              <a:picLocks noChangeAspect="1"/>
+            </p:cNvPicPr>
+            <p:nvPr/>
+          </p:nvPicPr>
+          <p:blipFill>
+            <a:blip r:embed="rId3">
+              <a:extLst>
+                <a:ext uri="{28A0092B-C50C-407E-A947-70E740481C1C}">
+                  <a14:useLocalDpi xmlns:a14="http://schemas.microsoft.com/office/drawing/2010/main" val="0"/>
+                </a:ext>
+              </a:extLst>
+            </a:blip>
+            <a:stretch>
+              <a:fillRect/>
+            </a:stretch>
+          </p:blipFill>
+          <p:spPr>
+            <a:xfrm rot="10800000">
+              <a:off x="2609849" y="2855522"/>
+              <a:ext cx="1137373" cy="909898"/>
+            </a:xfrm>
+            <a:prstGeom prst="rect">
+              <a:avLst/>
+            </a:prstGeom>
+          </p:spPr>
+        </p:pic>
+      </p:grpSp>
+      <p:sp>
+        <p:nvSpPr>
+          <p:cNvPr id="38" name="Rectangle: Rounded Corners 37">
+            <a:extLst>
+              <a:ext uri="{FF2B5EF4-FFF2-40B4-BE49-F238E27FC236}">
+                <a16:creationId xmlns:a16="http://schemas.microsoft.com/office/drawing/2014/main" id="{955724F2-CEA4-5376-D056-826E201F68A2}"/>
+              </a:ext>
+            </a:extLst>
+          </p:cNvPr>
+          <p:cNvSpPr/>
+          <p:nvPr/>
+        </p:nvSpPr>
+        <p:spPr>
+          <a:xfrm>
+            <a:off x="7966186" y="3191956"/>
+            <a:ext cx="1241388" cy="474086"/>
+          </a:xfrm>
+          <a:prstGeom prst="roundRect">
+            <a:avLst/>
+          </a:prstGeom>
+          <a:noFill/>
+          <a:ln w="28575">
+            <a:solidFill>
+              <a:schemeClr val="tx1"/>
+            </a:solidFill>
+          </a:ln>
+        </p:spPr>
+        <p:style>
+          <a:lnRef idx="2">
+            <a:schemeClr val="accent1">
+              <a:shade val="15000"/>
+            </a:schemeClr>
+          </a:lnRef>
+          <a:fillRef idx="1">
+            <a:schemeClr val="accent1"/>
+          </a:fillRef>
+          <a:effectRef idx="0">
+            <a:schemeClr val="accent1"/>
+          </a:effectRef>
+          <a:fontRef idx="minor">
+            <a:schemeClr val="lt1"/>
+          </a:fontRef>
+        </p:style>
+        <p:txBody>
+          <a:bodyPr rtlCol="0" anchor="ctr"/>
+          <a:lstStyle/>
+          <a:p>
+            <a:pPr algn="ctr"/>
+            <a:r>
+              <a:rPr lang="en-GB" dirty="0">
+                <a:solidFill>
+                  <a:schemeClr val="tx1"/>
+                </a:solidFill>
+              </a:rPr>
+              <a:t>View</a:t>
+            </a:r>
+            <a:endParaRPr lang="en-US" dirty="0">
+              <a:solidFill>
+                <a:schemeClr val="tx1"/>
+              </a:solidFill>
+            </a:endParaRPr>
+          </a:p>
+        </p:txBody>
+      </p:sp>
+      <p:sp>
+        <p:nvSpPr>
+          <p:cNvPr id="39" name="Rectangle: Rounded Corners 38">
+            <a:extLst>
+              <a:ext uri="{FF2B5EF4-FFF2-40B4-BE49-F238E27FC236}">
+                <a16:creationId xmlns:a16="http://schemas.microsoft.com/office/drawing/2014/main" id="{C6AA31ED-E181-2A75-42F4-04CA6911FA7F}"/>
+              </a:ext>
+            </a:extLst>
+          </p:cNvPr>
+          <p:cNvSpPr/>
+          <p:nvPr/>
+        </p:nvSpPr>
+        <p:spPr>
+          <a:xfrm>
+            <a:off x="10002409" y="2317736"/>
+            <a:ext cx="1241388" cy="474086"/>
+          </a:xfrm>
+          <a:prstGeom prst="roundRect">
+            <a:avLst/>
+          </a:prstGeom>
+          <a:noFill/>
+          <a:ln w="28575">
+            <a:solidFill>
+              <a:schemeClr val="tx1"/>
+            </a:solidFill>
+          </a:ln>
+        </p:spPr>
+        <p:style>
+          <a:lnRef idx="2">
+            <a:schemeClr val="accent1">
+              <a:shade val="15000"/>
+            </a:schemeClr>
+          </a:lnRef>
+          <a:fillRef idx="1">
+            <a:schemeClr val="accent1"/>
+          </a:fillRef>
+          <a:effectRef idx="0">
+            <a:schemeClr val="accent1"/>
+          </a:effectRef>
+          <a:fontRef idx="minor">
+            <a:schemeClr val="lt1"/>
+          </a:fontRef>
+        </p:style>
+        <p:txBody>
+          <a:bodyPr rtlCol="0" anchor="ctr"/>
+          <a:lstStyle/>
+          <a:p>
+            <a:pPr algn="ctr"/>
+            <a:r>
+              <a:rPr lang="en-GB" dirty="0">
+                <a:solidFill>
+                  <a:schemeClr val="tx1"/>
+                </a:solidFill>
+              </a:rPr>
+              <a:t>Model</a:t>
+            </a:r>
+            <a:endParaRPr lang="en-US" dirty="0">
+              <a:solidFill>
+                <a:schemeClr val="tx1"/>
+              </a:solidFill>
+            </a:endParaRPr>
+          </a:p>
+        </p:txBody>
+      </p:sp>
+      <p:grpSp>
+        <p:nvGrpSpPr>
+          <p:cNvPr id="40" name="Group 39">
+            <a:extLst>
+              <a:ext uri="{FF2B5EF4-FFF2-40B4-BE49-F238E27FC236}">
+                <a16:creationId xmlns:a16="http://schemas.microsoft.com/office/drawing/2014/main" id="{CF70F098-BADC-D51B-1B20-BEE3E3F910CA}"/>
+              </a:ext>
+            </a:extLst>
+          </p:cNvPr>
+          <p:cNvGrpSpPr/>
+          <p:nvPr/>
+        </p:nvGrpSpPr>
+        <p:grpSpPr>
+          <a:xfrm rot="19718319">
+            <a:off x="9240491" y="2599290"/>
+            <a:ext cx="723368" cy="763277"/>
+            <a:chOff x="2609849" y="2519101"/>
+            <a:chExt cx="1137374" cy="1246319"/>
+          </a:xfrm>
+        </p:grpSpPr>
+        <p:pic>
+          <p:nvPicPr>
+            <p:cNvPr id="41" name="Picture 40">
+              <a:extLst>
+                <a:ext uri="{FF2B5EF4-FFF2-40B4-BE49-F238E27FC236}">
+                  <a16:creationId xmlns:a16="http://schemas.microsoft.com/office/drawing/2014/main" id="{DC67DF22-2D42-B208-1A54-BE9695676157}"/>
+                </a:ext>
+              </a:extLst>
+            </p:cNvPr>
+            <p:cNvPicPr>
+              <a:picLocks noChangeAspect="1"/>
+            </p:cNvPicPr>
+            <p:nvPr/>
+          </p:nvPicPr>
+          <p:blipFill>
+            <a:blip r:embed="rId3">
+              <a:extLst>
+                <a:ext uri="{28A0092B-C50C-407E-A947-70E740481C1C}">
+                  <a14:useLocalDpi xmlns:a14="http://schemas.microsoft.com/office/drawing/2010/main" val="0"/>
+                </a:ext>
+              </a:extLst>
+            </a:blip>
+            <a:stretch>
+              <a:fillRect/>
+            </a:stretch>
+          </p:blipFill>
+          <p:spPr>
+            <a:xfrm>
+              <a:off x="2609850" y="2519101"/>
+              <a:ext cx="1137373" cy="909898"/>
+            </a:xfrm>
+            <a:prstGeom prst="rect">
+              <a:avLst/>
+            </a:prstGeom>
+          </p:spPr>
+        </p:pic>
+        <p:pic>
+          <p:nvPicPr>
+            <p:cNvPr id="42" name="Picture 41">
+              <a:extLst>
+                <a:ext uri="{FF2B5EF4-FFF2-40B4-BE49-F238E27FC236}">
+                  <a16:creationId xmlns:a16="http://schemas.microsoft.com/office/drawing/2014/main" id="{9E9EEB94-5E32-0221-4FCC-4EF997337CE1}"/>
+                </a:ext>
+              </a:extLst>
+            </p:cNvPr>
+            <p:cNvPicPr>
+              <a:picLocks noChangeAspect="1"/>
+            </p:cNvPicPr>
+            <p:nvPr/>
+          </p:nvPicPr>
+          <p:blipFill>
+            <a:blip r:embed="rId3">
+              <a:extLst>
+                <a:ext uri="{28A0092B-C50C-407E-A947-70E740481C1C}">
+                  <a14:useLocalDpi xmlns:a14="http://schemas.microsoft.com/office/drawing/2010/main" val="0"/>
+                </a:ext>
+              </a:extLst>
+            </a:blip>
+            <a:stretch>
+              <a:fillRect/>
+            </a:stretch>
+          </p:blipFill>
+          <p:spPr>
+            <a:xfrm rot="10800000">
+              <a:off x="2609849" y="2855522"/>
+              <a:ext cx="1137373" cy="909898"/>
+            </a:xfrm>
+            <a:prstGeom prst="rect">
+              <a:avLst/>
+            </a:prstGeom>
+          </p:spPr>
+        </p:pic>
+      </p:grpSp>
+      <p:sp>
+        <p:nvSpPr>
+          <p:cNvPr id="43" name="Rectangle: Rounded Corners 42">
+            <a:extLst>
+              <a:ext uri="{FF2B5EF4-FFF2-40B4-BE49-F238E27FC236}">
+                <a16:creationId xmlns:a16="http://schemas.microsoft.com/office/drawing/2014/main" id="{02607D75-FB3E-957B-F125-A6B1D8BDDDE1}"/>
+              </a:ext>
+            </a:extLst>
+          </p:cNvPr>
+          <p:cNvSpPr/>
+          <p:nvPr/>
+        </p:nvSpPr>
+        <p:spPr>
+          <a:xfrm>
+            <a:off x="9988859" y="4130206"/>
+            <a:ext cx="1241388" cy="474086"/>
+          </a:xfrm>
+          <a:prstGeom prst="roundRect">
+            <a:avLst/>
+          </a:prstGeom>
+          <a:noFill/>
+          <a:ln w="28575">
+            <a:solidFill>
+              <a:schemeClr val="tx1"/>
+            </a:solidFill>
+          </a:ln>
+        </p:spPr>
+        <p:style>
+          <a:lnRef idx="2">
+            <a:schemeClr val="accent1">
+              <a:shade val="15000"/>
+            </a:schemeClr>
+          </a:lnRef>
+          <a:fillRef idx="1">
+            <a:schemeClr val="accent1"/>
+          </a:fillRef>
+          <a:effectRef idx="0">
+            <a:schemeClr val="accent1"/>
+          </a:effectRef>
+          <a:fontRef idx="minor">
+            <a:schemeClr val="lt1"/>
+          </a:fontRef>
+        </p:style>
+        <p:txBody>
+          <a:bodyPr rtlCol="0" anchor="ctr"/>
+          <a:lstStyle/>
+          <a:p>
+            <a:pPr algn="ctr"/>
+            <a:r>
+              <a:rPr lang="en-GB" dirty="0">
+                <a:solidFill>
+                  <a:schemeClr val="tx1"/>
+                </a:solidFill>
+              </a:rPr>
+              <a:t>Template</a:t>
+            </a:r>
+            <a:endParaRPr lang="en-US" dirty="0">
+              <a:solidFill>
+                <a:schemeClr val="tx1"/>
+              </a:solidFill>
+            </a:endParaRPr>
+          </a:p>
+        </p:txBody>
+      </p:sp>
+      <p:grpSp>
+        <p:nvGrpSpPr>
+          <p:cNvPr id="44" name="Group 43">
+            <a:extLst>
+              <a:ext uri="{FF2B5EF4-FFF2-40B4-BE49-F238E27FC236}">
+                <a16:creationId xmlns:a16="http://schemas.microsoft.com/office/drawing/2014/main" id="{794BA634-9E41-A28A-D68D-DC0B6E59C4C4}"/>
+              </a:ext>
+            </a:extLst>
+          </p:cNvPr>
+          <p:cNvGrpSpPr/>
+          <p:nvPr/>
+        </p:nvGrpSpPr>
+        <p:grpSpPr>
+          <a:xfrm rot="2507663">
+            <a:off x="9240491" y="3536838"/>
+            <a:ext cx="723368" cy="763277"/>
+            <a:chOff x="2609849" y="2519101"/>
+            <a:chExt cx="1137374" cy="1246319"/>
+          </a:xfrm>
+        </p:grpSpPr>
+        <p:pic>
+          <p:nvPicPr>
+            <p:cNvPr id="45" name="Picture 44">
+              <a:extLst>
+                <a:ext uri="{FF2B5EF4-FFF2-40B4-BE49-F238E27FC236}">
+                  <a16:creationId xmlns:a16="http://schemas.microsoft.com/office/drawing/2014/main" id="{23BF7FC6-B0B2-796F-1969-2931EF2C043F}"/>
+                </a:ext>
+              </a:extLst>
+            </p:cNvPr>
+            <p:cNvPicPr>
+              <a:picLocks noChangeAspect="1"/>
+            </p:cNvPicPr>
+            <p:nvPr/>
+          </p:nvPicPr>
+          <p:blipFill>
+            <a:blip r:embed="rId3">
+              <a:extLst>
+                <a:ext uri="{28A0092B-C50C-407E-A947-70E740481C1C}">
+                  <a14:useLocalDpi xmlns:a14="http://schemas.microsoft.com/office/drawing/2010/main" val="0"/>
+                </a:ext>
+              </a:extLst>
+            </a:blip>
+            <a:stretch>
+              <a:fillRect/>
+            </a:stretch>
+          </p:blipFill>
+          <p:spPr>
+            <a:xfrm>
+              <a:off x="2609850" y="2519101"/>
+              <a:ext cx="1137373" cy="909898"/>
+            </a:xfrm>
+            <a:prstGeom prst="rect">
+              <a:avLst/>
+            </a:prstGeom>
+          </p:spPr>
+        </p:pic>
+        <p:pic>
+          <p:nvPicPr>
+            <p:cNvPr id="46" name="Picture 45">
+              <a:extLst>
+                <a:ext uri="{FF2B5EF4-FFF2-40B4-BE49-F238E27FC236}">
+                  <a16:creationId xmlns:a16="http://schemas.microsoft.com/office/drawing/2014/main" id="{48D4062C-68DC-922E-0C93-417F3F085180}"/>
+                </a:ext>
+              </a:extLst>
+            </p:cNvPr>
+            <p:cNvPicPr>
+              <a:picLocks noChangeAspect="1"/>
+            </p:cNvPicPr>
+            <p:nvPr/>
+          </p:nvPicPr>
+          <p:blipFill>
+            <a:blip r:embed="rId3">
+              <a:extLst>
+                <a:ext uri="{28A0092B-C50C-407E-A947-70E740481C1C}">
+                  <a14:useLocalDpi xmlns:a14="http://schemas.microsoft.com/office/drawing/2010/main" val="0"/>
+                </a:ext>
+              </a:extLst>
+            </a:blip>
+            <a:stretch>
+              <a:fillRect/>
+            </a:stretch>
+          </p:blipFill>
+          <p:spPr>
+            <a:xfrm rot="10800000">
+              <a:off x="2609849" y="2855522"/>
+              <a:ext cx="1137373" cy="909898"/>
+            </a:xfrm>
+            <a:prstGeom prst="rect">
+              <a:avLst/>
+            </a:prstGeom>
+          </p:spPr>
+        </p:pic>
+      </p:grpSp>
+      <p:sp>
+        <p:nvSpPr>
+          <p:cNvPr id="47" name="TextBox 46">
+            <a:extLst>
+              <a:ext uri="{FF2B5EF4-FFF2-40B4-BE49-F238E27FC236}">
+                <a16:creationId xmlns:a16="http://schemas.microsoft.com/office/drawing/2014/main" id="{B6FF212F-C7B5-8214-9562-7D1563F0C414}"/>
+              </a:ext>
+            </a:extLst>
+          </p:cNvPr>
+          <p:cNvSpPr txBox="1"/>
+          <p:nvPr/>
+        </p:nvSpPr>
+        <p:spPr>
+          <a:xfrm>
+            <a:off x="2222574" y="3835583"/>
+            <a:ext cx="1501955" cy="369332"/>
+          </a:xfrm>
+          <a:prstGeom prst="rect">
+            <a:avLst/>
+          </a:prstGeom>
+          <a:noFill/>
+        </p:spPr>
+        <p:txBody>
+          <a:bodyPr wrap="square" rtlCol="0">
+            <a:spAutoFit/>
+          </a:bodyPr>
+          <a:lstStyle/>
+          <a:p>
+            <a:pPr algn="ctr"/>
+            <a:r>
               <a:rPr lang="en-GB" dirty="0"/>
+              <a:t>Web browser</a:t>
+            </a:r>
+            <a:endParaRPr lang="en-US" dirty="0"/>
+          </a:p>
+        </p:txBody>
+      </p:sp>
+      <p:sp>
+        <p:nvSpPr>
+          <p:cNvPr id="48" name="TextBox 47">
+            <a:extLst>
+              <a:ext uri="{FF2B5EF4-FFF2-40B4-BE49-F238E27FC236}">
+                <a16:creationId xmlns:a16="http://schemas.microsoft.com/office/drawing/2014/main" id="{D880C1B5-C360-0B64-CA40-175B22D97001}"/>
+              </a:ext>
+            </a:extLst>
+          </p:cNvPr>
+          <p:cNvSpPr txBox="1"/>
+          <p:nvPr/>
+        </p:nvSpPr>
+        <p:spPr>
+          <a:xfrm>
+            <a:off x="939326" y="3859957"/>
+            <a:ext cx="727252" cy="369332"/>
+          </a:xfrm>
+          <a:prstGeom prst="rect">
+            <a:avLst/>
+          </a:prstGeom>
+          <a:noFill/>
+        </p:spPr>
+        <p:txBody>
+          <a:bodyPr wrap="square" rtlCol="0">
+            <a:spAutoFit/>
+          </a:bodyPr>
+          <a:lstStyle/>
+          <a:p>
+            <a:pPr algn="ctr"/>
+            <a:r>
+              <a:rPr lang="en-GB" dirty="0"/>
+              <a:t>User</a:t>
+            </a:r>
+            <a:endParaRPr lang="en-US" dirty="0"/>
+          </a:p>
+        </p:txBody>
+      </p:sp>
+      <p:sp>
+        <p:nvSpPr>
+          <p:cNvPr id="49" name="TextBox 48">
+            <a:extLst>
+              <a:ext uri="{FF2B5EF4-FFF2-40B4-BE49-F238E27FC236}">
+                <a16:creationId xmlns:a16="http://schemas.microsoft.com/office/drawing/2014/main" id="{D7E4C29F-A003-6F58-49F4-BF0B24C32843}"/>
+              </a:ext>
+            </a:extLst>
+          </p:cNvPr>
+          <p:cNvSpPr txBox="1"/>
+          <p:nvPr/>
+        </p:nvSpPr>
+        <p:spPr>
+          <a:xfrm>
+            <a:off x="4161328" y="3835583"/>
+            <a:ext cx="906484" cy="369332"/>
+          </a:xfrm>
+          <a:prstGeom prst="rect">
+            <a:avLst/>
+          </a:prstGeom>
+          <a:noFill/>
+        </p:spPr>
+        <p:txBody>
+          <a:bodyPr wrap="square" rtlCol="0">
+            <a:spAutoFit/>
+          </a:bodyPr>
+          <a:lstStyle/>
+          <a:p>
+            <a:pPr algn="ctr"/>
+            <a:r>
+              <a:rPr lang="en-GB" dirty="0" err="1"/>
+              <a:t>DJango</a:t>
+            </a:r>
+            <a:endParaRPr lang="en-US" dirty="0"/>
+          </a:p>
+        </p:txBody>
+      </p:sp>
+    </p:spTree>
+    <p:extLst>
+      <p:ext uri="{BB962C8B-B14F-4D97-AF65-F5344CB8AC3E}">
+        <p14:creationId xmlns:p14="http://schemas.microsoft.com/office/powerpoint/2010/main" val="262561977"/>
+      </p:ext>
+    </p:extLst>
+  </p:cSld>
+  <p:clrMapOvr>
+    <a:masterClrMapping/>
+  </p:clrMapOvr>
+</p:sld>
+</file>
+
+<file path=ppt/slides/slide6.xml><?xml version="1.0" encoding="utf-8"?>
+<p:sld xmlns:a="http://schemas.openxmlformats.org/drawingml/2006/main" xmlns:r="http://schemas.openxmlformats.org/officeDocument/2006/relationships" xmlns:p="http://schemas.openxmlformats.org/presentationml/2006/main">
+  <p:cSld>
+    <p:spTree>
+      <p:nvGrpSpPr>
+        <p:cNvPr id="1" name=""/>
+        <p:cNvGrpSpPr/>
+        <p:nvPr/>
+      </p:nvGrpSpPr>
+      <p:grpSpPr>
+        <a:xfrm>
+          <a:off x="0" y="0"/>
+          <a:ext cx="0" cy="0"/>
+          <a:chOff x="0" y="0"/>
+          <a:chExt cx="0" cy="0"/>
+        </a:xfrm>
+      </p:grpSpPr>
+      <p:sp>
+        <p:nvSpPr>
+          <p:cNvPr id="2" name="Title 1">
+            <a:extLst>
+              <a:ext uri="{FF2B5EF4-FFF2-40B4-BE49-F238E27FC236}">
+                <a16:creationId xmlns:a16="http://schemas.microsoft.com/office/drawing/2014/main" id="{41EA2D55-21D6-B6D6-9F55-727B1DB29312}"/>
+              </a:ext>
+            </a:extLst>
+          </p:cNvPr>
+          <p:cNvSpPr>
+            <a:spLocks noGrp="1"/>
+          </p:cNvSpPr>
+          <p:nvPr>
+            <p:ph type="title"/>
+          </p:nvPr>
+        </p:nvSpPr>
+        <p:spPr/>
+        <p:txBody>
+          <a:bodyPr/>
+          <a:lstStyle/>
+          <a:p>
+            <a:r>
+              <a:rPr lang="en-GB" noProof="0" dirty="0"/>
               <a:t>ER diagram</a:t>
             </a:r>
           </a:p>
@@ -3681,7 +5940,7 @@
           <p:nvPr>
             <p:extLst>
               <p:ext uri="{D42A27DB-BD31-4B8C-83A1-F6EECF244321}">
-                <p14:modId xmlns:p14="http://schemas.microsoft.com/office/powerpoint/2010/main" val="294875610"/>
+                <p14:modId xmlns:p14="http://schemas.microsoft.com/office/powerpoint/2010/main" val="3491845218"/>
               </p:ext>
             </p:extLst>
           </p:nvPr>
@@ -3719,7 +5978,7 @@
                     <a:lstStyle/>
                     <a:p>
                       <a:r>
-                        <a:rPr lang="en-GB" dirty="0"/>
+                        <a:rPr lang="en-GB" noProof="0" dirty="0"/>
                         <a:t>Fields</a:t>
                       </a:r>
                     </a:p>
@@ -3732,7 +5991,7 @@
                     <a:lstStyle/>
                     <a:p>
                       <a:r>
-                        <a:rPr lang="en-GB" dirty="0"/>
+                        <a:rPr lang="en-GB" noProof="0" dirty="0"/>
                         <a:t>Type</a:t>
                       </a:r>
                     </a:p>
@@ -3752,7 +6011,7 @@
                     <a:lstStyle/>
                     <a:p>
                       <a:r>
-                        <a:rPr lang="en-GB" dirty="0"/>
+                        <a:rPr lang="en-GB" noProof="0" dirty="0"/>
                         <a:t>Username</a:t>
                       </a:r>
                     </a:p>
@@ -3765,7 +6024,7 @@
                     <a:lstStyle/>
                     <a:p>
                       <a:r>
-                        <a:rPr lang="en-GB" dirty="0"/>
+                        <a:rPr lang="en-GB" noProof="0" dirty="0"/>
                         <a:t>Char(20)</a:t>
                       </a:r>
                     </a:p>
@@ -3785,10 +6044,10 @@
                     <a:lstStyle/>
                     <a:p>
                       <a:r>
-                        <a:rPr lang="en-GB" dirty="0" err="1"/>
+                        <a:rPr lang="en-GB" noProof="0" dirty="0" err="1"/>
                         <a:t>DateCreated</a:t>
                       </a:r>
-                      <a:endParaRPr lang="en-GB" dirty="0"/>
+                      <a:endParaRPr lang="en-GB" noProof="0" dirty="0"/>
                     </a:p>
                   </a:txBody>
                   <a:tcPr/>
@@ -3799,7 +6058,7 @@
                     <a:lstStyle/>
                     <a:p>
                       <a:r>
-                        <a:rPr lang="en-GB" dirty="0"/>
+                        <a:rPr lang="en-GB" noProof="0" dirty="0"/>
                         <a:t>Date</a:t>
                       </a:r>
                     </a:p>
@@ -3818,7 +6077,7 @@
                     <a:bodyPr/>
                     <a:lstStyle/>
                     <a:p>
-                      <a:endParaRPr lang="en-GB"/>
+                      <a:endParaRPr lang="en-GB" noProof="0" dirty="0"/>
                     </a:p>
                   </a:txBody>
                   <a:tcPr/>
@@ -3828,7 +6087,7 @@
                     <a:bodyPr/>
                     <a:lstStyle/>
                     <a:p>
-                      <a:endParaRPr lang="en-GB"/>
+                      <a:endParaRPr lang="en-GB" noProof="0" dirty="0"/>
                     </a:p>
                   </a:txBody>
                   <a:tcPr/>
@@ -3845,7 +6104,7 @@
                     <a:bodyPr/>
                     <a:lstStyle/>
                     <a:p>
-                      <a:endParaRPr lang="en-GB"/>
+                      <a:endParaRPr lang="en-GB" noProof="0" dirty="0"/>
                     </a:p>
                   </a:txBody>
                   <a:tcPr/>
@@ -3855,7 +6114,7 @@
                     <a:bodyPr/>
                     <a:lstStyle/>
                     <a:p>
-                      <a:endParaRPr lang="en-GB"/>
+                      <a:endParaRPr lang="en-GB" noProof="0" dirty="0"/>
                     </a:p>
                   </a:txBody>
                   <a:tcPr/>
@@ -3872,7 +6131,7 @@
                     <a:bodyPr/>
                     <a:lstStyle/>
                     <a:p>
-                      <a:endParaRPr lang="en-GB"/>
+                      <a:endParaRPr lang="en-GB" noProof="0" dirty="0"/>
                     </a:p>
                   </a:txBody>
                   <a:tcPr/>
@@ -3882,7 +6141,7 @@
                     <a:bodyPr/>
                     <a:lstStyle/>
                     <a:p>
-                      <a:endParaRPr lang="en-GB" dirty="0"/>
+                      <a:endParaRPr lang="en-GB" noProof="0" dirty="0"/>
                     </a:p>
                   </a:txBody>
                   <a:tcPr/>
@@ -3927,44 +6186,9 @@
           <a:p>
             <a:pPr algn="ctr"/>
             <a:r>
-              <a:rPr lang="en-GB" dirty="0"/>
+              <a:rPr lang="en-GB" noProof="0" dirty="0"/>
               <a:t>Users</a:t>
             </a:r>
-          </a:p>
-        </p:txBody>
-      </p:sp>
-      <p:sp>
-        <p:nvSpPr>
-          <p:cNvPr id="75" name="Content Placeholder 74">
-            <a:extLst>
-              <a:ext uri="{FF2B5EF4-FFF2-40B4-BE49-F238E27FC236}">
-                <a16:creationId xmlns:a16="http://schemas.microsoft.com/office/drawing/2014/main" id="{0378450C-A436-0540-7673-280DEF70E967}"/>
-              </a:ext>
-            </a:extLst>
-          </p:cNvPr>
-          <p:cNvSpPr>
-            <a:spLocks noGrp="1"/>
-          </p:cNvSpPr>
-          <p:nvPr>
-            <p:ph idx="1"/>
-          </p:nvPr>
-        </p:nvSpPr>
-        <p:spPr>
-          <a:xfrm>
-            <a:off x="11248101" y="6131244"/>
-            <a:ext cx="105698" cy="45719"/>
-          </a:xfrm>
-        </p:spPr>
-        <p:txBody>
-          <a:bodyPr>
-            <a:normAutofit fontScale="25000" lnSpcReduction="20000"/>
-          </a:bodyPr>
-          <a:lstStyle/>
-          <a:p>
-            <a:pPr marL="0" indent="0">
-              <a:buNone/>
-            </a:pPr>
-            <a:endParaRPr lang="en-GB" dirty="0"/>
           </a:p>
         </p:txBody>
       </p:sp>
@@ -3983,7 +6207,7 @@
           <p:nvPr>
             <p:extLst>
               <p:ext uri="{D42A27DB-BD31-4B8C-83A1-F6EECF244321}">
-                <p14:modId xmlns:p14="http://schemas.microsoft.com/office/powerpoint/2010/main" val="1482190724"/>
+                <p14:modId xmlns:p14="http://schemas.microsoft.com/office/powerpoint/2010/main" val="1184513284"/>
               </p:ext>
             </p:extLst>
           </p:nvPr>
@@ -4021,7 +6245,7 @@
                     <a:lstStyle/>
                     <a:p>
                       <a:r>
-                        <a:rPr lang="en-GB" dirty="0"/>
+                        <a:rPr lang="en-GB" noProof="0" dirty="0"/>
                         <a:t>Fields</a:t>
                       </a:r>
                     </a:p>
@@ -4034,7 +6258,7 @@
                     <a:lstStyle/>
                     <a:p>
                       <a:r>
-                        <a:rPr lang="en-GB" dirty="0"/>
+                        <a:rPr lang="en-GB" noProof="0" dirty="0"/>
                         <a:t>Type</a:t>
                       </a:r>
                     </a:p>
@@ -4054,7 +6278,7 @@
                     <a:lstStyle/>
                     <a:p>
                       <a:r>
-                        <a:rPr lang="en-GB" dirty="0"/>
+                        <a:rPr lang="en-GB" noProof="0" dirty="0"/>
                         <a:t>Title</a:t>
                       </a:r>
                     </a:p>
@@ -4067,7 +6291,7 @@
                     <a:lstStyle/>
                     <a:p>
                       <a:r>
-                        <a:rPr lang="en-GB" dirty="0"/>
+                        <a:rPr lang="en-GB" noProof="0" dirty="0"/>
                         <a:t>Char(40)</a:t>
                       </a:r>
                     </a:p>
@@ -4087,7 +6311,7 @@
                     <a:lstStyle/>
                     <a:p>
                       <a:r>
-                        <a:rPr lang="en-GB" dirty="0"/>
+                        <a:rPr lang="en-GB" noProof="0" dirty="0"/>
                         <a:t>Likes</a:t>
                       </a:r>
                     </a:p>
@@ -4100,7 +6324,7 @@
                     <a:lstStyle/>
                     <a:p>
                       <a:r>
-                        <a:rPr lang="en-GB" dirty="0"/>
+                        <a:rPr lang="en-GB" noProof="0" dirty="0"/>
                         <a:t>Integer</a:t>
                       </a:r>
                     </a:p>
@@ -4120,7 +6344,7 @@
                     <a:lstStyle/>
                     <a:p>
                       <a:r>
-                        <a:rPr lang="en-GB" dirty="0"/>
+                        <a:rPr lang="en-GB" noProof="0" dirty="0"/>
                         <a:t>Dislikes</a:t>
                       </a:r>
                     </a:p>
@@ -4133,10 +6357,9 @@
                     <a:lstStyle/>
                     <a:p>
                       <a:r>
-                        <a:rPr lang="en-GB"/>
+                        <a:rPr lang="en-GB" noProof="0" dirty="0"/>
                         <a:t>Integer</a:t>
                       </a:r>
-                      <a:endParaRPr lang="en-GB" dirty="0"/>
                     </a:p>
                   </a:txBody>
                   <a:tcPr/>
@@ -4154,7 +6377,7 @@
                     <a:lstStyle/>
                     <a:p>
                       <a:r>
-                        <a:rPr lang="en-GB" dirty="0"/>
+                        <a:rPr lang="en-GB" noProof="0" dirty="0"/>
                         <a:t>Followers</a:t>
                       </a:r>
                     </a:p>
@@ -4167,7 +6390,7 @@
                     <a:lstStyle/>
                     <a:p>
                       <a:r>
-                        <a:rPr lang="en-GB" dirty="0"/>
+                        <a:rPr lang="en-GB" noProof="0" dirty="0"/>
                         <a:t>Integer</a:t>
                       </a:r>
                     </a:p>
@@ -4187,10 +6410,10 @@
                     <a:lstStyle/>
                     <a:p>
                       <a:r>
-                        <a:rPr lang="en-GB" dirty="0" err="1"/>
+                        <a:rPr lang="en-GB" noProof="0" dirty="0" err="1"/>
                         <a:t>CoverArt</a:t>
                       </a:r>
-                      <a:endParaRPr lang="en-GB" dirty="0"/>
+                      <a:endParaRPr lang="en-GB" noProof="0" dirty="0"/>
                     </a:p>
                   </a:txBody>
                   <a:tcPr/>
@@ -4201,7 +6424,7 @@
                     <a:lstStyle/>
                     <a:p>
                       <a:r>
-                        <a:rPr lang="en-GB" dirty="0"/>
+                        <a:rPr lang="en-GB" noProof="0" dirty="0"/>
                         <a:t>Image</a:t>
                       </a:r>
                     </a:p>
@@ -4221,10 +6444,10 @@
                     <a:lstStyle/>
                     <a:p>
                       <a:r>
-                        <a:rPr lang="en-GB" dirty="0" err="1"/>
+                        <a:rPr lang="en-GB" noProof="0" dirty="0" err="1"/>
                         <a:t>UploaderUsername</a:t>
                       </a:r>
-                      <a:endParaRPr lang="en-GB" dirty="0"/>
+                      <a:endParaRPr lang="en-GB" noProof="0" dirty="0"/>
                     </a:p>
                   </a:txBody>
                   <a:tcPr/>
@@ -4235,7 +6458,7 @@
                     <a:lstStyle/>
                     <a:p>
                       <a:r>
-                        <a:rPr lang="en-GB" dirty="0"/>
+                        <a:rPr lang="en-GB" noProof="0" dirty="0"/>
                         <a:t>Char(20)</a:t>
                       </a:r>
                     </a:p>
@@ -4255,10 +6478,10 @@
                     <a:lstStyle/>
                     <a:p>
                       <a:r>
-                        <a:rPr lang="en-GB" dirty="0" err="1"/>
+                        <a:rPr lang="en-GB" noProof="0" dirty="0" err="1"/>
                         <a:t>UploadDate</a:t>
                       </a:r>
-                      <a:endParaRPr lang="en-GB" dirty="0"/>
+                      <a:endParaRPr lang="en-GB" noProof="0" dirty="0"/>
                     </a:p>
                   </a:txBody>
                   <a:tcPr/>
@@ -4269,7 +6492,7 @@
                     <a:lstStyle/>
                     <a:p>
                       <a:r>
-                        <a:rPr lang="en-GB" dirty="0"/>
+                        <a:rPr lang="en-GB" noProof="0" dirty="0"/>
                         <a:t>Date</a:t>
                       </a:r>
                     </a:p>
@@ -4289,7 +6512,7 @@
                     <a:lstStyle/>
                     <a:p>
                       <a:r>
-                        <a:rPr lang="en-GB" dirty="0"/>
+                        <a:rPr lang="en-GB" noProof="0" dirty="0"/>
                         <a:t>Views</a:t>
                       </a:r>
                     </a:p>
@@ -4302,7 +6525,7 @@
                     <a:lstStyle/>
                     <a:p>
                       <a:r>
-                        <a:rPr lang="en-GB" dirty="0"/>
+                        <a:rPr lang="en-GB" noProof="0" dirty="0"/>
                         <a:t>Integer</a:t>
                       </a:r>
                     </a:p>
@@ -4349,7 +6572,7 @@
           <a:p>
             <a:pPr algn="ctr"/>
             <a:r>
-              <a:rPr lang="en-GB" dirty="0"/>
+              <a:rPr lang="en-GB" noProof="0" dirty="0"/>
               <a:t>Albums</a:t>
             </a:r>
           </a:p>
@@ -4370,7 +6593,7 @@
           <p:nvPr>
             <p:extLst>
               <p:ext uri="{D42A27DB-BD31-4B8C-83A1-F6EECF244321}">
-                <p14:modId xmlns:p14="http://schemas.microsoft.com/office/powerpoint/2010/main" val="1165967550"/>
+                <p14:modId xmlns:p14="http://schemas.microsoft.com/office/powerpoint/2010/main" val="3900862724"/>
               </p:ext>
             </p:extLst>
           </p:nvPr>
@@ -4408,7 +6631,7 @@
                     <a:lstStyle/>
                     <a:p>
                       <a:r>
-                        <a:rPr lang="en-GB" dirty="0"/>
+                        <a:rPr lang="en-GB" noProof="0" dirty="0"/>
                         <a:t>Fields</a:t>
                       </a:r>
                     </a:p>
@@ -4421,7 +6644,7 @@
                     <a:lstStyle/>
                     <a:p>
                       <a:r>
-                        <a:rPr lang="en-GB" dirty="0"/>
+                        <a:rPr lang="en-GB" noProof="0" dirty="0"/>
                         <a:t>Type</a:t>
                       </a:r>
                     </a:p>
@@ -4441,7 +6664,7 @@
                     <a:lstStyle/>
                     <a:p>
                       <a:r>
-                        <a:rPr lang="en-GB" dirty="0"/>
+                        <a:rPr lang="en-GB" noProof="0" dirty="0"/>
                         <a:t>Text</a:t>
                       </a:r>
                     </a:p>
@@ -4454,8 +6677,8 @@
                     <a:lstStyle/>
                     <a:p>
                       <a:r>
-                        <a:rPr lang="en-GB" dirty="0"/>
-                        <a:t>Char(128)</a:t>
+                        <a:rPr lang="en-GB" noProof="0" dirty="0"/>
+                        <a:t>Char(255)</a:t>
                       </a:r>
                     </a:p>
                   </a:txBody>
@@ -4474,7 +6697,7 @@
                     <a:lstStyle/>
                     <a:p>
                       <a:r>
-                        <a:rPr lang="en-GB" dirty="0"/>
+                        <a:rPr lang="en-GB" noProof="0" dirty="0"/>
                         <a:t>Username</a:t>
                       </a:r>
                     </a:p>
@@ -4487,7 +6710,7 @@
                     <a:lstStyle/>
                     <a:p>
                       <a:r>
-                        <a:rPr lang="en-GB" dirty="0"/>
+                        <a:rPr lang="en-GB" noProof="0" dirty="0"/>
                         <a:t>Char(20)</a:t>
                       </a:r>
                     </a:p>
@@ -4507,10 +6730,10 @@
                     <a:lstStyle/>
                     <a:p>
                       <a:r>
-                        <a:rPr lang="en-GB" dirty="0" err="1"/>
+                        <a:rPr lang="en-GB" noProof="0" dirty="0" err="1"/>
                         <a:t>AlbumTitle</a:t>
                       </a:r>
-                      <a:endParaRPr lang="en-GB" dirty="0"/>
+                      <a:endParaRPr lang="en-GB" noProof="0" dirty="0"/>
                     </a:p>
                   </a:txBody>
                   <a:tcPr/>
@@ -4521,7 +6744,7 @@
                     <a:lstStyle/>
                     <a:p>
                       <a:r>
-                        <a:rPr lang="en-GB" dirty="0"/>
+                        <a:rPr lang="en-GB" noProof="0" dirty="0"/>
                         <a:t>Char(40)</a:t>
                       </a:r>
                     </a:p>
@@ -4540,7 +6763,7 @@
                     <a:bodyPr/>
                     <a:lstStyle/>
                     <a:p>
-                      <a:endParaRPr lang="en-GB"/>
+                      <a:endParaRPr lang="en-GB" noProof="0" dirty="0"/>
                     </a:p>
                   </a:txBody>
                   <a:tcPr/>
@@ -4550,7 +6773,7 @@
                     <a:bodyPr/>
                     <a:lstStyle/>
                     <a:p>
-                      <a:endParaRPr lang="en-GB"/>
+                      <a:endParaRPr lang="en-GB" noProof="0" dirty="0"/>
                     </a:p>
                   </a:txBody>
                   <a:tcPr/>
@@ -4567,7 +6790,7 @@
                     <a:bodyPr/>
                     <a:lstStyle/>
                     <a:p>
-                      <a:endParaRPr lang="en-GB"/>
+                      <a:endParaRPr lang="en-GB" noProof="0" dirty="0"/>
                     </a:p>
                   </a:txBody>
                   <a:tcPr/>
@@ -4577,7 +6800,7 @@
                     <a:bodyPr/>
                     <a:lstStyle/>
                     <a:p>
-                      <a:endParaRPr lang="en-GB" dirty="0"/>
+                      <a:endParaRPr lang="en-GB" noProof="0" dirty="0"/>
                     </a:p>
                   </a:txBody>
                   <a:tcPr/>
@@ -4622,7 +6845,7 @@
           <a:p>
             <a:pPr algn="ctr"/>
             <a:r>
-              <a:rPr lang="en-GB" dirty="0"/>
+              <a:rPr lang="en-GB" noProof="0" dirty="0"/>
               <a:t>Comments</a:t>
             </a:r>
           </a:p>
@@ -4679,7 +6902,7 @@
           <a:p>
             <a:pPr algn="ctr"/>
             <a:r>
-              <a:rPr lang="en-GB" dirty="0">
+              <a:rPr lang="en-GB" noProof="0" dirty="0">
                 <a:ln w="0"/>
                 <a:solidFill>
                   <a:schemeClr val="tx1"/>

--- a/WAD2 Group Project Design Spec.pptx
+++ b/WAD2 Group Project Design Spec.pptx
@@ -2,7 +2,7 @@
 <file path=ppt/presentation.xml><?xml version="1.0" encoding="utf-8"?>
 <p:presentation xmlns:a="http://schemas.openxmlformats.org/drawingml/2006/main" xmlns:r="http://schemas.openxmlformats.org/officeDocument/2006/relationships" xmlns:p="http://schemas.openxmlformats.org/presentationml/2006/main" saveSubsetFonts="1">
   <p:sldMasterIdLst>
-    <p:sldMasterId id="2147483648" r:id="rId1"/>
+    <p:sldMasterId id="2147483660" r:id="rId1"/>
   </p:sldMasterIdLst>
   <p:sldIdLst>
     <p:sldId id="256" r:id="rId2"/>
@@ -18,7 +18,7 @@
     <a:defPPr>
       <a:defRPr lang="en-US"/>
     </a:defPPr>
-    <a:lvl1pPr marL="0" algn="l" defTabSz="914400" rtl="0" eaLnBrk="1" latinLnBrk="0" hangingPunct="1">
+    <a:lvl1pPr marL="0" algn="l" defTabSz="457200" rtl="0" eaLnBrk="1" latinLnBrk="0" hangingPunct="1">
       <a:defRPr sz="1800" kern="1200">
         <a:solidFill>
           <a:schemeClr val="tx1"/>
@@ -28,7 +28,7 @@
         <a:cs typeface="+mn-cs"/>
       </a:defRPr>
     </a:lvl1pPr>
-    <a:lvl2pPr marL="457200" algn="l" defTabSz="914400" rtl="0" eaLnBrk="1" latinLnBrk="0" hangingPunct="1">
+    <a:lvl2pPr marL="457200" algn="l" defTabSz="457200" rtl="0" eaLnBrk="1" latinLnBrk="0" hangingPunct="1">
       <a:defRPr sz="1800" kern="1200">
         <a:solidFill>
           <a:schemeClr val="tx1"/>
@@ -38,7 +38,7 @@
         <a:cs typeface="+mn-cs"/>
       </a:defRPr>
     </a:lvl2pPr>
-    <a:lvl3pPr marL="914400" algn="l" defTabSz="914400" rtl="0" eaLnBrk="1" latinLnBrk="0" hangingPunct="1">
+    <a:lvl3pPr marL="914400" algn="l" defTabSz="457200" rtl="0" eaLnBrk="1" latinLnBrk="0" hangingPunct="1">
       <a:defRPr sz="1800" kern="1200">
         <a:solidFill>
           <a:schemeClr val="tx1"/>
@@ -48,7 +48,7 @@
         <a:cs typeface="+mn-cs"/>
       </a:defRPr>
     </a:lvl3pPr>
-    <a:lvl4pPr marL="1371600" algn="l" defTabSz="914400" rtl="0" eaLnBrk="1" latinLnBrk="0" hangingPunct="1">
+    <a:lvl4pPr marL="1371600" algn="l" defTabSz="457200" rtl="0" eaLnBrk="1" latinLnBrk="0" hangingPunct="1">
       <a:defRPr sz="1800" kern="1200">
         <a:solidFill>
           <a:schemeClr val="tx1"/>
@@ -58,7 +58,7 @@
         <a:cs typeface="+mn-cs"/>
       </a:defRPr>
     </a:lvl4pPr>
-    <a:lvl5pPr marL="1828800" algn="l" defTabSz="914400" rtl="0" eaLnBrk="1" latinLnBrk="0" hangingPunct="1">
+    <a:lvl5pPr marL="1828800" algn="l" defTabSz="457200" rtl="0" eaLnBrk="1" latinLnBrk="0" hangingPunct="1">
       <a:defRPr sz="1800" kern="1200">
         <a:solidFill>
           <a:schemeClr val="tx1"/>
@@ -68,7 +68,7 @@
         <a:cs typeface="+mn-cs"/>
       </a:defRPr>
     </a:lvl5pPr>
-    <a:lvl6pPr marL="2286000" algn="l" defTabSz="914400" rtl="0" eaLnBrk="1" latinLnBrk="0" hangingPunct="1">
+    <a:lvl6pPr marL="2286000" algn="l" defTabSz="457200" rtl="0" eaLnBrk="1" latinLnBrk="0" hangingPunct="1">
       <a:defRPr sz="1800" kern="1200">
         <a:solidFill>
           <a:schemeClr val="tx1"/>
@@ -78,7 +78,7 @@
         <a:cs typeface="+mn-cs"/>
       </a:defRPr>
     </a:lvl6pPr>
-    <a:lvl7pPr marL="2743200" algn="l" defTabSz="914400" rtl="0" eaLnBrk="1" latinLnBrk="0" hangingPunct="1">
+    <a:lvl7pPr marL="2743200" algn="l" defTabSz="457200" rtl="0" eaLnBrk="1" latinLnBrk="0" hangingPunct="1">
       <a:defRPr sz="1800" kern="1200">
         <a:solidFill>
           <a:schemeClr val="tx1"/>
@@ -88,7 +88,7 @@
         <a:cs typeface="+mn-cs"/>
       </a:defRPr>
     </a:lvl7pPr>
-    <a:lvl8pPr marL="3200400" algn="l" defTabSz="914400" rtl="0" eaLnBrk="1" latinLnBrk="0" hangingPunct="1">
+    <a:lvl8pPr marL="3200400" algn="l" defTabSz="457200" rtl="0" eaLnBrk="1" latinLnBrk="0" hangingPunct="1">
       <a:defRPr sz="1800" kern="1200">
         <a:solidFill>
           <a:schemeClr val="tx1"/>
@@ -98,7 +98,7 @@
         <a:cs typeface="+mn-cs"/>
       </a:defRPr>
     </a:lvl8pPr>
-    <a:lvl9pPr marL="3657600" algn="l" defTabSz="914400" rtl="0" eaLnBrk="1" latinLnBrk="0" hangingPunct="1">
+    <a:lvl9pPr marL="3657600" algn="l" defTabSz="457200" rtl="0" eaLnBrk="1" latinLnBrk="0" hangingPunct="1">
       <a:defRPr sz="1800" kern="1200">
         <a:solidFill>
           <a:schemeClr val="tx1"/>
@@ -120,6 +120,11 @@
 <file path=ppt/slideLayouts/slideLayout1.xml><?xml version="1.0" encoding="utf-8"?>
 <p:sldLayout xmlns:a="http://schemas.openxmlformats.org/drawingml/2006/main" xmlns:r="http://schemas.openxmlformats.org/officeDocument/2006/relationships" xmlns:p="http://schemas.openxmlformats.org/presentationml/2006/main" type="title" preserve="1">
   <p:cSld name="Title Slide">
+    <p:bg>
+      <p:bgRef idx="1003">
+        <a:schemeClr val="bg2"/>
+      </p:bgRef>
+    </p:bg>
     <p:spTree>
       <p:nvGrpSpPr>
         <p:cNvPr id="1" name=""/>
@@ -134,52 +139,75 @@
           <a:chExt cx="0" cy="0"/>
         </a:xfrm>
       </p:grpSpPr>
-      <p:sp>
-        <p:nvSpPr>
-          <p:cNvPr id="2" name="Title 1">
+      <p:pic>
+        <p:nvPicPr>
+          <p:cNvPr id="7" name="Picture 6" descr="Celestia-R1---OverlayTitleHD.png"/>
+          <p:cNvPicPr>
+            <a:picLocks noChangeAspect="1"/>
+          </p:cNvPicPr>
+          <p:nvPr/>
+        </p:nvPicPr>
+        <p:blipFill>
+          <a:blip r:embed="rId2">
             <a:extLst>
-              <a:ext uri="{FF2B5EF4-FFF2-40B4-BE49-F238E27FC236}">
-                <a16:creationId xmlns:a16="http://schemas.microsoft.com/office/drawing/2014/main" id="{C03E22FE-EBE7-3F1A-9A7F-A593DB419B17}"/>
+              <a:ext uri="{28A0092B-C50C-407E-A947-70E740481C1C}">
+                <a14:useLocalDpi xmlns:a14="http://schemas.microsoft.com/office/drawing/2010/main" val="0"/>
               </a:ext>
             </a:extLst>
-          </p:cNvPr>
-          <p:cNvSpPr>
-            <a:spLocks noGrp="1"/>
-          </p:cNvSpPr>
-          <p:nvPr>
-            <p:ph type="ctrTitle"/>
-          </p:nvPr>
-        </p:nvSpPr>
+          </a:blip>
+          <a:stretch>
+            <a:fillRect/>
+          </a:stretch>
+        </p:blipFill>
         <p:spPr>
           <a:xfrm>
-            <a:off x="1524000" y="1122363"/>
-            <a:ext cx="9144000" cy="2387600"/>
+            <a:off x="0" y="0"/>
+            <a:ext cx="12188825" cy="6856214"/>
+          </a:xfrm>
+          <a:prstGeom prst="rect">
+            <a:avLst/>
+          </a:prstGeom>
+        </p:spPr>
+      </p:pic>
+      <p:sp>
+        <p:nvSpPr>
+          <p:cNvPr id="2" name="Title 1"/>
+          <p:cNvSpPr>
+            <a:spLocks noGrp="1"/>
+          </p:cNvSpPr>
+          <p:nvPr>
+            <p:ph type="ctrTitle"/>
+          </p:nvPr>
+        </p:nvSpPr>
+        <p:spPr>
+          <a:xfrm>
+            <a:off x="3962399" y="1964267"/>
+            <a:ext cx="7197726" cy="2421464"/>
           </a:xfrm>
         </p:spPr>
         <p:txBody>
-          <a:bodyPr anchor="b"/>
+          <a:bodyPr anchor="b">
+            <a:normAutofit/>
+          </a:bodyPr>
           <a:lstStyle>
-            <a:lvl1pPr algn="ctr">
-              <a:defRPr sz="6000"/>
+            <a:lvl1pPr algn="r">
+              <a:defRPr sz="4800">
+                <a:effectLst/>
+              </a:defRPr>
             </a:lvl1pPr>
           </a:lstStyle>
           <a:p>
             <a:r>
-              <a:rPr lang="en-GB"/>
+              <a:rPr lang="en-US"/>
               <a:t>Click to edit Master title style</a:t>
             </a:r>
-          </a:p>
-        </p:txBody>
-      </p:sp>
-      <p:sp>
-        <p:nvSpPr>
-          <p:cNvPr id="3" name="Subtitle 2">
-            <a:extLst>
-              <a:ext uri="{FF2B5EF4-FFF2-40B4-BE49-F238E27FC236}">
-                <a16:creationId xmlns:a16="http://schemas.microsoft.com/office/drawing/2014/main" id="{C18EBAAD-D298-89A0-2697-095302A80217}"/>
-              </a:ext>
-            </a:extLst>
-          </p:cNvPr>
+            <a:endParaRPr lang="en-US" dirty="0"/>
+          </a:p>
+        </p:txBody>
+      </p:sp>
+      <p:sp>
+        <p:nvSpPr>
+          <p:cNvPr id="3" name="Subtitle 2"/>
           <p:cNvSpPr>
             <a:spLocks noGrp="1"/>
           </p:cNvSpPr>
@@ -189,67 +217,116 @@
         </p:nvSpPr>
         <p:spPr>
           <a:xfrm>
-            <a:off x="1524000" y="3602038"/>
-            <a:ext cx="9144000" cy="1655762"/>
+            <a:off x="3962399" y="4385732"/>
+            <a:ext cx="7197726" cy="1405467"/>
           </a:xfrm>
         </p:spPr>
         <p:txBody>
-          <a:bodyPr/>
+          <a:bodyPr anchor="t">
+            <a:normAutofit/>
+          </a:bodyPr>
           <a:lstStyle>
-            <a:lvl1pPr marL="0" indent="0" algn="ctr">
-              <a:buNone/>
-              <a:defRPr sz="2400"/>
+            <a:lvl1pPr marL="0" indent="0" algn="r">
+              <a:buNone/>
+              <a:defRPr sz="1800" cap="all">
+                <a:solidFill>
+                  <a:schemeClr val="tx1"/>
+                </a:solidFill>
+              </a:defRPr>
             </a:lvl1pPr>
             <a:lvl2pPr marL="457200" indent="0" algn="ctr">
               <a:buNone/>
-              <a:defRPr sz="2000"/>
+              <a:defRPr>
+                <a:solidFill>
+                  <a:schemeClr val="tx1">
+                    <a:tint val="75000"/>
+                  </a:schemeClr>
+                </a:solidFill>
+              </a:defRPr>
             </a:lvl2pPr>
             <a:lvl3pPr marL="914400" indent="0" algn="ctr">
               <a:buNone/>
-              <a:defRPr sz="1800"/>
+              <a:defRPr>
+                <a:solidFill>
+                  <a:schemeClr val="tx1">
+                    <a:tint val="75000"/>
+                  </a:schemeClr>
+                </a:solidFill>
+              </a:defRPr>
             </a:lvl3pPr>
             <a:lvl4pPr marL="1371600" indent="0" algn="ctr">
               <a:buNone/>
-              <a:defRPr sz="1600"/>
+              <a:defRPr>
+                <a:solidFill>
+                  <a:schemeClr val="tx1">
+                    <a:tint val="75000"/>
+                  </a:schemeClr>
+                </a:solidFill>
+              </a:defRPr>
             </a:lvl4pPr>
             <a:lvl5pPr marL="1828800" indent="0" algn="ctr">
               <a:buNone/>
-              <a:defRPr sz="1600"/>
+              <a:defRPr>
+                <a:solidFill>
+                  <a:schemeClr val="tx1">
+                    <a:tint val="75000"/>
+                  </a:schemeClr>
+                </a:solidFill>
+              </a:defRPr>
             </a:lvl5pPr>
             <a:lvl6pPr marL="2286000" indent="0" algn="ctr">
               <a:buNone/>
-              <a:defRPr sz="1600"/>
+              <a:defRPr>
+                <a:solidFill>
+                  <a:schemeClr val="tx1">
+                    <a:tint val="75000"/>
+                  </a:schemeClr>
+                </a:solidFill>
+              </a:defRPr>
             </a:lvl6pPr>
             <a:lvl7pPr marL="2743200" indent="0" algn="ctr">
               <a:buNone/>
-              <a:defRPr sz="1600"/>
+              <a:defRPr>
+                <a:solidFill>
+                  <a:schemeClr val="tx1">
+                    <a:tint val="75000"/>
+                  </a:schemeClr>
+                </a:solidFill>
+              </a:defRPr>
             </a:lvl7pPr>
             <a:lvl8pPr marL="3200400" indent="0" algn="ctr">
               <a:buNone/>
-              <a:defRPr sz="1600"/>
+              <a:defRPr>
+                <a:solidFill>
+                  <a:schemeClr val="tx1">
+                    <a:tint val="75000"/>
+                  </a:schemeClr>
+                </a:solidFill>
+              </a:defRPr>
             </a:lvl8pPr>
             <a:lvl9pPr marL="3657600" indent="0" algn="ctr">
               <a:buNone/>
-              <a:defRPr sz="1600"/>
+              <a:defRPr>
+                <a:solidFill>
+                  <a:schemeClr val="tx1">
+                    <a:tint val="75000"/>
+                  </a:schemeClr>
+                </a:solidFill>
+              </a:defRPr>
             </a:lvl9pPr>
           </a:lstStyle>
           <a:p>
             <a:r>
-              <a:rPr lang="en-GB"/>
+              <a:rPr lang="en-US"/>
               <a:t>Click to edit Master subtitle style</a:t>
             </a:r>
-          </a:p>
-        </p:txBody>
-      </p:sp>
-      <p:sp>
-        <p:nvSpPr>
-          <p:cNvPr id="4" name="Date Placeholder 3">
-            <a:extLst>
-              <a:ext uri="{FF2B5EF4-FFF2-40B4-BE49-F238E27FC236}">
-                <a16:creationId xmlns:a16="http://schemas.microsoft.com/office/drawing/2014/main" id="{AB9D2283-2837-3915-268A-98CC89C72676}"/>
-              </a:ext>
-            </a:extLst>
-          </p:cNvPr>
+            <a:endParaRPr lang="en-US" dirty="0"/>
+          </a:p>
+        </p:txBody>
+      </p:sp>
+      <p:sp>
+        <p:nvSpPr>
+          <p:cNvPr id="4" name="Date Placeholder 3"/>
           <p:cNvSpPr>
             <a:spLocks noGrp="1"/>
           </p:cNvSpPr>
@@ -257,7 +334,12 @@
             <p:ph type="dt" sz="half" idx="10"/>
           </p:nvPr>
         </p:nvSpPr>
-        <p:spPr/>
+        <p:spPr>
+          <a:xfrm>
+            <a:off x="8932558" y="5870575"/>
+            <a:ext cx="1600200" cy="377825"/>
+          </a:xfrm>
+        </p:spPr>
         <p:txBody>
           <a:bodyPr/>
           <a:lstStyle/>
@@ -272,13 +354,7 @@
       </p:sp>
       <p:sp>
         <p:nvSpPr>
-          <p:cNvPr id="5" name="Footer Placeholder 4">
-            <a:extLst>
-              <a:ext uri="{FF2B5EF4-FFF2-40B4-BE49-F238E27FC236}">
-                <a16:creationId xmlns:a16="http://schemas.microsoft.com/office/drawing/2014/main" id="{A393E852-BAD8-834A-632A-D00E188A44F8}"/>
-              </a:ext>
-            </a:extLst>
-          </p:cNvPr>
+          <p:cNvPr id="5" name="Footer Placeholder 4"/>
           <p:cNvSpPr>
             <a:spLocks noGrp="1"/>
           </p:cNvSpPr>
@@ -286,7 +362,12 @@
             <p:ph type="ftr" sz="quarter" idx="11"/>
           </p:nvPr>
         </p:nvSpPr>
-        <p:spPr/>
+        <p:spPr>
+          <a:xfrm>
+            <a:off x="3962399" y="5870575"/>
+            <a:ext cx="4893958" cy="377825"/>
+          </a:xfrm>
+        </p:spPr>
         <p:txBody>
           <a:bodyPr/>
           <a:lstStyle/>
@@ -297,13 +378,7 @@
       </p:sp>
       <p:sp>
         <p:nvSpPr>
-          <p:cNvPr id="6" name="Slide Number Placeholder 5">
-            <a:extLst>
-              <a:ext uri="{FF2B5EF4-FFF2-40B4-BE49-F238E27FC236}">
-                <a16:creationId xmlns:a16="http://schemas.microsoft.com/office/drawing/2014/main" id="{CF4D262A-5D7A-EB6B-1220-810597F6D5F0}"/>
-              </a:ext>
-            </a:extLst>
-          </p:cNvPr>
+          <p:cNvPr id="6" name="Slide Number Placeholder 5"/>
           <p:cNvSpPr>
             <a:spLocks noGrp="1"/>
           </p:cNvSpPr>
@@ -311,7 +386,12 @@
             <p:ph type="sldNum" sz="quarter" idx="12"/>
           </p:nvPr>
         </p:nvSpPr>
-        <p:spPr/>
+        <p:spPr>
+          <a:xfrm>
+            <a:off x="10608958" y="5870575"/>
+            <a:ext cx="551167" cy="377825"/>
+          </a:xfrm>
+        </p:spPr>
         <p:txBody>
           <a:bodyPr/>
           <a:lstStyle/>
@@ -327,7 +407,331 @@
     </p:spTree>
     <p:extLst>
       <p:ext uri="{BB962C8B-B14F-4D97-AF65-F5344CB8AC3E}">
-        <p14:creationId xmlns:p14="http://schemas.microsoft.com/office/powerpoint/2010/main" val="1708862778"/>
+        <p14:creationId xmlns:p14="http://schemas.microsoft.com/office/powerpoint/2010/main" val="1026427394"/>
+      </p:ext>
+    </p:extLst>
+  </p:cSld>
+  <p:clrMapOvr>
+    <a:overrideClrMapping bg1="dk1" tx1="lt1" bg2="dk2" tx2="lt2" accent1="accent1" accent2="accent2" accent3="accent3" accent4="accent4" accent5="accent5" accent6="accent6" hlink="hlink" folHlink="folHlink"/>
+  </p:clrMapOvr>
+</p:sldLayout>
+</file>
+
+<file path=ppt/slideLayouts/slideLayout10.xml><?xml version="1.0" encoding="utf-8"?>
+<p:sldLayout xmlns:a="http://schemas.openxmlformats.org/drawingml/2006/main" xmlns:r="http://schemas.openxmlformats.org/officeDocument/2006/relationships" xmlns:p="http://schemas.openxmlformats.org/presentationml/2006/main" preserve="1">
+  <p:cSld name="Panoramic Picture with Caption">
+    <p:spTree>
+      <p:nvGrpSpPr>
+        <p:cNvPr id="1" name=""/>
+        <p:cNvGrpSpPr/>
+        <p:nvPr/>
+      </p:nvGrpSpPr>
+      <p:grpSpPr>
+        <a:xfrm>
+          <a:off x="0" y="0"/>
+          <a:ext cx="0" cy="0"/>
+          <a:chOff x="0" y="0"/>
+          <a:chExt cx="0" cy="0"/>
+        </a:xfrm>
+      </p:grpSpPr>
+      <p:pic>
+        <p:nvPicPr>
+          <p:cNvPr id="8" name="Picture 7" descr="Celestia-R1---OverlayContentHD.png"/>
+          <p:cNvPicPr>
+            <a:picLocks noChangeAspect="1"/>
+          </p:cNvPicPr>
+          <p:nvPr/>
+        </p:nvPicPr>
+        <p:blipFill>
+          <a:blip r:embed="rId2">
+            <a:extLst>
+              <a:ext uri="{28A0092B-C50C-407E-A947-70E740481C1C}">
+                <a14:useLocalDpi xmlns:a14="http://schemas.microsoft.com/office/drawing/2010/main" val="0"/>
+              </a:ext>
+            </a:extLst>
+          </a:blip>
+          <a:stretch>
+            <a:fillRect/>
+          </a:stretch>
+        </p:blipFill>
+        <p:spPr>
+          <a:xfrm>
+            <a:off x="0" y="0"/>
+            <a:ext cx="12188825" cy="6856214"/>
+          </a:xfrm>
+          <a:prstGeom prst="rect">
+            <a:avLst/>
+          </a:prstGeom>
+        </p:spPr>
+      </p:pic>
+      <p:sp>
+        <p:nvSpPr>
+          <p:cNvPr id="2" name="Title 1"/>
+          <p:cNvSpPr>
+            <a:spLocks noGrp="1"/>
+          </p:cNvSpPr>
+          <p:nvPr>
+            <p:ph type="title"/>
+          </p:nvPr>
+        </p:nvSpPr>
+        <p:spPr>
+          <a:xfrm>
+            <a:off x="685800" y="4732865"/>
+            <a:ext cx="10131427" cy="566738"/>
+          </a:xfrm>
+        </p:spPr>
+        <p:txBody>
+          <a:bodyPr anchor="b">
+            <a:normAutofit/>
+          </a:bodyPr>
+          <a:lstStyle>
+            <a:lvl1pPr algn="l">
+              <a:defRPr sz="2400" b="0"/>
+            </a:lvl1pPr>
+          </a:lstStyle>
+          <a:p>
+            <a:r>
+              <a:rPr lang="en-US"/>
+              <a:t>Click to edit Master title style</a:t>
+            </a:r>
+            <a:endParaRPr lang="en-US" dirty="0"/>
+          </a:p>
+        </p:txBody>
+      </p:sp>
+      <p:sp>
+        <p:nvSpPr>
+          <p:cNvPr id="3" name="Picture Placeholder 2"/>
+          <p:cNvSpPr>
+            <a:spLocks noGrp="1" noChangeAspect="1"/>
+          </p:cNvSpPr>
+          <p:nvPr>
+            <p:ph type="pic" idx="1"/>
+          </p:nvPr>
+        </p:nvSpPr>
+        <p:spPr>
+          <a:xfrm>
+            <a:off x="1371600" y="932112"/>
+            <a:ext cx="8759827" cy="3164976"/>
+          </a:xfrm>
+          <a:prstGeom prst="roundRect">
+            <a:avLst>
+              <a:gd name="adj" fmla="val 4380"/>
+            </a:avLst>
+          </a:prstGeom>
+          <a:ln w="50800" cap="sq" cmpd="dbl">
+            <a:gradFill flip="none" rotWithShape="1">
+              <a:gsLst>
+                <a:gs pos="0">
+                  <a:srgbClr val="FFFFFF"/>
+                </a:gs>
+                <a:gs pos="100000">
+                  <a:schemeClr val="tx1">
+                    <a:alpha val="0"/>
+                  </a:schemeClr>
+                </a:gs>
+              </a:gsLst>
+              <a:path path="circle">
+                <a:fillToRect l="50000" t="50000" r="50000" b="50000"/>
+              </a:path>
+              <a:tileRect/>
+            </a:gradFill>
+            <a:miter lim="800000"/>
+          </a:ln>
+          <a:effectLst>
+            <a:outerShdw blurRad="254000" algn="tl" rotWithShape="0">
+              <a:srgbClr val="000000">
+                <a:alpha val="43000"/>
+              </a:srgbClr>
+            </a:outerShdw>
+          </a:effectLst>
+        </p:spPr>
+        <p:txBody>
+          <a:bodyPr anchor="t">
+            <a:normAutofit/>
+          </a:bodyPr>
+          <a:lstStyle>
+            <a:lvl1pPr marL="0" indent="0" algn="ctr">
+              <a:buNone/>
+              <a:defRPr sz="1600"/>
+            </a:lvl1pPr>
+            <a:lvl2pPr marL="457200" indent="0">
+              <a:buNone/>
+              <a:defRPr sz="1600"/>
+            </a:lvl2pPr>
+            <a:lvl3pPr marL="914400" indent="0">
+              <a:buNone/>
+              <a:defRPr sz="1600"/>
+            </a:lvl3pPr>
+            <a:lvl4pPr marL="1371600" indent="0">
+              <a:buNone/>
+              <a:defRPr sz="1600"/>
+            </a:lvl4pPr>
+            <a:lvl5pPr marL="1828800" indent="0">
+              <a:buNone/>
+              <a:defRPr sz="1600"/>
+            </a:lvl5pPr>
+            <a:lvl6pPr marL="2286000" indent="0">
+              <a:buNone/>
+              <a:defRPr sz="1600"/>
+            </a:lvl6pPr>
+            <a:lvl7pPr marL="2743200" indent="0">
+              <a:buNone/>
+              <a:defRPr sz="1600"/>
+            </a:lvl7pPr>
+            <a:lvl8pPr marL="3200400" indent="0">
+              <a:buNone/>
+              <a:defRPr sz="1600"/>
+            </a:lvl8pPr>
+            <a:lvl9pPr marL="3657600" indent="0">
+              <a:buNone/>
+              <a:defRPr sz="1600"/>
+            </a:lvl9pPr>
+          </a:lstStyle>
+          <a:p>
+            <a:r>
+              <a:rPr lang="en-US"/>
+              <a:t>Click icon to add picture</a:t>
+            </a:r>
+            <a:endParaRPr lang="en-US" dirty="0"/>
+          </a:p>
+        </p:txBody>
+      </p:sp>
+      <p:sp>
+        <p:nvSpPr>
+          <p:cNvPr id="4" name="Text Placeholder 3"/>
+          <p:cNvSpPr>
+            <a:spLocks noGrp="1"/>
+          </p:cNvSpPr>
+          <p:nvPr>
+            <p:ph type="body" sz="half" idx="2"/>
+          </p:nvPr>
+        </p:nvSpPr>
+        <p:spPr>
+          <a:xfrm>
+            <a:off x="685800" y="5299603"/>
+            <a:ext cx="10131427" cy="493712"/>
+          </a:xfrm>
+        </p:spPr>
+        <p:txBody>
+          <a:bodyPr anchor="t">
+            <a:normAutofit/>
+          </a:bodyPr>
+          <a:lstStyle>
+            <a:lvl1pPr marL="0" indent="0">
+              <a:buNone/>
+              <a:defRPr sz="1400"/>
+            </a:lvl1pPr>
+            <a:lvl2pPr marL="457200" indent="0">
+              <a:buNone/>
+              <a:defRPr sz="1200"/>
+            </a:lvl2pPr>
+            <a:lvl3pPr marL="914400" indent="0">
+              <a:buNone/>
+              <a:defRPr sz="1000"/>
+            </a:lvl3pPr>
+            <a:lvl4pPr marL="1371600" indent="0">
+              <a:buNone/>
+              <a:defRPr sz="900"/>
+            </a:lvl4pPr>
+            <a:lvl5pPr marL="1828800" indent="0">
+              <a:buNone/>
+              <a:defRPr sz="900"/>
+            </a:lvl5pPr>
+            <a:lvl6pPr marL="2286000" indent="0">
+              <a:buNone/>
+              <a:defRPr sz="900"/>
+            </a:lvl6pPr>
+            <a:lvl7pPr marL="2743200" indent="0">
+              <a:buNone/>
+              <a:defRPr sz="900"/>
+            </a:lvl7pPr>
+            <a:lvl8pPr marL="3200400" indent="0">
+              <a:buNone/>
+              <a:defRPr sz="900"/>
+            </a:lvl8pPr>
+            <a:lvl9pPr marL="3657600" indent="0">
+              <a:buNone/>
+              <a:defRPr sz="900"/>
+            </a:lvl9pPr>
+          </a:lstStyle>
+          <a:p>
+            <a:pPr lvl="0"/>
+            <a:r>
+              <a:rPr lang="en-US"/>
+              <a:t>Click to edit Master text styles</a:t>
+            </a:r>
+          </a:p>
+        </p:txBody>
+      </p:sp>
+      <p:sp>
+        <p:nvSpPr>
+          <p:cNvPr id="5" name="Date Placeholder 4"/>
+          <p:cNvSpPr>
+            <a:spLocks noGrp="1"/>
+          </p:cNvSpPr>
+          <p:nvPr>
+            <p:ph type="dt" sz="half" idx="10"/>
+          </p:nvPr>
+        </p:nvSpPr>
+        <p:spPr/>
+        <p:txBody>
+          <a:bodyPr/>
+          <a:lstStyle/>
+          <a:p>
+            <a:fld id="{386EAC6E-8ADC-498C-8D78-A1467B1978D3}" type="datetimeFigureOut">
+              <a:rPr lang="en-GB" smtClean="0"/>
+              <a:t>22/02/2025</a:t>
+            </a:fld>
+            <a:endParaRPr lang="en-GB"/>
+          </a:p>
+        </p:txBody>
+      </p:sp>
+      <p:sp>
+        <p:nvSpPr>
+          <p:cNvPr id="6" name="Footer Placeholder 5"/>
+          <p:cNvSpPr>
+            <a:spLocks noGrp="1"/>
+          </p:cNvSpPr>
+          <p:nvPr>
+            <p:ph type="ftr" sz="quarter" idx="11"/>
+          </p:nvPr>
+        </p:nvSpPr>
+        <p:spPr/>
+        <p:txBody>
+          <a:bodyPr/>
+          <a:lstStyle/>
+          <a:p>
+            <a:endParaRPr lang="en-GB"/>
+          </a:p>
+        </p:txBody>
+      </p:sp>
+      <p:sp>
+        <p:nvSpPr>
+          <p:cNvPr id="7" name="Slide Number Placeholder 6"/>
+          <p:cNvSpPr>
+            <a:spLocks noGrp="1"/>
+          </p:cNvSpPr>
+          <p:nvPr>
+            <p:ph type="sldNum" sz="quarter" idx="12"/>
+          </p:nvPr>
+        </p:nvSpPr>
+        <p:spPr/>
+        <p:txBody>
+          <a:bodyPr/>
+          <a:lstStyle/>
+          <a:p>
+            <a:fld id="{203DD33E-0B34-4D59-861B-E825C7D30ACC}" type="slidenum">
+              <a:rPr lang="en-GB" smtClean="0"/>
+              <a:t>‹#›</a:t>
+            </a:fld>
+            <a:endParaRPr lang="en-GB"/>
+          </a:p>
+        </p:txBody>
+      </p:sp>
+    </p:spTree>
+    <p:extLst>
+      <p:ext uri="{BB962C8B-B14F-4D97-AF65-F5344CB8AC3E}">
+        <p14:creationId xmlns:p14="http://schemas.microsoft.com/office/powerpoint/2010/main" val="3090088739"/>
       </p:ext>
     </p:extLst>
   </p:cSld>
@@ -337,7 +741,2020 @@
 </p:sldLayout>
 </file>
 
-<file path=ppt/slideLayouts/slideLayout10.xml><?xml version="1.0" encoding="utf-8"?>
+<file path=ppt/slideLayouts/slideLayout11.xml><?xml version="1.0" encoding="utf-8"?>
+<p:sldLayout xmlns:a="http://schemas.openxmlformats.org/drawingml/2006/main" xmlns:r="http://schemas.openxmlformats.org/officeDocument/2006/relationships" xmlns:p="http://schemas.openxmlformats.org/presentationml/2006/main" preserve="1">
+  <p:cSld name="Title and Caption">
+    <p:spTree>
+      <p:nvGrpSpPr>
+        <p:cNvPr id="1" name=""/>
+        <p:cNvGrpSpPr/>
+        <p:nvPr/>
+      </p:nvGrpSpPr>
+      <p:grpSpPr>
+        <a:xfrm>
+          <a:off x="0" y="0"/>
+          <a:ext cx="0" cy="0"/>
+          <a:chOff x="0" y="0"/>
+          <a:chExt cx="0" cy="0"/>
+        </a:xfrm>
+      </p:grpSpPr>
+      <p:pic>
+        <p:nvPicPr>
+          <p:cNvPr id="7" name="Picture 6" descr="Celestia-R1---OverlayContentHD.png"/>
+          <p:cNvPicPr>
+            <a:picLocks noChangeAspect="1"/>
+          </p:cNvPicPr>
+          <p:nvPr/>
+        </p:nvPicPr>
+        <p:blipFill>
+          <a:blip r:embed="rId2">
+            <a:extLst>
+              <a:ext uri="{28A0092B-C50C-407E-A947-70E740481C1C}">
+                <a14:useLocalDpi xmlns:a14="http://schemas.microsoft.com/office/drawing/2010/main" val="0"/>
+              </a:ext>
+            </a:extLst>
+          </a:blip>
+          <a:stretch>
+            <a:fillRect/>
+          </a:stretch>
+        </p:blipFill>
+        <p:spPr>
+          <a:xfrm>
+            <a:off x="0" y="0"/>
+            <a:ext cx="12188825" cy="6856214"/>
+          </a:xfrm>
+          <a:prstGeom prst="rect">
+            <a:avLst/>
+          </a:prstGeom>
+        </p:spPr>
+      </p:pic>
+      <p:sp>
+        <p:nvSpPr>
+          <p:cNvPr id="2" name="Title 1"/>
+          <p:cNvSpPr>
+            <a:spLocks noGrp="1"/>
+          </p:cNvSpPr>
+          <p:nvPr>
+            <p:ph type="title"/>
+          </p:nvPr>
+        </p:nvSpPr>
+        <p:spPr>
+          <a:xfrm>
+            <a:off x="685801" y="609601"/>
+            <a:ext cx="10131427" cy="3124199"/>
+          </a:xfrm>
+        </p:spPr>
+        <p:txBody>
+          <a:bodyPr anchor="ctr">
+            <a:normAutofit/>
+          </a:bodyPr>
+          <a:lstStyle>
+            <a:lvl1pPr algn="l">
+              <a:defRPr sz="3200" b="0" cap="none"/>
+            </a:lvl1pPr>
+          </a:lstStyle>
+          <a:p>
+            <a:r>
+              <a:rPr lang="en-US"/>
+              <a:t>Click to edit Master title style</a:t>
+            </a:r>
+            <a:endParaRPr lang="en-US" dirty="0"/>
+          </a:p>
+        </p:txBody>
+      </p:sp>
+      <p:sp>
+        <p:nvSpPr>
+          <p:cNvPr id="3" name="Text Placeholder 2"/>
+          <p:cNvSpPr>
+            <a:spLocks noGrp="1"/>
+          </p:cNvSpPr>
+          <p:nvPr>
+            <p:ph type="body" idx="1"/>
+          </p:nvPr>
+        </p:nvSpPr>
+        <p:spPr>
+          <a:xfrm>
+            <a:off x="685800" y="4343400"/>
+            <a:ext cx="10131428" cy="1447800"/>
+          </a:xfrm>
+        </p:spPr>
+        <p:txBody>
+          <a:bodyPr anchor="ctr">
+            <a:normAutofit/>
+          </a:bodyPr>
+          <a:lstStyle>
+            <a:lvl1pPr marL="0" indent="0" algn="l">
+              <a:buNone/>
+              <a:defRPr sz="2000">
+                <a:solidFill>
+                  <a:schemeClr val="tx1"/>
+                </a:solidFill>
+              </a:defRPr>
+            </a:lvl1pPr>
+            <a:lvl2pPr marL="457200" indent="0">
+              <a:buNone/>
+              <a:defRPr sz="1800">
+                <a:solidFill>
+                  <a:schemeClr val="tx1">
+                    <a:tint val="75000"/>
+                  </a:schemeClr>
+                </a:solidFill>
+              </a:defRPr>
+            </a:lvl2pPr>
+            <a:lvl3pPr marL="914400" indent="0">
+              <a:buNone/>
+              <a:defRPr sz="1600">
+                <a:solidFill>
+                  <a:schemeClr val="tx1">
+                    <a:tint val="75000"/>
+                  </a:schemeClr>
+                </a:solidFill>
+              </a:defRPr>
+            </a:lvl3pPr>
+            <a:lvl4pPr marL="1371600" indent="0">
+              <a:buNone/>
+              <a:defRPr sz="1400">
+                <a:solidFill>
+                  <a:schemeClr val="tx1">
+                    <a:tint val="75000"/>
+                  </a:schemeClr>
+                </a:solidFill>
+              </a:defRPr>
+            </a:lvl4pPr>
+            <a:lvl5pPr marL="1828800" indent="0">
+              <a:buNone/>
+              <a:defRPr sz="1400">
+                <a:solidFill>
+                  <a:schemeClr val="tx1">
+                    <a:tint val="75000"/>
+                  </a:schemeClr>
+                </a:solidFill>
+              </a:defRPr>
+            </a:lvl5pPr>
+            <a:lvl6pPr marL="2286000" indent="0">
+              <a:buNone/>
+              <a:defRPr sz="1400">
+                <a:solidFill>
+                  <a:schemeClr val="tx1">
+                    <a:tint val="75000"/>
+                  </a:schemeClr>
+                </a:solidFill>
+              </a:defRPr>
+            </a:lvl6pPr>
+            <a:lvl7pPr marL="2743200" indent="0">
+              <a:buNone/>
+              <a:defRPr sz="1400">
+                <a:solidFill>
+                  <a:schemeClr val="tx1">
+                    <a:tint val="75000"/>
+                  </a:schemeClr>
+                </a:solidFill>
+              </a:defRPr>
+            </a:lvl7pPr>
+            <a:lvl8pPr marL="3200400" indent="0">
+              <a:buNone/>
+              <a:defRPr sz="1400">
+                <a:solidFill>
+                  <a:schemeClr val="tx1">
+                    <a:tint val="75000"/>
+                  </a:schemeClr>
+                </a:solidFill>
+              </a:defRPr>
+            </a:lvl8pPr>
+            <a:lvl9pPr marL="3657600" indent="0">
+              <a:buNone/>
+              <a:defRPr sz="1400">
+                <a:solidFill>
+                  <a:schemeClr val="tx1">
+                    <a:tint val="75000"/>
+                  </a:schemeClr>
+                </a:solidFill>
+              </a:defRPr>
+            </a:lvl9pPr>
+          </a:lstStyle>
+          <a:p>
+            <a:pPr lvl="0"/>
+            <a:r>
+              <a:rPr lang="en-US"/>
+              <a:t>Click to edit Master text styles</a:t>
+            </a:r>
+          </a:p>
+        </p:txBody>
+      </p:sp>
+      <p:sp>
+        <p:nvSpPr>
+          <p:cNvPr id="4" name="Date Placeholder 3"/>
+          <p:cNvSpPr>
+            <a:spLocks noGrp="1"/>
+          </p:cNvSpPr>
+          <p:nvPr>
+            <p:ph type="dt" sz="half" idx="10"/>
+          </p:nvPr>
+        </p:nvSpPr>
+        <p:spPr/>
+        <p:txBody>
+          <a:bodyPr/>
+          <a:lstStyle/>
+          <a:p>
+            <a:fld id="{386EAC6E-8ADC-498C-8D78-A1467B1978D3}" type="datetimeFigureOut">
+              <a:rPr lang="en-GB" smtClean="0"/>
+              <a:t>22/02/2025</a:t>
+            </a:fld>
+            <a:endParaRPr lang="en-GB"/>
+          </a:p>
+        </p:txBody>
+      </p:sp>
+      <p:sp>
+        <p:nvSpPr>
+          <p:cNvPr id="5" name="Footer Placeholder 4"/>
+          <p:cNvSpPr>
+            <a:spLocks noGrp="1"/>
+          </p:cNvSpPr>
+          <p:nvPr>
+            <p:ph type="ftr" sz="quarter" idx="11"/>
+          </p:nvPr>
+        </p:nvSpPr>
+        <p:spPr/>
+        <p:txBody>
+          <a:bodyPr/>
+          <a:lstStyle/>
+          <a:p>
+            <a:endParaRPr lang="en-GB"/>
+          </a:p>
+        </p:txBody>
+      </p:sp>
+      <p:sp>
+        <p:nvSpPr>
+          <p:cNvPr id="6" name="Slide Number Placeholder 5"/>
+          <p:cNvSpPr>
+            <a:spLocks noGrp="1"/>
+          </p:cNvSpPr>
+          <p:nvPr>
+            <p:ph type="sldNum" sz="quarter" idx="12"/>
+          </p:nvPr>
+        </p:nvSpPr>
+        <p:spPr/>
+        <p:txBody>
+          <a:bodyPr/>
+          <a:lstStyle/>
+          <a:p>
+            <a:fld id="{203DD33E-0B34-4D59-861B-E825C7D30ACC}" type="slidenum">
+              <a:rPr lang="en-GB" smtClean="0"/>
+              <a:t>‹#›</a:t>
+            </a:fld>
+            <a:endParaRPr lang="en-GB"/>
+          </a:p>
+        </p:txBody>
+      </p:sp>
+    </p:spTree>
+    <p:extLst>
+      <p:ext uri="{BB962C8B-B14F-4D97-AF65-F5344CB8AC3E}">
+        <p14:creationId xmlns:p14="http://schemas.microsoft.com/office/powerpoint/2010/main" val="869229011"/>
+      </p:ext>
+    </p:extLst>
+  </p:cSld>
+  <p:clrMapOvr>
+    <a:masterClrMapping/>
+  </p:clrMapOvr>
+</p:sldLayout>
+</file>
+
+<file path=ppt/slideLayouts/slideLayout12.xml><?xml version="1.0" encoding="utf-8"?>
+<p:sldLayout xmlns:a="http://schemas.openxmlformats.org/drawingml/2006/main" xmlns:r="http://schemas.openxmlformats.org/officeDocument/2006/relationships" xmlns:p="http://schemas.openxmlformats.org/presentationml/2006/main" preserve="1">
+  <p:cSld name="Quote with Caption">
+    <p:spTree>
+      <p:nvGrpSpPr>
+        <p:cNvPr id="1" name=""/>
+        <p:cNvGrpSpPr/>
+        <p:nvPr/>
+      </p:nvGrpSpPr>
+      <p:grpSpPr>
+        <a:xfrm>
+          <a:off x="0" y="0"/>
+          <a:ext cx="0" cy="0"/>
+          <a:chOff x="0" y="0"/>
+          <a:chExt cx="0" cy="0"/>
+        </a:xfrm>
+      </p:grpSpPr>
+      <p:pic>
+        <p:nvPicPr>
+          <p:cNvPr id="16" name="Picture 15" descr="Celestia-R1---OverlayContentHD.png"/>
+          <p:cNvPicPr>
+            <a:picLocks noChangeAspect="1"/>
+          </p:cNvPicPr>
+          <p:nvPr/>
+        </p:nvPicPr>
+        <p:blipFill>
+          <a:blip r:embed="rId2">
+            <a:extLst>
+              <a:ext uri="{28A0092B-C50C-407E-A947-70E740481C1C}">
+                <a14:useLocalDpi xmlns:a14="http://schemas.microsoft.com/office/drawing/2010/main" val="0"/>
+              </a:ext>
+            </a:extLst>
+          </a:blip>
+          <a:stretch>
+            <a:fillRect/>
+          </a:stretch>
+        </p:blipFill>
+        <p:spPr>
+          <a:xfrm>
+            <a:off x="0" y="0"/>
+            <a:ext cx="12188825" cy="6856214"/>
+          </a:xfrm>
+          <a:prstGeom prst="rect">
+            <a:avLst/>
+          </a:prstGeom>
+        </p:spPr>
+      </p:pic>
+      <p:sp>
+        <p:nvSpPr>
+          <p:cNvPr id="15" name="TextBox 14"/>
+          <p:cNvSpPr txBox="1"/>
+          <p:nvPr/>
+        </p:nvSpPr>
+        <p:spPr>
+          <a:xfrm>
+            <a:off x="10237867" y="2743200"/>
+            <a:ext cx="609600" cy="584776"/>
+          </a:xfrm>
+          <a:prstGeom prst="rect">
+            <a:avLst/>
+          </a:prstGeom>
+        </p:spPr>
+        <p:txBody>
+          <a:bodyPr vert="horz" lIns="91440" tIns="45720" rIns="91440" bIns="45720" rtlCol="0" anchor="ctr">
+            <a:noAutofit/>
+          </a:bodyPr>
+          <a:lstStyle>
+            <a:lvl1pPr>
+              <a:spcBef>
+                <a:spcPct val="0"/>
+              </a:spcBef>
+              <a:buNone/>
+              <a:defRPr sz="3200" b="0" cap="all">
+                <a:ln w="3175" cmpd="sng">
+                  <a:noFill/>
+                </a:ln>
+                <a:effectLst>
+                  <a:glow rad="38100">
+                    <a:schemeClr val="bg1">
+                      <a:lumMod val="65000"/>
+                      <a:lumOff val="35000"/>
+                      <a:alpha val="40000"/>
+                    </a:schemeClr>
+                  </a:glow>
+                  <a:outerShdw blurRad="28575" dist="38100" dir="14040000" algn="tl" rotWithShape="0">
+                    <a:srgbClr val="000000">
+                      <a:alpha val="25000"/>
+                    </a:srgbClr>
+                  </a:outerShdw>
+                </a:effectLst>
+              </a:defRPr>
+            </a:lvl1pPr>
+            <a:lvl2pPr>
+              <a:defRPr>
+                <a:solidFill>
+                  <a:schemeClr val="tx2"/>
+                </a:solidFill>
+              </a:defRPr>
+            </a:lvl2pPr>
+            <a:lvl3pPr>
+              <a:defRPr>
+                <a:solidFill>
+                  <a:schemeClr val="tx2"/>
+                </a:solidFill>
+              </a:defRPr>
+            </a:lvl3pPr>
+            <a:lvl4pPr>
+              <a:defRPr>
+                <a:solidFill>
+                  <a:schemeClr val="tx2"/>
+                </a:solidFill>
+              </a:defRPr>
+            </a:lvl4pPr>
+            <a:lvl5pPr>
+              <a:defRPr>
+                <a:solidFill>
+                  <a:schemeClr val="tx2"/>
+                </a:solidFill>
+              </a:defRPr>
+            </a:lvl5pPr>
+            <a:lvl6pPr>
+              <a:defRPr>
+                <a:solidFill>
+                  <a:schemeClr val="tx2"/>
+                </a:solidFill>
+              </a:defRPr>
+            </a:lvl6pPr>
+            <a:lvl7pPr>
+              <a:defRPr>
+                <a:solidFill>
+                  <a:schemeClr val="tx2"/>
+                </a:solidFill>
+              </a:defRPr>
+            </a:lvl7pPr>
+            <a:lvl8pPr>
+              <a:defRPr>
+                <a:solidFill>
+                  <a:schemeClr val="tx2"/>
+                </a:solidFill>
+              </a:defRPr>
+            </a:lvl8pPr>
+            <a:lvl9pPr>
+              <a:defRPr>
+                <a:solidFill>
+                  <a:schemeClr val="tx2"/>
+                </a:solidFill>
+              </a:defRPr>
+            </a:lvl9pPr>
+          </a:lstStyle>
+          <a:p>
+            <a:pPr lvl="0" algn="r"/>
+            <a:r>
+              <a:rPr lang="en-US" sz="8000" dirty="0">
+                <a:solidFill>
+                  <a:schemeClr val="tx1"/>
+                </a:solidFill>
+                <a:effectLst/>
+              </a:rPr>
+              <a:t>”</a:t>
+            </a:r>
+          </a:p>
+        </p:txBody>
+      </p:sp>
+      <p:sp>
+        <p:nvSpPr>
+          <p:cNvPr id="11" name="TextBox 10"/>
+          <p:cNvSpPr txBox="1"/>
+          <p:nvPr/>
+        </p:nvSpPr>
+        <p:spPr>
+          <a:xfrm>
+            <a:off x="488275" y="823337"/>
+            <a:ext cx="609600" cy="584776"/>
+          </a:xfrm>
+          <a:prstGeom prst="rect">
+            <a:avLst/>
+          </a:prstGeom>
+        </p:spPr>
+        <p:txBody>
+          <a:bodyPr vert="horz" lIns="91440" tIns="45720" rIns="91440" bIns="45720" rtlCol="0" anchor="ctr">
+            <a:noAutofit/>
+          </a:bodyPr>
+          <a:lstStyle>
+            <a:lvl1pPr>
+              <a:spcBef>
+                <a:spcPct val="0"/>
+              </a:spcBef>
+              <a:buNone/>
+              <a:defRPr sz="3200" b="0" cap="all">
+                <a:ln w="3175" cmpd="sng">
+                  <a:noFill/>
+                </a:ln>
+                <a:effectLst>
+                  <a:glow rad="38100">
+                    <a:schemeClr val="bg1">
+                      <a:lumMod val="65000"/>
+                      <a:lumOff val="35000"/>
+                      <a:alpha val="40000"/>
+                    </a:schemeClr>
+                  </a:glow>
+                  <a:outerShdw blurRad="28575" dist="38100" dir="14040000" algn="tl" rotWithShape="0">
+                    <a:srgbClr val="000000">
+                      <a:alpha val="25000"/>
+                    </a:srgbClr>
+                  </a:outerShdw>
+                </a:effectLst>
+              </a:defRPr>
+            </a:lvl1pPr>
+            <a:lvl2pPr>
+              <a:defRPr>
+                <a:solidFill>
+                  <a:schemeClr val="tx2"/>
+                </a:solidFill>
+              </a:defRPr>
+            </a:lvl2pPr>
+            <a:lvl3pPr>
+              <a:defRPr>
+                <a:solidFill>
+                  <a:schemeClr val="tx2"/>
+                </a:solidFill>
+              </a:defRPr>
+            </a:lvl3pPr>
+            <a:lvl4pPr>
+              <a:defRPr>
+                <a:solidFill>
+                  <a:schemeClr val="tx2"/>
+                </a:solidFill>
+              </a:defRPr>
+            </a:lvl4pPr>
+            <a:lvl5pPr>
+              <a:defRPr>
+                <a:solidFill>
+                  <a:schemeClr val="tx2"/>
+                </a:solidFill>
+              </a:defRPr>
+            </a:lvl5pPr>
+            <a:lvl6pPr>
+              <a:defRPr>
+                <a:solidFill>
+                  <a:schemeClr val="tx2"/>
+                </a:solidFill>
+              </a:defRPr>
+            </a:lvl6pPr>
+            <a:lvl7pPr>
+              <a:defRPr>
+                <a:solidFill>
+                  <a:schemeClr val="tx2"/>
+                </a:solidFill>
+              </a:defRPr>
+            </a:lvl7pPr>
+            <a:lvl8pPr>
+              <a:defRPr>
+                <a:solidFill>
+                  <a:schemeClr val="tx2"/>
+                </a:solidFill>
+              </a:defRPr>
+            </a:lvl8pPr>
+            <a:lvl9pPr>
+              <a:defRPr>
+                <a:solidFill>
+                  <a:schemeClr val="tx2"/>
+                </a:solidFill>
+              </a:defRPr>
+            </a:lvl9pPr>
+          </a:lstStyle>
+          <a:p>
+            <a:pPr lvl="0" algn="r"/>
+            <a:r>
+              <a:rPr lang="en-US" sz="8000" dirty="0">
+                <a:solidFill>
+                  <a:schemeClr val="tx1"/>
+                </a:solidFill>
+                <a:effectLst/>
+              </a:rPr>
+              <a:t>“</a:t>
+            </a:r>
+          </a:p>
+        </p:txBody>
+      </p:sp>
+      <p:sp>
+        <p:nvSpPr>
+          <p:cNvPr id="2" name="Title 1"/>
+          <p:cNvSpPr>
+            <a:spLocks noGrp="1"/>
+          </p:cNvSpPr>
+          <p:nvPr>
+            <p:ph type="title"/>
+          </p:nvPr>
+        </p:nvSpPr>
+        <p:spPr>
+          <a:xfrm>
+            <a:off x="992267" y="609601"/>
+            <a:ext cx="9550399" cy="2743199"/>
+          </a:xfrm>
+        </p:spPr>
+        <p:txBody>
+          <a:bodyPr anchor="ctr">
+            <a:normAutofit/>
+          </a:bodyPr>
+          <a:lstStyle>
+            <a:lvl1pPr algn="l">
+              <a:defRPr sz="3200" b="0" cap="none">
+                <a:solidFill>
+                  <a:schemeClr val="tx1"/>
+                </a:solidFill>
+              </a:defRPr>
+            </a:lvl1pPr>
+          </a:lstStyle>
+          <a:p>
+            <a:r>
+              <a:rPr lang="en-US"/>
+              <a:t>Click to edit Master title style</a:t>
+            </a:r>
+            <a:endParaRPr lang="en-US" dirty="0"/>
+          </a:p>
+        </p:txBody>
+      </p:sp>
+      <p:sp>
+        <p:nvSpPr>
+          <p:cNvPr id="10" name="Text Placeholder 9"/>
+          <p:cNvSpPr>
+            <a:spLocks noGrp="1"/>
+          </p:cNvSpPr>
+          <p:nvPr>
+            <p:ph type="body" sz="quarter" idx="13"/>
+          </p:nvPr>
+        </p:nvSpPr>
+        <p:spPr>
+          <a:xfrm>
+            <a:off x="1097875" y="3352800"/>
+            <a:ext cx="9339184" cy="381000"/>
+          </a:xfrm>
+        </p:spPr>
+        <p:txBody>
+          <a:bodyPr anchor="ctr"/>
+          <a:lstStyle>
+            <a:lvl1pPr marL="0" indent="0">
+              <a:buFontTx/>
+              <a:buNone/>
+              <a:defRPr/>
+            </a:lvl1pPr>
+            <a:lvl2pPr marL="457200" indent="0">
+              <a:buFontTx/>
+              <a:buNone/>
+              <a:defRPr/>
+            </a:lvl2pPr>
+            <a:lvl3pPr marL="914400" indent="0">
+              <a:buFontTx/>
+              <a:buNone/>
+              <a:defRPr/>
+            </a:lvl3pPr>
+            <a:lvl4pPr marL="1371600" indent="0">
+              <a:buFontTx/>
+              <a:buNone/>
+              <a:defRPr/>
+            </a:lvl4pPr>
+            <a:lvl5pPr marL="1828800" indent="0">
+              <a:buFontTx/>
+              <a:buNone/>
+              <a:defRPr/>
+            </a:lvl5pPr>
+          </a:lstStyle>
+          <a:p>
+            <a:pPr lvl="0"/>
+            <a:r>
+              <a:rPr lang="en-US"/>
+              <a:t>Click to edit Master text styles</a:t>
+            </a:r>
+          </a:p>
+        </p:txBody>
+      </p:sp>
+      <p:sp>
+        <p:nvSpPr>
+          <p:cNvPr id="3" name="Text Placeholder 2"/>
+          <p:cNvSpPr>
+            <a:spLocks noGrp="1"/>
+          </p:cNvSpPr>
+          <p:nvPr>
+            <p:ph type="body" idx="1"/>
+          </p:nvPr>
+        </p:nvSpPr>
+        <p:spPr>
+          <a:xfrm>
+            <a:off x="687465" y="4343400"/>
+            <a:ext cx="10152367" cy="1447800"/>
+          </a:xfrm>
+        </p:spPr>
+        <p:txBody>
+          <a:bodyPr anchor="ctr">
+            <a:normAutofit/>
+          </a:bodyPr>
+          <a:lstStyle>
+            <a:lvl1pPr marL="0" indent="0" algn="l">
+              <a:buNone/>
+              <a:defRPr sz="2000">
+                <a:solidFill>
+                  <a:schemeClr val="tx1"/>
+                </a:solidFill>
+              </a:defRPr>
+            </a:lvl1pPr>
+            <a:lvl2pPr marL="457200" indent="0">
+              <a:buNone/>
+              <a:defRPr sz="1800">
+                <a:solidFill>
+                  <a:schemeClr val="tx1">
+                    <a:tint val="75000"/>
+                  </a:schemeClr>
+                </a:solidFill>
+              </a:defRPr>
+            </a:lvl2pPr>
+            <a:lvl3pPr marL="914400" indent="0">
+              <a:buNone/>
+              <a:defRPr sz="1600">
+                <a:solidFill>
+                  <a:schemeClr val="tx1">
+                    <a:tint val="75000"/>
+                  </a:schemeClr>
+                </a:solidFill>
+              </a:defRPr>
+            </a:lvl3pPr>
+            <a:lvl4pPr marL="1371600" indent="0">
+              <a:buNone/>
+              <a:defRPr sz="1400">
+                <a:solidFill>
+                  <a:schemeClr val="tx1">
+                    <a:tint val="75000"/>
+                  </a:schemeClr>
+                </a:solidFill>
+              </a:defRPr>
+            </a:lvl4pPr>
+            <a:lvl5pPr marL="1828800" indent="0">
+              <a:buNone/>
+              <a:defRPr sz="1400">
+                <a:solidFill>
+                  <a:schemeClr val="tx1">
+                    <a:tint val="75000"/>
+                  </a:schemeClr>
+                </a:solidFill>
+              </a:defRPr>
+            </a:lvl5pPr>
+            <a:lvl6pPr marL="2286000" indent="0">
+              <a:buNone/>
+              <a:defRPr sz="1400">
+                <a:solidFill>
+                  <a:schemeClr val="tx1">
+                    <a:tint val="75000"/>
+                  </a:schemeClr>
+                </a:solidFill>
+              </a:defRPr>
+            </a:lvl6pPr>
+            <a:lvl7pPr marL="2743200" indent="0">
+              <a:buNone/>
+              <a:defRPr sz="1400">
+                <a:solidFill>
+                  <a:schemeClr val="tx1">
+                    <a:tint val="75000"/>
+                  </a:schemeClr>
+                </a:solidFill>
+              </a:defRPr>
+            </a:lvl7pPr>
+            <a:lvl8pPr marL="3200400" indent="0">
+              <a:buNone/>
+              <a:defRPr sz="1400">
+                <a:solidFill>
+                  <a:schemeClr val="tx1">
+                    <a:tint val="75000"/>
+                  </a:schemeClr>
+                </a:solidFill>
+              </a:defRPr>
+            </a:lvl8pPr>
+            <a:lvl9pPr marL="3657600" indent="0">
+              <a:buNone/>
+              <a:defRPr sz="1400">
+                <a:solidFill>
+                  <a:schemeClr val="tx1">
+                    <a:tint val="75000"/>
+                  </a:schemeClr>
+                </a:solidFill>
+              </a:defRPr>
+            </a:lvl9pPr>
+          </a:lstStyle>
+          <a:p>
+            <a:pPr lvl="0"/>
+            <a:r>
+              <a:rPr lang="en-US"/>
+              <a:t>Click to edit Master text styles</a:t>
+            </a:r>
+          </a:p>
+        </p:txBody>
+      </p:sp>
+      <p:sp>
+        <p:nvSpPr>
+          <p:cNvPr id="4" name="Date Placeholder 3"/>
+          <p:cNvSpPr>
+            <a:spLocks noGrp="1"/>
+          </p:cNvSpPr>
+          <p:nvPr>
+            <p:ph type="dt" sz="half" idx="10"/>
+          </p:nvPr>
+        </p:nvSpPr>
+        <p:spPr/>
+        <p:txBody>
+          <a:bodyPr/>
+          <a:lstStyle/>
+          <a:p>
+            <a:fld id="{386EAC6E-8ADC-498C-8D78-A1467B1978D3}" type="datetimeFigureOut">
+              <a:rPr lang="en-GB" smtClean="0"/>
+              <a:t>22/02/2025</a:t>
+            </a:fld>
+            <a:endParaRPr lang="en-GB"/>
+          </a:p>
+        </p:txBody>
+      </p:sp>
+      <p:sp>
+        <p:nvSpPr>
+          <p:cNvPr id="5" name="Footer Placeholder 4"/>
+          <p:cNvSpPr>
+            <a:spLocks noGrp="1"/>
+          </p:cNvSpPr>
+          <p:nvPr>
+            <p:ph type="ftr" sz="quarter" idx="11"/>
+          </p:nvPr>
+        </p:nvSpPr>
+        <p:spPr/>
+        <p:txBody>
+          <a:bodyPr/>
+          <a:lstStyle/>
+          <a:p>
+            <a:endParaRPr lang="en-GB"/>
+          </a:p>
+        </p:txBody>
+      </p:sp>
+      <p:sp>
+        <p:nvSpPr>
+          <p:cNvPr id="6" name="Slide Number Placeholder 5"/>
+          <p:cNvSpPr>
+            <a:spLocks noGrp="1"/>
+          </p:cNvSpPr>
+          <p:nvPr>
+            <p:ph type="sldNum" sz="quarter" idx="12"/>
+          </p:nvPr>
+        </p:nvSpPr>
+        <p:spPr/>
+        <p:txBody>
+          <a:bodyPr/>
+          <a:lstStyle/>
+          <a:p>
+            <a:fld id="{203DD33E-0B34-4D59-861B-E825C7D30ACC}" type="slidenum">
+              <a:rPr lang="en-GB" smtClean="0"/>
+              <a:t>‹#›</a:t>
+            </a:fld>
+            <a:endParaRPr lang="en-GB"/>
+          </a:p>
+        </p:txBody>
+      </p:sp>
+    </p:spTree>
+    <p:extLst>
+      <p:ext uri="{BB962C8B-B14F-4D97-AF65-F5344CB8AC3E}">
+        <p14:creationId xmlns:p14="http://schemas.microsoft.com/office/powerpoint/2010/main" val="1677375330"/>
+      </p:ext>
+    </p:extLst>
+  </p:cSld>
+  <p:clrMapOvr>
+    <a:masterClrMapping/>
+  </p:clrMapOvr>
+</p:sldLayout>
+</file>
+
+<file path=ppt/slideLayouts/slideLayout13.xml><?xml version="1.0" encoding="utf-8"?>
+<p:sldLayout xmlns:a="http://schemas.openxmlformats.org/drawingml/2006/main" xmlns:r="http://schemas.openxmlformats.org/officeDocument/2006/relationships" xmlns:p="http://schemas.openxmlformats.org/presentationml/2006/main" preserve="1">
+  <p:cSld name="Name Card">
+    <p:spTree>
+      <p:nvGrpSpPr>
+        <p:cNvPr id="1" name=""/>
+        <p:cNvGrpSpPr/>
+        <p:nvPr/>
+      </p:nvGrpSpPr>
+      <p:grpSpPr>
+        <a:xfrm>
+          <a:off x="0" y="0"/>
+          <a:ext cx="0" cy="0"/>
+          <a:chOff x="0" y="0"/>
+          <a:chExt cx="0" cy="0"/>
+        </a:xfrm>
+      </p:grpSpPr>
+      <p:pic>
+        <p:nvPicPr>
+          <p:cNvPr id="8" name="Picture 7" descr="Celestia-R1---OverlayContentHD.png"/>
+          <p:cNvPicPr>
+            <a:picLocks noChangeAspect="1"/>
+          </p:cNvPicPr>
+          <p:nvPr/>
+        </p:nvPicPr>
+        <p:blipFill>
+          <a:blip r:embed="rId2">
+            <a:extLst>
+              <a:ext uri="{28A0092B-C50C-407E-A947-70E740481C1C}">
+                <a14:useLocalDpi xmlns:a14="http://schemas.microsoft.com/office/drawing/2010/main" val="0"/>
+              </a:ext>
+            </a:extLst>
+          </a:blip>
+          <a:stretch>
+            <a:fillRect/>
+          </a:stretch>
+        </p:blipFill>
+        <p:spPr>
+          <a:xfrm>
+            <a:off x="0" y="0"/>
+            <a:ext cx="12188825" cy="6856214"/>
+          </a:xfrm>
+          <a:prstGeom prst="rect">
+            <a:avLst/>
+          </a:prstGeom>
+        </p:spPr>
+      </p:pic>
+      <p:sp>
+        <p:nvSpPr>
+          <p:cNvPr id="2" name="Title 1"/>
+          <p:cNvSpPr>
+            <a:spLocks noGrp="1"/>
+          </p:cNvSpPr>
+          <p:nvPr>
+            <p:ph type="title"/>
+          </p:nvPr>
+        </p:nvSpPr>
+        <p:spPr>
+          <a:xfrm>
+            <a:off x="685802" y="3308581"/>
+            <a:ext cx="10131425" cy="1468800"/>
+          </a:xfrm>
+        </p:spPr>
+        <p:txBody>
+          <a:bodyPr anchor="b">
+            <a:normAutofit/>
+          </a:bodyPr>
+          <a:lstStyle>
+            <a:lvl1pPr algn="l">
+              <a:defRPr sz="3200" b="0" cap="none"/>
+            </a:lvl1pPr>
+          </a:lstStyle>
+          <a:p>
+            <a:r>
+              <a:rPr lang="en-US"/>
+              <a:t>Click to edit Master title style</a:t>
+            </a:r>
+            <a:endParaRPr lang="en-US" dirty="0"/>
+          </a:p>
+        </p:txBody>
+      </p:sp>
+      <p:sp>
+        <p:nvSpPr>
+          <p:cNvPr id="3" name="Text Placeholder 2"/>
+          <p:cNvSpPr>
+            <a:spLocks noGrp="1"/>
+          </p:cNvSpPr>
+          <p:nvPr>
+            <p:ph type="body" idx="1"/>
+          </p:nvPr>
+        </p:nvSpPr>
+        <p:spPr>
+          <a:xfrm>
+            <a:off x="685801" y="4777381"/>
+            <a:ext cx="10131426" cy="860400"/>
+          </a:xfrm>
+        </p:spPr>
+        <p:txBody>
+          <a:bodyPr anchor="t">
+            <a:normAutofit/>
+          </a:bodyPr>
+          <a:lstStyle>
+            <a:lvl1pPr marL="0" indent="0" algn="l">
+              <a:buNone/>
+              <a:defRPr sz="2000">
+                <a:solidFill>
+                  <a:schemeClr val="tx1"/>
+                </a:solidFill>
+              </a:defRPr>
+            </a:lvl1pPr>
+            <a:lvl2pPr marL="457200" indent="0">
+              <a:buNone/>
+              <a:defRPr sz="1800">
+                <a:solidFill>
+                  <a:schemeClr val="tx1">
+                    <a:tint val="75000"/>
+                  </a:schemeClr>
+                </a:solidFill>
+              </a:defRPr>
+            </a:lvl2pPr>
+            <a:lvl3pPr marL="914400" indent="0">
+              <a:buNone/>
+              <a:defRPr sz="1600">
+                <a:solidFill>
+                  <a:schemeClr val="tx1">
+                    <a:tint val="75000"/>
+                  </a:schemeClr>
+                </a:solidFill>
+              </a:defRPr>
+            </a:lvl3pPr>
+            <a:lvl4pPr marL="1371600" indent="0">
+              <a:buNone/>
+              <a:defRPr sz="1400">
+                <a:solidFill>
+                  <a:schemeClr val="tx1">
+                    <a:tint val="75000"/>
+                  </a:schemeClr>
+                </a:solidFill>
+              </a:defRPr>
+            </a:lvl4pPr>
+            <a:lvl5pPr marL="1828800" indent="0">
+              <a:buNone/>
+              <a:defRPr sz="1400">
+                <a:solidFill>
+                  <a:schemeClr val="tx1">
+                    <a:tint val="75000"/>
+                  </a:schemeClr>
+                </a:solidFill>
+              </a:defRPr>
+            </a:lvl5pPr>
+            <a:lvl6pPr marL="2286000" indent="0">
+              <a:buNone/>
+              <a:defRPr sz="1400">
+                <a:solidFill>
+                  <a:schemeClr val="tx1">
+                    <a:tint val="75000"/>
+                  </a:schemeClr>
+                </a:solidFill>
+              </a:defRPr>
+            </a:lvl6pPr>
+            <a:lvl7pPr marL="2743200" indent="0">
+              <a:buNone/>
+              <a:defRPr sz="1400">
+                <a:solidFill>
+                  <a:schemeClr val="tx1">
+                    <a:tint val="75000"/>
+                  </a:schemeClr>
+                </a:solidFill>
+              </a:defRPr>
+            </a:lvl7pPr>
+            <a:lvl8pPr marL="3200400" indent="0">
+              <a:buNone/>
+              <a:defRPr sz="1400">
+                <a:solidFill>
+                  <a:schemeClr val="tx1">
+                    <a:tint val="75000"/>
+                  </a:schemeClr>
+                </a:solidFill>
+              </a:defRPr>
+            </a:lvl8pPr>
+            <a:lvl9pPr marL="3657600" indent="0">
+              <a:buNone/>
+              <a:defRPr sz="1400">
+                <a:solidFill>
+                  <a:schemeClr val="tx1">
+                    <a:tint val="75000"/>
+                  </a:schemeClr>
+                </a:solidFill>
+              </a:defRPr>
+            </a:lvl9pPr>
+          </a:lstStyle>
+          <a:p>
+            <a:pPr lvl="0"/>
+            <a:r>
+              <a:rPr lang="en-US"/>
+              <a:t>Click to edit Master text styles</a:t>
+            </a:r>
+          </a:p>
+        </p:txBody>
+      </p:sp>
+      <p:sp>
+        <p:nvSpPr>
+          <p:cNvPr id="4" name="Date Placeholder 3"/>
+          <p:cNvSpPr>
+            <a:spLocks noGrp="1"/>
+          </p:cNvSpPr>
+          <p:nvPr>
+            <p:ph type="dt" sz="half" idx="10"/>
+          </p:nvPr>
+        </p:nvSpPr>
+        <p:spPr/>
+        <p:txBody>
+          <a:bodyPr/>
+          <a:lstStyle/>
+          <a:p>
+            <a:fld id="{386EAC6E-8ADC-498C-8D78-A1467B1978D3}" type="datetimeFigureOut">
+              <a:rPr lang="en-GB" smtClean="0"/>
+              <a:t>22/02/2025</a:t>
+            </a:fld>
+            <a:endParaRPr lang="en-GB"/>
+          </a:p>
+        </p:txBody>
+      </p:sp>
+      <p:sp>
+        <p:nvSpPr>
+          <p:cNvPr id="5" name="Footer Placeholder 4"/>
+          <p:cNvSpPr>
+            <a:spLocks noGrp="1"/>
+          </p:cNvSpPr>
+          <p:nvPr>
+            <p:ph type="ftr" sz="quarter" idx="11"/>
+          </p:nvPr>
+        </p:nvSpPr>
+        <p:spPr/>
+        <p:txBody>
+          <a:bodyPr/>
+          <a:lstStyle/>
+          <a:p>
+            <a:endParaRPr lang="en-GB"/>
+          </a:p>
+        </p:txBody>
+      </p:sp>
+      <p:sp>
+        <p:nvSpPr>
+          <p:cNvPr id="6" name="Slide Number Placeholder 5"/>
+          <p:cNvSpPr>
+            <a:spLocks noGrp="1"/>
+          </p:cNvSpPr>
+          <p:nvPr>
+            <p:ph type="sldNum" sz="quarter" idx="12"/>
+          </p:nvPr>
+        </p:nvSpPr>
+        <p:spPr/>
+        <p:txBody>
+          <a:bodyPr/>
+          <a:lstStyle/>
+          <a:p>
+            <a:fld id="{203DD33E-0B34-4D59-861B-E825C7D30ACC}" type="slidenum">
+              <a:rPr lang="en-GB" smtClean="0"/>
+              <a:t>‹#›</a:t>
+            </a:fld>
+            <a:endParaRPr lang="en-GB"/>
+          </a:p>
+        </p:txBody>
+      </p:sp>
+    </p:spTree>
+    <p:extLst>
+      <p:ext uri="{BB962C8B-B14F-4D97-AF65-F5344CB8AC3E}">
+        <p14:creationId xmlns:p14="http://schemas.microsoft.com/office/powerpoint/2010/main" val="518875256"/>
+      </p:ext>
+    </p:extLst>
+  </p:cSld>
+  <p:clrMapOvr>
+    <a:masterClrMapping/>
+  </p:clrMapOvr>
+</p:sldLayout>
+</file>
+
+<file path=ppt/slideLayouts/slideLayout14.xml><?xml version="1.0" encoding="utf-8"?>
+<p:sldLayout xmlns:a="http://schemas.openxmlformats.org/drawingml/2006/main" xmlns:r="http://schemas.openxmlformats.org/officeDocument/2006/relationships" xmlns:p="http://schemas.openxmlformats.org/presentationml/2006/main" preserve="1">
+  <p:cSld name="Quote Name Card">
+    <p:spTree>
+      <p:nvGrpSpPr>
+        <p:cNvPr id="1" name=""/>
+        <p:cNvGrpSpPr/>
+        <p:nvPr/>
+      </p:nvGrpSpPr>
+      <p:grpSpPr>
+        <a:xfrm>
+          <a:off x="0" y="0"/>
+          <a:ext cx="0" cy="0"/>
+          <a:chOff x="0" y="0"/>
+          <a:chExt cx="0" cy="0"/>
+        </a:xfrm>
+      </p:grpSpPr>
+      <p:pic>
+        <p:nvPicPr>
+          <p:cNvPr id="11" name="Picture 10" descr="Celestia-R1---OverlayContentHD.png"/>
+          <p:cNvPicPr>
+            <a:picLocks noChangeAspect="1"/>
+          </p:cNvPicPr>
+          <p:nvPr/>
+        </p:nvPicPr>
+        <p:blipFill>
+          <a:blip r:embed="rId2">
+            <a:extLst>
+              <a:ext uri="{28A0092B-C50C-407E-A947-70E740481C1C}">
+                <a14:useLocalDpi xmlns:a14="http://schemas.microsoft.com/office/drawing/2010/main" val="0"/>
+              </a:ext>
+            </a:extLst>
+          </a:blip>
+          <a:stretch>
+            <a:fillRect/>
+          </a:stretch>
+        </p:blipFill>
+        <p:spPr>
+          <a:xfrm>
+            <a:off x="0" y="0"/>
+            <a:ext cx="12188825" cy="6856214"/>
+          </a:xfrm>
+          <a:prstGeom prst="rect">
+            <a:avLst/>
+          </a:prstGeom>
+        </p:spPr>
+      </p:pic>
+      <p:sp>
+        <p:nvSpPr>
+          <p:cNvPr id="13" name="TextBox 12"/>
+          <p:cNvSpPr txBox="1"/>
+          <p:nvPr/>
+        </p:nvSpPr>
+        <p:spPr>
+          <a:xfrm>
+            <a:off x="10237867" y="2743200"/>
+            <a:ext cx="609600" cy="584776"/>
+          </a:xfrm>
+          <a:prstGeom prst="rect">
+            <a:avLst/>
+          </a:prstGeom>
+        </p:spPr>
+        <p:txBody>
+          <a:bodyPr vert="horz" lIns="91440" tIns="45720" rIns="91440" bIns="45720" rtlCol="0" anchor="ctr">
+            <a:noAutofit/>
+          </a:bodyPr>
+          <a:lstStyle>
+            <a:lvl1pPr>
+              <a:spcBef>
+                <a:spcPct val="0"/>
+              </a:spcBef>
+              <a:buNone/>
+              <a:defRPr sz="3200" b="0" cap="all">
+                <a:ln w="3175" cmpd="sng">
+                  <a:noFill/>
+                </a:ln>
+                <a:effectLst>
+                  <a:glow rad="38100">
+                    <a:schemeClr val="bg1">
+                      <a:lumMod val="65000"/>
+                      <a:lumOff val="35000"/>
+                      <a:alpha val="40000"/>
+                    </a:schemeClr>
+                  </a:glow>
+                  <a:outerShdw blurRad="28575" dist="38100" dir="14040000" algn="tl" rotWithShape="0">
+                    <a:srgbClr val="000000">
+                      <a:alpha val="25000"/>
+                    </a:srgbClr>
+                  </a:outerShdw>
+                </a:effectLst>
+              </a:defRPr>
+            </a:lvl1pPr>
+            <a:lvl2pPr>
+              <a:defRPr>
+                <a:solidFill>
+                  <a:schemeClr val="tx2"/>
+                </a:solidFill>
+              </a:defRPr>
+            </a:lvl2pPr>
+            <a:lvl3pPr>
+              <a:defRPr>
+                <a:solidFill>
+                  <a:schemeClr val="tx2"/>
+                </a:solidFill>
+              </a:defRPr>
+            </a:lvl3pPr>
+            <a:lvl4pPr>
+              <a:defRPr>
+                <a:solidFill>
+                  <a:schemeClr val="tx2"/>
+                </a:solidFill>
+              </a:defRPr>
+            </a:lvl4pPr>
+            <a:lvl5pPr>
+              <a:defRPr>
+                <a:solidFill>
+                  <a:schemeClr val="tx2"/>
+                </a:solidFill>
+              </a:defRPr>
+            </a:lvl5pPr>
+            <a:lvl6pPr>
+              <a:defRPr>
+                <a:solidFill>
+                  <a:schemeClr val="tx2"/>
+                </a:solidFill>
+              </a:defRPr>
+            </a:lvl6pPr>
+            <a:lvl7pPr>
+              <a:defRPr>
+                <a:solidFill>
+                  <a:schemeClr val="tx2"/>
+                </a:solidFill>
+              </a:defRPr>
+            </a:lvl7pPr>
+            <a:lvl8pPr>
+              <a:defRPr>
+                <a:solidFill>
+                  <a:schemeClr val="tx2"/>
+                </a:solidFill>
+              </a:defRPr>
+            </a:lvl8pPr>
+            <a:lvl9pPr>
+              <a:defRPr>
+                <a:solidFill>
+                  <a:schemeClr val="tx2"/>
+                </a:solidFill>
+              </a:defRPr>
+            </a:lvl9pPr>
+          </a:lstStyle>
+          <a:p>
+            <a:pPr lvl="0" algn="r"/>
+            <a:r>
+              <a:rPr lang="en-US" sz="8000" dirty="0">
+                <a:solidFill>
+                  <a:schemeClr val="tx1"/>
+                </a:solidFill>
+                <a:effectLst/>
+              </a:rPr>
+              <a:t>”</a:t>
+            </a:r>
+          </a:p>
+        </p:txBody>
+      </p:sp>
+      <p:sp>
+        <p:nvSpPr>
+          <p:cNvPr id="14" name="TextBox 13"/>
+          <p:cNvSpPr txBox="1"/>
+          <p:nvPr/>
+        </p:nvSpPr>
+        <p:spPr>
+          <a:xfrm>
+            <a:off x="488275" y="823337"/>
+            <a:ext cx="609600" cy="584776"/>
+          </a:xfrm>
+          <a:prstGeom prst="rect">
+            <a:avLst/>
+          </a:prstGeom>
+        </p:spPr>
+        <p:txBody>
+          <a:bodyPr vert="horz" lIns="91440" tIns="45720" rIns="91440" bIns="45720" rtlCol="0" anchor="ctr">
+            <a:noAutofit/>
+          </a:bodyPr>
+          <a:lstStyle>
+            <a:lvl1pPr>
+              <a:spcBef>
+                <a:spcPct val="0"/>
+              </a:spcBef>
+              <a:buNone/>
+              <a:defRPr sz="3200" b="0" cap="all">
+                <a:ln w="3175" cmpd="sng">
+                  <a:noFill/>
+                </a:ln>
+                <a:effectLst>
+                  <a:glow rad="38100">
+                    <a:schemeClr val="bg1">
+                      <a:lumMod val="65000"/>
+                      <a:lumOff val="35000"/>
+                      <a:alpha val="40000"/>
+                    </a:schemeClr>
+                  </a:glow>
+                  <a:outerShdw blurRad="28575" dist="38100" dir="14040000" algn="tl" rotWithShape="0">
+                    <a:srgbClr val="000000">
+                      <a:alpha val="25000"/>
+                    </a:srgbClr>
+                  </a:outerShdw>
+                </a:effectLst>
+              </a:defRPr>
+            </a:lvl1pPr>
+            <a:lvl2pPr>
+              <a:defRPr>
+                <a:solidFill>
+                  <a:schemeClr val="tx2"/>
+                </a:solidFill>
+              </a:defRPr>
+            </a:lvl2pPr>
+            <a:lvl3pPr>
+              <a:defRPr>
+                <a:solidFill>
+                  <a:schemeClr val="tx2"/>
+                </a:solidFill>
+              </a:defRPr>
+            </a:lvl3pPr>
+            <a:lvl4pPr>
+              <a:defRPr>
+                <a:solidFill>
+                  <a:schemeClr val="tx2"/>
+                </a:solidFill>
+              </a:defRPr>
+            </a:lvl4pPr>
+            <a:lvl5pPr>
+              <a:defRPr>
+                <a:solidFill>
+                  <a:schemeClr val="tx2"/>
+                </a:solidFill>
+              </a:defRPr>
+            </a:lvl5pPr>
+            <a:lvl6pPr>
+              <a:defRPr>
+                <a:solidFill>
+                  <a:schemeClr val="tx2"/>
+                </a:solidFill>
+              </a:defRPr>
+            </a:lvl6pPr>
+            <a:lvl7pPr>
+              <a:defRPr>
+                <a:solidFill>
+                  <a:schemeClr val="tx2"/>
+                </a:solidFill>
+              </a:defRPr>
+            </a:lvl7pPr>
+            <a:lvl8pPr>
+              <a:defRPr>
+                <a:solidFill>
+                  <a:schemeClr val="tx2"/>
+                </a:solidFill>
+              </a:defRPr>
+            </a:lvl8pPr>
+            <a:lvl9pPr>
+              <a:defRPr>
+                <a:solidFill>
+                  <a:schemeClr val="tx2"/>
+                </a:solidFill>
+              </a:defRPr>
+            </a:lvl9pPr>
+          </a:lstStyle>
+          <a:p>
+            <a:pPr lvl="0" algn="r"/>
+            <a:r>
+              <a:rPr lang="en-US" sz="8000" dirty="0">
+                <a:solidFill>
+                  <a:schemeClr val="tx1"/>
+                </a:solidFill>
+                <a:effectLst/>
+              </a:rPr>
+              <a:t>“</a:t>
+            </a:r>
+          </a:p>
+        </p:txBody>
+      </p:sp>
+      <p:sp>
+        <p:nvSpPr>
+          <p:cNvPr id="16" name="Title 1"/>
+          <p:cNvSpPr>
+            <a:spLocks noGrp="1"/>
+          </p:cNvSpPr>
+          <p:nvPr>
+            <p:ph type="title"/>
+          </p:nvPr>
+        </p:nvSpPr>
+        <p:spPr>
+          <a:xfrm>
+            <a:off x="992267" y="609601"/>
+            <a:ext cx="9550399" cy="2743199"/>
+          </a:xfrm>
+        </p:spPr>
+        <p:txBody>
+          <a:bodyPr anchor="ctr">
+            <a:normAutofit/>
+          </a:bodyPr>
+          <a:lstStyle>
+            <a:lvl1pPr algn="l">
+              <a:defRPr sz="3200" b="0" cap="none">
+                <a:solidFill>
+                  <a:schemeClr val="tx1"/>
+                </a:solidFill>
+              </a:defRPr>
+            </a:lvl1pPr>
+          </a:lstStyle>
+          <a:p>
+            <a:r>
+              <a:rPr lang="en-US"/>
+              <a:t>Click to edit Master title style</a:t>
+            </a:r>
+            <a:endParaRPr lang="en-US" dirty="0"/>
+          </a:p>
+        </p:txBody>
+      </p:sp>
+      <p:sp>
+        <p:nvSpPr>
+          <p:cNvPr id="10" name="Text Placeholder 9"/>
+          <p:cNvSpPr>
+            <a:spLocks noGrp="1"/>
+          </p:cNvSpPr>
+          <p:nvPr>
+            <p:ph type="body" sz="quarter" idx="13"/>
+          </p:nvPr>
+        </p:nvSpPr>
+        <p:spPr>
+          <a:xfrm>
+            <a:off x="685800" y="3886200"/>
+            <a:ext cx="10135436" cy="889000"/>
+          </a:xfrm>
+        </p:spPr>
+        <p:txBody>
+          <a:bodyPr vert="horz" lIns="91440" tIns="45720" rIns="91440" bIns="45720" rtlCol="0" anchor="b">
+            <a:normAutofit/>
+          </a:bodyPr>
+          <a:lstStyle>
+            <a:lvl1pPr>
+              <a:buNone/>
+              <a:defRPr lang="en-US" sz="2400" b="0" cap="none" dirty="0">
+                <a:ln w="3175" cmpd="sng">
+                  <a:noFill/>
+                </a:ln>
+                <a:solidFill>
+                  <a:schemeClr val="tx1"/>
+                </a:solidFill>
+                <a:effectLst/>
+              </a:defRPr>
+            </a:lvl1pPr>
+          </a:lstStyle>
+          <a:p>
+            <a:pPr marL="0" lvl="0">
+              <a:spcBef>
+                <a:spcPct val="0"/>
+              </a:spcBef>
+              <a:buNone/>
+            </a:pPr>
+            <a:r>
+              <a:rPr lang="en-US"/>
+              <a:t>Click to edit Master text styles</a:t>
+            </a:r>
+          </a:p>
+        </p:txBody>
+      </p:sp>
+      <p:sp>
+        <p:nvSpPr>
+          <p:cNvPr id="3" name="Text Placeholder 2"/>
+          <p:cNvSpPr>
+            <a:spLocks noGrp="1"/>
+          </p:cNvSpPr>
+          <p:nvPr>
+            <p:ph type="body" idx="1"/>
+          </p:nvPr>
+        </p:nvSpPr>
+        <p:spPr>
+          <a:xfrm>
+            <a:off x="685799" y="4775200"/>
+            <a:ext cx="10135436" cy="1016000"/>
+          </a:xfrm>
+        </p:spPr>
+        <p:txBody>
+          <a:bodyPr anchor="t">
+            <a:normAutofit/>
+          </a:bodyPr>
+          <a:lstStyle>
+            <a:lvl1pPr marL="0" indent="0" algn="l">
+              <a:buNone/>
+              <a:defRPr sz="1800">
+                <a:solidFill>
+                  <a:schemeClr val="tx1"/>
+                </a:solidFill>
+              </a:defRPr>
+            </a:lvl1pPr>
+            <a:lvl2pPr marL="457200" indent="0">
+              <a:buNone/>
+              <a:defRPr sz="1800">
+                <a:solidFill>
+                  <a:schemeClr val="tx1">
+                    <a:tint val="75000"/>
+                  </a:schemeClr>
+                </a:solidFill>
+              </a:defRPr>
+            </a:lvl2pPr>
+            <a:lvl3pPr marL="914400" indent="0">
+              <a:buNone/>
+              <a:defRPr sz="1600">
+                <a:solidFill>
+                  <a:schemeClr val="tx1">
+                    <a:tint val="75000"/>
+                  </a:schemeClr>
+                </a:solidFill>
+              </a:defRPr>
+            </a:lvl3pPr>
+            <a:lvl4pPr marL="1371600" indent="0">
+              <a:buNone/>
+              <a:defRPr sz="1400">
+                <a:solidFill>
+                  <a:schemeClr val="tx1">
+                    <a:tint val="75000"/>
+                  </a:schemeClr>
+                </a:solidFill>
+              </a:defRPr>
+            </a:lvl4pPr>
+            <a:lvl5pPr marL="1828800" indent="0">
+              <a:buNone/>
+              <a:defRPr sz="1400">
+                <a:solidFill>
+                  <a:schemeClr val="tx1">
+                    <a:tint val="75000"/>
+                  </a:schemeClr>
+                </a:solidFill>
+              </a:defRPr>
+            </a:lvl5pPr>
+            <a:lvl6pPr marL="2286000" indent="0">
+              <a:buNone/>
+              <a:defRPr sz="1400">
+                <a:solidFill>
+                  <a:schemeClr val="tx1">
+                    <a:tint val="75000"/>
+                  </a:schemeClr>
+                </a:solidFill>
+              </a:defRPr>
+            </a:lvl6pPr>
+            <a:lvl7pPr marL="2743200" indent="0">
+              <a:buNone/>
+              <a:defRPr sz="1400">
+                <a:solidFill>
+                  <a:schemeClr val="tx1">
+                    <a:tint val="75000"/>
+                  </a:schemeClr>
+                </a:solidFill>
+              </a:defRPr>
+            </a:lvl7pPr>
+            <a:lvl8pPr marL="3200400" indent="0">
+              <a:buNone/>
+              <a:defRPr sz="1400">
+                <a:solidFill>
+                  <a:schemeClr val="tx1">
+                    <a:tint val="75000"/>
+                  </a:schemeClr>
+                </a:solidFill>
+              </a:defRPr>
+            </a:lvl8pPr>
+            <a:lvl9pPr marL="3657600" indent="0">
+              <a:buNone/>
+              <a:defRPr sz="1400">
+                <a:solidFill>
+                  <a:schemeClr val="tx1">
+                    <a:tint val="75000"/>
+                  </a:schemeClr>
+                </a:solidFill>
+              </a:defRPr>
+            </a:lvl9pPr>
+          </a:lstStyle>
+          <a:p>
+            <a:pPr lvl="0"/>
+            <a:r>
+              <a:rPr lang="en-US"/>
+              <a:t>Click to edit Master text styles</a:t>
+            </a:r>
+          </a:p>
+        </p:txBody>
+      </p:sp>
+      <p:sp>
+        <p:nvSpPr>
+          <p:cNvPr id="4" name="Date Placeholder 3"/>
+          <p:cNvSpPr>
+            <a:spLocks noGrp="1"/>
+          </p:cNvSpPr>
+          <p:nvPr>
+            <p:ph type="dt" sz="half" idx="10"/>
+          </p:nvPr>
+        </p:nvSpPr>
+        <p:spPr/>
+        <p:txBody>
+          <a:bodyPr/>
+          <a:lstStyle/>
+          <a:p>
+            <a:fld id="{386EAC6E-8ADC-498C-8D78-A1467B1978D3}" type="datetimeFigureOut">
+              <a:rPr lang="en-GB" smtClean="0"/>
+              <a:t>22/02/2025</a:t>
+            </a:fld>
+            <a:endParaRPr lang="en-GB"/>
+          </a:p>
+        </p:txBody>
+      </p:sp>
+      <p:sp>
+        <p:nvSpPr>
+          <p:cNvPr id="5" name="Footer Placeholder 4"/>
+          <p:cNvSpPr>
+            <a:spLocks noGrp="1"/>
+          </p:cNvSpPr>
+          <p:nvPr>
+            <p:ph type="ftr" sz="quarter" idx="11"/>
+          </p:nvPr>
+        </p:nvSpPr>
+        <p:spPr/>
+        <p:txBody>
+          <a:bodyPr/>
+          <a:lstStyle/>
+          <a:p>
+            <a:endParaRPr lang="en-GB"/>
+          </a:p>
+        </p:txBody>
+      </p:sp>
+      <p:sp>
+        <p:nvSpPr>
+          <p:cNvPr id="6" name="Slide Number Placeholder 5"/>
+          <p:cNvSpPr>
+            <a:spLocks noGrp="1"/>
+          </p:cNvSpPr>
+          <p:nvPr>
+            <p:ph type="sldNum" sz="quarter" idx="12"/>
+          </p:nvPr>
+        </p:nvSpPr>
+        <p:spPr/>
+        <p:txBody>
+          <a:bodyPr/>
+          <a:lstStyle/>
+          <a:p>
+            <a:fld id="{203DD33E-0B34-4D59-861B-E825C7D30ACC}" type="slidenum">
+              <a:rPr lang="en-GB" smtClean="0"/>
+              <a:t>‹#›</a:t>
+            </a:fld>
+            <a:endParaRPr lang="en-GB"/>
+          </a:p>
+        </p:txBody>
+      </p:sp>
+    </p:spTree>
+    <p:extLst>
+      <p:ext uri="{BB962C8B-B14F-4D97-AF65-F5344CB8AC3E}">
+        <p14:creationId xmlns:p14="http://schemas.microsoft.com/office/powerpoint/2010/main" val="1785549174"/>
+      </p:ext>
+    </p:extLst>
+  </p:cSld>
+  <p:clrMapOvr>
+    <a:masterClrMapping/>
+  </p:clrMapOvr>
+</p:sldLayout>
+</file>
+
+<file path=ppt/slideLayouts/slideLayout15.xml><?xml version="1.0" encoding="utf-8"?>
+<p:sldLayout xmlns:a="http://schemas.openxmlformats.org/drawingml/2006/main" xmlns:r="http://schemas.openxmlformats.org/officeDocument/2006/relationships" xmlns:p="http://schemas.openxmlformats.org/presentationml/2006/main" preserve="1">
+  <p:cSld name="True or False">
+    <p:spTree>
+      <p:nvGrpSpPr>
+        <p:cNvPr id="1" name=""/>
+        <p:cNvGrpSpPr/>
+        <p:nvPr/>
+      </p:nvGrpSpPr>
+      <p:grpSpPr>
+        <a:xfrm>
+          <a:off x="0" y="0"/>
+          <a:ext cx="0" cy="0"/>
+          <a:chOff x="0" y="0"/>
+          <a:chExt cx="0" cy="0"/>
+        </a:xfrm>
+      </p:grpSpPr>
+      <p:pic>
+        <p:nvPicPr>
+          <p:cNvPr id="8" name="Picture 7" descr="Celestia-R1---OverlayContentHD.png"/>
+          <p:cNvPicPr>
+            <a:picLocks noChangeAspect="1"/>
+          </p:cNvPicPr>
+          <p:nvPr/>
+        </p:nvPicPr>
+        <p:blipFill>
+          <a:blip r:embed="rId2">
+            <a:extLst>
+              <a:ext uri="{28A0092B-C50C-407E-A947-70E740481C1C}">
+                <a14:useLocalDpi xmlns:a14="http://schemas.microsoft.com/office/drawing/2010/main" val="0"/>
+              </a:ext>
+            </a:extLst>
+          </a:blip>
+          <a:stretch>
+            <a:fillRect/>
+          </a:stretch>
+        </p:blipFill>
+        <p:spPr>
+          <a:xfrm>
+            <a:off x="0" y="0"/>
+            <a:ext cx="12188825" cy="6856214"/>
+          </a:xfrm>
+          <a:prstGeom prst="rect">
+            <a:avLst/>
+          </a:prstGeom>
+        </p:spPr>
+      </p:pic>
+      <p:sp>
+        <p:nvSpPr>
+          <p:cNvPr id="2" name="Title 1"/>
+          <p:cNvSpPr>
+            <a:spLocks noGrp="1"/>
+          </p:cNvSpPr>
+          <p:nvPr>
+            <p:ph type="title"/>
+          </p:nvPr>
+        </p:nvSpPr>
+        <p:spPr>
+          <a:xfrm>
+            <a:off x="685801" y="609601"/>
+            <a:ext cx="10131427" cy="2743199"/>
+          </a:xfrm>
+        </p:spPr>
+        <p:txBody>
+          <a:bodyPr vert="horz" lIns="91440" tIns="45720" rIns="91440" bIns="45720" rtlCol="0" anchor="ctr">
+            <a:normAutofit/>
+          </a:bodyPr>
+          <a:lstStyle>
+            <a:lvl1pPr>
+              <a:defRPr lang="en-US" b="0" dirty="0"/>
+            </a:lvl1pPr>
+          </a:lstStyle>
+          <a:p>
+            <a:pPr marL="0" lvl="0"/>
+            <a:r>
+              <a:rPr lang="en-US"/>
+              <a:t>Click to edit Master title style</a:t>
+            </a:r>
+            <a:endParaRPr lang="en-US" dirty="0"/>
+          </a:p>
+        </p:txBody>
+      </p:sp>
+      <p:sp>
+        <p:nvSpPr>
+          <p:cNvPr id="10" name="Text Placeholder 9"/>
+          <p:cNvSpPr>
+            <a:spLocks noGrp="1"/>
+          </p:cNvSpPr>
+          <p:nvPr>
+            <p:ph type="body" sz="quarter" idx="13"/>
+          </p:nvPr>
+        </p:nvSpPr>
+        <p:spPr>
+          <a:xfrm>
+            <a:off x="685801" y="3505200"/>
+            <a:ext cx="10131428" cy="838200"/>
+          </a:xfrm>
+        </p:spPr>
+        <p:txBody>
+          <a:bodyPr vert="horz" lIns="91440" tIns="45720" rIns="91440" bIns="45720" rtlCol="0" anchor="b">
+            <a:normAutofit/>
+          </a:bodyPr>
+          <a:lstStyle>
+            <a:lvl1pPr>
+              <a:buNone/>
+              <a:defRPr lang="en-US" sz="2800" b="0" cap="none" dirty="0">
+                <a:ln w="3175" cmpd="sng">
+                  <a:noFill/>
+                </a:ln>
+                <a:solidFill>
+                  <a:schemeClr val="tx1"/>
+                </a:solidFill>
+                <a:effectLst/>
+              </a:defRPr>
+            </a:lvl1pPr>
+          </a:lstStyle>
+          <a:p>
+            <a:pPr marL="0" lvl="0">
+              <a:spcBef>
+                <a:spcPct val="0"/>
+              </a:spcBef>
+              <a:buNone/>
+            </a:pPr>
+            <a:r>
+              <a:rPr lang="en-US"/>
+              <a:t>Click to edit Master text styles</a:t>
+            </a:r>
+          </a:p>
+        </p:txBody>
+      </p:sp>
+      <p:sp>
+        <p:nvSpPr>
+          <p:cNvPr id="3" name="Text Placeholder 2"/>
+          <p:cNvSpPr>
+            <a:spLocks noGrp="1"/>
+          </p:cNvSpPr>
+          <p:nvPr>
+            <p:ph type="body" idx="1"/>
+          </p:nvPr>
+        </p:nvSpPr>
+        <p:spPr>
+          <a:xfrm>
+            <a:off x="685800" y="4343400"/>
+            <a:ext cx="10131428" cy="1447800"/>
+          </a:xfrm>
+        </p:spPr>
+        <p:txBody>
+          <a:bodyPr anchor="t">
+            <a:normAutofit/>
+          </a:bodyPr>
+          <a:lstStyle>
+            <a:lvl1pPr marL="0" indent="0" algn="l">
+              <a:buNone/>
+              <a:defRPr sz="1800">
+                <a:solidFill>
+                  <a:schemeClr val="tx1"/>
+                </a:solidFill>
+              </a:defRPr>
+            </a:lvl1pPr>
+            <a:lvl2pPr marL="457200" indent="0">
+              <a:buNone/>
+              <a:defRPr sz="1800">
+                <a:solidFill>
+                  <a:schemeClr val="tx1">
+                    <a:tint val="75000"/>
+                  </a:schemeClr>
+                </a:solidFill>
+              </a:defRPr>
+            </a:lvl2pPr>
+            <a:lvl3pPr marL="914400" indent="0">
+              <a:buNone/>
+              <a:defRPr sz="1600">
+                <a:solidFill>
+                  <a:schemeClr val="tx1">
+                    <a:tint val="75000"/>
+                  </a:schemeClr>
+                </a:solidFill>
+              </a:defRPr>
+            </a:lvl3pPr>
+            <a:lvl4pPr marL="1371600" indent="0">
+              <a:buNone/>
+              <a:defRPr sz="1400">
+                <a:solidFill>
+                  <a:schemeClr val="tx1">
+                    <a:tint val="75000"/>
+                  </a:schemeClr>
+                </a:solidFill>
+              </a:defRPr>
+            </a:lvl4pPr>
+            <a:lvl5pPr marL="1828800" indent="0">
+              <a:buNone/>
+              <a:defRPr sz="1400">
+                <a:solidFill>
+                  <a:schemeClr val="tx1">
+                    <a:tint val="75000"/>
+                  </a:schemeClr>
+                </a:solidFill>
+              </a:defRPr>
+            </a:lvl5pPr>
+            <a:lvl6pPr marL="2286000" indent="0">
+              <a:buNone/>
+              <a:defRPr sz="1400">
+                <a:solidFill>
+                  <a:schemeClr val="tx1">
+                    <a:tint val="75000"/>
+                  </a:schemeClr>
+                </a:solidFill>
+              </a:defRPr>
+            </a:lvl6pPr>
+            <a:lvl7pPr marL="2743200" indent="0">
+              <a:buNone/>
+              <a:defRPr sz="1400">
+                <a:solidFill>
+                  <a:schemeClr val="tx1">
+                    <a:tint val="75000"/>
+                  </a:schemeClr>
+                </a:solidFill>
+              </a:defRPr>
+            </a:lvl7pPr>
+            <a:lvl8pPr marL="3200400" indent="0">
+              <a:buNone/>
+              <a:defRPr sz="1400">
+                <a:solidFill>
+                  <a:schemeClr val="tx1">
+                    <a:tint val="75000"/>
+                  </a:schemeClr>
+                </a:solidFill>
+              </a:defRPr>
+            </a:lvl8pPr>
+            <a:lvl9pPr marL="3657600" indent="0">
+              <a:buNone/>
+              <a:defRPr sz="1400">
+                <a:solidFill>
+                  <a:schemeClr val="tx1">
+                    <a:tint val="75000"/>
+                  </a:schemeClr>
+                </a:solidFill>
+              </a:defRPr>
+            </a:lvl9pPr>
+          </a:lstStyle>
+          <a:p>
+            <a:pPr lvl="0"/>
+            <a:r>
+              <a:rPr lang="en-US"/>
+              <a:t>Click to edit Master text styles</a:t>
+            </a:r>
+          </a:p>
+        </p:txBody>
+      </p:sp>
+      <p:sp>
+        <p:nvSpPr>
+          <p:cNvPr id="4" name="Date Placeholder 3"/>
+          <p:cNvSpPr>
+            <a:spLocks noGrp="1"/>
+          </p:cNvSpPr>
+          <p:nvPr>
+            <p:ph type="dt" sz="half" idx="10"/>
+          </p:nvPr>
+        </p:nvSpPr>
+        <p:spPr/>
+        <p:txBody>
+          <a:bodyPr/>
+          <a:lstStyle/>
+          <a:p>
+            <a:fld id="{386EAC6E-8ADC-498C-8D78-A1467B1978D3}" type="datetimeFigureOut">
+              <a:rPr lang="en-GB" smtClean="0"/>
+              <a:t>22/02/2025</a:t>
+            </a:fld>
+            <a:endParaRPr lang="en-GB"/>
+          </a:p>
+        </p:txBody>
+      </p:sp>
+      <p:sp>
+        <p:nvSpPr>
+          <p:cNvPr id="5" name="Footer Placeholder 4"/>
+          <p:cNvSpPr>
+            <a:spLocks noGrp="1"/>
+          </p:cNvSpPr>
+          <p:nvPr>
+            <p:ph type="ftr" sz="quarter" idx="11"/>
+          </p:nvPr>
+        </p:nvSpPr>
+        <p:spPr/>
+        <p:txBody>
+          <a:bodyPr/>
+          <a:lstStyle/>
+          <a:p>
+            <a:endParaRPr lang="en-GB"/>
+          </a:p>
+        </p:txBody>
+      </p:sp>
+      <p:sp>
+        <p:nvSpPr>
+          <p:cNvPr id="6" name="Slide Number Placeholder 5"/>
+          <p:cNvSpPr>
+            <a:spLocks noGrp="1"/>
+          </p:cNvSpPr>
+          <p:nvPr>
+            <p:ph type="sldNum" sz="quarter" idx="12"/>
+          </p:nvPr>
+        </p:nvSpPr>
+        <p:spPr/>
+        <p:txBody>
+          <a:bodyPr/>
+          <a:lstStyle/>
+          <a:p>
+            <a:fld id="{203DD33E-0B34-4D59-861B-E825C7D30ACC}" type="slidenum">
+              <a:rPr lang="en-GB" smtClean="0"/>
+              <a:t>‹#›</a:t>
+            </a:fld>
+            <a:endParaRPr lang="en-GB"/>
+          </a:p>
+        </p:txBody>
+      </p:sp>
+    </p:spTree>
+    <p:extLst>
+      <p:ext uri="{BB962C8B-B14F-4D97-AF65-F5344CB8AC3E}">
+        <p14:creationId xmlns:p14="http://schemas.microsoft.com/office/powerpoint/2010/main" val="428993823"/>
+      </p:ext>
+    </p:extLst>
+  </p:cSld>
+  <p:clrMapOvr>
+    <a:masterClrMapping/>
+  </p:clrMapOvr>
+</p:sldLayout>
+</file>
+
+<file path=ppt/slideLayouts/slideLayout16.xml><?xml version="1.0" encoding="utf-8"?>
 <p:sldLayout xmlns:a="http://schemas.openxmlformats.org/drawingml/2006/main" xmlns:r="http://schemas.openxmlformats.org/officeDocument/2006/relationships" xmlns:p="http://schemas.openxmlformats.org/presentationml/2006/main" type="vertTx" preserve="1">
   <p:cSld name="Title and Vertical Text">
     <p:spTree>
@@ -354,100 +2771,91 @@
           <a:chExt cx="0" cy="0"/>
         </a:xfrm>
       </p:grpSpPr>
-      <p:sp>
-        <p:nvSpPr>
-          <p:cNvPr id="2" name="Title 1">
+      <p:pic>
+        <p:nvPicPr>
+          <p:cNvPr id="7" name="Picture 6" descr="Celestia-R1---OverlayContentHD.png"/>
+          <p:cNvPicPr>
+            <a:picLocks noChangeAspect="1"/>
+          </p:cNvPicPr>
+          <p:nvPr/>
+        </p:nvPicPr>
+        <p:blipFill>
+          <a:blip r:embed="rId2">
             <a:extLst>
-              <a:ext uri="{FF2B5EF4-FFF2-40B4-BE49-F238E27FC236}">
-                <a16:creationId xmlns:a16="http://schemas.microsoft.com/office/drawing/2014/main" id="{06EADB7E-1809-759B-1CCC-89CA4D4E4891}"/>
+              <a:ext uri="{28A0092B-C50C-407E-A947-70E740481C1C}">
+                <a14:useLocalDpi xmlns:a14="http://schemas.microsoft.com/office/drawing/2010/main" val="0"/>
               </a:ext>
             </a:extLst>
-          </p:cNvPr>
-          <p:cNvSpPr>
-            <a:spLocks noGrp="1"/>
-          </p:cNvSpPr>
-          <p:nvPr>
-            <p:ph type="title"/>
+          </a:blip>
+          <a:stretch>
+            <a:fillRect/>
+          </a:stretch>
+        </p:blipFill>
+        <p:spPr>
+          <a:xfrm>
+            <a:off x="0" y="0"/>
+            <a:ext cx="12188825" cy="6856214"/>
+          </a:xfrm>
+          <a:prstGeom prst="rect">
+            <a:avLst/>
+          </a:prstGeom>
+        </p:spPr>
+      </p:pic>
+      <p:sp>
+        <p:nvSpPr>
+          <p:cNvPr id="3" name="Vertical Text Placeholder 2"/>
+          <p:cNvSpPr>
+            <a:spLocks noGrp="1"/>
+          </p:cNvSpPr>
+          <p:nvPr>
+            <p:ph type="body" orient="vert" idx="1"/>
           </p:nvPr>
         </p:nvSpPr>
         <p:spPr/>
         <p:txBody>
-          <a:bodyPr/>
+          <a:bodyPr vert="eaVert" anchor="t"/>
           <a:lstStyle/>
           <a:p>
-            <a:r>
-              <a:rPr lang="en-GB"/>
-              <a:t>Click to edit Master title style</a:t>
-            </a:r>
-          </a:p>
-        </p:txBody>
-      </p:sp>
-      <p:sp>
-        <p:nvSpPr>
-          <p:cNvPr id="3" name="Vertical Text Placeholder 2">
-            <a:extLst>
-              <a:ext uri="{FF2B5EF4-FFF2-40B4-BE49-F238E27FC236}">
-                <a16:creationId xmlns:a16="http://schemas.microsoft.com/office/drawing/2014/main" id="{7DC8D506-9394-5656-8E35-62FEE3410F56}"/>
-              </a:ext>
-            </a:extLst>
-          </p:cNvPr>
-          <p:cNvSpPr>
-            <a:spLocks noGrp="1"/>
-          </p:cNvSpPr>
-          <p:nvPr>
-            <p:ph type="body" orient="vert" idx="1"/>
-          </p:nvPr>
-        </p:nvSpPr>
-        <p:spPr/>
-        <p:txBody>
-          <a:bodyPr vert="eaVert"/>
-          <a:lstStyle/>
-          <a:p>
             <a:pPr lvl="0"/>
             <a:r>
-              <a:rPr lang="en-GB"/>
+              <a:rPr lang="en-US"/>
               <a:t>Click to edit Master text styles</a:t>
             </a:r>
           </a:p>
           <a:p>
             <a:pPr lvl="1"/>
             <a:r>
-              <a:rPr lang="en-GB"/>
+              <a:rPr lang="en-US"/>
               <a:t>Second level</a:t>
             </a:r>
           </a:p>
           <a:p>
             <a:pPr lvl="2"/>
             <a:r>
-              <a:rPr lang="en-GB"/>
+              <a:rPr lang="en-US"/>
               <a:t>Third level</a:t>
             </a:r>
           </a:p>
           <a:p>
             <a:pPr lvl="3"/>
             <a:r>
-              <a:rPr lang="en-GB"/>
+              <a:rPr lang="en-US"/>
               <a:t>Fourth level</a:t>
             </a:r>
           </a:p>
           <a:p>
             <a:pPr lvl="4"/>
             <a:r>
-              <a:rPr lang="en-GB"/>
+              <a:rPr lang="en-US"/>
               <a:t>Fifth level</a:t>
             </a:r>
-          </a:p>
-        </p:txBody>
-      </p:sp>
-      <p:sp>
-        <p:nvSpPr>
-          <p:cNvPr id="4" name="Date Placeholder 3">
-            <a:extLst>
-              <a:ext uri="{FF2B5EF4-FFF2-40B4-BE49-F238E27FC236}">
-                <a16:creationId xmlns:a16="http://schemas.microsoft.com/office/drawing/2014/main" id="{112B2CE5-2117-30D9-7547-FB64AC7B6B92}"/>
-              </a:ext>
-            </a:extLst>
-          </p:cNvPr>
+            <a:endParaRPr lang="en-US" dirty="0"/>
+          </a:p>
+        </p:txBody>
+      </p:sp>
+      <p:sp>
+        <p:nvSpPr>
+          <p:cNvPr id="4" name="Date Placeholder 3"/>
           <p:cNvSpPr>
             <a:spLocks noGrp="1"/>
           </p:cNvSpPr>
@@ -470,13 +2878,7 @@
       </p:sp>
       <p:sp>
         <p:nvSpPr>
-          <p:cNvPr id="5" name="Footer Placeholder 4">
-            <a:extLst>
-              <a:ext uri="{FF2B5EF4-FFF2-40B4-BE49-F238E27FC236}">
-                <a16:creationId xmlns:a16="http://schemas.microsoft.com/office/drawing/2014/main" id="{6F93BF53-452B-16A4-0F71-C9F5D053E1B8}"/>
-              </a:ext>
-            </a:extLst>
-          </p:cNvPr>
+          <p:cNvPr id="5" name="Footer Placeholder 4"/>
           <p:cNvSpPr>
             <a:spLocks noGrp="1"/>
           </p:cNvSpPr>
@@ -495,13 +2897,7 @@
       </p:sp>
       <p:sp>
         <p:nvSpPr>
-          <p:cNvPr id="6" name="Slide Number Placeholder 5">
-            <a:extLst>
-              <a:ext uri="{FF2B5EF4-FFF2-40B4-BE49-F238E27FC236}">
-                <a16:creationId xmlns:a16="http://schemas.microsoft.com/office/drawing/2014/main" id="{1FB8EE52-ED31-1196-1D46-44D1EA938B8B}"/>
-              </a:ext>
-            </a:extLst>
-          </p:cNvPr>
+          <p:cNvPr id="6" name="Slide Number Placeholder 5"/>
           <p:cNvSpPr>
             <a:spLocks noGrp="1"/>
           </p:cNvSpPr>
@@ -522,10 +2918,38 @@
           </a:p>
         </p:txBody>
       </p:sp>
+      <p:sp>
+        <p:nvSpPr>
+          <p:cNvPr id="8" name="Title 1"/>
+          <p:cNvSpPr>
+            <a:spLocks noGrp="1"/>
+          </p:cNvSpPr>
+          <p:nvPr>
+            <p:ph type="title"/>
+          </p:nvPr>
+        </p:nvSpPr>
+        <p:spPr>
+          <a:xfrm>
+            <a:off x="685801" y="609600"/>
+            <a:ext cx="10131425" cy="1456267"/>
+          </a:xfrm>
+        </p:spPr>
+        <p:txBody>
+          <a:bodyPr/>
+          <a:lstStyle/>
+          <a:p>
+            <a:r>
+              <a:rPr lang="en-US"/>
+              <a:t>Click to edit Master title style</a:t>
+            </a:r>
+            <a:endParaRPr lang="en-US" dirty="0"/>
+          </a:p>
+        </p:txBody>
+      </p:sp>
     </p:spTree>
     <p:extLst>
       <p:ext uri="{BB962C8B-B14F-4D97-AF65-F5344CB8AC3E}">
-        <p14:creationId xmlns:p14="http://schemas.microsoft.com/office/powerpoint/2010/main" val="2021507571"/>
+        <p14:creationId xmlns:p14="http://schemas.microsoft.com/office/powerpoint/2010/main" val="1595570442"/>
       </p:ext>
     </p:extLst>
   </p:cSld>
@@ -535,7 +2959,7 @@
 </p:sldLayout>
 </file>
 
-<file path=ppt/slideLayouts/slideLayout11.xml><?xml version="1.0" encoding="utf-8"?>
+<file path=ppt/slideLayouts/slideLayout17.xml><?xml version="1.0" encoding="utf-8"?>
 <p:sldLayout xmlns:a="http://schemas.openxmlformats.org/drawingml/2006/main" xmlns:r="http://schemas.openxmlformats.org/officeDocument/2006/relationships" xmlns:p="http://schemas.openxmlformats.org/presentationml/2006/main" type="vertTitleAndTx" preserve="1">
   <p:cSld name="Vertical Title and Text">
     <p:spTree>
@@ -552,26 +2976,50 @@
           <a:chExt cx="0" cy="0"/>
         </a:xfrm>
       </p:grpSpPr>
-      <p:sp>
-        <p:nvSpPr>
-          <p:cNvPr id="2" name="Vertical Title 1">
+      <p:pic>
+        <p:nvPicPr>
+          <p:cNvPr id="7" name="Picture 6" descr="Celestia-R1---OverlayContentHD.png"/>
+          <p:cNvPicPr>
+            <a:picLocks noChangeAspect="1"/>
+          </p:cNvPicPr>
+          <p:nvPr/>
+        </p:nvPicPr>
+        <p:blipFill>
+          <a:blip r:embed="rId2">
             <a:extLst>
-              <a:ext uri="{FF2B5EF4-FFF2-40B4-BE49-F238E27FC236}">
-                <a16:creationId xmlns:a16="http://schemas.microsoft.com/office/drawing/2014/main" id="{FA5E43EE-8D20-83C0-3C02-0A56F8B6E0BF}"/>
+              <a:ext uri="{28A0092B-C50C-407E-A947-70E740481C1C}">
+                <a14:useLocalDpi xmlns:a14="http://schemas.microsoft.com/office/drawing/2010/main" val="0"/>
               </a:ext>
             </a:extLst>
-          </p:cNvPr>
-          <p:cNvSpPr>
-            <a:spLocks noGrp="1"/>
-          </p:cNvSpPr>
-          <p:nvPr>
-            <p:ph type="title" orient="vert"/>
-          </p:nvPr>
-        </p:nvSpPr>
+          </a:blip>
+          <a:stretch>
+            <a:fillRect/>
+          </a:stretch>
+        </p:blipFill>
         <p:spPr>
           <a:xfrm>
-            <a:off x="8724900" y="365125"/>
-            <a:ext cx="2628900" cy="5811838"/>
+            <a:off x="0" y="0"/>
+            <a:ext cx="12188825" cy="6856214"/>
+          </a:xfrm>
+          <a:prstGeom prst="rect">
+            <a:avLst/>
+          </a:prstGeom>
+        </p:spPr>
+      </p:pic>
+      <p:sp>
+        <p:nvSpPr>
+          <p:cNvPr id="2" name="Vertical Title 1"/>
+          <p:cNvSpPr>
+            <a:spLocks noGrp="1"/>
+          </p:cNvSpPr>
+          <p:nvPr>
+            <p:ph type="title" orient="vert"/>
+          </p:nvPr>
+        </p:nvSpPr>
+        <p:spPr>
+          <a:xfrm>
+            <a:off x="8658675" y="609599"/>
+            <a:ext cx="2158552" cy="5181601"/>
           </a:xfrm>
         </p:spPr>
         <p:txBody>
@@ -579,21 +3027,16 @@
           <a:lstStyle/>
           <a:p>
             <a:r>
-              <a:rPr lang="en-GB"/>
+              <a:rPr lang="en-US"/>
               <a:t>Click to edit Master title style</a:t>
             </a:r>
-          </a:p>
-        </p:txBody>
-      </p:sp>
-      <p:sp>
-        <p:nvSpPr>
-          <p:cNvPr id="3" name="Vertical Text Placeholder 2">
-            <a:extLst>
-              <a:ext uri="{FF2B5EF4-FFF2-40B4-BE49-F238E27FC236}">
-                <a16:creationId xmlns:a16="http://schemas.microsoft.com/office/drawing/2014/main" id="{021242EF-E74A-74AE-29B2-087AF55D8D89}"/>
-              </a:ext>
-            </a:extLst>
-          </p:cNvPr>
+            <a:endParaRPr lang="en-US" dirty="0"/>
+          </a:p>
+        </p:txBody>
+      </p:sp>
+      <p:sp>
+        <p:nvSpPr>
+          <p:cNvPr id="3" name="Vertical Text Placeholder 2"/>
           <p:cNvSpPr>
             <a:spLocks noGrp="1"/>
           </p:cNvSpPr>
@@ -603,59 +3046,54 @@
         </p:nvSpPr>
         <p:spPr>
           <a:xfrm>
-            <a:off x="838200" y="365125"/>
-            <a:ext cx="7734300" cy="5811838"/>
+            <a:off x="685800" y="609600"/>
+            <a:ext cx="7832116" cy="5181600"/>
           </a:xfrm>
         </p:spPr>
         <p:txBody>
-          <a:bodyPr vert="eaVert"/>
+          <a:bodyPr vert="eaVert" anchor="t"/>
           <a:lstStyle/>
           <a:p>
             <a:pPr lvl="0"/>
             <a:r>
-              <a:rPr lang="en-GB"/>
+              <a:rPr lang="en-US"/>
               <a:t>Click to edit Master text styles</a:t>
             </a:r>
           </a:p>
           <a:p>
             <a:pPr lvl="1"/>
             <a:r>
-              <a:rPr lang="en-GB"/>
+              <a:rPr lang="en-US"/>
               <a:t>Second level</a:t>
             </a:r>
           </a:p>
           <a:p>
             <a:pPr lvl="2"/>
             <a:r>
-              <a:rPr lang="en-GB"/>
+              <a:rPr lang="en-US"/>
               <a:t>Third level</a:t>
             </a:r>
           </a:p>
           <a:p>
             <a:pPr lvl="3"/>
             <a:r>
-              <a:rPr lang="en-GB"/>
+              <a:rPr lang="en-US"/>
               <a:t>Fourth level</a:t>
             </a:r>
           </a:p>
           <a:p>
             <a:pPr lvl="4"/>
             <a:r>
-              <a:rPr lang="en-GB"/>
+              <a:rPr lang="en-US"/>
               <a:t>Fifth level</a:t>
             </a:r>
-          </a:p>
-        </p:txBody>
-      </p:sp>
-      <p:sp>
-        <p:nvSpPr>
-          <p:cNvPr id="4" name="Date Placeholder 3">
-            <a:extLst>
-              <a:ext uri="{FF2B5EF4-FFF2-40B4-BE49-F238E27FC236}">
-                <a16:creationId xmlns:a16="http://schemas.microsoft.com/office/drawing/2014/main" id="{74B09BD8-57A6-9C12-6ED2-8822A26D4AFD}"/>
-              </a:ext>
-            </a:extLst>
-          </p:cNvPr>
+            <a:endParaRPr lang="en-US" dirty="0"/>
+          </a:p>
+        </p:txBody>
+      </p:sp>
+      <p:sp>
+        <p:nvSpPr>
+          <p:cNvPr id="4" name="Date Placeholder 3"/>
           <p:cNvSpPr>
             <a:spLocks noGrp="1"/>
           </p:cNvSpPr>
@@ -678,13 +3116,7 @@
       </p:sp>
       <p:sp>
         <p:nvSpPr>
-          <p:cNvPr id="5" name="Footer Placeholder 4">
-            <a:extLst>
-              <a:ext uri="{FF2B5EF4-FFF2-40B4-BE49-F238E27FC236}">
-                <a16:creationId xmlns:a16="http://schemas.microsoft.com/office/drawing/2014/main" id="{D904DCD9-E71F-D738-2F71-522FBF8630AC}"/>
-              </a:ext>
-            </a:extLst>
-          </p:cNvPr>
+          <p:cNvPr id="5" name="Footer Placeholder 4"/>
           <p:cNvSpPr>
             <a:spLocks noGrp="1"/>
           </p:cNvSpPr>
@@ -703,13 +3135,7 @@
       </p:sp>
       <p:sp>
         <p:nvSpPr>
-          <p:cNvPr id="6" name="Slide Number Placeholder 5">
-            <a:extLst>
-              <a:ext uri="{FF2B5EF4-FFF2-40B4-BE49-F238E27FC236}">
-                <a16:creationId xmlns:a16="http://schemas.microsoft.com/office/drawing/2014/main" id="{74595418-F668-2054-99AB-479BF9D7DE77}"/>
-              </a:ext>
-            </a:extLst>
-          </p:cNvPr>
+          <p:cNvPr id="6" name="Slide Number Placeholder 5"/>
           <p:cNvSpPr>
             <a:spLocks noGrp="1"/>
           </p:cNvSpPr>
@@ -733,7 +3159,7 @@
     </p:spTree>
     <p:extLst>
       <p:ext uri="{BB962C8B-B14F-4D97-AF65-F5344CB8AC3E}">
-        <p14:creationId xmlns:p14="http://schemas.microsoft.com/office/powerpoint/2010/main" val="4146819795"/>
+        <p14:creationId xmlns:p14="http://schemas.microsoft.com/office/powerpoint/2010/main" val="2352565194"/>
       </p:ext>
     </p:extLst>
   </p:cSld>
@@ -760,15 +3186,39 @@
           <a:chExt cx="0" cy="0"/>
         </a:xfrm>
       </p:grpSpPr>
-      <p:sp>
-        <p:nvSpPr>
-          <p:cNvPr id="2" name="Title 1">
+      <p:pic>
+        <p:nvPicPr>
+          <p:cNvPr id="7" name="Picture 6" descr="Celestia-R1---OverlayContentHD.png"/>
+          <p:cNvPicPr>
+            <a:picLocks noChangeAspect="1"/>
+          </p:cNvPicPr>
+          <p:nvPr/>
+        </p:nvPicPr>
+        <p:blipFill>
+          <a:blip r:embed="rId2">
             <a:extLst>
-              <a:ext uri="{FF2B5EF4-FFF2-40B4-BE49-F238E27FC236}">
-                <a16:creationId xmlns:a16="http://schemas.microsoft.com/office/drawing/2014/main" id="{A5D75066-542B-4D38-1C03-47761D0D8F74}"/>
+              <a:ext uri="{28A0092B-C50C-407E-A947-70E740481C1C}">
+                <a14:useLocalDpi xmlns:a14="http://schemas.microsoft.com/office/drawing/2010/main" val="0"/>
               </a:ext>
             </a:extLst>
-          </p:cNvPr>
+          </a:blip>
+          <a:stretch>
+            <a:fillRect/>
+          </a:stretch>
+        </p:blipFill>
+        <p:spPr>
+          <a:xfrm>
+            <a:off x="0" y="0"/>
+            <a:ext cx="12188825" cy="6856214"/>
+          </a:xfrm>
+          <a:prstGeom prst="rect">
+            <a:avLst/>
+          </a:prstGeom>
+        </p:spPr>
+      </p:pic>
+      <p:sp>
+        <p:nvSpPr>
+          <p:cNvPr id="2" name="Title 1"/>
           <p:cNvSpPr>
             <a:spLocks noGrp="1"/>
           </p:cNvSpPr>
@@ -782,21 +3232,16 @@
           <a:lstStyle/>
           <a:p>
             <a:r>
-              <a:rPr lang="en-GB"/>
+              <a:rPr lang="en-US"/>
               <a:t>Click to edit Master title style</a:t>
             </a:r>
-          </a:p>
-        </p:txBody>
-      </p:sp>
-      <p:sp>
-        <p:nvSpPr>
-          <p:cNvPr id="3" name="Content Placeholder 2">
-            <a:extLst>
-              <a:ext uri="{FF2B5EF4-FFF2-40B4-BE49-F238E27FC236}">
-                <a16:creationId xmlns:a16="http://schemas.microsoft.com/office/drawing/2014/main" id="{366A4857-3C08-565E-9932-8059146221BF}"/>
-              </a:ext>
-            </a:extLst>
-          </p:cNvPr>
+            <a:endParaRPr lang="en-US" dirty="0"/>
+          </a:p>
+        </p:txBody>
+      </p:sp>
+      <p:sp>
+        <p:nvSpPr>
+          <p:cNvPr id="3" name="Content Placeholder 2"/>
           <p:cNvSpPr>
             <a:spLocks noGrp="1"/>
           </p:cNvSpPr>
@@ -806,54 +3251,49 @@
         </p:nvSpPr>
         <p:spPr/>
         <p:txBody>
-          <a:bodyPr/>
+          <a:bodyPr anchor="ctr"/>
           <a:lstStyle/>
           <a:p>
             <a:pPr lvl="0"/>
             <a:r>
-              <a:rPr lang="en-GB"/>
+              <a:rPr lang="en-US"/>
               <a:t>Click to edit Master text styles</a:t>
             </a:r>
           </a:p>
           <a:p>
             <a:pPr lvl="1"/>
             <a:r>
-              <a:rPr lang="en-GB"/>
+              <a:rPr lang="en-US"/>
               <a:t>Second level</a:t>
             </a:r>
           </a:p>
           <a:p>
             <a:pPr lvl="2"/>
             <a:r>
-              <a:rPr lang="en-GB"/>
+              <a:rPr lang="en-US"/>
               <a:t>Third level</a:t>
             </a:r>
           </a:p>
           <a:p>
             <a:pPr lvl="3"/>
             <a:r>
-              <a:rPr lang="en-GB"/>
+              <a:rPr lang="en-US"/>
               <a:t>Fourth level</a:t>
             </a:r>
           </a:p>
           <a:p>
             <a:pPr lvl="4"/>
             <a:r>
-              <a:rPr lang="en-GB"/>
+              <a:rPr lang="en-US"/>
               <a:t>Fifth level</a:t>
             </a:r>
-          </a:p>
-        </p:txBody>
-      </p:sp>
-      <p:sp>
-        <p:nvSpPr>
-          <p:cNvPr id="4" name="Date Placeholder 3">
-            <a:extLst>
-              <a:ext uri="{FF2B5EF4-FFF2-40B4-BE49-F238E27FC236}">
-                <a16:creationId xmlns:a16="http://schemas.microsoft.com/office/drawing/2014/main" id="{722F2B20-1FAE-0586-A24A-9C7AB6B8AADE}"/>
-              </a:ext>
-            </a:extLst>
-          </p:cNvPr>
+            <a:endParaRPr lang="en-US" dirty="0"/>
+          </a:p>
+        </p:txBody>
+      </p:sp>
+      <p:sp>
+        <p:nvSpPr>
+          <p:cNvPr id="4" name="Date Placeholder 3"/>
           <p:cNvSpPr>
             <a:spLocks noGrp="1"/>
           </p:cNvSpPr>
@@ -876,13 +3316,7 @@
       </p:sp>
       <p:sp>
         <p:nvSpPr>
-          <p:cNvPr id="5" name="Footer Placeholder 4">
-            <a:extLst>
-              <a:ext uri="{FF2B5EF4-FFF2-40B4-BE49-F238E27FC236}">
-                <a16:creationId xmlns:a16="http://schemas.microsoft.com/office/drawing/2014/main" id="{FB7758D2-98ED-C561-DFC0-10FAFE1F0C5C}"/>
-              </a:ext>
-            </a:extLst>
-          </p:cNvPr>
+          <p:cNvPr id="5" name="Footer Placeholder 4"/>
           <p:cNvSpPr>
             <a:spLocks noGrp="1"/>
           </p:cNvSpPr>
@@ -901,13 +3335,7 @@
       </p:sp>
       <p:sp>
         <p:nvSpPr>
-          <p:cNvPr id="6" name="Slide Number Placeholder 5">
-            <a:extLst>
-              <a:ext uri="{FF2B5EF4-FFF2-40B4-BE49-F238E27FC236}">
-                <a16:creationId xmlns:a16="http://schemas.microsoft.com/office/drawing/2014/main" id="{05DDC69B-319B-0744-93D8-77C1B11121F8}"/>
-              </a:ext>
-            </a:extLst>
-          </p:cNvPr>
+          <p:cNvPr id="6" name="Slide Number Placeholder 5"/>
           <p:cNvSpPr>
             <a:spLocks noGrp="1"/>
           </p:cNvSpPr>
@@ -931,7 +3359,7 @@
     </p:spTree>
     <p:extLst>
       <p:ext uri="{BB962C8B-B14F-4D97-AF65-F5344CB8AC3E}">
-        <p14:creationId xmlns:p14="http://schemas.microsoft.com/office/powerpoint/2010/main" val="2887774776"/>
+        <p14:creationId xmlns:p14="http://schemas.microsoft.com/office/powerpoint/2010/main" val="3626001007"/>
       </p:ext>
     </p:extLst>
   </p:cSld>
@@ -958,52 +3386,71 @@
           <a:chExt cx="0" cy="0"/>
         </a:xfrm>
       </p:grpSpPr>
-      <p:sp>
-        <p:nvSpPr>
-          <p:cNvPr id="2" name="Title 1">
+      <p:pic>
+        <p:nvPicPr>
+          <p:cNvPr id="7" name="Picture 6" descr="Celestia-R1---OverlayContentHD.png"/>
+          <p:cNvPicPr>
+            <a:picLocks noChangeAspect="1"/>
+          </p:cNvPicPr>
+          <p:nvPr/>
+        </p:nvPicPr>
+        <p:blipFill>
+          <a:blip r:embed="rId2">
             <a:extLst>
-              <a:ext uri="{FF2B5EF4-FFF2-40B4-BE49-F238E27FC236}">
-                <a16:creationId xmlns:a16="http://schemas.microsoft.com/office/drawing/2014/main" id="{F121173A-49D7-4094-71C9-8642DB4FBB12}"/>
+              <a:ext uri="{28A0092B-C50C-407E-A947-70E740481C1C}">
+                <a14:useLocalDpi xmlns:a14="http://schemas.microsoft.com/office/drawing/2010/main" val="0"/>
               </a:ext>
             </a:extLst>
-          </p:cNvPr>
-          <p:cNvSpPr>
-            <a:spLocks noGrp="1"/>
-          </p:cNvSpPr>
-          <p:nvPr>
-            <p:ph type="title"/>
-          </p:nvPr>
-        </p:nvSpPr>
+          </a:blip>
+          <a:stretch>
+            <a:fillRect/>
+          </a:stretch>
+        </p:blipFill>
         <p:spPr>
           <a:xfrm>
-            <a:off x="831850" y="1709738"/>
-            <a:ext cx="10515600" cy="2852737"/>
+            <a:off x="0" y="0"/>
+            <a:ext cx="12188825" cy="6856214"/>
+          </a:xfrm>
+          <a:prstGeom prst="rect">
+            <a:avLst/>
+          </a:prstGeom>
+        </p:spPr>
+      </p:pic>
+      <p:sp>
+        <p:nvSpPr>
+          <p:cNvPr id="2" name="Title 1"/>
+          <p:cNvSpPr>
+            <a:spLocks noGrp="1"/>
+          </p:cNvSpPr>
+          <p:nvPr>
+            <p:ph type="title"/>
+          </p:nvPr>
+        </p:nvSpPr>
+        <p:spPr>
+          <a:xfrm>
+            <a:off x="685800" y="3308581"/>
+            <a:ext cx="10131427" cy="1468800"/>
           </a:xfrm>
         </p:spPr>
         <p:txBody>
           <a:bodyPr anchor="b"/>
           <a:lstStyle>
-            <a:lvl1pPr>
-              <a:defRPr sz="6000"/>
+            <a:lvl1pPr algn="l">
+              <a:defRPr sz="4000" b="0" cap="all"/>
             </a:lvl1pPr>
           </a:lstStyle>
           <a:p>
             <a:r>
-              <a:rPr lang="en-GB"/>
+              <a:rPr lang="en-US"/>
               <a:t>Click to edit Master title style</a:t>
             </a:r>
-          </a:p>
-        </p:txBody>
-      </p:sp>
-      <p:sp>
-        <p:nvSpPr>
-          <p:cNvPr id="3" name="Text Placeholder 2">
-            <a:extLst>
-              <a:ext uri="{FF2B5EF4-FFF2-40B4-BE49-F238E27FC236}">
-                <a16:creationId xmlns:a16="http://schemas.microsoft.com/office/drawing/2014/main" id="{41D672FC-3BB0-2775-60B3-34D5B5E53F07}"/>
-              </a:ext>
-            </a:extLst>
-          </p:cNvPr>
+            <a:endParaRPr lang="en-US" dirty="0"/>
+          </a:p>
+        </p:txBody>
+      </p:sp>
+      <p:sp>
+        <p:nvSpPr>
+          <p:cNvPr id="3" name="Text Placeholder 2"/>
           <p:cNvSpPr>
             <a:spLocks noGrp="1"/>
           </p:cNvSpPr>
@@ -1013,99 +3460,99 @@
         </p:nvSpPr>
         <p:spPr>
           <a:xfrm>
-            <a:off x="831850" y="4589463"/>
-            <a:ext cx="10515600" cy="1500187"/>
+            <a:off x="685799" y="4777381"/>
+            <a:ext cx="10131428" cy="860400"/>
           </a:xfrm>
         </p:spPr>
         <p:txBody>
-          <a:bodyPr/>
+          <a:bodyPr anchor="t">
+            <a:normAutofit/>
+          </a:bodyPr>
           <a:lstStyle>
-            <a:lvl1pPr marL="0" indent="0">
-              <a:buNone/>
-              <a:defRPr sz="2400">
-                <a:solidFill>
-                  <a:schemeClr val="tx1">
-                    <a:tint val="82000"/>
-                  </a:schemeClr>
+            <a:lvl1pPr marL="0" indent="0" algn="l">
+              <a:buNone/>
+              <a:defRPr sz="2000" cap="all">
+                <a:solidFill>
+                  <a:schemeClr val="tx1"/>
                 </a:solidFill>
               </a:defRPr>
             </a:lvl1pPr>
             <a:lvl2pPr marL="457200" indent="0">
               <a:buNone/>
-              <a:defRPr sz="2000">
+              <a:defRPr sz="1800">
                 <a:solidFill>
                   <a:schemeClr val="tx1">
-                    <a:tint val="82000"/>
+                    <a:tint val="75000"/>
                   </a:schemeClr>
                 </a:solidFill>
               </a:defRPr>
             </a:lvl2pPr>
             <a:lvl3pPr marL="914400" indent="0">
               <a:buNone/>
-              <a:defRPr sz="1800">
+              <a:defRPr sz="1600">
                 <a:solidFill>
                   <a:schemeClr val="tx1">
-                    <a:tint val="82000"/>
+                    <a:tint val="75000"/>
                   </a:schemeClr>
                 </a:solidFill>
               </a:defRPr>
             </a:lvl3pPr>
             <a:lvl4pPr marL="1371600" indent="0">
               <a:buNone/>
-              <a:defRPr sz="1600">
+              <a:defRPr sz="1400">
                 <a:solidFill>
                   <a:schemeClr val="tx1">
-                    <a:tint val="82000"/>
+                    <a:tint val="75000"/>
                   </a:schemeClr>
                 </a:solidFill>
               </a:defRPr>
             </a:lvl4pPr>
             <a:lvl5pPr marL="1828800" indent="0">
               <a:buNone/>
-              <a:defRPr sz="1600">
+              <a:defRPr sz="1400">
                 <a:solidFill>
                   <a:schemeClr val="tx1">
-                    <a:tint val="82000"/>
+                    <a:tint val="75000"/>
                   </a:schemeClr>
                 </a:solidFill>
               </a:defRPr>
             </a:lvl5pPr>
             <a:lvl6pPr marL="2286000" indent="0">
               <a:buNone/>
-              <a:defRPr sz="1600">
+              <a:defRPr sz="1400">
                 <a:solidFill>
                   <a:schemeClr val="tx1">
-                    <a:tint val="82000"/>
+                    <a:tint val="75000"/>
                   </a:schemeClr>
                 </a:solidFill>
               </a:defRPr>
             </a:lvl6pPr>
             <a:lvl7pPr marL="2743200" indent="0">
               <a:buNone/>
-              <a:defRPr sz="1600">
+              <a:defRPr sz="1400">
                 <a:solidFill>
                   <a:schemeClr val="tx1">
-                    <a:tint val="82000"/>
+                    <a:tint val="75000"/>
                   </a:schemeClr>
                 </a:solidFill>
               </a:defRPr>
             </a:lvl7pPr>
             <a:lvl8pPr marL="3200400" indent="0">
               <a:buNone/>
-              <a:defRPr sz="1600">
+              <a:defRPr sz="1400">
                 <a:solidFill>
                   <a:schemeClr val="tx1">
-                    <a:tint val="82000"/>
+                    <a:tint val="75000"/>
                   </a:schemeClr>
                 </a:solidFill>
               </a:defRPr>
             </a:lvl8pPr>
             <a:lvl9pPr marL="3657600" indent="0">
               <a:buNone/>
-              <a:defRPr sz="1600">
+              <a:defRPr sz="1400">
                 <a:solidFill>
                   <a:schemeClr val="tx1">
-                    <a:tint val="82000"/>
+                    <a:tint val="75000"/>
                   </a:schemeClr>
                 </a:solidFill>
               </a:defRPr>
@@ -1114,7 +3561,7 @@
           <a:p>
             <a:pPr lvl="0"/>
             <a:r>
-              <a:rPr lang="en-GB"/>
+              <a:rPr lang="en-US"/>
               <a:t>Click to edit Master text styles</a:t>
             </a:r>
           </a:p>
@@ -1122,13 +3569,7 @@
       </p:sp>
       <p:sp>
         <p:nvSpPr>
-          <p:cNvPr id="4" name="Date Placeholder 3">
-            <a:extLst>
-              <a:ext uri="{FF2B5EF4-FFF2-40B4-BE49-F238E27FC236}">
-                <a16:creationId xmlns:a16="http://schemas.microsoft.com/office/drawing/2014/main" id="{A232DA6B-47BD-5DDA-721B-93411FCEB052}"/>
-              </a:ext>
-            </a:extLst>
-          </p:cNvPr>
+          <p:cNvPr id="4" name="Date Placeholder 3"/>
           <p:cNvSpPr>
             <a:spLocks noGrp="1"/>
           </p:cNvSpPr>
@@ -1151,13 +3592,7 @@
       </p:sp>
       <p:sp>
         <p:nvSpPr>
-          <p:cNvPr id="5" name="Footer Placeholder 4">
-            <a:extLst>
-              <a:ext uri="{FF2B5EF4-FFF2-40B4-BE49-F238E27FC236}">
-                <a16:creationId xmlns:a16="http://schemas.microsoft.com/office/drawing/2014/main" id="{126B8748-CD51-0FE7-B28D-D61BA3BAF7C1}"/>
-              </a:ext>
-            </a:extLst>
-          </p:cNvPr>
+          <p:cNvPr id="5" name="Footer Placeholder 4"/>
           <p:cNvSpPr>
             <a:spLocks noGrp="1"/>
           </p:cNvSpPr>
@@ -1176,13 +3611,7 @@
       </p:sp>
       <p:sp>
         <p:nvSpPr>
-          <p:cNvPr id="6" name="Slide Number Placeholder 5">
-            <a:extLst>
-              <a:ext uri="{FF2B5EF4-FFF2-40B4-BE49-F238E27FC236}">
-                <a16:creationId xmlns:a16="http://schemas.microsoft.com/office/drawing/2014/main" id="{CC4D3584-6E2E-AF2A-609D-F46D79660972}"/>
-              </a:ext>
-            </a:extLst>
-          </p:cNvPr>
+          <p:cNvPr id="6" name="Slide Number Placeholder 5"/>
           <p:cNvSpPr>
             <a:spLocks noGrp="1"/>
           </p:cNvSpPr>
@@ -1206,7 +3635,7 @@
     </p:spTree>
     <p:extLst>
       <p:ext uri="{BB962C8B-B14F-4D97-AF65-F5344CB8AC3E}">
-        <p14:creationId xmlns:p14="http://schemas.microsoft.com/office/powerpoint/2010/main" val="3601268690"/>
+        <p14:creationId xmlns:p14="http://schemas.microsoft.com/office/powerpoint/2010/main" val="3778889647"/>
       </p:ext>
     </p:extLst>
   </p:cSld>
@@ -1233,15 +3662,39 @@
           <a:chExt cx="0" cy="0"/>
         </a:xfrm>
       </p:grpSpPr>
-      <p:sp>
-        <p:nvSpPr>
-          <p:cNvPr id="2" name="Title 1">
+      <p:pic>
+        <p:nvPicPr>
+          <p:cNvPr id="8" name="Picture 7" descr="Celestia-R1---OverlayContentHD.png"/>
+          <p:cNvPicPr>
+            <a:picLocks noChangeAspect="1"/>
+          </p:cNvPicPr>
+          <p:nvPr/>
+        </p:nvPicPr>
+        <p:blipFill>
+          <a:blip r:embed="rId2">
             <a:extLst>
-              <a:ext uri="{FF2B5EF4-FFF2-40B4-BE49-F238E27FC236}">
-                <a16:creationId xmlns:a16="http://schemas.microsoft.com/office/drawing/2014/main" id="{33CC1654-B0B9-7D60-86A6-8B2C1F934AE1}"/>
+              <a:ext uri="{28A0092B-C50C-407E-A947-70E740481C1C}">
+                <a14:useLocalDpi xmlns:a14="http://schemas.microsoft.com/office/drawing/2010/main" val="0"/>
               </a:ext>
             </a:extLst>
-          </p:cNvPr>
+          </a:blip>
+          <a:stretch>
+            <a:fillRect/>
+          </a:stretch>
+        </p:blipFill>
+        <p:spPr>
+          <a:xfrm>
+            <a:off x="0" y="0"/>
+            <a:ext cx="12188825" cy="6856214"/>
+          </a:xfrm>
+          <a:prstGeom prst="rect">
+            <a:avLst/>
+          </a:prstGeom>
+        </p:spPr>
+      </p:pic>
+      <p:sp>
+        <p:nvSpPr>
+          <p:cNvPr id="2" name="Title 1"/>
           <p:cNvSpPr>
             <a:spLocks noGrp="1"/>
           </p:cNvSpPr>
@@ -1255,21 +3708,16 @@
           <a:lstStyle/>
           <a:p>
             <a:r>
-              <a:rPr lang="en-GB"/>
+              <a:rPr lang="en-US"/>
               <a:t>Click to edit Master title style</a:t>
             </a:r>
-          </a:p>
-        </p:txBody>
-      </p:sp>
-      <p:sp>
-        <p:nvSpPr>
-          <p:cNvPr id="3" name="Content Placeholder 2">
-            <a:extLst>
-              <a:ext uri="{FF2B5EF4-FFF2-40B4-BE49-F238E27FC236}">
-                <a16:creationId xmlns:a16="http://schemas.microsoft.com/office/drawing/2014/main" id="{6883AE3A-AF01-1992-136E-A82E02135676}"/>
-              </a:ext>
-            </a:extLst>
-          </p:cNvPr>
+            <a:endParaRPr lang="en-US" dirty="0"/>
+          </a:p>
+        </p:txBody>
+      </p:sp>
+      <p:sp>
+        <p:nvSpPr>
+          <p:cNvPr id="3" name="Content Placeholder 2"/>
           <p:cNvSpPr>
             <a:spLocks noGrp="1"/>
           </p:cNvSpPr>
@@ -1279,59 +3727,56 @@
         </p:nvSpPr>
         <p:spPr>
           <a:xfrm>
-            <a:off x="838200" y="1825625"/>
-            <a:ext cx="5181600" cy="4351338"/>
+            <a:off x="685802" y="2142067"/>
+            <a:ext cx="4995334" cy="3649134"/>
           </a:xfrm>
         </p:spPr>
         <p:txBody>
-          <a:bodyPr/>
+          <a:bodyPr>
+            <a:normAutofit/>
+          </a:bodyPr>
           <a:lstStyle/>
           <a:p>
             <a:pPr lvl="0"/>
             <a:r>
-              <a:rPr lang="en-GB"/>
+              <a:rPr lang="en-US"/>
               <a:t>Click to edit Master text styles</a:t>
             </a:r>
           </a:p>
           <a:p>
             <a:pPr lvl="1"/>
             <a:r>
-              <a:rPr lang="en-GB"/>
+              <a:rPr lang="en-US"/>
               <a:t>Second level</a:t>
             </a:r>
           </a:p>
           <a:p>
             <a:pPr lvl="2"/>
             <a:r>
-              <a:rPr lang="en-GB"/>
+              <a:rPr lang="en-US"/>
               <a:t>Third level</a:t>
             </a:r>
           </a:p>
           <a:p>
             <a:pPr lvl="3"/>
             <a:r>
-              <a:rPr lang="en-GB"/>
+              <a:rPr lang="en-US"/>
               <a:t>Fourth level</a:t>
             </a:r>
           </a:p>
           <a:p>
             <a:pPr lvl="4"/>
             <a:r>
-              <a:rPr lang="en-GB"/>
+              <a:rPr lang="en-US"/>
               <a:t>Fifth level</a:t>
             </a:r>
-          </a:p>
-        </p:txBody>
-      </p:sp>
-      <p:sp>
-        <p:nvSpPr>
-          <p:cNvPr id="4" name="Content Placeholder 3">
-            <a:extLst>
-              <a:ext uri="{FF2B5EF4-FFF2-40B4-BE49-F238E27FC236}">
-                <a16:creationId xmlns:a16="http://schemas.microsoft.com/office/drawing/2014/main" id="{6CF712AB-F182-DA7C-DA57-E5D8B2C5237F}"/>
-              </a:ext>
-            </a:extLst>
-          </p:cNvPr>
+            <a:endParaRPr lang="en-US" dirty="0"/>
+          </a:p>
+        </p:txBody>
+      </p:sp>
+      <p:sp>
+        <p:nvSpPr>
+          <p:cNvPr id="4" name="Content Placeholder 3"/>
           <p:cNvSpPr>
             <a:spLocks noGrp="1"/>
           </p:cNvSpPr>
@@ -1341,59 +3786,56 @@
         </p:nvSpPr>
         <p:spPr>
           <a:xfrm>
-            <a:off x="6172200" y="1825625"/>
-            <a:ext cx="5181600" cy="4351338"/>
+            <a:off x="5821895" y="2142067"/>
+            <a:ext cx="4995332" cy="3649133"/>
           </a:xfrm>
         </p:spPr>
         <p:txBody>
-          <a:bodyPr/>
+          <a:bodyPr>
+            <a:normAutofit/>
+          </a:bodyPr>
           <a:lstStyle/>
           <a:p>
             <a:pPr lvl="0"/>
             <a:r>
-              <a:rPr lang="en-GB"/>
+              <a:rPr lang="en-US"/>
               <a:t>Click to edit Master text styles</a:t>
             </a:r>
           </a:p>
           <a:p>
             <a:pPr lvl="1"/>
             <a:r>
-              <a:rPr lang="en-GB"/>
+              <a:rPr lang="en-US"/>
               <a:t>Second level</a:t>
             </a:r>
           </a:p>
           <a:p>
             <a:pPr lvl="2"/>
             <a:r>
-              <a:rPr lang="en-GB"/>
+              <a:rPr lang="en-US"/>
               <a:t>Third level</a:t>
             </a:r>
           </a:p>
           <a:p>
             <a:pPr lvl="3"/>
             <a:r>
-              <a:rPr lang="en-GB"/>
+              <a:rPr lang="en-US"/>
               <a:t>Fourth level</a:t>
             </a:r>
           </a:p>
           <a:p>
             <a:pPr lvl="4"/>
             <a:r>
-              <a:rPr lang="en-GB"/>
+              <a:rPr lang="en-US"/>
               <a:t>Fifth level</a:t>
             </a:r>
-          </a:p>
-        </p:txBody>
-      </p:sp>
-      <p:sp>
-        <p:nvSpPr>
-          <p:cNvPr id="5" name="Date Placeholder 4">
-            <a:extLst>
-              <a:ext uri="{FF2B5EF4-FFF2-40B4-BE49-F238E27FC236}">
-                <a16:creationId xmlns:a16="http://schemas.microsoft.com/office/drawing/2014/main" id="{EEBB5E8E-D5DB-70EF-546D-7D6CA0A0C262}"/>
-              </a:ext>
-            </a:extLst>
-          </p:cNvPr>
+            <a:endParaRPr lang="en-US" dirty="0"/>
+          </a:p>
+        </p:txBody>
+      </p:sp>
+      <p:sp>
+        <p:nvSpPr>
+          <p:cNvPr id="5" name="Date Placeholder 4"/>
           <p:cNvSpPr>
             <a:spLocks noGrp="1"/>
           </p:cNvSpPr>
@@ -1416,13 +3858,7 @@
       </p:sp>
       <p:sp>
         <p:nvSpPr>
-          <p:cNvPr id="6" name="Footer Placeholder 5">
-            <a:extLst>
-              <a:ext uri="{FF2B5EF4-FFF2-40B4-BE49-F238E27FC236}">
-                <a16:creationId xmlns:a16="http://schemas.microsoft.com/office/drawing/2014/main" id="{C4861F73-2C6B-65D0-E930-921684100AE6}"/>
-              </a:ext>
-            </a:extLst>
-          </p:cNvPr>
+          <p:cNvPr id="6" name="Footer Placeholder 5"/>
           <p:cNvSpPr>
             <a:spLocks noGrp="1"/>
           </p:cNvSpPr>
@@ -1441,13 +3877,7 @@
       </p:sp>
       <p:sp>
         <p:nvSpPr>
-          <p:cNvPr id="7" name="Slide Number Placeholder 6">
-            <a:extLst>
-              <a:ext uri="{FF2B5EF4-FFF2-40B4-BE49-F238E27FC236}">
-                <a16:creationId xmlns:a16="http://schemas.microsoft.com/office/drawing/2014/main" id="{37610BC5-E870-CF5A-C1DD-4F93042F5094}"/>
-              </a:ext>
-            </a:extLst>
-          </p:cNvPr>
+          <p:cNvPr id="7" name="Slide Number Placeholder 6"/>
           <p:cNvSpPr>
             <a:spLocks noGrp="1"/>
           </p:cNvSpPr>
@@ -1471,7 +3901,7 @@
     </p:spTree>
     <p:extLst>
       <p:ext uri="{BB962C8B-B14F-4D97-AF65-F5344CB8AC3E}">
-        <p14:creationId xmlns:p14="http://schemas.microsoft.com/office/powerpoint/2010/main" val="4160003187"/>
+        <p14:creationId xmlns:p14="http://schemas.microsoft.com/office/powerpoint/2010/main" val="3213383843"/>
       </p:ext>
     </p:extLst>
   </p:cSld>
@@ -1500,65 +3930,55 @@
       </p:grpSpPr>
       <p:sp>
         <p:nvSpPr>
-          <p:cNvPr id="2" name="Title 1">
-            <a:extLst>
-              <a:ext uri="{FF2B5EF4-FFF2-40B4-BE49-F238E27FC236}">
-                <a16:creationId xmlns:a16="http://schemas.microsoft.com/office/drawing/2014/main" id="{CE9265D0-AB2B-37C9-0932-68759E8041F1}"/>
-              </a:ext>
-            </a:extLst>
-          </p:cNvPr>
+          <p:cNvPr id="2" name="Title 1"/>
           <p:cNvSpPr>
             <a:spLocks noGrp="1"/>
           </p:cNvSpPr>
           <p:nvPr>
             <p:ph type="title"/>
+          </p:nvPr>
+        </p:nvSpPr>
+        <p:spPr/>
+        <p:txBody>
+          <a:bodyPr/>
+          <a:lstStyle>
+            <a:lvl1pPr>
+              <a:defRPr/>
+            </a:lvl1pPr>
+          </a:lstStyle>
+          <a:p>
+            <a:r>
+              <a:rPr lang="en-US"/>
+              <a:t>Click to edit Master title style</a:t>
+            </a:r>
+            <a:endParaRPr lang="en-US" dirty="0"/>
+          </a:p>
+        </p:txBody>
+      </p:sp>
+      <p:sp>
+        <p:nvSpPr>
+          <p:cNvPr id="3" name="Text Placeholder 2"/>
+          <p:cNvSpPr>
+            <a:spLocks noGrp="1"/>
+          </p:cNvSpPr>
+          <p:nvPr>
+            <p:ph type="body" idx="1"/>
           </p:nvPr>
         </p:nvSpPr>
         <p:spPr>
           <a:xfrm>
-            <a:off x="839788" y="365125"/>
-            <a:ext cx="10515600" cy="1325563"/>
+            <a:off x="973670" y="2218267"/>
+            <a:ext cx="4709054" cy="576262"/>
           </a:xfrm>
         </p:spPr>
         <p:txBody>
-          <a:bodyPr/>
-          <a:lstStyle/>
-          <a:p>
-            <a:r>
-              <a:rPr lang="en-GB"/>
-              <a:t>Click to edit Master title style</a:t>
-            </a:r>
-          </a:p>
-        </p:txBody>
-      </p:sp>
-      <p:sp>
-        <p:nvSpPr>
-          <p:cNvPr id="3" name="Text Placeholder 2">
-            <a:extLst>
-              <a:ext uri="{FF2B5EF4-FFF2-40B4-BE49-F238E27FC236}">
-                <a16:creationId xmlns:a16="http://schemas.microsoft.com/office/drawing/2014/main" id="{EACD9D44-3F2A-BEC7-83EC-42C31F929D88}"/>
-              </a:ext>
-            </a:extLst>
-          </p:cNvPr>
-          <p:cNvSpPr>
-            <a:spLocks noGrp="1"/>
-          </p:cNvSpPr>
-          <p:nvPr>
-            <p:ph type="body" idx="1"/>
-          </p:nvPr>
-        </p:nvSpPr>
-        <p:spPr>
-          <a:xfrm>
-            <a:off x="839788" y="1681163"/>
-            <a:ext cx="5157787" cy="823912"/>
-          </a:xfrm>
-        </p:spPr>
-        <p:txBody>
-          <a:bodyPr anchor="b"/>
+          <a:bodyPr anchor="b">
+            <a:noAutofit/>
+          </a:bodyPr>
           <a:lstStyle>
             <a:lvl1pPr marL="0" indent="0">
               <a:buNone/>
-              <a:defRPr sz="2400" b="1"/>
+              <a:defRPr sz="2800" b="0"/>
             </a:lvl1pPr>
             <a:lvl2pPr marL="457200" indent="0">
               <a:buNone/>
@@ -1596,7 +4016,7 @@
           <a:p>
             <a:pPr lvl="0"/>
             <a:r>
-              <a:rPr lang="en-GB"/>
+              <a:rPr lang="en-US"/>
               <a:t>Click to edit Master text styles</a:t>
             </a:r>
           </a:p>
@@ -1604,13 +4024,7 @@
       </p:sp>
       <p:sp>
         <p:nvSpPr>
-          <p:cNvPr id="4" name="Content Placeholder 3">
-            <a:extLst>
-              <a:ext uri="{FF2B5EF4-FFF2-40B4-BE49-F238E27FC236}">
-                <a16:creationId xmlns:a16="http://schemas.microsoft.com/office/drawing/2014/main" id="{0BB466AA-20DA-8515-A0CE-6159F654EE43}"/>
-              </a:ext>
-            </a:extLst>
-          </p:cNvPr>
+          <p:cNvPr id="4" name="Content Placeholder 3"/>
           <p:cNvSpPr>
             <a:spLocks noGrp="1"/>
           </p:cNvSpPr>
@@ -1620,59 +4034,56 @@
         </p:nvSpPr>
         <p:spPr>
           <a:xfrm>
-            <a:off x="839788" y="2505075"/>
-            <a:ext cx="5157787" cy="3684588"/>
+            <a:off x="685801" y="2870201"/>
+            <a:ext cx="4996923" cy="2920998"/>
           </a:xfrm>
         </p:spPr>
         <p:txBody>
-          <a:bodyPr/>
+          <a:bodyPr anchor="t">
+            <a:normAutofit/>
+          </a:bodyPr>
           <a:lstStyle/>
           <a:p>
             <a:pPr lvl="0"/>
             <a:r>
-              <a:rPr lang="en-GB"/>
+              <a:rPr lang="en-US"/>
               <a:t>Click to edit Master text styles</a:t>
             </a:r>
           </a:p>
           <a:p>
             <a:pPr lvl="1"/>
             <a:r>
-              <a:rPr lang="en-GB"/>
+              <a:rPr lang="en-US"/>
               <a:t>Second level</a:t>
             </a:r>
           </a:p>
           <a:p>
             <a:pPr lvl="2"/>
             <a:r>
-              <a:rPr lang="en-GB"/>
+              <a:rPr lang="en-US"/>
               <a:t>Third level</a:t>
             </a:r>
           </a:p>
           <a:p>
             <a:pPr lvl="3"/>
             <a:r>
-              <a:rPr lang="en-GB"/>
+              <a:rPr lang="en-US"/>
               <a:t>Fourth level</a:t>
             </a:r>
           </a:p>
           <a:p>
             <a:pPr lvl="4"/>
             <a:r>
-              <a:rPr lang="en-GB"/>
+              <a:rPr lang="en-US"/>
               <a:t>Fifth level</a:t>
             </a:r>
-          </a:p>
-        </p:txBody>
-      </p:sp>
-      <p:sp>
-        <p:nvSpPr>
-          <p:cNvPr id="5" name="Text Placeholder 4">
-            <a:extLst>
-              <a:ext uri="{FF2B5EF4-FFF2-40B4-BE49-F238E27FC236}">
-                <a16:creationId xmlns:a16="http://schemas.microsoft.com/office/drawing/2014/main" id="{4692CDE0-46B6-377D-823A-E94493CA9E65}"/>
-              </a:ext>
-            </a:extLst>
-          </p:cNvPr>
+            <a:endParaRPr lang="en-US" dirty="0"/>
+          </a:p>
+        </p:txBody>
+      </p:sp>
+      <p:sp>
+        <p:nvSpPr>
+          <p:cNvPr id="5" name="Text Placeholder 4"/>
           <p:cNvSpPr>
             <a:spLocks noGrp="1"/>
           </p:cNvSpPr>
@@ -1682,16 +4093,18 @@
         </p:nvSpPr>
         <p:spPr>
           <a:xfrm>
-            <a:off x="6172200" y="1681163"/>
-            <a:ext cx="5183188" cy="823912"/>
+            <a:off x="6096003" y="2226734"/>
+            <a:ext cx="4722813" cy="576262"/>
           </a:xfrm>
         </p:spPr>
         <p:txBody>
-          <a:bodyPr anchor="b"/>
+          <a:bodyPr anchor="b">
+            <a:noAutofit/>
+          </a:bodyPr>
           <a:lstStyle>
             <a:lvl1pPr marL="0" indent="0">
               <a:buNone/>
-              <a:defRPr sz="2400" b="1"/>
+              <a:defRPr sz="2800" b="0"/>
             </a:lvl1pPr>
             <a:lvl2pPr marL="457200" indent="0">
               <a:buNone/>
@@ -1729,7 +4142,7 @@
           <a:p>
             <a:pPr lvl="0"/>
             <a:r>
-              <a:rPr lang="en-GB"/>
+              <a:rPr lang="en-US"/>
               <a:t>Click to edit Master text styles</a:t>
             </a:r>
           </a:p>
@@ -1737,13 +4150,7 @@
       </p:sp>
       <p:sp>
         <p:nvSpPr>
-          <p:cNvPr id="6" name="Content Placeholder 5">
-            <a:extLst>
-              <a:ext uri="{FF2B5EF4-FFF2-40B4-BE49-F238E27FC236}">
-                <a16:creationId xmlns:a16="http://schemas.microsoft.com/office/drawing/2014/main" id="{73C99ADC-4B60-DAA2-CC91-3AFF61E59B89}"/>
-              </a:ext>
-            </a:extLst>
-          </p:cNvPr>
+          <p:cNvPr id="6" name="Content Placeholder 5"/>
           <p:cNvSpPr>
             <a:spLocks noGrp="1"/>
           </p:cNvSpPr>
@@ -1753,59 +4160,56 @@
         </p:nvSpPr>
         <p:spPr>
           <a:xfrm>
-            <a:off x="6172200" y="2505075"/>
-            <a:ext cx="5183188" cy="3684588"/>
+            <a:off x="5823483" y="2870201"/>
+            <a:ext cx="4995334" cy="2920998"/>
           </a:xfrm>
         </p:spPr>
         <p:txBody>
-          <a:bodyPr/>
+          <a:bodyPr anchor="t">
+            <a:normAutofit/>
+          </a:bodyPr>
           <a:lstStyle/>
           <a:p>
             <a:pPr lvl="0"/>
             <a:r>
-              <a:rPr lang="en-GB"/>
+              <a:rPr lang="en-US"/>
               <a:t>Click to edit Master text styles</a:t>
             </a:r>
           </a:p>
           <a:p>
             <a:pPr lvl="1"/>
             <a:r>
-              <a:rPr lang="en-GB"/>
+              <a:rPr lang="en-US"/>
               <a:t>Second level</a:t>
             </a:r>
           </a:p>
           <a:p>
             <a:pPr lvl="2"/>
             <a:r>
-              <a:rPr lang="en-GB"/>
+              <a:rPr lang="en-US"/>
               <a:t>Third level</a:t>
             </a:r>
           </a:p>
           <a:p>
             <a:pPr lvl="3"/>
             <a:r>
-              <a:rPr lang="en-GB"/>
+              <a:rPr lang="en-US"/>
               <a:t>Fourth level</a:t>
             </a:r>
           </a:p>
           <a:p>
             <a:pPr lvl="4"/>
             <a:r>
-              <a:rPr lang="en-GB"/>
+              <a:rPr lang="en-US"/>
               <a:t>Fifth level</a:t>
             </a:r>
-          </a:p>
-        </p:txBody>
-      </p:sp>
-      <p:sp>
-        <p:nvSpPr>
-          <p:cNvPr id="7" name="Date Placeholder 6">
-            <a:extLst>
-              <a:ext uri="{FF2B5EF4-FFF2-40B4-BE49-F238E27FC236}">
-                <a16:creationId xmlns:a16="http://schemas.microsoft.com/office/drawing/2014/main" id="{101E857C-8FCE-0477-CB45-92B3577D17A4}"/>
-              </a:ext>
-            </a:extLst>
-          </p:cNvPr>
+            <a:endParaRPr lang="en-US" dirty="0"/>
+          </a:p>
+        </p:txBody>
+      </p:sp>
+      <p:sp>
+        <p:nvSpPr>
+          <p:cNvPr id="7" name="Date Placeholder 6"/>
           <p:cNvSpPr>
             <a:spLocks noGrp="1"/>
           </p:cNvSpPr>
@@ -1828,13 +4232,7 @@
       </p:sp>
       <p:sp>
         <p:nvSpPr>
-          <p:cNvPr id="8" name="Footer Placeholder 7">
-            <a:extLst>
-              <a:ext uri="{FF2B5EF4-FFF2-40B4-BE49-F238E27FC236}">
-                <a16:creationId xmlns:a16="http://schemas.microsoft.com/office/drawing/2014/main" id="{92A84855-8D11-D893-8902-C437FB726026}"/>
-              </a:ext>
-            </a:extLst>
-          </p:cNvPr>
+          <p:cNvPr id="8" name="Footer Placeholder 7"/>
           <p:cNvSpPr>
             <a:spLocks noGrp="1"/>
           </p:cNvSpPr>
@@ -1853,13 +4251,7 @@
       </p:sp>
       <p:sp>
         <p:nvSpPr>
-          <p:cNvPr id="9" name="Slide Number Placeholder 8">
-            <a:extLst>
-              <a:ext uri="{FF2B5EF4-FFF2-40B4-BE49-F238E27FC236}">
-                <a16:creationId xmlns:a16="http://schemas.microsoft.com/office/drawing/2014/main" id="{608B45E7-A663-5DAE-EF96-3320B6942EC9}"/>
-              </a:ext>
-            </a:extLst>
-          </p:cNvPr>
+          <p:cNvPr id="9" name="Slide Number Placeholder 8"/>
           <p:cNvSpPr>
             <a:spLocks noGrp="1"/>
           </p:cNvSpPr>
@@ -1883,7 +4275,7 @@
     </p:spTree>
     <p:extLst>
       <p:ext uri="{BB962C8B-B14F-4D97-AF65-F5344CB8AC3E}">
-        <p14:creationId xmlns:p14="http://schemas.microsoft.com/office/powerpoint/2010/main" val="255693726"/>
+        <p14:creationId xmlns:p14="http://schemas.microsoft.com/office/powerpoint/2010/main" val="2007119268"/>
       </p:ext>
     </p:extLst>
   </p:cSld>
@@ -1910,15 +4302,39 @@
           <a:chExt cx="0" cy="0"/>
         </a:xfrm>
       </p:grpSpPr>
-      <p:sp>
-        <p:nvSpPr>
-          <p:cNvPr id="2" name="Title 1">
+      <p:pic>
+        <p:nvPicPr>
+          <p:cNvPr id="6" name="Picture 5" descr="Celestia-R1---OverlayContentHD.png"/>
+          <p:cNvPicPr>
+            <a:picLocks noChangeAspect="1"/>
+          </p:cNvPicPr>
+          <p:nvPr/>
+        </p:nvPicPr>
+        <p:blipFill>
+          <a:blip r:embed="rId2">
             <a:extLst>
-              <a:ext uri="{FF2B5EF4-FFF2-40B4-BE49-F238E27FC236}">
-                <a16:creationId xmlns:a16="http://schemas.microsoft.com/office/drawing/2014/main" id="{735B1179-3269-4691-E93F-50EC781E871A}"/>
+              <a:ext uri="{28A0092B-C50C-407E-A947-70E740481C1C}">
+                <a14:useLocalDpi xmlns:a14="http://schemas.microsoft.com/office/drawing/2010/main" val="0"/>
               </a:ext>
             </a:extLst>
-          </p:cNvPr>
+          </a:blip>
+          <a:stretch>
+            <a:fillRect/>
+          </a:stretch>
+        </p:blipFill>
+        <p:spPr>
+          <a:xfrm>
+            <a:off x="0" y="0"/>
+            <a:ext cx="12188825" cy="6856214"/>
+          </a:xfrm>
+          <a:prstGeom prst="rect">
+            <a:avLst/>
+          </a:prstGeom>
+        </p:spPr>
+      </p:pic>
+      <p:sp>
+        <p:nvSpPr>
+          <p:cNvPr id="2" name="Title 1"/>
           <p:cNvSpPr>
             <a:spLocks noGrp="1"/>
           </p:cNvSpPr>
@@ -1932,21 +4348,16 @@
           <a:lstStyle/>
           <a:p>
             <a:r>
-              <a:rPr lang="en-GB"/>
+              <a:rPr lang="en-US"/>
               <a:t>Click to edit Master title style</a:t>
             </a:r>
-          </a:p>
-        </p:txBody>
-      </p:sp>
-      <p:sp>
-        <p:nvSpPr>
-          <p:cNvPr id="3" name="Date Placeholder 2">
-            <a:extLst>
-              <a:ext uri="{FF2B5EF4-FFF2-40B4-BE49-F238E27FC236}">
-                <a16:creationId xmlns:a16="http://schemas.microsoft.com/office/drawing/2014/main" id="{002241A0-5B40-BB21-2515-3089A45EE195}"/>
-              </a:ext>
-            </a:extLst>
-          </p:cNvPr>
+            <a:endParaRPr lang="en-US" dirty="0"/>
+          </a:p>
+        </p:txBody>
+      </p:sp>
+      <p:sp>
+        <p:nvSpPr>
+          <p:cNvPr id="3" name="Date Placeholder 2"/>
           <p:cNvSpPr>
             <a:spLocks noGrp="1"/>
           </p:cNvSpPr>
@@ -1969,13 +4380,7 @@
       </p:sp>
       <p:sp>
         <p:nvSpPr>
-          <p:cNvPr id="4" name="Footer Placeholder 3">
-            <a:extLst>
-              <a:ext uri="{FF2B5EF4-FFF2-40B4-BE49-F238E27FC236}">
-                <a16:creationId xmlns:a16="http://schemas.microsoft.com/office/drawing/2014/main" id="{7C81191E-C369-2320-9061-D810D53E5C1B}"/>
-              </a:ext>
-            </a:extLst>
-          </p:cNvPr>
+          <p:cNvPr id="4" name="Footer Placeholder 3"/>
           <p:cNvSpPr>
             <a:spLocks noGrp="1"/>
           </p:cNvSpPr>
@@ -1994,13 +4399,7 @@
       </p:sp>
       <p:sp>
         <p:nvSpPr>
-          <p:cNvPr id="5" name="Slide Number Placeholder 4">
-            <a:extLst>
-              <a:ext uri="{FF2B5EF4-FFF2-40B4-BE49-F238E27FC236}">
-                <a16:creationId xmlns:a16="http://schemas.microsoft.com/office/drawing/2014/main" id="{179FC48E-6808-0D3A-A3B9-67610F1764B8}"/>
-              </a:ext>
-            </a:extLst>
-          </p:cNvPr>
+          <p:cNvPr id="5" name="Slide Number Placeholder 4"/>
           <p:cNvSpPr>
             <a:spLocks noGrp="1"/>
           </p:cNvSpPr>
@@ -2024,7 +4423,7 @@
     </p:spTree>
     <p:extLst>
       <p:ext uri="{BB962C8B-B14F-4D97-AF65-F5344CB8AC3E}">
-        <p14:creationId xmlns:p14="http://schemas.microsoft.com/office/powerpoint/2010/main" val="1755502777"/>
+        <p14:creationId xmlns:p14="http://schemas.microsoft.com/office/powerpoint/2010/main" val="1406008034"/>
       </p:ext>
     </p:extLst>
   </p:cSld>
@@ -2051,15 +4450,39 @@
           <a:chExt cx="0" cy="0"/>
         </a:xfrm>
       </p:grpSpPr>
-      <p:sp>
-        <p:nvSpPr>
-          <p:cNvPr id="2" name="Date Placeholder 1">
+      <p:pic>
+        <p:nvPicPr>
+          <p:cNvPr id="5" name="Picture 4" descr="Celestia-R1---OverlayContentHD.png"/>
+          <p:cNvPicPr>
+            <a:picLocks noChangeAspect="1"/>
+          </p:cNvPicPr>
+          <p:nvPr/>
+        </p:nvPicPr>
+        <p:blipFill>
+          <a:blip r:embed="rId2">
             <a:extLst>
-              <a:ext uri="{FF2B5EF4-FFF2-40B4-BE49-F238E27FC236}">
-                <a16:creationId xmlns:a16="http://schemas.microsoft.com/office/drawing/2014/main" id="{231ADB80-438A-6EF7-993F-768A05BB024B}"/>
+              <a:ext uri="{28A0092B-C50C-407E-A947-70E740481C1C}">
+                <a14:useLocalDpi xmlns:a14="http://schemas.microsoft.com/office/drawing/2010/main" val="0"/>
               </a:ext>
             </a:extLst>
-          </p:cNvPr>
+          </a:blip>
+          <a:stretch>
+            <a:fillRect/>
+          </a:stretch>
+        </p:blipFill>
+        <p:spPr>
+          <a:xfrm>
+            <a:off x="0" y="0"/>
+            <a:ext cx="12188825" cy="6856214"/>
+          </a:xfrm>
+          <a:prstGeom prst="rect">
+            <a:avLst/>
+          </a:prstGeom>
+        </p:spPr>
+      </p:pic>
+      <p:sp>
+        <p:nvSpPr>
+          <p:cNvPr id="2" name="Date Placeholder 1"/>
           <p:cNvSpPr>
             <a:spLocks noGrp="1"/>
           </p:cNvSpPr>
@@ -2082,13 +4505,7 @@
       </p:sp>
       <p:sp>
         <p:nvSpPr>
-          <p:cNvPr id="3" name="Footer Placeholder 2">
-            <a:extLst>
-              <a:ext uri="{FF2B5EF4-FFF2-40B4-BE49-F238E27FC236}">
-                <a16:creationId xmlns:a16="http://schemas.microsoft.com/office/drawing/2014/main" id="{F0DF34E0-3C35-DE90-CA64-E49F51EB3F3C}"/>
-              </a:ext>
-            </a:extLst>
-          </p:cNvPr>
+          <p:cNvPr id="3" name="Footer Placeholder 2"/>
           <p:cNvSpPr>
             <a:spLocks noGrp="1"/>
           </p:cNvSpPr>
@@ -2107,13 +4524,7 @@
       </p:sp>
       <p:sp>
         <p:nvSpPr>
-          <p:cNvPr id="4" name="Slide Number Placeholder 3">
-            <a:extLst>
-              <a:ext uri="{FF2B5EF4-FFF2-40B4-BE49-F238E27FC236}">
-                <a16:creationId xmlns:a16="http://schemas.microsoft.com/office/drawing/2014/main" id="{C51FFAD9-346F-189D-D545-D2ACDEF143BE}"/>
-              </a:ext>
-            </a:extLst>
-          </p:cNvPr>
+          <p:cNvPr id="4" name="Slide Number Placeholder 3"/>
           <p:cNvSpPr>
             <a:spLocks noGrp="1"/>
           </p:cNvSpPr>
@@ -2137,7 +4548,7 @@
     </p:spTree>
     <p:extLst>
       <p:ext uri="{BB962C8B-B14F-4D97-AF65-F5344CB8AC3E}">
-        <p14:creationId xmlns:p14="http://schemas.microsoft.com/office/powerpoint/2010/main" val="275324148"/>
+        <p14:creationId xmlns:p14="http://schemas.microsoft.com/office/powerpoint/2010/main" val="3583631910"/>
       </p:ext>
     </p:extLst>
   </p:cSld>
@@ -2164,52 +4575,73 @@
           <a:chExt cx="0" cy="0"/>
         </a:xfrm>
       </p:grpSpPr>
-      <p:sp>
-        <p:nvSpPr>
-          <p:cNvPr id="2" name="Title 1">
+      <p:pic>
+        <p:nvPicPr>
+          <p:cNvPr id="8" name="Picture 7" descr="Celestia-R1---OverlayContentHD.png"/>
+          <p:cNvPicPr>
+            <a:picLocks noChangeAspect="1"/>
+          </p:cNvPicPr>
+          <p:nvPr/>
+        </p:nvPicPr>
+        <p:blipFill>
+          <a:blip r:embed="rId2">
             <a:extLst>
-              <a:ext uri="{FF2B5EF4-FFF2-40B4-BE49-F238E27FC236}">
-                <a16:creationId xmlns:a16="http://schemas.microsoft.com/office/drawing/2014/main" id="{66042AFB-C2C4-BBA3-601F-7E3A5149C8C6}"/>
+              <a:ext uri="{28A0092B-C50C-407E-A947-70E740481C1C}">
+                <a14:useLocalDpi xmlns:a14="http://schemas.microsoft.com/office/drawing/2010/main" val="0"/>
               </a:ext>
             </a:extLst>
-          </p:cNvPr>
-          <p:cNvSpPr>
-            <a:spLocks noGrp="1"/>
-          </p:cNvSpPr>
-          <p:nvPr>
-            <p:ph type="title"/>
-          </p:nvPr>
-        </p:nvSpPr>
+          </a:blip>
+          <a:stretch>
+            <a:fillRect/>
+          </a:stretch>
+        </p:blipFill>
         <p:spPr>
           <a:xfrm>
-            <a:off x="839788" y="457200"/>
-            <a:ext cx="3932237" cy="1600200"/>
+            <a:off x="0" y="0"/>
+            <a:ext cx="12188825" cy="6856214"/>
+          </a:xfrm>
+          <a:prstGeom prst="rect">
+            <a:avLst/>
+          </a:prstGeom>
+        </p:spPr>
+      </p:pic>
+      <p:sp>
+        <p:nvSpPr>
+          <p:cNvPr id="2" name="Title 1"/>
+          <p:cNvSpPr>
+            <a:spLocks noGrp="1"/>
+          </p:cNvSpPr>
+          <p:nvPr>
+            <p:ph type="title"/>
+          </p:nvPr>
+        </p:nvSpPr>
+        <p:spPr>
+          <a:xfrm>
+            <a:off x="685800" y="2074333"/>
+            <a:ext cx="3680885" cy="1371600"/>
           </a:xfrm>
         </p:spPr>
         <p:txBody>
-          <a:bodyPr anchor="b"/>
+          <a:bodyPr anchor="b">
+            <a:normAutofit/>
+          </a:bodyPr>
           <a:lstStyle>
-            <a:lvl1pPr>
-              <a:defRPr sz="3200"/>
+            <a:lvl1pPr algn="l">
+              <a:defRPr sz="2400" b="0"/>
             </a:lvl1pPr>
           </a:lstStyle>
           <a:p>
             <a:r>
-              <a:rPr lang="en-GB"/>
+              <a:rPr lang="en-US"/>
               <a:t>Click to edit Master title style</a:t>
             </a:r>
-          </a:p>
-        </p:txBody>
-      </p:sp>
-      <p:sp>
-        <p:nvSpPr>
-          <p:cNvPr id="3" name="Content Placeholder 2">
-            <a:extLst>
-              <a:ext uri="{FF2B5EF4-FFF2-40B4-BE49-F238E27FC236}">
-                <a16:creationId xmlns:a16="http://schemas.microsoft.com/office/drawing/2014/main" id="{AFAAABC3-8AFD-9BDD-F332-6B0EA6B79CD7}"/>
-              </a:ext>
-            </a:extLst>
-          </p:cNvPr>
+            <a:endParaRPr lang="en-US" dirty="0"/>
+          </a:p>
+        </p:txBody>
+      </p:sp>
+      <p:sp>
+        <p:nvSpPr>
+          <p:cNvPr id="3" name="Content Placeholder 2"/>
           <p:cNvSpPr>
             <a:spLocks noGrp="1"/>
           </p:cNvSpPr>
@@ -2219,87 +4651,56 @@
         </p:nvSpPr>
         <p:spPr>
           <a:xfrm>
-            <a:off x="5183188" y="987425"/>
-            <a:ext cx="6172200" cy="4873625"/>
+            <a:off x="4648201" y="609601"/>
+            <a:ext cx="6169026" cy="5181600"/>
           </a:xfrm>
         </p:spPr>
         <p:txBody>
-          <a:bodyPr/>
-          <a:lstStyle>
-            <a:lvl1pPr>
-              <a:defRPr sz="3200"/>
-            </a:lvl1pPr>
-            <a:lvl2pPr>
-              <a:defRPr sz="2800"/>
-            </a:lvl2pPr>
-            <a:lvl3pPr>
-              <a:defRPr sz="2400"/>
-            </a:lvl3pPr>
-            <a:lvl4pPr>
-              <a:defRPr sz="2000"/>
-            </a:lvl4pPr>
-            <a:lvl5pPr>
-              <a:defRPr sz="2000"/>
-            </a:lvl5pPr>
-            <a:lvl6pPr>
-              <a:defRPr sz="2000"/>
-            </a:lvl6pPr>
-            <a:lvl7pPr>
-              <a:defRPr sz="2000"/>
-            </a:lvl7pPr>
-            <a:lvl8pPr>
-              <a:defRPr sz="2000"/>
-            </a:lvl8pPr>
-            <a:lvl9pPr>
-              <a:defRPr sz="2000"/>
-            </a:lvl9pPr>
-          </a:lstStyle>
+          <a:bodyPr anchor="ctr">
+            <a:normAutofit/>
+          </a:bodyPr>
+          <a:lstStyle/>
           <a:p>
             <a:pPr lvl="0"/>
             <a:r>
-              <a:rPr lang="en-GB"/>
+              <a:rPr lang="en-US"/>
               <a:t>Click to edit Master text styles</a:t>
             </a:r>
           </a:p>
           <a:p>
             <a:pPr lvl="1"/>
             <a:r>
-              <a:rPr lang="en-GB"/>
+              <a:rPr lang="en-US"/>
               <a:t>Second level</a:t>
             </a:r>
           </a:p>
           <a:p>
             <a:pPr lvl="2"/>
             <a:r>
-              <a:rPr lang="en-GB"/>
+              <a:rPr lang="en-US"/>
               <a:t>Third level</a:t>
             </a:r>
           </a:p>
           <a:p>
             <a:pPr lvl="3"/>
             <a:r>
-              <a:rPr lang="en-GB"/>
+              <a:rPr lang="en-US"/>
               <a:t>Fourth level</a:t>
             </a:r>
           </a:p>
           <a:p>
             <a:pPr lvl="4"/>
             <a:r>
-              <a:rPr lang="en-GB"/>
+              <a:rPr lang="en-US"/>
               <a:t>Fifth level</a:t>
             </a:r>
-          </a:p>
-        </p:txBody>
-      </p:sp>
-      <p:sp>
-        <p:nvSpPr>
-          <p:cNvPr id="4" name="Text Placeholder 3">
-            <a:extLst>
-              <a:ext uri="{FF2B5EF4-FFF2-40B4-BE49-F238E27FC236}">
-                <a16:creationId xmlns:a16="http://schemas.microsoft.com/office/drawing/2014/main" id="{575D628A-B505-0DB1-C349-6E0EAEAAB2AC}"/>
-              </a:ext>
-            </a:extLst>
-          </p:cNvPr>
+            <a:endParaRPr lang="en-US" dirty="0"/>
+          </a:p>
+        </p:txBody>
+      </p:sp>
+      <p:sp>
+        <p:nvSpPr>
+          <p:cNvPr id="4" name="Text Placeholder 3"/>
           <p:cNvSpPr>
             <a:spLocks noGrp="1"/>
           </p:cNvSpPr>
@@ -2309,12 +4710,14 @@
         </p:nvSpPr>
         <p:spPr>
           <a:xfrm>
-            <a:off x="839788" y="2057400"/>
-            <a:ext cx="3932237" cy="3811588"/>
+            <a:off x="685800" y="3445933"/>
+            <a:ext cx="3680885" cy="1828800"/>
           </a:xfrm>
         </p:spPr>
         <p:txBody>
-          <a:bodyPr/>
+          <a:bodyPr anchor="t">
+            <a:normAutofit/>
+          </a:bodyPr>
           <a:lstStyle>
             <a:lvl1pPr marL="0" indent="0">
               <a:buNone/>
@@ -2322,41 +4725,41 @@
             </a:lvl1pPr>
             <a:lvl2pPr marL="457200" indent="0">
               <a:buNone/>
-              <a:defRPr sz="1400"/>
+              <a:defRPr sz="1200"/>
             </a:lvl2pPr>
             <a:lvl3pPr marL="914400" indent="0">
               <a:buNone/>
-              <a:defRPr sz="1200"/>
+              <a:defRPr sz="1000"/>
             </a:lvl3pPr>
             <a:lvl4pPr marL="1371600" indent="0">
               <a:buNone/>
-              <a:defRPr sz="1000"/>
+              <a:defRPr sz="900"/>
             </a:lvl4pPr>
             <a:lvl5pPr marL="1828800" indent="0">
               <a:buNone/>
-              <a:defRPr sz="1000"/>
+              <a:defRPr sz="900"/>
             </a:lvl5pPr>
             <a:lvl6pPr marL="2286000" indent="0">
               <a:buNone/>
-              <a:defRPr sz="1000"/>
+              <a:defRPr sz="900"/>
             </a:lvl6pPr>
             <a:lvl7pPr marL="2743200" indent="0">
               <a:buNone/>
-              <a:defRPr sz="1000"/>
+              <a:defRPr sz="900"/>
             </a:lvl7pPr>
             <a:lvl8pPr marL="3200400" indent="0">
               <a:buNone/>
-              <a:defRPr sz="1000"/>
+              <a:defRPr sz="900"/>
             </a:lvl8pPr>
             <a:lvl9pPr marL="3657600" indent="0">
               <a:buNone/>
-              <a:defRPr sz="1000"/>
+              <a:defRPr sz="900"/>
             </a:lvl9pPr>
           </a:lstStyle>
           <a:p>
             <a:pPr lvl="0"/>
             <a:r>
-              <a:rPr lang="en-GB"/>
+              <a:rPr lang="en-US"/>
               <a:t>Click to edit Master text styles</a:t>
             </a:r>
           </a:p>
@@ -2364,13 +4767,7 @@
       </p:sp>
       <p:sp>
         <p:nvSpPr>
-          <p:cNvPr id="5" name="Date Placeholder 4">
-            <a:extLst>
-              <a:ext uri="{FF2B5EF4-FFF2-40B4-BE49-F238E27FC236}">
-                <a16:creationId xmlns:a16="http://schemas.microsoft.com/office/drawing/2014/main" id="{E4F91957-CF77-D34C-FAFB-67F71067B8F3}"/>
-              </a:ext>
-            </a:extLst>
-          </p:cNvPr>
+          <p:cNvPr id="5" name="Date Placeholder 4"/>
           <p:cNvSpPr>
             <a:spLocks noGrp="1"/>
           </p:cNvSpPr>
@@ -2393,13 +4790,7 @@
       </p:sp>
       <p:sp>
         <p:nvSpPr>
-          <p:cNvPr id="6" name="Footer Placeholder 5">
-            <a:extLst>
-              <a:ext uri="{FF2B5EF4-FFF2-40B4-BE49-F238E27FC236}">
-                <a16:creationId xmlns:a16="http://schemas.microsoft.com/office/drawing/2014/main" id="{27707CFB-8968-E91F-EC05-BEAF3E102770}"/>
-              </a:ext>
-            </a:extLst>
-          </p:cNvPr>
+          <p:cNvPr id="6" name="Footer Placeholder 5"/>
           <p:cNvSpPr>
             <a:spLocks noGrp="1"/>
           </p:cNvSpPr>
@@ -2418,13 +4809,7 @@
       </p:sp>
       <p:sp>
         <p:nvSpPr>
-          <p:cNvPr id="7" name="Slide Number Placeholder 6">
-            <a:extLst>
-              <a:ext uri="{FF2B5EF4-FFF2-40B4-BE49-F238E27FC236}">
-                <a16:creationId xmlns:a16="http://schemas.microsoft.com/office/drawing/2014/main" id="{DABD99D1-1CCA-8FE7-D4FE-163E63966263}"/>
-              </a:ext>
-            </a:extLst>
-          </p:cNvPr>
+          <p:cNvPr id="7" name="Slide Number Placeholder 6"/>
           <p:cNvSpPr>
             <a:spLocks noGrp="1"/>
           </p:cNvSpPr>
@@ -2448,7 +4833,7 @@
     </p:spTree>
     <p:extLst>
       <p:ext uri="{BB962C8B-B14F-4D97-AF65-F5344CB8AC3E}">
-        <p14:creationId xmlns:p14="http://schemas.microsoft.com/office/powerpoint/2010/main" val="1679605290"/>
+        <p14:creationId xmlns:p14="http://schemas.microsoft.com/office/powerpoint/2010/main" val="3583551118"/>
       </p:ext>
     </p:extLst>
   </p:cSld>
@@ -2475,54 +4860,75 @@
           <a:chExt cx="0" cy="0"/>
         </a:xfrm>
       </p:grpSpPr>
-      <p:sp>
-        <p:nvSpPr>
-          <p:cNvPr id="2" name="Title 1">
+      <p:pic>
+        <p:nvPicPr>
+          <p:cNvPr id="8" name="Picture 7" descr="Celestia-R1---OverlayContentHD.png"/>
+          <p:cNvPicPr>
+            <a:picLocks noChangeAspect="1"/>
+          </p:cNvPicPr>
+          <p:nvPr/>
+        </p:nvPicPr>
+        <p:blipFill>
+          <a:blip r:embed="rId2">
             <a:extLst>
-              <a:ext uri="{FF2B5EF4-FFF2-40B4-BE49-F238E27FC236}">
-                <a16:creationId xmlns:a16="http://schemas.microsoft.com/office/drawing/2014/main" id="{257D98B7-9E52-7BB5-FA04-D2A0CEA1B246}"/>
+              <a:ext uri="{28A0092B-C50C-407E-A947-70E740481C1C}">
+                <a14:useLocalDpi xmlns:a14="http://schemas.microsoft.com/office/drawing/2010/main" val="0"/>
               </a:ext>
             </a:extLst>
-          </p:cNvPr>
-          <p:cNvSpPr>
-            <a:spLocks noGrp="1"/>
-          </p:cNvSpPr>
-          <p:nvPr>
-            <p:ph type="title"/>
-          </p:nvPr>
-        </p:nvSpPr>
+          </a:blip>
+          <a:stretch>
+            <a:fillRect/>
+          </a:stretch>
+        </p:blipFill>
         <p:spPr>
           <a:xfrm>
-            <a:off x="839788" y="457200"/>
-            <a:ext cx="3932237" cy="1600200"/>
+            <a:off x="0" y="0"/>
+            <a:ext cx="12188825" cy="6856214"/>
+          </a:xfrm>
+          <a:prstGeom prst="rect">
+            <a:avLst/>
+          </a:prstGeom>
+        </p:spPr>
+      </p:pic>
+      <p:sp>
+        <p:nvSpPr>
+          <p:cNvPr id="2" name="Title 1"/>
+          <p:cNvSpPr>
+            <a:spLocks noGrp="1"/>
+          </p:cNvSpPr>
+          <p:nvPr>
+            <p:ph type="title"/>
+          </p:nvPr>
+        </p:nvSpPr>
+        <p:spPr>
+          <a:xfrm>
+            <a:off x="685800" y="1600200"/>
+            <a:ext cx="6164653" cy="1371600"/>
           </a:xfrm>
         </p:spPr>
         <p:txBody>
-          <a:bodyPr anchor="b"/>
+          <a:bodyPr anchor="b">
+            <a:normAutofit/>
+          </a:bodyPr>
           <a:lstStyle>
-            <a:lvl1pPr>
-              <a:defRPr sz="3200"/>
+            <a:lvl1pPr algn="l">
+              <a:defRPr sz="2800" b="0"/>
             </a:lvl1pPr>
           </a:lstStyle>
           <a:p>
             <a:r>
-              <a:rPr lang="en-GB"/>
+              <a:rPr lang="en-US"/>
               <a:t>Click to edit Master title style</a:t>
             </a:r>
-          </a:p>
-        </p:txBody>
-      </p:sp>
-      <p:sp>
-        <p:nvSpPr>
-          <p:cNvPr id="3" name="Picture Placeholder 2">
-            <a:extLst>
-              <a:ext uri="{FF2B5EF4-FFF2-40B4-BE49-F238E27FC236}">
-                <a16:creationId xmlns:a16="http://schemas.microsoft.com/office/drawing/2014/main" id="{9DEF613C-815B-8F1E-EFF4-B04CF7DC5FD6}"/>
-              </a:ext>
-            </a:extLst>
-          </p:cNvPr>
-          <p:cNvSpPr>
-            <a:spLocks noGrp="1"/>
+            <a:endParaRPr lang="en-US" dirty="0"/>
+          </a:p>
+        </p:txBody>
+      </p:sp>
+      <p:sp>
+        <p:nvSpPr>
+          <p:cNvPr id="14" name="Picture Placeholder 2"/>
+          <p:cNvSpPr>
+            <a:spLocks noGrp="1" noChangeAspect="1"/>
           </p:cNvSpPr>
           <p:nvPr>
             <p:ph type="pic" idx="1"/>
@@ -2530,121 +4936,154 @@
         </p:nvSpPr>
         <p:spPr>
           <a:xfrm>
-            <a:off x="5183188" y="987425"/>
-            <a:ext cx="6172200" cy="4873625"/>
+            <a:off x="7536253" y="914400"/>
+            <a:ext cx="3280974" cy="4572000"/>
           </a:xfrm>
+          <a:prstGeom prst="roundRect">
+            <a:avLst>
+              <a:gd name="adj" fmla="val 4280"/>
+            </a:avLst>
+          </a:prstGeom>
+          <a:ln w="50800" cap="sq" cmpd="dbl">
+            <a:gradFill flip="none" rotWithShape="1">
+              <a:gsLst>
+                <a:gs pos="0">
+                  <a:srgbClr val="FFFFFF"/>
+                </a:gs>
+                <a:gs pos="100000">
+                  <a:schemeClr val="tx1">
+                    <a:alpha val="0"/>
+                  </a:schemeClr>
+                </a:gs>
+              </a:gsLst>
+              <a:path path="circle">
+                <a:fillToRect l="50000" t="50000" r="50000" b="50000"/>
+              </a:path>
+              <a:tileRect/>
+            </a:gradFill>
+            <a:miter lim="800000"/>
+          </a:ln>
+          <a:effectLst>
+            <a:outerShdw blurRad="254000" algn="tl" rotWithShape="0">
+              <a:srgbClr val="000000">
+                <a:alpha val="43000"/>
+              </a:srgbClr>
+            </a:outerShdw>
+          </a:effectLst>
         </p:spPr>
         <p:txBody>
-          <a:bodyPr/>
+          <a:bodyPr anchor="t">
+            <a:normAutofit/>
+          </a:bodyPr>
           <a:lstStyle>
-            <a:lvl1pPr marL="0" indent="0">
-              <a:buNone/>
-              <a:defRPr sz="3200"/>
-            </a:lvl1pPr>
-            <a:lvl2pPr marL="457200" indent="0">
-              <a:buNone/>
-              <a:defRPr sz="2800"/>
-            </a:lvl2pPr>
-            <a:lvl3pPr marL="914400" indent="0">
-              <a:buNone/>
-              <a:defRPr sz="2400"/>
-            </a:lvl3pPr>
-            <a:lvl4pPr marL="1371600" indent="0">
-              <a:buNone/>
-              <a:defRPr sz="2000"/>
-            </a:lvl4pPr>
-            <a:lvl5pPr marL="1828800" indent="0">
-              <a:buNone/>
-              <a:defRPr sz="2000"/>
-            </a:lvl5pPr>
-            <a:lvl6pPr marL="2286000" indent="0">
-              <a:buNone/>
-              <a:defRPr sz="2000"/>
-            </a:lvl6pPr>
-            <a:lvl7pPr marL="2743200" indent="0">
-              <a:buNone/>
-              <a:defRPr sz="2000"/>
-            </a:lvl7pPr>
-            <a:lvl8pPr marL="3200400" indent="0">
-              <a:buNone/>
-              <a:defRPr sz="2000"/>
-            </a:lvl8pPr>
-            <a:lvl9pPr marL="3657600" indent="0">
-              <a:buNone/>
-              <a:defRPr sz="2000"/>
-            </a:lvl9pPr>
-          </a:lstStyle>
-          <a:p>
-            <a:endParaRPr lang="en-GB"/>
-          </a:p>
-        </p:txBody>
-      </p:sp>
-      <p:sp>
-        <p:nvSpPr>
-          <p:cNvPr id="4" name="Text Placeholder 3">
-            <a:extLst>
-              <a:ext uri="{FF2B5EF4-FFF2-40B4-BE49-F238E27FC236}">
-                <a16:creationId xmlns:a16="http://schemas.microsoft.com/office/drawing/2014/main" id="{AF2A4541-5C58-14F7-817E-B212074C1B79}"/>
-              </a:ext>
-            </a:extLst>
-          </p:cNvPr>
-          <p:cNvSpPr>
-            <a:spLocks noGrp="1"/>
-          </p:cNvSpPr>
-          <p:nvPr>
-            <p:ph type="body" sz="half" idx="2"/>
-          </p:nvPr>
-        </p:nvSpPr>
-        <p:spPr>
-          <a:xfrm>
-            <a:off x="839788" y="2057400"/>
-            <a:ext cx="3932237" cy="3811588"/>
-          </a:xfrm>
-        </p:spPr>
-        <p:txBody>
-          <a:bodyPr/>
-          <a:lstStyle>
-            <a:lvl1pPr marL="0" indent="0">
+            <a:lvl1pPr marL="0" indent="0" algn="ctr">
               <a:buNone/>
               <a:defRPr sz="1600"/>
             </a:lvl1pPr>
             <a:lvl2pPr marL="457200" indent="0">
               <a:buNone/>
-              <a:defRPr sz="1400"/>
+              <a:defRPr sz="1600"/>
             </a:lvl2pPr>
             <a:lvl3pPr marL="914400" indent="0">
               <a:buNone/>
-              <a:defRPr sz="1200"/>
+              <a:defRPr sz="1600"/>
             </a:lvl3pPr>
             <a:lvl4pPr marL="1371600" indent="0">
               <a:buNone/>
-              <a:defRPr sz="1000"/>
+              <a:defRPr sz="1600"/>
             </a:lvl4pPr>
             <a:lvl5pPr marL="1828800" indent="0">
               <a:buNone/>
-              <a:defRPr sz="1000"/>
+              <a:defRPr sz="1600"/>
             </a:lvl5pPr>
             <a:lvl6pPr marL="2286000" indent="0">
               <a:buNone/>
-              <a:defRPr sz="1000"/>
+              <a:defRPr sz="1600"/>
             </a:lvl6pPr>
             <a:lvl7pPr marL="2743200" indent="0">
               <a:buNone/>
-              <a:defRPr sz="1000"/>
+              <a:defRPr sz="1600"/>
             </a:lvl7pPr>
             <a:lvl8pPr marL="3200400" indent="0">
               <a:buNone/>
-              <a:defRPr sz="1000"/>
+              <a:defRPr sz="1600"/>
             </a:lvl8pPr>
             <a:lvl9pPr marL="3657600" indent="0">
               <a:buNone/>
-              <a:defRPr sz="1000"/>
+              <a:defRPr sz="1600"/>
             </a:lvl9pPr>
           </a:lstStyle>
           <a:p>
+            <a:r>
+              <a:rPr lang="en-US"/>
+              <a:t>Click icon to add picture</a:t>
+            </a:r>
+            <a:endParaRPr lang="en-US" dirty="0"/>
+          </a:p>
+        </p:txBody>
+      </p:sp>
+      <p:sp>
+        <p:nvSpPr>
+          <p:cNvPr id="4" name="Text Placeholder 3"/>
+          <p:cNvSpPr>
+            <a:spLocks noGrp="1"/>
+          </p:cNvSpPr>
+          <p:nvPr>
+            <p:ph type="body" sz="half" idx="2"/>
+          </p:nvPr>
+        </p:nvSpPr>
+        <p:spPr>
+          <a:xfrm>
+            <a:off x="685800" y="2971800"/>
+            <a:ext cx="6164653" cy="1828800"/>
+          </a:xfrm>
+        </p:spPr>
+        <p:txBody>
+          <a:bodyPr anchor="t">
+            <a:normAutofit/>
+          </a:bodyPr>
+          <a:lstStyle>
+            <a:lvl1pPr marL="0" indent="0">
+              <a:buNone/>
+              <a:defRPr sz="1800"/>
+            </a:lvl1pPr>
+            <a:lvl2pPr marL="457200" indent="0">
+              <a:buNone/>
+              <a:defRPr sz="1200"/>
+            </a:lvl2pPr>
+            <a:lvl3pPr marL="914400" indent="0">
+              <a:buNone/>
+              <a:defRPr sz="1000"/>
+            </a:lvl3pPr>
+            <a:lvl4pPr marL="1371600" indent="0">
+              <a:buNone/>
+              <a:defRPr sz="900"/>
+            </a:lvl4pPr>
+            <a:lvl5pPr marL="1828800" indent="0">
+              <a:buNone/>
+              <a:defRPr sz="900"/>
+            </a:lvl5pPr>
+            <a:lvl6pPr marL="2286000" indent="0">
+              <a:buNone/>
+              <a:defRPr sz="900"/>
+            </a:lvl6pPr>
+            <a:lvl7pPr marL="2743200" indent="0">
+              <a:buNone/>
+              <a:defRPr sz="900"/>
+            </a:lvl7pPr>
+            <a:lvl8pPr marL="3200400" indent="0">
+              <a:buNone/>
+              <a:defRPr sz="900"/>
+            </a:lvl8pPr>
+            <a:lvl9pPr marL="3657600" indent="0">
+              <a:buNone/>
+              <a:defRPr sz="900"/>
+            </a:lvl9pPr>
+          </a:lstStyle>
+          <a:p>
             <a:pPr lvl="0"/>
             <a:r>
-              <a:rPr lang="en-GB"/>
+              <a:rPr lang="en-US"/>
               <a:t>Click to edit Master text styles</a:t>
             </a:r>
           </a:p>
@@ -2652,13 +5091,7 @@
       </p:sp>
       <p:sp>
         <p:nvSpPr>
-          <p:cNvPr id="5" name="Date Placeholder 4">
-            <a:extLst>
-              <a:ext uri="{FF2B5EF4-FFF2-40B4-BE49-F238E27FC236}">
-                <a16:creationId xmlns:a16="http://schemas.microsoft.com/office/drawing/2014/main" id="{C9717328-8F48-6485-4F32-6AF9916EA13E}"/>
-              </a:ext>
-            </a:extLst>
-          </p:cNvPr>
+          <p:cNvPr id="5" name="Date Placeholder 4"/>
           <p:cNvSpPr>
             <a:spLocks noGrp="1"/>
           </p:cNvSpPr>
@@ -2681,13 +5114,7 @@
       </p:sp>
       <p:sp>
         <p:nvSpPr>
-          <p:cNvPr id="6" name="Footer Placeholder 5">
-            <a:extLst>
-              <a:ext uri="{FF2B5EF4-FFF2-40B4-BE49-F238E27FC236}">
-                <a16:creationId xmlns:a16="http://schemas.microsoft.com/office/drawing/2014/main" id="{827C3425-21C5-3B5C-E192-40963E8CCE53}"/>
-              </a:ext>
-            </a:extLst>
-          </p:cNvPr>
+          <p:cNvPr id="6" name="Footer Placeholder 5"/>
           <p:cNvSpPr>
             <a:spLocks noGrp="1"/>
           </p:cNvSpPr>
@@ -2706,13 +5133,7 @@
       </p:sp>
       <p:sp>
         <p:nvSpPr>
-          <p:cNvPr id="7" name="Slide Number Placeholder 6">
-            <a:extLst>
-              <a:ext uri="{FF2B5EF4-FFF2-40B4-BE49-F238E27FC236}">
-                <a16:creationId xmlns:a16="http://schemas.microsoft.com/office/drawing/2014/main" id="{44A618FA-9124-38F0-CEE4-9107CEC0C1DE}"/>
-              </a:ext>
-            </a:extLst>
-          </p:cNvPr>
+          <p:cNvPr id="7" name="Slide Number Placeholder 6"/>
           <p:cNvSpPr>
             <a:spLocks noGrp="1"/>
           </p:cNvSpPr>
@@ -2736,7 +5157,7 @@
     </p:spTree>
     <p:extLst>
       <p:ext uri="{BB962C8B-B14F-4D97-AF65-F5344CB8AC3E}">
-        <p14:creationId xmlns:p14="http://schemas.microsoft.com/office/powerpoint/2010/main" val="1968664188"/>
+        <p14:creationId xmlns:p14="http://schemas.microsoft.com/office/powerpoint/2010/main" val="2873746090"/>
       </p:ext>
     </p:extLst>
   </p:cSld>
@@ -2750,8 +5171,8 @@
 <p:sldMaster xmlns:a="http://schemas.openxmlformats.org/drawingml/2006/main" xmlns:r="http://schemas.openxmlformats.org/officeDocument/2006/relationships" xmlns:p="http://schemas.openxmlformats.org/presentationml/2006/main">
   <p:cSld>
     <p:bg>
-      <p:bgRef idx="1001">
-        <a:schemeClr val="bg1"/>
+      <p:bgRef idx="1003">
+        <a:schemeClr val="bg2"/>
       </p:bgRef>
     </p:bg>
     <p:spTree>
@@ -2770,13 +5191,7 @@
       </p:grpSpPr>
       <p:sp>
         <p:nvSpPr>
-          <p:cNvPr id="2" name="Title Placeholder 1">
-            <a:extLst>
-              <a:ext uri="{FF2B5EF4-FFF2-40B4-BE49-F238E27FC236}">
-                <a16:creationId xmlns:a16="http://schemas.microsoft.com/office/drawing/2014/main" id="{AED9A1E0-E364-AEA2-60A9-DE1393732CDA}"/>
-              </a:ext>
-            </a:extLst>
-          </p:cNvPr>
+          <p:cNvPr id="2" name="Title Placeholder 1"/>
           <p:cNvSpPr>
             <a:spLocks noGrp="1"/>
           </p:cNvSpPr>
@@ -2786,8 +5201,42 @@
         </p:nvSpPr>
         <p:spPr>
           <a:xfrm>
-            <a:off x="838200" y="365125"/>
-            <a:ext cx="10515600" cy="1325563"/>
+            <a:off x="685801" y="609600"/>
+            <a:ext cx="10131425" cy="1456267"/>
+          </a:xfrm>
+          <a:prstGeom prst="rect">
+            <a:avLst/>
+          </a:prstGeom>
+          <a:effectLst/>
+        </p:spPr>
+        <p:txBody>
+          <a:bodyPr vert="horz" lIns="91440" tIns="45720" rIns="91440" bIns="45720" rtlCol="0" anchor="ctr">
+            <a:normAutofit/>
+          </a:bodyPr>
+          <a:lstStyle/>
+          <a:p>
+            <a:r>
+              <a:rPr lang="en-US"/>
+              <a:t>Click to edit Master title style</a:t>
+            </a:r>
+            <a:endParaRPr lang="en-US" dirty="0"/>
+          </a:p>
+        </p:txBody>
+      </p:sp>
+      <p:sp>
+        <p:nvSpPr>
+          <p:cNvPr id="3" name="Text Placeholder 2"/>
+          <p:cNvSpPr>
+            <a:spLocks noGrp="1"/>
+          </p:cNvSpPr>
+          <p:nvPr>
+            <p:ph type="body" idx="1"/>
+          </p:nvPr>
+        </p:nvSpPr>
+        <p:spPr>
+          <a:xfrm>
+            <a:off x="685801" y="2142067"/>
+            <a:ext cx="10131425" cy="3649133"/>
           </a:xfrm>
           <a:prstGeom prst="rect">
             <a:avLst/>
@@ -2799,100 +5248,98 @@
           </a:bodyPr>
           <a:lstStyle/>
           <a:p>
-            <a:r>
-              <a:rPr lang="en-GB"/>
-              <a:t>Click to edit Master title style</a:t>
-            </a:r>
-          </a:p>
-        </p:txBody>
-      </p:sp>
-      <p:sp>
-        <p:nvSpPr>
-          <p:cNvPr id="3" name="Text Placeholder 2">
-            <a:extLst>
-              <a:ext uri="{FF2B5EF4-FFF2-40B4-BE49-F238E27FC236}">
-                <a16:creationId xmlns:a16="http://schemas.microsoft.com/office/drawing/2014/main" id="{667FCC1C-EC68-1C24-FE62-89F58FAD0C82}"/>
-              </a:ext>
-            </a:extLst>
-          </p:cNvPr>
-          <p:cNvSpPr>
-            <a:spLocks noGrp="1"/>
-          </p:cNvSpPr>
-          <p:nvPr>
-            <p:ph type="body" idx="1"/>
+            <a:pPr lvl="0"/>
+            <a:r>
+              <a:rPr lang="en-US"/>
+              <a:t>Click to edit Master text styles</a:t>
+            </a:r>
+          </a:p>
+          <a:p>
+            <a:pPr lvl="1"/>
+            <a:r>
+              <a:rPr lang="en-US"/>
+              <a:t>Second level</a:t>
+            </a:r>
+          </a:p>
+          <a:p>
+            <a:pPr lvl="2"/>
+            <a:r>
+              <a:rPr lang="en-US"/>
+              <a:t>Third level</a:t>
+            </a:r>
+          </a:p>
+          <a:p>
+            <a:pPr lvl="3"/>
+            <a:r>
+              <a:rPr lang="en-US"/>
+              <a:t>Fourth level</a:t>
+            </a:r>
+          </a:p>
+          <a:p>
+            <a:pPr lvl="4"/>
+            <a:r>
+              <a:rPr lang="en-US"/>
+              <a:t>Fifth level</a:t>
+            </a:r>
+            <a:endParaRPr lang="en-US" dirty="0"/>
+          </a:p>
+        </p:txBody>
+      </p:sp>
+      <p:sp>
+        <p:nvSpPr>
+          <p:cNvPr id="4" name="Date Placeholder 3"/>
+          <p:cNvSpPr>
+            <a:spLocks noGrp="1"/>
+          </p:cNvSpPr>
+          <p:nvPr>
+            <p:ph type="dt" sz="half" idx="2"/>
           </p:nvPr>
         </p:nvSpPr>
         <p:spPr>
           <a:xfrm>
-            <a:off x="838200" y="1825625"/>
-            <a:ext cx="10515600" cy="4351338"/>
+            <a:off x="8589660" y="5870575"/>
+            <a:ext cx="1600200" cy="377825"/>
           </a:xfrm>
           <a:prstGeom prst="rect">
             <a:avLst/>
           </a:prstGeom>
         </p:spPr>
         <p:txBody>
-          <a:bodyPr vert="horz" lIns="91440" tIns="45720" rIns="91440" bIns="45720" rtlCol="0">
-            <a:normAutofit/>
-          </a:bodyPr>
-          <a:lstStyle/>
-          <a:p>
-            <a:pPr lvl="0"/>
-            <a:r>
-              <a:rPr lang="en-GB"/>
-              <a:t>Click to edit Master text styles</a:t>
-            </a:r>
-          </a:p>
-          <a:p>
-            <a:pPr lvl="1"/>
-            <a:r>
-              <a:rPr lang="en-GB"/>
-              <a:t>Second level</a:t>
-            </a:r>
-          </a:p>
-          <a:p>
-            <a:pPr lvl="2"/>
-            <a:r>
-              <a:rPr lang="en-GB"/>
-              <a:t>Third level</a:t>
-            </a:r>
-          </a:p>
-          <a:p>
-            <a:pPr lvl="3"/>
-            <a:r>
-              <a:rPr lang="en-GB"/>
-              <a:t>Fourth level</a:t>
-            </a:r>
-          </a:p>
-          <a:p>
-            <a:pPr lvl="4"/>
-            <a:r>
-              <a:rPr lang="en-GB"/>
-              <a:t>Fifth level</a:t>
-            </a:r>
-          </a:p>
-        </p:txBody>
-      </p:sp>
-      <p:sp>
-        <p:nvSpPr>
-          <p:cNvPr id="4" name="Date Placeholder 3">
-            <a:extLst>
-              <a:ext uri="{FF2B5EF4-FFF2-40B4-BE49-F238E27FC236}">
-                <a16:creationId xmlns:a16="http://schemas.microsoft.com/office/drawing/2014/main" id="{316440EC-229B-C023-5627-0699FB61CD1E}"/>
-              </a:ext>
-            </a:extLst>
-          </p:cNvPr>
-          <p:cNvSpPr>
-            <a:spLocks noGrp="1"/>
-          </p:cNvSpPr>
-          <p:nvPr>
-            <p:ph type="dt" sz="half" idx="2"/>
+          <a:bodyPr vert="horz" lIns="91440" tIns="45720" rIns="91440" bIns="45720" rtlCol="0" anchor="ctr"/>
+          <a:lstStyle>
+            <a:lvl1pPr algn="r">
+              <a:defRPr sz="1000" b="0" i="0">
+                <a:solidFill>
+                  <a:schemeClr val="tx1"/>
+                </a:solidFill>
+                <a:effectLst/>
+                <a:latin typeface="+mn-lt"/>
+              </a:defRPr>
+            </a:lvl1pPr>
+          </a:lstStyle>
+          <a:p>
+            <a:fld id="{386EAC6E-8ADC-498C-8D78-A1467B1978D3}" type="datetimeFigureOut">
+              <a:rPr lang="en-GB" smtClean="0"/>
+              <a:t>22/02/2025</a:t>
+            </a:fld>
+            <a:endParaRPr lang="en-GB"/>
+          </a:p>
+        </p:txBody>
+      </p:sp>
+      <p:sp>
+        <p:nvSpPr>
+          <p:cNvPr id="5" name="Footer Placeholder 4"/>
+          <p:cNvSpPr>
+            <a:spLocks noGrp="1"/>
+          </p:cNvSpPr>
+          <p:nvPr>
+            <p:ph type="ftr" sz="quarter" idx="3"/>
           </p:nvPr>
         </p:nvSpPr>
         <p:spPr>
           <a:xfrm>
-            <a:off x="838200" y="6356350"/>
-            <a:ext cx="2743200" cy="365125"/>
+            <a:off x="685800" y="5870575"/>
+            <a:ext cx="7827659" cy="377825"/>
           </a:xfrm>
           <a:prstGeom prst="rect">
             <a:avLst/>
@@ -2902,44 +5349,34 @@
           <a:bodyPr vert="horz" lIns="91440" tIns="45720" rIns="91440" bIns="45720" rtlCol="0" anchor="ctr"/>
           <a:lstStyle>
             <a:lvl1pPr algn="l">
-              <a:defRPr sz="1200">
-                <a:solidFill>
-                  <a:schemeClr val="tx1">
-                    <a:tint val="82000"/>
-                  </a:schemeClr>
-                </a:solidFill>
+              <a:defRPr sz="1000" b="0" i="0">
+                <a:solidFill>
+                  <a:schemeClr val="tx1"/>
+                </a:solidFill>
+                <a:effectLst/>
+                <a:latin typeface="+mn-lt"/>
               </a:defRPr>
             </a:lvl1pPr>
           </a:lstStyle>
           <a:p>
-            <a:fld id="{386EAC6E-8ADC-498C-8D78-A1467B1978D3}" type="datetimeFigureOut">
-              <a:rPr lang="en-GB" smtClean="0"/>
-              <a:t>22/02/2025</a:t>
-            </a:fld>
             <a:endParaRPr lang="en-GB"/>
           </a:p>
         </p:txBody>
       </p:sp>
       <p:sp>
         <p:nvSpPr>
-          <p:cNvPr id="5" name="Footer Placeholder 4">
-            <a:extLst>
-              <a:ext uri="{FF2B5EF4-FFF2-40B4-BE49-F238E27FC236}">
-                <a16:creationId xmlns:a16="http://schemas.microsoft.com/office/drawing/2014/main" id="{E3E546C5-5143-5F42-C9BD-759621B31804}"/>
-              </a:ext>
-            </a:extLst>
-          </p:cNvPr>
-          <p:cNvSpPr>
-            <a:spLocks noGrp="1"/>
-          </p:cNvSpPr>
-          <p:nvPr>
-            <p:ph type="ftr" sz="quarter" idx="3"/>
+          <p:cNvPr id="6" name="Slide Number Placeholder 5"/>
+          <p:cNvSpPr>
+            <a:spLocks noGrp="1"/>
+          </p:cNvSpPr>
+          <p:nvPr>
+            <p:ph type="sldNum" sz="quarter" idx="4"/>
           </p:nvPr>
         </p:nvSpPr>
         <p:spPr>
           <a:xfrm>
-            <a:off x="4038600" y="6356350"/>
-            <a:ext cx="4114800" cy="365125"/>
+            <a:off x="10266060" y="5870575"/>
+            <a:ext cx="551167" cy="377825"/>
           </a:xfrm>
           <a:prstGeom prst="rect">
             <a:avLst/>
@@ -2948,56 +5385,13 @@
         <p:txBody>
           <a:bodyPr vert="horz" lIns="91440" tIns="45720" rIns="91440" bIns="45720" rtlCol="0" anchor="ctr"/>
           <a:lstStyle>
-            <a:lvl1pPr algn="ctr">
-              <a:defRPr sz="1200">
-                <a:solidFill>
-                  <a:schemeClr val="tx1">
-                    <a:tint val="82000"/>
-                  </a:schemeClr>
-                </a:solidFill>
-              </a:defRPr>
-            </a:lvl1pPr>
-          </a:lstStyle>
-          <a:p>
-            <a:endParaRPr lang="en-GB"/>
-          </a:p>
-        </p:txBody>
-      </p:sp>
-      <p:sp>
-        <p:nvSpPr>
-          <p:cNvPr id="6" name="Slide Number Placeholder 5">
-            <a:extLst>
-              <a:ext uri="{FF2B5EF4-FFF2-40B4-BE49-F238E27FC236}">
-                <a16:creationId xmlns:a16="http://schemas.microsoft.com/office/drawing/2014/main" id="{80DCB04C-9246-F53A-5CE7-01B7A6B890D6}"/>
-              </a:ext>
-            </a:extLst>
-          </p:cNvPr>
-          <p:cNvSpPr>
-            <a:spLocks noGrp="1"/>
-          </p:cNvSpPr>
-          <p:nvPr>
-            <p:ph type="sldNum" sz="quarter" idx="4"/>
-          </p:nvPr>
-        </p:nvSpPr>
-        <p:spPr>
-          <a:xfrm>
-            <a:off x="8610600" y="6356350"/>
-            <a:ext cx="2743200" cy="365125"/>
-          </a:xfrm>
-          <a:prstGeom prst="rect">
-            <a:avLst/>
-          </a:prstGeom>
-        </p:spPr>
-        <p:txBody>
-          <a:bodyPr vert="horz" lIns="91440" tIns="45720" rIns="91440" bIns="45720" rtlCol="0" anchor="ctr"/>
-          <a:lstStyle>
             <a:lvl1pPr algn="r">
-              <a:defRPr sz="1200">
-                <a:solidFill>
-                  <a:schemeClr val="tx1">
-                    <a:tint val="82000"/>
-                  </a:schemeClr>
-                </a:solidFill>
+              <a:defRPr sz="1000" b="0" i="0">
+                <a:solidFill>
+                  <a:schemeClr val="tx1"/>
+                </a:solidFill>
+                <a:effectLst/>
+                <a:latin typeface="+mn-lt"/>
               </a:defRPr>
             </a:lvl1pPr>
           </a:lstStyle>
@@ -3013,202 +5407,310 @@
     </p:spTree>
     <p:extLst>
       <p:ext uri="{BB962C8B-B14F-4D97-AF65-F5344CB8AC3E}">
-        <p14:creationId xmlns:p14="http://schemas.microsoft.com/office/powerpoint/2010/main" val="2162322858"/>
+        <p14:creationId xmlns:p14="http://schemas.microsoft.com/office/powerpoint/2010/main" val="3392048972"/>
       </p:ext>
     </p:extLst>
   </p:cSld>
-  <p:clrMap bg1="lt1" tx1="dk1" bg2="lt2" tx2="dk2" accent1="accent1" accent2="accent2" accent3="accent3" accent4="accent4" accent5="accent5" accent6="accent6" hlink="hlink" folHlink="folHlink"/>
+  <p:clrMap bg1="dk1" tx1="lt1" bg2="dk2" tx2="lt2" accent1="accent1" accent2="accent2" accent3="accent3" accent4="accent4" accent5="accent5" accent6="accent6" hlink="hlink" folHlink="folHlink"/>
   <p:sldLayoutIdLst>
-    <p:sldLayoutId id="2147483649" r:id="rId1"/>
-    <p:sldLayoutId id="2147483650" r:id="rId2"/>
-    <p:sldLayoutId id="2147483651" r:id="rId3"/>
-    <p:sldLayoutId id="2147483652" r:id="rId4"/>
-    <p:sldLayoutId id="2147483653" r:id="rId5"/>
-    <p:sldLayoutId id="2147483654" r:id="rId6"/>
-    <p:sldLayoutId id="2147483655" r:id="rId7"/>
-    <p:sldLayoutId id="2147483656" r:id="rId8"/>
-    <p:sldLayoutId id="2147483657" r:id="rId9"/>
-    <p:sldLayoutId id="2147483658" r:id="rId10"/>
-    <p:sldLayoutId id="2147483659" r:id="rId11"/>
+    <p:sldLayoutId id="2147483661" r:id="rId1"/>
+    <p:sldLayoutId id="2147483662" r:id="rId2"/>
+    <p:sldLayoutId id="2147483663" r:id="rId3"/>
+    <p:sldLayoutId id="2147483664" r:id="rId4"/>
+    <p:sldLayoutId id="2147483665" r:id="rId5"/>
+    <p:sldLayoutId id="2147483666" r:id="rId6"/>
+    <p:sldLayoutId id="2147483667" r:id="rId7"/>
+    <p:sldLayoutId id="2147483668" r:id="rId8"/>
+    <p:sldLayoutId id="2147483669" r:id="rId9"/>
+    <p:sldLayoutId id="2147483670" r:id="rId10"/>
+    <p:sldLayoutId id="2147483671" r:id="rId11"/>
+    <p:sldLayoutId id="2147483672" r:id="rId12"/>
+    <p:sldLayoutId id="2147483673" r:id="rId13"/>
+    <p:sldLayoutId id="2147483674" r:id="rId14"/>
+    <p:sldLayoutId id="2147483675" r:id="rId15"/>
+    <p:sldLayoutId id="2147483676" r:id="rId16"/>
+    <p:sldLayoutId id="2147483677" r:id="rId17"/>
   </p:sldLayoutIdLst>
   <p:txStyles>
     <p:titleStyle>
-      <a:lvl1pPr algn="l" defTabSz="914400" rtl="0" eaLnBrk="1" latinLnBrk="0" hangingPunct="1">
-        <a:lnSpc>
-          <a:spcPct val="90000"/>
-        </a:lnSpc>
+      <a:lvl1pPr algn="l" defTabSz="457200" rtl="0" eaLnBrk="1" latinLnBrk="0" hangingPunct="1">
         <a:spcBef>
           <a:spcPct val="0"/>
         </a:spcBef>
         <a:buNone/>
-        <a:defRPr sz="4400" kern="1200">
+        <a:defRPr sz="3600" kern="1200" cap="all">
+          <a:ln w="3175" cmpd="sng">
+            <a:noFill/>
+          </a:ln>
           <a:solidFill>
             <a:schemeClr val="tx1"/>
           </a:solidFill>
+          <a:effectLst/>
           <a:latin typeface="+mj-lt"/>
           <a:ea typeface="+mj-ea"/>
           <a:cs typeface="+mj-cs"/>
         </a:defRPr>
       </a:lvl1pPr>
+      <a:lvl2pPr eaLnBrk="1" hangingPunct="1">
+        <a:defRPr>
+          <a:solidFill>
+            <a:schemeClr val="tx2"/>
+          </a:solidFill>
+        </a:defRPr>
+      </a:lvl2pPr>
+      <a:lvl3pPr eaLnBrk="1" hangingPunct="1">
+        <a:defRPr>
+          <a:solidFill>
+            <a:schemeClr val="tx2"/>
+          </a:solidFill>
+        </a:defRPr>
+      </a:lvl3pPr>
+      <a:lvl4pPr eaLnBrk="1" hangingPunct="1">
+        <a:defRPr>
+          <a:solidFill>
+            <a:schemeClr val="tx2"/>
+          </a:solidFill>
+        </a:defRPr>
+      </a:lvl4pPr>
+      <a:lvl5pPr eaLnBrk="1" hangingPunct="1">
+        <a:defRPr>
+          <a:solidFill>
+            <a:schemeClr val="tx2"/>
+          </a:solidFill>
+        </a:defRPr>
+      </a:lvl5pPr>
+      <a:lvl6pPr eaLnBrk="1" hangingPunct="1">
+        <a:defRPr>
+          <a:solidFill>
+            <a:schemeClr val="tx2"/>
+          </a:solidFill>
+        </a:defRPr>
+      </a:lvl6pPr>
+      <a:lvl7pPr eaLnBrk="1" hangingPunct="1">
+        <a:defRPr>
+          <a:solidFill>
+            <a:schemeClr val="tx2"/>
+          </a:solidFill>
+        </a:defRPr>
+      </a:lvl7pPr>
+      <a:lvl8pPr eaLnBrk="1" hangingPunct="1">
+        <a:defRPr>
+          <a:solidFill>
+            <a:schemeClr val="tx2"/>
+          </a:solidFill>
+        </a:defRPr>
+      </a:lvl8pPr>
+      <a:lvl9pPr eaLnBrk="1" hangingPunct="1">
+        <a:defRPr>
+          <a:solidFill>
+            <a:schemeClr val="tx2"/>
+          </a:solidFill>
+        </a:defRPr>
+      </a:lvl9pPr>
     </p:titleStyle>
     <p:bodyStyle>
-      <a:lvl1pPr marL="228600" indent="-228600" algn="l" defTabSz="914400" rtl="0" eaLnBrk="1" latinLnBrk="0" hangingPunct="1">
-        <a:lnSpc>
-          <a:spcPct val="90000"/>
-        </a:lnSpc>
+      <a:lvl1pPr marL="285750" indent="-285750" algn="l" defTabSz="457200" rtl="0" eaLnBrk="1" latinLnBrk="0" hangingPunct="1">
         <a:spcBef>
+          <a:spcPts val="0"/>
+        </a:spcBef>
+        <a:spcAft>
           <a:spcPts val="1000"/>
-        </a:spcBef>
-        <a:buFont typeface="Arial" panose="020B0604020202020204" pitchFamily="34" charset="0"/>
+        </a:spcAft>
+        <a:buClr>
+          <a:schemeClr val="tx1"/>
+        </a:buClr>
+        <a:buSzPct val="100000"/>
+        <a:buFont typeface="Arial"/>
         <a:buChar char="•"/>
-        <a:defRPr sz="2800" kern="1200">
+        <a:defRPr sz="1800" kern="1200" cap="none">
           <a:solidFill>
             <a:schemeClr val="tx1"/>
           </a:solidFill>
+          <a:effectLst/>
           <a:latin typeface="+mn-lt"/>
           <a:ea typeface="+mn-ea"/>
           <a:cs typeface="+mn-cs"/>
         </a:defRPr>
       </a:lvl1pPr>
-      <a:lvl2pPr marL="685800" indent="-228600" algn="l" defTabSz="914400" rtl="0" eaLnBrk="1" latinLnBrk="0" hangingPunct="1">
-        <a:lnSpc>
-          <a:spcPct val="90000"/>
-        </a:lnSpc>
+      <a:lvl2pPr marL="742950" indent="-285750" algn="l" defTabSz="457200" rtl="0" eaLnBrk="1" latinLnBrk="0" hangingPunct="1">
         <a:spcBef>
-          <a:spcPts val="500"/>
+          <a:spcPts val="0"/>
         </a:spcBef>
-        <a:buFont typeface="Arial" panose="020B0604020202020204" pitchFamily="34" charset="0"/>
+        <a:spcAft>
+          <a:spcPts val="1000"/>
+        </a:spcAft>
+        <a:buClr>
+          <a:schemeClr val="tx1"/>
+        </a:buClr>
+        <a:buSzPct val="100000"/>
+        <a:buFont typeface="Arial"/>
         <a:buChar char="•"/>
-        <a:defRPr sz="2400" kern="1200">
+        <a:defRPr sz="1600" kern="1200" cap="none">
           <a:solidFill>
             <a:schemeClr val="tx1"/>
           </a:solidFill>
+          <a:effectLst/>
           <a:latin typeface="+mn-lt"/>
           <a:ea typeface="+mn-ea"/>
           <a:cs typeface="+mn-cs"/>
         </a:defRPr>
       </a:lvl2pPr>
-      <a:lvl3pPr marL="1143000" indent="-228600" algn="l" defTabSz="914400" rtl="0" eaLnBrk="1" latinLnBrk="0" hangingPunct="1">
-        <a:lnSpc>
-          <a:spcPct val="90000"/>
-        </a:lnSpc>
+      <a:lvl3pPr marL="1200150" indent="-285750" algn="l" defTabSz="457200" rtl="0" eaLnBrk="1" latinLnBrk="0" hangingPunct="1">
         <a:spcBef>
-          <a:spcPts val="500"/>
+          <a:spcPts val="0"/>
         </a:spcBef>
-        <a:buFont typeface="Arial" panose="020B0604020202020204" pitchFamily="34" charset="0"/>
+        <a:spcAft>
+          <a:spcPts val="1000"/>
+        </a:spcAft>
+        <a:buClr>
+          <a:schemeClr val="tx1"/>
+        </a:buClr>
+        <a:buSzPct val="100000"/>
+        <a:buFont typeface="Arial"/>
         <a:buChar char="•"/>
-        <a:defRPr sz="2000" kern="1200">
+        <a:defRPr sz="1400" kern="1200" cap="none">
           <a:solidFill>
             <a:schemeClr val="tx1"/>
           </a:solidFill>
+          <a:effectLst/>
           <a:latin typeface="+mn-lt"/>
           <a:ea typeface="+mn-ea"/>
           <a:cs typeface="+mn-cs"/>
         </a:defRPr>
       </a:lvl3pPr>
-      <a:lvl4pPr marL="1600200" indent="-228600" algn="l" defTabSz="914400" rtl="0" eaLnBrk="1" latinLnBrk="0" hangingPunct="1">
-        <a:lnSpc>
-          <a:spcPct val="90000"/>
-        </a:lnSpc>
+      <a:lvl4pPr marL="1543050" indent="-171450" algn="l" defTabSz="457200" rtl="0" eaLnBrk="1" latinLnBrk="0" hangingPunct="1">
         <a:spcBef>
-          <a:spcPts val="500"/>
+          <a:spcPts val="0"/>
         </a:spcBef>
-        <a:buFont typeface="Arial" panose="020B0604020202020204" pitchFamily="34" charset="0"/>
+        <a:spcAft>
+          <a:spcPts val="1000"/>
+        </a:spcAft>
+        <a:buClr>
+          <a:schemeClr val="tx1"/>
+        </a:buClr>
+        <a:buSzPct val="100000"/>
+        <a:buFont typeface="Arial"/>
         <a:buChar char="•"/>
-        <a:defRPr sz="1800" kern="1200">
+        <a:defRPr sz="1200" kern="1200" cap="none">
           <a:solidFill>
             <a:schemeClr val="tx1"/>
           </a:solidFill>
+          <a:effectLst/>
           <a:latin typeface="+mn-lt"/>
           <a:ea typeface="+mn-ea"/>
           <a:cs typeface="+mn-cs"/>
         </a:defRPr>
       </a:lvl4pPr>
-      <a:lvl5pPr marL="2057400" indent="-228600" algn="l" defTabSz="914400" rtl="0" eaLnBrk="1" latinLnBrk="0" hangingPunct="1">
-        <a:lnSpc>
-          <a:spcPct val="90000"/>
-        </a:lnSpc>
+      <a:lvl5pPr marL="2000250" indent="-171450" algn="l" defTabSz="457200" rtl="0" eaLnBrk="1" latinLnBrk="0" hangingPunct="1">
         <a:spcBef>
-          <a:spcPts val="500"/>
+          <a:spcPts val="0"/>
         </a:spcBef>
-        <a:buFont typeface="Arial" panose="020B0604020202020204" pitchFamily="34" charset="0"/>
+        <a:spcAft>
+          <a:spcPts val="1000"/>
+        </a:spcAft>
+        <a:buClr>
+          <a:schemeClr val="tx1"/>
+        </a:buClr>
+        <a:buSzPct val="100000"/>
+        <a:buFont typeface="Arial"/>
         <a:buChar char="•"/>
-        <a:defRPr sz="1800" kern="1200">
+        <a:defRPr sz="1200" kern="1200" cap="none">
           <a:solidFill>
             <a:schemeClr val="tx1"/>
           </a:solidFill>
+          <a:effectLst/>
           <a:latin typeface="+mn-lt"/>
           <a:ea typeface="+mn-ea"/>
           <a:cs typeface="+mn-cs"/>
         </a:defRPr>
       </a:lvl5pPr>
-      <a:lvl6pPr marL="2514600" indent="-228600" algn="l" defTabSz="914400" rtl="0" eaLnBrk="1" latinLnBrk="0" hangingPunct="1">
-        <a:lnSpc>
-          <a:spcPct val="90000"/>
-        </a:lnSpc>
+      <a:lvl6pPr marL="2514600" indent="-228600" algn="l" defTabSz="457200" rtl="0" eaLnBrk="1" latinLnBrk="0" hangingPunct="1">
         <a:spcBef>
-          <a:spcPts val="500"/>
+          <a:spcPts val="0"/>
         </a:spcBef>
-        <a:buFont typeface="Arial" panose="020B0604020202020204" pitchFamily="34" charset="0"/>
+        <a:spcAft>
+          <a:spcPts val="1000"/>
+        </a:spcAft>
+        <a:buClr>
+          <a:schemeClr val="tx1"/>
+        </a:buClr>
+        <a:buSzPct val="100000"/>
+        <a:buFont typeface="Arial"/>
         <a:buChar char="•"/>
-        <a:defRPr sz="1800" kern="1200">
+        <a:defRPr sz="1200" kern="1200" cap="none">
           <a:solidFill>
             <a:schemeClr val="tx1"/>
           </a:solidFill>
+          <a:effectLst/>
           <a:latin typeface="+mn-lt"/>
           <a:ea typeface="+mn-ea"/>
           <a:cs typeface="+mn-cs"/>
         </a:defRPr>
       </a:lvl6pPr>
-      <a:lvl7pPr marL="2971800" indent="-228600" algn="l" defTabSz="914400" rtl="0" eaLnBrk="1" latinLnBrk="0" hangingPunct="1">
-        <a:lnSpc>
-          <a:spcPct val="90000"/>
-        </a:lnSpc>
+      <a:lvl7pPr marL="2971800" indent="-228600" algn="l" defTabSz="457200" rtl="0" eaLnBrk="1" latinLnBrk="0" hangingPunct="1">
         <a:spcBef>
-          <a:spcPts val="500"/>
+          <a:spcPts val="0"/>
         </a:spcBef>
-        <a:buFont typeface="Arial" panose="020B0604020202020204" pitchFamily="34" charset="0"/>
+        <a:spcAft>
+          <a:spcPts val="1000"/>
+        </a:spcAft>
+        <a:buClr>
+          <a:schemeClr val="tx1"/>
+        </a:buClr>
+        <a:buSzPct val="100000"/>
+        <a:buFont typeface="Arial"/>
         <a:buChar char="•"/>
-        <a:defRPr sz="1800" kern="1200">
+        <a:defRPr sz="1200" kern="1200" cap="none">
           <a:solidFill>
             <a:schemeClr val="tx1"/>
           </a:solidFill>
+          <a:effectLst/>
           <a:latin typeface="+mn-lt"/>
           <a:ea typeface="+mn-ea"/>
           <a:cs typeface="+mn-cs"/>
         </a:defRPr>
       </a:lvl7pPr>
-      <a:lvl8pPr marL="3429000" indent="-228600" algn="l" defTabSz="914400" rtl="0" eaLnBrk="1" latinLnBrk="0" hangingPunct="1">
-        <a:lnSpc>
-          <a:spcPct val="90000"/>
-        </a:lnSpc>
+      <a:lvl8pPr marL="3429000" indent="-228600" algn="l" defTabSz="457200" rtl="0" eaLnBrk="1" latinLnBrk="0" hangingPunct="1">
         <a:spcBef>
-          <a:spcPts val="500"/>
+          <a:spcPts val="0"/>
         </a:spcBef>
-        <a:buFont typeface="Arial" panose="020B0604020202020204" pitchFamily="34" charset="0"/>
+        <a:spcAft>
+          <a:spcPts val="1000"/>
+        </a:spcAft>
+        <a:buClr>
+          <a:schemeClr val="tx1"/>
+        </a:buClr>
+        <a:buSzPct val="100000"/>
+        <a:buFont typeface="Arial"/>
         <a:buChar char="•"/>
-        <a:defRPr sz="1800" kern="1200">
+        <a:defRPr sz="1200" kern="1200" cap="none">
           <a:solidFill>
             <a:schemeClr val="tx1"/>
           </a:solidFill>
+          <a:effectLst/>
           <a:latin typeface="+mn-lt"/>
           <a:ea typeface="+mn-ea"/>
           <a:cs typeface="+mn-cs"/>
         </a:defRPr>
       </a:lvl8pPr>
-      <a:lvl9pPr marL="3886200" indent="-228600" algn="l" defTabSz="914400" rtl="0" eaLnBrk="1" latinLnBrk="0" hangingPunct="1">
-        <a:lnSpc>
-          <a:spcPct val="90000"/>
-        </a:lnSpc>
+      <a:lvl9pPr marL="3886200" indent="-228600" algn="l" defTabSz="457200" rtl="0" eaLnBrk="1" latinLnBrk="0" hangingPunct="1">
         <a:spcBef>
-          <a:spcPts val="500"/>
+          <a:spcPts val="0"/>
         </a:spcBef>
-        <a:buFont typeface="Arial" panose="020B0604020202020204" pitchFamily="34" charset="0"/>
+        <a:spcAft>
+          <a:spcPts val="1000"/>
+        </a:spcAft>
+        <a:buClr>
+          <a:schemeClr val="tx1"/>
+        </a:buClr>
+        <a:buSzPct val="100000"/>
+        <a:buFont typeface="Arial"/>
         <a:buChar char="•"/>
-        <a:defRPr sz="1800" kern="1200">
+        <a:defRPr sz="1200" kern="1200" cap="none">
           <a:solidFill>
             <a:schemeClr val="tx1"/>
           </a:solidFill>
+          <a:effectLst/>
           <a:latin typeface="+mn-lt"/>
           <a:ea typeface="+mn-ea"/>
           <a:cs typeface="+mn-cs"/>
@@ -3219,7 +5721,7 @@
       <a:defPPr>
         <a:defRPr lang="en-US"/>
       </a:defPPr>
-      <a:lvl1pPr marL="0" algn="l" defTabSz="914400" rtl="0" eaLnBrk="1" latinLnBrk="0" hangingPunct="1">
+      <a:lvl1pPr marL="0" algn="l" defTabSz="457200" rtl="0" eaLnBrk="1" latinLnBrk="0" hangingPunct="1">
         <a:defRPr sz="1800" kern="1200">
           <a:solidFill>
             <a:schemeClr val="tx1"/>
@@ -3229,7 +5731,7 @@
           <a:cs typeface="+mn-cs"/>
         </a:defRPr>
       </a:lvl1pPr>
-      <a:lvl2pPr marL="457200" algn="l" defTabSz="914400" rtl="0" eaLnBrk="1" latinLnBrk="0" hangingPunct="1">
+      <a:lvl2pPr marL="457200" algn="l" defTabSz="457200" rtl="0" eaLnBrk="1" latinLnBrk="0" hangingPunct="1">
         <a:defRPr sz="1800" kern="1200">
           <a:solidFill>
             <a:schemeClr val="tx1"/>
@@ -3239,7 +5741,7 @@
           <a:cs typeface="+mn-cs"/>
         </a:defRPr>
       </a:lvl2pPr>
-      <a:lvl3pPr marL="914400" algn="l" defTabSz="914400" rtl="0" eaLnBrk="1" latinLnBrk="0" hangingPunct="1">
+      <a:lvl3pPr marL="914400" algn="l" defTabSz="457200" rtl="0" eaLnBrk="1" latinLnBrk="0" hangingPunct="1">
         <a:defRPr sz="1800" kern="1200">
           <a:solidFill>
             <a:schemeClr val="tx1"/>
@@ -3249,7 +5751,7 @@
           <a:cs typeface="+mn-cs"/>
         </a:defRPr>
       </a:lvl3pPr>
-      <a:lvl4pPr marL="1371600" algn="l" defTabSz="914400" rtl="0" eaLnBrk="1" latinLnBrk="0" hangingPunct="1">
+      <a:lvl4pPr marL="1371600" algn="l" defTabSz="457200" rtl="0" eaLnBrk="1" latinLnBrk="0" hangingPunct="1">
         <a:defRPr sz="1800" kern="1200">
           <a:solidFill>
             <a:schemeClr val="tx1"/>
@@ -3259,7 +5761,7 @@
           <a:cs typeface="+mn-cs"/>
         </a:defRPr>
       </a:lvl4pPr>
-      <a:lvl5pPr marL="1828800" algn="l" defTabSz="914400" rtl="0" eaLnBrk="1" latinLnBrk="0" hangingPunct="1">
+      <a:lvl5pPr marL="1828800" algn="l" defTabSz="457200" rtl="0" eaLnBrk="1" latinLnBrk="0" hangingPunct="1">
         <a:defRPr sz="1800" kern="1200">
           <a:solidFill>
             <a:schemeClr val="tx1"/>
@@ -3269,7 +5771,7 @@
           <a:cs typeface="+mn-cs"/>
         </a:defRPr>
       </a:lvl5pPr>
-      <a:lvl6pPr marL="2286000" algn="l" defTabSz="914400" rtl="0" eaLnBrk="1" latinLnBrk="0" hangingPunct="1">
+      <a:lvl6pPr marL="2286000" algn="l" defTabSz="457200" rtl="0" eaLnBrk="1" latinLnBrk="0" hangingPunct="1">
         <a:defRPr sz="1800" kern="1200">
           <a:solidFill>
             <a:schemeClr val="tx1"/>
@@ -3279,7 +5781,7 @@
           <a:cs typeface="+mn-cs"/>
         </a:defRPr>
       </a:lvl6pPr>
-      <a:lvl7pPr marL="2743200" algn="l" defTabSz="914400" rtl="0" eaLnBrk="1" latinLnBrk="0" hangingPunct="1">
+      <a:lvl7pPr marL="2743200" algn="l" defTabSz="457200" rtl="0" eaLnBrk="1" latinLnBrk="0" hangingPunct="1">
         <a:defRPr sz="1800" kern="1200">
           <a:solidFill>
             <a:schemeClr val="tx1"/>
@@ -3289,7 +5791,7 @@
           <a:cs typeface="+mn-cs"/>
         </a:defRPr>
       </a:lvl7pPr>
-      <a:lvl8pPr marL="3200400" algn="l" defTabSz="914400" rtl="0" eaLnBrk="1" latinLnBrk="0" hangingPunct="1">
+      <a:lvl8pPr marL="3200400" algn="l" defTabSz="457200" rtl="0" eaLnBrk="1" latinLnBrk="0" hangingPunct="1">
         <a:defRPr sz="1800" kern="1200">
           <a:solidFill>
             <a:schemeClr val="tx1"/>
@@ -3299,7 +5801,7 @@
           <a:cs typeface="+mn-cs"/>
         </a:defRPr>
       </a:lvl8pPr>
-      <a:lvl9pPr marL="3657600" algn="l" defTabSz="914400" rtl="0" eaLnBrk="1" latinLnBrk="0" hangingPunct="1">
+      <a:lvl9pPr marL="3657600" algn="l" defTabSz="457200" rtl="0" eaLnBrk="1" latinLnBrk="0" hangingPunct="1">
         <a:defRPr sz="1800" kern="1200">
           <a:solidFill>
             <a:schemeClr val="tx1"/>
@@ -6207,14 +8709,14 @@
           <p:nvPr>
             <p:extLst>
               <p:ext uri="{D42A27DB-BD31-4B8C-83A1-F6EECF244321}">
-                <p14:modId xmlns:p14="http://schemas.microsoft.com/office/powerpoint/2010/main" val="1184513284"/>
+                <p14:modId xmlns:p14="http://schemas.microsoft.com/office/powerpoint/2010/main" val="3930543984"/>
               </p:ext>
             </p:extLst>
           </p:nvPr>
         </p:nvGraphicFramePr>
         <p:xfrm>
           <a:off x="8610826" y="567193"/>
-          <a:ext cx="3364864" cy="3291840"/>
+          <a:ext cx="3364864" cy="4206240"/>
         </p:xfrm>
         <a:graphic>
           <a:graphicData uri="http://schemas.openxmlformats.org/drawingml/2006/table">
@@ -6538,6 +9040,45 @@
                   </a:ext>
                 </a:extLst>
               </a:tr>
+              <a:tr h="318720">
+                <a:tc>
+                  <a:txBody>
+                    <a:bodyPr/>
+                    <a:lstStyle/>
+                    <a:p>
+                      <a:r>
+                        <a:rPr lang="en-GB" noProof="0" dirty="0"/>
+                        <a:t>Genre</a:t>
+                      </a:r>
+                    </a:p>
+                  </a:txBody>
+                  <a:tcPr/>
+                </a:tc>
+                <a:tc>
+                  <a:txBody>
+                    <a:bodyPr/>
+                    <a:lstStyle/>
+                    <a:p>
+                      <a:r>
+                        <a:rPr lang="en-GB" noProof="0" dirty="0"/>
+                        <a:t>Char(40)</a:t>
+                      </a:r>
+                    </a:p>
+                    <a:p>
+                      <a:r>
+                        <a:rPr lang="en-GB" noProof="0" dirty="0"/>
+                        <a:t>Dropdown?</a:t>
+                      </a:r>
+                    </a:p>
+                  </a:txBody>
+                  <a:tcPr/>
+                </a:tc>
+                <a:extLst>
+                  <a:ext uri="{0D108BD9-81ED-4DB2-BD59-A6C34878D82A}">
+                    <a16:rowId xmlns:a16="http://schemas.microsoft.com/office/drawing/2014/main" val="1645688090"/>
+                  </a:ext>
+                </a:extLst>
+              </a:tr>
             </a:tbl>
           </a:graphicData>
         </a:graphic>
@@ -6934,9 +9475,9 @@
 </file>
 
 <file path=ppt/theme/theme1.xml><?xml version="1.0" encoding="utf-8"?>
-<a:theme xmlns:a="http://schemas.openxmlformats.org/drawingml/2006/main" name="Office Theme">
+<a:theme xmlns:a="http://schemas.openxmlformats.org/drawingml/2006/main" name="Celestial">
   <a:themeElements>
-    <a:clrScheme name="Office">
+    <a:clrScheme name="Celestial">
       <a:dk1>
         <a:sysClr val="windowText" lastClr="000000"/>
       </a:dk1>
@@ -6944,44 +9485,44 @@
         <a:sysClr val="window" lastClr="FFFFFF"/>
       </a:lt1>
       <a:dk2>
-        <a:srgbClr val="0E2841"/>
+        <a:srgbClr val="18276C"/>
       </a:dk2>
       <a:lt2>
-        <a:srgbClr val="E8E8E8"/>
+        <a:srgbClr val="EBEBEB"/>
       </a:lt2>
       <a:accent1>
-        <a:srgbClr val="156082"/>
+        <a:srgbClr val="AC3EC1"/>
       </a:accent1>
       <a:accent2>
-        <a:srgbClr val="E97132"/>
+        <a:srgbClr val="477BD1"/>
       </a:accent2>
       <a:accent3>
-        <a:srgbClr val="196B24"/>
+        <a:srgbClr val="46B298"/>
       </a:accent3>
       <a:accent4>
-        <a:srgbClr val="0F9ED5"/>
+        <a:srgbClr val="90BA4C"/>
       </a:accent4>
       <a:accent5>
-        <a:srgbClr val="A02B93"/>
+        <a:srgbClr val="DD9D31"/>
       </a:accent5>
       <a:accent6>
-        <a:srgbClr val="4EA72E"/>
+        <a:srgbClr val="E25247"/>
       </a:accent6>
       <a:hlink>
-        <a:srgbClr val="467886"/>
+        <a:srgbClr val="C573D2"/>
       </a:hlink>
       <a:folHlink>
-        <a:srgbClr val="96607D"/>
+        <a:srgbClr val="CCAEE8"/>
       </a:folHlink>
     </a:clrScheme>
-    <a:fontScheme name="Office">
+    <a:fontScheme name="Celestial">
       <a:majorFont>
-        <a:latin typeface="Aptos Display" panose="02110004020202020204"/>
+        <a:latin typeface="Calibri Light" panose="020F0302020204030204"/>
         <a:ea typeface=""/>
         <a:cs typeface=""/>
-        <a:font script="Jpan" typeface="游ゴシック Light"/>
+        <a:font script="Jpan" typeface="ＭＳ Ｐゴシック"/>
         <a:font script="Hang" typeface="맑은 고딕"/>
-        <a:font script="Hans" typeface="等线 Light"/>
+        <a:font script="Hans" typeface="宋体"/>
         <a:font script="Hant" typeface="新細明體"/>
         <a:font script="Arab" typeface="Times New Roman"/>
         <a:font script="Hebr" typeface="Times New Roman"/>
@@ -7009,31 +9550,14 @@
         <a:font script="Viet" typeface="Times New Roman"/>
         <a:font script="Uigh" typeface="Microsoft Uighur"/>
         <a:font script="Geor" typeface="Sylfaen"/>
-        <a:font script="Armn" typeface="Arial"/>
-        <a:font script="Bugi" typeface="Leelawadee UI"/>
-        <a:font script="Bopo" typeface="Microsoft JhengHei"/>
-        <a:font script="Java" typeface="Javanese Text"/>
-        <a:font script="Lisu" typeface="Segoe UI"/>
-        <a:font script="Mymr" typeface="Myanmar Text"/>
-        <a:font script="Nkoo" typeface="Ebrima"/>
-        <a:font script="Olck" typeface="Nirmala UI"/>
-        <a:font script="Osma" typeface="Ebrima"/>
-        <a:font script="Phag" typeface="Phagspa"/>
-        <a:font script="Syrn" typeface="Estrangelo Edessa"/>
-        <a:font script="Syrj" typeface="Estrangelo Edessa"/>
-        <a:font script="Syre" typeface="Estrangelo Edessa"/>
-        <a:font script="Sora" typeface="Nirmala UI"/>
-        <a:font script="Tale" typeface="Microsoft Tai Le"/>
-        <a:font script="Talu" typeface="Microsoft New Tai Lue"/>
-        <a:font script="Tfng" typeface="Ebrima"/>
       </a:majorFont>
       <a:minorFont>
-        <a:latin typeface="Aptos" panose="02110004020202020204"/>
+        <a:latin typeface="Calibri" panose="020F0502020204030204"/>
         <a:ea typeface=""/>
         <a:cs typeface=""/>
-        <a:font script="Jpan" typeface="游ゴシック"/>
+        <a:font script="Jpan" typeface="ＭＳ Ｐゴシック"/>
         <a:font script="Hang" typeface="맑은 고딕"/>
-        <a:font script="Hans" typeface="等线"/>
+        <a:font script="Hans" typeface="宋体"/>
         <a:font script="Hant" typeface="新細明體"/>
         <a:font script="Arab" typeface="Arial"/>
         <a:font script="Hebr" typeface="Arial"/>
@@ -7061,26 +9585,9 @@
         <a:font script="Viet" typeface="Arial"/>
         <a:font script="Uigh" typeface="Microsoft Uighur"/>
         <a:font script="Geor" typeface="Sylfaen"/>
-        <a:font script="Armn" typeface="Arial"/>
-        <a:font script="Bugi" typeface="Leelawadee UI"/>
-        <a:font script="Bopo" typeface="Microsoft JhengHei"/>
-        <a:font script="Java" typeface="Javanese Text"/>
-        <a:font script="Lisu" typeface="Segoe UI"/>
-        <a:font script="Mymr" typeface="Myanmar Text"/>
-        <a:font script="Nkoo" typeface="Ebrima"/>
-        <a:font script="Olck" typeface="Nirmala UI"/>
-        <a:font script="Osma" typeface="Ebrima"/>
-        <a:font script="Phag" typeface="Phagspa"/>
-        <a:font script="Syrn" typeface="Estrangelo Edessa"/>
-        <a:font script="Syrj" typeface="Estrangelo Edessa"/>
-        <a:font script="Syre" typeface="Estrangelo Edessa"/>
-        <a:font script="Sora" typeface="Nirmala UI"/>
-        <a:font script="Tale" typeface="Microsoft Tai Le"/>
-        <a:font script="Talu" typeface="Microsoft New Tai Lue"/>
-        <a:font script="Tfng" typeface="Ebrima"/>
       </a:minorFont>
     </a:fontScheme>
-    <a:fmtScheme name="Office">
+    <a:fmtScheme name="Celestial">
       <a:fillStyleLst>
         <a:solidFill>
           <a:schemeClr val="phClr"/>
@@ -7089,23 +9596,14 @@
           <a:gsLst>
             <a:gs pos="0">
               <a:schemeClr val="phClr">
+                <a:tint val="70000"/>
                 <a:lumMod val="110000"/>
-                <a:satMod val="105000"/>
-                <a:tint val="67000"/>
-              </a:schemeClr>
-            </a:gs>
-            <a:gs pos="50000">
-              <a:schemeClr val="phClr">
-                <a:lumMod val="105000"/>
-                <a:satMod val="103000"/>
-                <a:tint val="73000"/>
               </a:schemeClr>
             </a:gs>
             <a:gs pos="100000">
               <a:schemeClr val="phClr">
-                <a:lumMod val="105000"/>
-                <a:satMod val="109000"/>
-                <a:tint val="81000"/>
+                <a:tint val="82000"/>
+                <a:alpha val="74000"/>
               </a:schemeClr>
             </a:gs>
           </a:gsLst>
@@ -7115,50 +9613,38 @@
           <a:gsLst>
             <a:gs pos="0">
               <a:schemeClr val="phClr">
-                <a:satMod val="103000"/>
-                <a:lumMod val="102000"/>
-                <a:tint val="94000"/>
-              </a:schemeClr>
-            </a:gs>
-            <a:gs pos="50000">
-              <a:schemeClr val="phClr">
-                <a:satMod val="110000"/>
+                <a:tint val="98000"/>
                 <a:lumMod val="100000"/>
-                <a:shade val="100000"/>
               </a:schemeClr>
             </a:gs>
             <a:gs pos="100000">
               <a:schemeClr val="phClr">
-                <a:lumMod val="99000"/>
-                <a:satMod val="120000"/>
-                <a:shade val="78000"/>
+                <a:shade val="88000"/>
+                <a:lumMod val="88000"/>
               </a:schemeClr>
             </a:gs>
           </a:gsLst>
-          <a:lin ang="5400000" scaled="0"/>
+          <a:lin ang="5400000" scaled="1"/>
         </a:gradFill>
       </a:fillStyleLst>
       <a:lnStyleLst>
-        <a:ln w="12700" cap="flat" cmpd="sng" algn="ctr">
+        <a:ln w="9525" cap="rnd" cmpd="sng" algn="ctr">
           <a:solidFill>
             <a:schemeClr val="phClr"/>
           </a:solidFill>
           <a:prstDash val="solid"/>
-          <a:miter lim="800000"/>
         </a:ln>
-        <a:ln w="19050" cap="flat" cmpd="sng" algn="ctr">
+        <a:ln w="19050" cap="rnd" cmpd="sng" algn="ctr">
           <a:solidFill>
             <a:schemeClr val="phClr"/>
           </a:solidFill>
           <a:prstDash val="solid"/>
-          <a:miter lim="800000"/>
         </a:ln>
-        <a:ln w="25400" cap="flat" cmpd="sng" algn="ctr">
+        <a:ln w="25400" cap="rnd" cmpd="sng" algn="ctr">
           <a:solidFill>
             <a:schemeClr val="phClr"/>
           </a:solidFill>
           <a:prstDash val="solid"/>
-          <a:miter lim="800000"/>
         </a:ln>
       </a:lnStyleLst>
       <a:effectStyleLst>
@@ -7166,83 +9652,72 @@
           <a:effectLst/>
         </a:effectStyle>
         <a:effectStyle>
-          <a:effectLst/>
+          <a:effectLst>
+            <a:outerShdw blurRad="50800" dist="38100" dir="5400000" rotWithShape="0">
+              <a:srgbClr val="000000">
+                <a:alpha val="35000"/>
+              </a:srgbClr>
+            </a:outerShdw>
+          </a:effectLst>
         </a:effectStyle>
         <a:effectStyle>
           <a:effectLst>
-            <a:outerShdw blurRad="57150" dist="19050" dir="5400000" algn="ctr" rotWithShape="0">
+            <a:outerShdw blurRad="63500" dist="38100" dir="5400000" rotWithShape="0">
               <a:srgbClr val="000000">
-                <a:alpha val="63000"/>
+                <a:alpha val="65000"/>
               </a:srgbClr>
             </a:outerShdw>
           </a:effectLst>
+          <a:scene3d>
+            <a:camera prst="orthographicFront">
+              <a:rot lat="0" lon="0" rev="0"/>
+            </a:camera>
+            <a:lightRig rig="threePt" dir="tl">
+              <a:rot lat="0" lon="0" rev="1200000"/>
+            </a:lightRig>
+          </a:scene3d>
+          <a:sp3d>
+            <a:bevelT w="38100" h="12700"/>
+          </a:sp3d>
         </a:effectStyle>
       </a:effectStyleLst>
       <a:bgFillStyleLst>
         <a:solidFill>
           <a:schemeClr val="phClr"/>
         </a:solidFill>
-        <a:solidFill>
-          <a:schemeClr val="phClr">
-            <a:tint val="95000"/>
-            <a:satMod val="170000"/>
-          </a:schemeClr>
-        </a:solidFill>
         <a:gradFill rotWithShape="1">
           <a:gsLst>
             <a:gs pos="0">
               <a:schemeClr val="phClr">
-                <a:tint val="93000"/>
-                <a:satMod val="150000"/>
-                <a:shade val="98000"/>
-                <a:lumMod val="102000"/>
-              </a:schemeClr>
-            </a:gs>
-            <a:gs pos="50000">
-              <a:schemeClr val="phClr">
-                <a:tint val="98000"/>
-                <a:satMod val="130000"/>
-                <a:shade val="90000"/>
-                <a:lumMod val="103000"/>
+                <a:tint val="90000"/>
+                <a:shade val="96000"/>
+                <a:hueMod val="100000"/>
+                <a:satMod val="180000"/>
+                <a:lumMod val="110000"/>
               </a:schemeClr>
             </a:gs>
             <a:gs pos="100000">
               <a:schemeClr val="phClr">
-                <a:shade val="63000"/>
-                <a:satMod val="120000"/>
+                <a:shade val="96000"/>
+                <a:satMod val="160000"/>
+                <a:lumMod val="100000"/>
               </a:schemeClr>
             </a:gs>
           </a:gsLst>
-          <a:lin ang="5400000" scaled="0"/>
+          <a:lin ang="4740000" scaled="1"/>
         </a:gradFill>
+        <a:blipFill>
+          <a:blip xmlns:r="http://schemas.openxmlformats.org/officeDocument/2006/relationships" r:embed="rId1"/>
+          <a:stretch/>
+        </a:blipFill>
       </a:bgFillStyleLst>
     </a:fmtScheme>
   </a:themeElements>
-  <a:objectDefaults>
-    <a:lnDef>
-      <a:spPr/>
-      <a:bodyPr/>
-      <a:lstStyle/>
-      <a:style>
-        <a:lnRef idx="2">
-          <a:schemeClr val="accent1"/>
-        </a:lnRef>
-        <a:fillRef idx="0">
-          <a:schemeClr val="accent1"/>
-        </a:fillRef>
-        <a:effectRef idx="1">
-          <a:schemeClr val="accent1"/>
-        </a:effectRef>
-        <a:fontRef idx="minor">
-          <a:schemeClr val="tx1"/>
-        </a:fontRef>
-      </a:style>
-    </a:lnDef>
-  </a:objectDefaults>
+  <a:objectDefaults/>
   <a:extraClrSchemeLst/>
   <a:extLst>
     <a:ext uri="{05A4C25C-085E-4340-85A3-A5531E510DB2}">
-      <thm15:themeFamily xmlns:thm15="http://schemas.microsoft.com/office/thememl/2012/main" name="Office Theme" id="{2E142A2C-CD16-42D6-873A-C26D2A0506FA}" vid="{1BDDFF52-6CD6-40A5-AB3C-68EB2F1E4D0A}"/>
+      <thm15:themeFamily xmlns:thm15="http://schemas.microsoft.com/office/thememl/2012/main" name="Celestial" id="{C4BB2A3D-0E93-4C5F-B0D2-9D3FCE089CC5}" vid="{42E5908D-19A2-46FD-89FA-638B126129EF}"/>
     </a:ext>
   </a:extLst>
 </a:theme>

--- a/WAD2 Group Project Design Spec.pptx
+++ b/WAD2 Group Project Design Spec.pptx
@@ -11,6 +11,8 @@
     <p:sldId id="258" r:id="rId5"/>
     <p:sldId id="261" r:id="rId6"/>
     <p:sldId id="259" r:id="rId7"/>
+    <p:sldId id="262" r:id="rId8"/>
+    <p:sldId id="263" r:id="rId9"/>
   </p:sldIdLst>
   <p:sldSz cx="12192000" cy="6858000"/>
   <p:notesSz cx="6858000" cy="9144000"/>
@@ -346,7 +348,7 @@
           <a:p>
             <a:fld id="{386EAC6E-8ADC-498C-8D78-A1467B1978D3}" type="datetimeFigureOut">
               <a:rPr lang="en-GB" smtClean="0"/>
-              <a:t>22/02/2025</a:t>
+              <a:t>25/02/2025</a:t>
             </a:fld>
             <a:endParaRPr lang="en-GB"/>
           </a:p>
@@ -680,7 +682,7 @@
           <a:p>
             <a:fld id="{386EAC6E-8ADC-498C-8D78-A1467B1978D3}" type="datetimeFigureOut">
               <a:rPr lang="en-GB" smtClean="0"/>
-              <a:t>22/02/2025</a:t>
+              <a:t>25/02/2025</a:t>
             </a:fld>
             <a:endParaRPr lang="en-GB"/>
           </a:p>
@@ -958,7 +960,7 @@
           <a:p>
             <a:fld id="{386EAC6E-8ADC-498C-8D78-A1467B1978D3}" type="datetimeFigureOut">
               <a:rPr lang="en-GB" smtClean="0"/>
-              <a:t>22/02/2025</a:t>
+              <a:t>25/02/2025</a:t>
             </a:fld>
             <a:endParaRPr lang="en-GB"/>
           </a:p>
@@ -1526,7 +1528,7 @@
           <a:p>
             <a:fld id="{386EAC6E-8ADC-498C-8D78-A1467B1978D3}" type="datetimeFigureOut">
               <a:rPr lang="en-GB" smtClean="0"/>
-              <a:t>22/02/2025</a:t>
+              <a:t>25/02/2025</a:t>
             </a:fld>
             <a:endParaRPr lang="en-GB"/>
           </a:p>
@@ -1804,7 +1806,7 @@
           <a:p>
             <a:fld id="{386EAC6E-8ADC-498C-8D78-A1467B1978D3}" type="datetimeFigureOut">
               <a:rPr lang="en-GB" smtClean="0"/>
-              <a:t>22/02/2025</a:t>
+              <a:t>25/02/2025</a:t>
             </a:fld>
             <a:endParaRPr lang="en-GB"/>
           </a:p>
@@ -2366,7 +2368,7 @@
           <a:p>
             <a:fld id="{386EAC6E-8ADC-498C-8D78-A1467B1978D3}" type="datetimeFigureOut">
               <a:rPr lang="en-GB" smtClean="0"/>
-              <a:t>22/02/2025</a:t>
+              <a:t>25/02/2025</a:t>
             </a:fld>
             <a:endParaRPr lang="en-GB"/>
           </a:p>
@@ -2693,7 +2695,7 @@
           <a:p>
             <a:fld id="{386EAC6E-8ADC-498C-8D78-A1467B1978D3}" type="datetimeFigureOut">
               <a:rPr lang="en-GB" smtClean="0"/>
-              <a:t>22/02/2025</a:t>
+              <a:t>25/02/2025</a:t>
             </a:fld>
             <a:endParaRPr lang="en-GB"/>
           </a:p>
@@ -2870,7 +2872,7 @@
           <a:p>
             <a:fld id="{386EAC6E-8ADC-498C-8D78-A1467B1978D3}" type="datetimeFigureOut">
               <a:rPr lang="en-GB" smtClean="0"/>
-              <a:t>22/02/2025</a:t>
+              <a:t>25/02/2025</a:t>
             </a:fld>
             <a:endParaRPr lang="en-GB"/>
           </a:p>
@@ -3108,7 +3110,7 @@
           <a:p>
             <a:fld id="{386EAC6E-8ADC-498C-8D78-A1467B1978D3}" type="datetimeFigureOut">
               <a:rPr lang="en-GB" smtClean="0"/>
-              <a:t>22/02/2025</a:t>
+              <a:t>25/02/2025</a:t>
             </a:fld>
             <a:endParaRPr lang="en-GB"/>
           </a:p>
@@ -3308,7 +3310,7 @@
           <a:p>
             <a:fld id="{386EAC6E-8ADC-498C-8D78-A1467B1978D3}" type="datetimeFigureOut">
               <a:rPr lang="en-GB" smtClean="0"/>
-              <a:t>22/02/2025</a:t>
+              <a:t>25/02/2025</a:t>
             </a:fld>
             <a:endParaRPr lang="en-GB"/>
           </a:p>
@@ -3584,7 +3586,7 @@
           <a:p>
             <a:fld id="{386EAC6E-8ADC-498C-8D78-A1467B1978D3}" type="datetimeFigureOut">
               <a:rPr lang="en-GB" smtClean="0"/>
-              <a:t>22/02/2025</a:t>
+              <a:t>25/02/2025</a:t>
             </a:fld>
             <a:endParaRPr lang="en-GB"/>
           </a:p>
@@ -3850,7 +3852,7 @@
           <a:p>
             <a:fld id="{386EAC6E-8ADC-498C-8D78-A1467B1978D3}" type="datetimeFigureOut">
               <a:rPr lang="en-GB" smtClean="0"/>
-              <a:t>22/02/2025</a:t>
+              <a:t>25/02/2025</a:t>
             </a:fld>
             <a:endParaRPr lang="en-GB"/>
           </a:p>
@@ -4224,7 +4226,7 @@
           <a:p>
             <a:fld id="{386EAC6E-8ADC-498C-8D78-A1467B1978D3}" type="datetimeFigureOut">
               <a:rPr lang="en-GB" smtClean="0"/>
-              <a:t>22/02/2025</a:t>
+              <a:t>25/02/2025</a:t>
             </a:fld>
             <a:endParaRPr lang="en-GB"/>
           </a:p>
@@ -4372,7 +4374,7 @@
           <a:p>
             <a:fld id="{386EAC6E-8ADC-498C-8D78-A1467B1978D3}" type="datetimeFigureOut">
               <a:rPr lang="en-GB" smtClean="0"/>
-              <a:t>22/02/2025</a:t>
+              <a:t>25/02/2025</a:t>
             </a:fld>
             <a:endParaRPr lang="en-GB"/>
           </a:p>
@@ -4497,7 +4499,7 @@
           <a:p>
             <a:fld id="{386EAC6E-8ADC-498C-8D78-A1467B1978D3}" type="datetimeFigureOut">
               <a:rPr lang="en-GB" smtClean="0"/>
-              <a:t>22/02/2025</a:t>
+              <a:t>25/02/2025</a:t>
             </a:fld>
             <a:endParaRPr lang="en-GB"/>
           </a:p>
@@ -4782,7 +4784,7 @@
           <a:p>
             <a:fld id="{386EAC6E-8ADC-498C-8D78-A1467B1978D3}" type="datetimeFigureOut">
               <a:rPr lang="en-GB" smtClean="0"/>
-              <a:t>22/02/2025</a:t>
+              <a:t>25/02/2025</a:t>
             </a:fld>
             <a:endParaRPr lang="en-GB"/>
           </a:p>
@@ -5106,7 +5108,7 @@
           <a:p>
             <a:fld id="{386EAC6E-8ADC-498C-8D78-A1467B1978D3}" type="datetimeFigureOut">
               <a:rPr lang="en-GB" smtClean="0"/>
-              <a:t>22/02/2025</a:t>
+              <a:t>25/02/2025</a:t>
             </a:fld>
             <a:endParaRPr lang="en-GB"/>
           </a:p>
@@ -5320,7 +5322,7 @@
           <a:p>
             <a:fld id="{386EAC6E-8ADC-498C-8D78-A1467B1978D3}" type="datetimeFigureOut">
               <a:rPr lang="en-GB" smtClean="0"/>
-              <a:t>22/02/2025</a:t>
+              <a:t>25/02/2025</a:t>
             </a:fld>
             <a:endParaRPr lang="en-GB"/>
           </a:p>
@@ -9474,6 +9476,740 @@
 </p:sld>
 </file>
 
+<file path=ppt/slides/slide7.xml><?xml version="1.0" encoding="utf-8"?>
+<p:sld xmlns:a="http://schemas.openxmlformats.org/drawingml/2006/main" xmlns:r="http://schemas.openxmlformats.org/officeDocument/2006/relationships" xmlns:p="http://schemas.openxmlformats.org/presentationml/2006/main">
+  <p:cSld>
+    <p:spTree>
+      <p:nvGrpSpPr>
+        <p:cNvPr id="1" name=""/>
+        <p:cNvGrpSpPr/>
+        <p:nvPr/>
+      </p:nvGrpSpPr>
+      <p:grpSpPr>
+        <a:xfrm>
+          <a:off x="0" y="0"/>
+          <a:ext cx="0" cy="0"/>
+          <a:chOff x="0" y="0"/>
+          <a:chExt cx="0" cy="0"/>
+        </a:xfrm>
+      </p:grpSpPr>
+      <p:sp>
+        <p:nvSpPr>
+          <p:cNvPr id="2" name="Title 1">
+            <a:extLst>
+              <a:ext uri="{FF2B5EF4-FFF2-40B4-BE49-F238E27FC236}">
+                <a16:creationId xmlns:a16="http://schemas.microsoft.com/office/drawing/2014/main" id="{7471175A-2D75-780B-F248-8195BFE9D53C}"/>
+              </a:ext>
+            </a:extLst>
+          </p:cNvPr>
+          <p:cNvSpPr>
+            <a:spLocks noGrp="1"/>
+          </p:cNvSpPr>
+          <p:nvPr>
+            <p:ph type="title"/>
+          </p:nvPr>
+        </p:nvSpPr>
+        <p:spPr/>
+        <p:txBody>
+          <a:bodyPr/>
+          <a:lstStyle/>
+          <a:p>
+            <a:r>
+              <a:rPr lang="en-GB" dirty="0"/>
+              <a:t>Site map</a:t>
+            </a:r>
+          </a:p>
+        </p:txBody>
+      </p:sp>
+      <p:sp>
+        <p:nvSpPr>
+          <p:cNvPr id="3" name="Content Placeholder 2">
+            <a:extLst>
+              <a:ext uri="{FF2B5EF4-FFF2-40B4-BE49-F238E27FC236}">
+                <a16:creationId xmlns:a16="http://schemas.microsoft.com/office/drawing/2014/main" id="{2E5EEE34-7970-9F40-61F1-D7F05A913003}"/>
+              </a:ext>
+            </a:extLst>
+          </p:cNvPr>
+          <p:cNvSpPr>
+            <a:spLocks noGrp="1"/>
+          </p:cNvSpPr>
+          <p:nvPr>
+            <p:ph idx="1"/>
+          </p:nvPr>
+        </p:nvSpPr>
+        <p:spPr>
+          <a:xfrm flipV="1">
+            <a:off x="13556227" y="3098255"/>
+            <a:ext cx="45719" cy="76200"/>
+          </a:xfrm>
+        </p:spPr>
+        <p:txBody>
+          <a:bodyPr>
+            <a:normAutofit fontScale="25000" lnSpcReduction="20000"/>
+          </a:bodyPr>
+          <a:lstStyle/>
+          <a:p>
+            <a:endParaRPr lang="en-GB" dirty="0"/>
+          </a:p>
+        </p:txBody>
+      </p:sp>
+      <p:sp>
+        <p:nvSpPr>
+          <p:cNvPr id="4" name="Rectangle 3">
+            <a:extLst>
+              <a:ext uri="{FF2B5EF4-FFF2-40B4-BE49-F238E27FC236}">
+                <a16:creationId xmlns:a16="http://schemas.microsoft.com/office/drawing/2014/main" id="{1C186EF5-6F08-13ED-DF99-17C5E2BB352B}"/>
+              </a:ext>
+            </a:extLst>
+          </p:cNvPr>
+          <p:cNvSpPr/>
+          <p:nvPr/>
+        </p:nvSpPr>
+        <p:spPr>
+          <a:xfrm>
+            <a:off x="5481486" y="2027631"/>
+            <a:ext cx="1474839" cy="588843"/>
+          </a:xfrm>
+          <a:prstGeom prst="rect">
+            <a:avLst/>
+          </a:prstGeom>
+        </p:spPr>
+        <p:style>
+          <a:lnRef idx="2">
+            <a:schemeClr val="accent1">
+              <a:shade val="15000"/>
+            </a:schemeClr>
+          </a:lnRef>
+          <a:fillRef idx="1">
+            <a:schemeClr val="accent1"/>
+          </a:fillRef>
+          <a:effectRef idx="0">
+            <a:schemeClr val="accent1"/>
+          </a:effectRef>
+          <a:fontRef idx="minor">
+            <a:schemeClr val="lt1"/>
+          </a:fontRef>
+        </p:style>
+        <p:txBody>
+          <a:bodyPr rtlCol="0" anchor="ctr"/>
+          <a:lstStyle/>
+          <a:p>
+            <a:pPr algn="ctr"/>
+            <a:r>
+              <a:rPr lang="en-GB" dirty="0"/>
+              <a:t>Home Page</a:t>
+            </a:r>
+          </a:p>
+        </p:txBody>
+      </p:sp>
+      <p:sp>
+        <p:nvSpPr>
+          <p:cNvPr id="5" name="Rectangle 4">
+            <a:extLst>
+              <a:ext uri="{FF2B5EF4-FFF2-40B4-BE49-F238E27FC236}">
+                <a16:creationId xmlns:a16="http://schemas.microsoft.com/office/drawing/2014/main" id="{4F7FAB3E-5EE8-7162-A178-073ACF603C44}"/>
+              </a:ext>
+            </a:extLst>
+          </p:cNvPr>
+          <p:cNvSpPr/>
+          <p:nvPr/>
+        </p:nvSpPr>
+        <p:spPr>
+          <a:xfrm>
+            <a:off x="879987" y="3309648"/>
+            <a:ext cx="1474839" cy="588843"/>
+          </a:xfrm>
+          <a:prstGeom prst="rect">
+            <a:avLst/>
+          </a:prstGeom>
+        </p:spPr>
+        <p:style>
+          <a:lnRef idx="2">
+            <a:schemeClr val="accent1">
+              <a:shade val="15000"/>
+            </a:schemeClr>
+          </a:lnRef>
+          <a:fillRef idx="1">
+            <a:schemeClr val="accent1"/>
+          </a:fillRef>
+          <a:effectRef idx="0">
+            <a:schemeClr val="accent1"/>
+          </a:effectRef>
+          <a:fontRef idx="minor">
+            <a:schemeClr val="lt1"/>
+          </a:fontRef>
+        </p:style>
+        <p:txBody>
+          <a:bodyPr rtlCol="0" anchor="ctr"/>
+          <a:lstStyle/>
+          <a:p>
+            <a:pPr algn="ctr"/>
+            <a:r>
+              <a:rPr lang="en-GB" dirty="0"/>
+              <a:t>Sign Up</a:t>
+            </a:r>
+          </a:p>
+        </p:txBody>
+      </p:sp>
+      <p:sp>
+        <p:nvSpPr>
+          <p:cNvPr id="6" name="Rectangle 5">
+            <a:extLst>
+              <a:ext uri="{FF2B5EF4-FFF2-40B4-BE49-F238E27FC236}">
+                <a16:creationId xmlns:a16="http://schemas.microsoft.com/office/drawing/2014/main" id="{9CF68EA2-35DE-3A4C-1564-1CE2501A6684}"/>
+              </a:ext>
+            </a:extLst>
+          </p:cNvPr>
+          <p:cNvSpPr/>
+          <p:nvPr/>
+        </p:nvSpPr>
+        <p:spPr>
+          <a:xfrm>
+            <a:off x="3180736" y="3309647"/>
+            <a:ext cx="1474839" cy="588843"/>
+          </a:xfrm>
+          <a:prstGeom prst="rect">
+            <a:avLst/>
+          </a:prstGeom>
+        </p:spPr>
+        <p:style>
+          <a:lnRef idx="2">
+            <a:schemeClr val="accent1">
+              <a:shade val="15000"/>
+            </a:schemeClr>
+          </a:lnRef>
+          <a:fillRef idx="1">
+            <a:schemeClr val="accent1"/>
+          </a:fillRef>
+          <a:effectRef idx="0">
+            <a:schemeClr val="accent1"/>
+          </a:effectRef>
+          <a:fontRef idx="minor">
+            <a:schemeClr val="lt1"/>
+          </a:fontRef>
+        </p:style>
+        <p:txBody>
+          <a:bodyPr rtlCol="0" anchor="ctr"/>
+          <a:lstStyle/>
+          <a:p>
+            <a:pPr algn="ctr"/>
+            <a:r>
+              <a:rPr lang="en-GB" dirty="0"/>
+              <a:t>Login</a:t>
+            </a:r>
+          </a:p>
+        </p:txBody>
+      </p:sp>
+      <p:sp>
+        <p:nvSpPr>
+          <p:cNvPr id="7" name="Rectangle 6">
+            <a:extLst>
+              <a:ext uri="{FF2B5EF4-FFF2-40B4-BE49-F238E27FC236}">
+                <a16:creationId xmlns:a16="http://schemas.microsoft.com/office/drawing/2014/main" id="{9511E68E-42FB-25EA-A112-15FB7E041008}"/>
+              </a:ext>
+            </a:extLst>
+          </p:cNvPr>
+          <p:cNvSpPr/>
+          <p:nvPr/>
+        </p:nvSpPr>
+        <p:spPr>
+          <a:xfrm>
+            <a:off x="5481485" y="3315651"/>
+            <a:ext cx="1474839" cy="588843"/>
+          </a:xfrm>
+          <a:prstGeom prst="rect">
+            <a:avLst/>
+          </a:prstGeom>
+        </p:spPr>
+        <p:style>
+          <a:lnRef idx="2">
+            <a:schemeClr val="accent1">
+              <a:shade val="15000"/>
+            </a:schemeClr>
+          </a:lnRef>
+          <a:fillRef idx="1">
+            <a:schemeClr val="accent1"/>
+          </a:fillRef>
+          <a:effectRef idx="0">
+            <a:schemeClr val="accent1"/>
+          </a:effectRef>
+          <a:fontRef idx="minor">
+            <a:schemeClr val="lt1"/>
+          </a:fontRef>
+        </p:style>
+        <p:txBody>
+          <a:bodyPr rtlCol="0" anchor="ctr"/>
+          <a:lstStyle/>
+          <a:p>
+            <a:pPr algn="ctr"/>
+            <a:r>
+              <a:rPr lang="en-GB" dirty="0"/>
+              <a:t>User Pages</a:t>
+            </a:r>
+          </a:p>
+        </p:txBody>
+      </p:sp>
+      <p:sp>
+        <p:nvSpPr>
+          <p:cNvPr id="8" name="Rectangle 7">
+            <a:extLst>
+              <a:ext uri="{FF2B5EF4-FFF2-40B4-BE49-F238E27FC236}">
+                <a16:creationId xmlns:a16="http://schemas.microsoft.com/office/drawing/2014/main" id="{62C32F1F-ACCA-C186-9355-1B2A2C16E727}"/>
+              </a:ext>
+            </a:extLst>
+          </p:cNvPr>
+          <p:cNvSpPr/>
+          <p:nvPr/>
+        </p:nvSpPr>
+        <p:spPr>
+          <a:xfrm>
+            <a:off x="7733071" y="3309645"/>
+            <a:ext cx="1474839" cy="588843"/>
+          </a:xfrm>
+          <a:prstGeom prst="rect">
+            <a:avLst/>
+          </a:prstGeom>
+        </p:spPr>
+        <p:style>
+          <a:lnRef idx="2">
+            <a:schemeClr val="accent1">
+              <a:shade val="15000"/>
+            </a:schemeClr>
+          </a:lnRef>
+          <a:fillRef idx="1">
+            <a:schemeClr val="accent1"/>
+          </a:fillRef>
+          <a:effectRef idx="0">
+            <a:schemeClr val="accent1"/>
+          </a:effectRef>
+          <a:fontRef idx="minor">
+            <a:schemeClr val="lt1"/>
+          </a:fontRef>
+        </p:style>
+        <p:txBody>
+          <a:bodyPr rtlCol="0" anchor="ctr"/>
+          <a:lstStyle/>
+          <a:p>
+            <a:pPr algn="ctr"/>
+            <a:r>
+              <a:rPr lang="en-GB" dirty="0"/>
+              <a:t>Album Pages</a:t>
+            </a:r>
+          </a:p>
+        </p:txBody>
+      </p:sp>
+      <p:cxnSp>
+        <p:nvCxnSpPr>
+          <p:cNvPr id="10" name="Connector: Elbow 9">
+            <a:extLst>
+              <a:ext uri="{FF2B5EF4-FFF2-40B4-BE49-F238E27FC236}">
+                <a16:creationId xmlns:a16="http://schemas.microsoft.com/office/drawing/2014/main" id="{CBB8E032-2206-5B9F-A4BF-169347293664}"/>
+              </a:ext>
+            </a:extLst>
+          </p:cNvPr>
+          <p:cNvCxnSpPr>
+            <a:stCxn id="4" idx="2"/>
+            <a:endCxn id="6" idx="0"/>
+          </p:cNvCxnSpPr>
+          <p:nvPr/>
+        </p:nvCxnSpPr>
+        <p:spPr>
+          <a:xfrm rot="5400000">
+            <a:off x="4721945" y="1812685"/>
+            <a:ext cx="693173" cy="2300750"/>
+          </a:xfrm>
+          <a:prstGeom prst="bentConnector3">
+            <a:avLst/>
+          </a:prstGeom>
+          <a:ln>
+            <a:tailEnd type="triangle"/>
+          </a:ln>
+        </p:spPr>
+        <p:style>
+          <a:lnRef idx="1">
+            <a:schemeClr val="accent1"/>
+          </a:lnRef>
+          <a:fillRef idx="0">
+            <a:schemeClr val="accent1"/>
+          </a:fillRef>
+          <a:effectRef idx="0">
+            <a:schemeClr val="accent1"/>
+          </a:effectRef>
+          <a:fontRef idx="minor">
+            <a:schemeClr val="tx1"/>
+          </a:fontRef>
+        </p:style>
+      </p:cxnSp>
+      <p:cxnSp>
+        <p:nvCxnSpPr>
+          <p:cNvPr id="12" name="Connector: Elbow 11">
+            <a:extLst>
+              <a:ext uri="{FF2B5EF4-FFF2-40B4-BE49-F238E27FC236}">
+                <a16:creationId xmlns:a16="http://schemas.microsoft.com/office/drawing/2014/main" id="{E1F0AE37-D261-4149-53B0-8C7BFEA787E3}"/>
+              </a:ext>
+            </a:extLst>
+          </p:cNvPr>
+          <p:cNvCxnSpPr>
+            <a:stCxn id="4" idx="2"/>
+            <a:endCxn id="5" idx="0"/>
+          </p:cNvCxnSpPr>
+          <p:nvPr/>
+        </p:nvCxnSpPr>
+        <p:spPr>
+          <a:xfrm rot="5400000">
+            <a:off x="3571570" y="662312"/>
+            <a:ext cx="693174" cy="4601499"/>
+          </a:xfrm>
+          <a:prstGeom prst="bentConnector3">
+            <a:avLst/>
+          </a:prstGeom>
+          <a:ln>
+            <a:tailEnd type="triangle"/>
+          </a:ln>
+        </p:spPr>
+        <p:style>
+          <a:lnRef idx="1">
+            <a:schemeClr val="accent1"/>
+          </a:lnRef>
+          <a:fillRef idx="0">
+            <a:schemeClr val="accent1"/>
+          </a:fillRef>
+          <a:effectRef idx="0">
+            <a:schemeClr val="accent1"/>
+          </a:effectRef>
+          <a:fontRef idx="minor">
+            <a:schemeClr val="tx1"/>
+          </a:fontRef>
+        </p:style>
+      </p:cxnSp>
+      <p:cxnSp>
+        <p:nvCxnSpPr>
+          <p:cNvPr id="14" name="Connector: Elbow 13">
+            <a:extLst>
+              <a:ext uri="{FF2B5EF4-FFF2-40B4-BE49-F238E27FC236}">
+                <a16:creationId xmlns:a16="http://schemas.microsoft.com/office/drawing/2014/main" id="{033F9B51-8A83-FF4F-61D7-E3A483086499}"/>
+              </a:ext>
+            </a:extLst>
+          </p:cNvPr>
+          <p:cNvCxnSpPr>
+            <a:stCxn id="4" idx="2"/>
+            <a:endCxn id="7" idx="0"/>
+          </p:cNvCxnSpPr>
+          <p:nvPr/>
+        </p:nvCxnSpPr>
+        <p:spPr>
+          <a:xfrm rot="5400000">
+            <a:off x="5869318" y="2966062"/>
+            <a:ext cx="699177" cy="1"/>
+          </a:xfrm>
+          <a:prstGeom prst="bentConnector3">
+            <a:avLst/>
+          </a:prstGeom>
+          <a:ln>
+            <a:tailEnd type="triangle"/>
+          </a:ln>
+        </p:spPr>
+        <p:style>
+          <a:lnRef idx="1">
+            <a:schemeClr val="accent1"/>
+          </a:lnRef>
+          <a:fillRef idx="0">
+            <a:schemeClr val="accent1"/>
+          </a:fillRef>
+          <a:effectRef idx="0">
+            <a:schemeClr val="accent1"/>
+          </a:effectRef>
+          <a:fontRef idx="minor">
+            <a:schemeClr val="tx1"/>
+          </a:fontRef>
+        </p:style>
+      </p:cxnSp>
+      <p:cxnSp>
+        <p:nvCxnSpPr>
+          <p:cNvPr id="16" name="Connector: Elbow 15">
+            <a:extLst>
+              <a:ext uri="{FF2B5EF4-FFF2-40B4-BE49-F238E27FC236}">
+                <a16:creationId xmlns:a16="http://schemas.microsoft.com/office/drawing/2014/main" id="{753E242D-2D9B-D86E-A1C4-07CB5E1B65F8}"/>
+              </a:ext>
+            </a:extLst>
+          </p:cNvPr>
+          <p:cNvCxnSpPr>
+            <a:stCxn id="4" idx="2"/>
+            <a:endCxn id="8" idx="0"/>
+          </p:cNvCxnSpPr>
+          <p:nvPr/>
+        </p:nvCxnSpPr>
+        <p:spPr>
+          <a:xfrm rot="16200000" flipH="1">
+            <a:off x="6998113" y="1837266"/>
+            <a:ext cx="693171" cy="2251585"/>
+          </a:xfrm>
+          <a:prstGeom prst="bentConnector3">
+            <a:avLst/>
+          </a:prstGeom>
+          <a:ln>
+            <a:tailEnd type="triangle"/>
+          </a:ln>
+        </p:spPr>
+        <p:style>
+          <a:lnRef idx="1">
+            <a:schemeClr val="accent1"/>
+          </a:lnRef>
+          <a:fillRef idx="0">
+            <a:schemeClr val="accent1"/>
+          </a:fillRef>
+          <a:effectRef idx="0">
+            <a:schemeClr val="accent1"/>
+          </a:effectRef>
+          <a:fontRef idx="minor">
+            <a:schemeClr val="tx1"/>
+          </a:fontRef>
+        </p:style>
+      </p:cxnSp>
+      <p:sp>
+        <p:nvSpPr>
+          <p:cNvPr id="17" name="Rectangle 16">
+            <a:extLst>
+              <a:ext uri="{FF2B5EF4-FFF2-40B4-BE49-F238E27FC236}">
+                <a16:creationId xmlns:a16="http://schemas.microsoft.com/office/drawing/2014/main" id="{B29E7803-F4F1-C773-B575-C7AD39B9B4A9}"/>
+              </a:ext>
+            </a:extLst>
+          </p:cNvPr>
+          <p:cNvSpPr/>
+          <p:nvPr/>
+        </p:nvSpPr>
+        <p:spPr>
+          <a:xfrm>
+            <a:off x="9837173" y="3309644"/>
+            <a:ext cx="1474839" cy="588843"/>
+          </a:xfrm>
+          <a:prstGeom prst="rect">
+            <a:avLst/>
+          </a:prstGeom>
+        </p:spPr>
+        <p:style>
+          <a:lnRef idx="2">
+            <a:schemeClr val="accent1">
+              <a:shade val="15000"/>
+            </a:schemeClr>
+          </a:lnRef>
+          <a:fillRef idx="1">
+            <a:schemeClr val="accent1"/>
+          </a:fillRef>
+          <a:effectRef idx="0">
+            <a:schemeClr val="accent1"/>
+          </a:effectRef>
+          <a:fontRef idx="minor">
+            <a:schemeClr val="lt1"/>
+          </a:fontRef>
+        </p:style>
+        <p:txBody>
+          <a:bodyPr rtlCol="0" anchor="ctr"/>
+          <a:lstStyle/>
+          <a:p>
+            <a:pPr algn="ctr"/>
+            <a:r>
+              <a:rPr lang="en-GB" dirty="0"/>
+              <a:t>Album Pages</a:t>
+            </a:r>
+          </a:p>
+        </p:txBody>
+      </p:sp>
+      <p:cxnSp>
+        <p:nvCxnSpPr>
+          <p:cNvPr id="21" name="Connector: Elbow 20">
+            <a:extLst>
+              <a:ext uri="{FF2B5EF4-FFF2-40B4-BE49-F238E27FC236}">
+                <a16:creationId xmlns:a16="http://schemas.microsoft.com/office/drawing/2014/main" id="{6D4A6A89-F5F6-29FC-D42A-51B582BB79E8}"/>
+              </a:ext>
+            </a:extLst>
+          </p:cNvPr>
+          <p:cNvCxnSpPr>
+            <a:stCxn id="4" idx="2"/>
+            <a:endCxn id="17" idx="0"/>
+          </p:cNvCxnSpPr>
+          <p:nvPr/>
+        </p:nvCxnSpPr>
+        <p:spPr>
+          <a:xfrm rot="16200000" flipH="1">
+            <a:off x="8050164" y="785215"/>
+            <a:ext cx="693170" cy="4355687"/>
+          </a:xfrm>
+          <a:prstGeom prst="bentConnector3">
+            <a:avLst/>
+          </a:prstGeom>
+          <a:ln>
+            <a:tailEnd type="triangle"/>
+          </a:ln>
+        </p:spPr>
+        <p:style>
+          <a:lnRef idx="1">
+            <a:schemeClr val="accent1"/>
+          </a:lnRef>
+          <a:fillRef idx="0">
+            <a:schemeClr val="accent1"/>
+          </a:fillRef>
+          <a:effectRef idx="0">
+            <a:schemeClr val="accent1"/>
+          </a:effectRef>
+          <a:fontRef idx="minor">
+            <a:schemeClr val="tx1"/>
+          </a:fontRef>
+        </p:style>
+      </p:cxnSp>
+    </p:spTree>
+    <p:extLst>
+      <p:ext uri="{BB962C8B-B14F-4D97-AF65-F5344CB8AC3E}">
+        <p14:creationId xmlns:p14="http://schemas.microsoft.com/office/powerpoint/2010/main" val="2951477933"/>
+      </p:ext>
+    </p:extLst>
+  </p:cSld>
+  <p:clrMapOvr>
+    <a:masterClrMapping/>
+  </p:clrMapOvr>
+</p:sld>
+</file>
+
+<file path=ppt/slides/slide8.xml><?xml version="1.0" encoding="utf-8"?>
+<p:sld xmlns:a="http://schemas.openxmlformats.org/drawingml/2006/main" xmlns:r="http://schemas.openxmlformats.org/officeDocument/2006/relationships" xmlns:p="http://schemas.openxmlformats.org/presentationml/2006/main">
+  <p:cSld>
+    <p:spTree>
+      <p:nvGrpSpPr>
+        <p:cNvPr id="1" name=""/>
+        <p:cNvGrpSpPr/>
+        <p:nvPr/>
+      </p:nvGrpSpPr>
+      <p:grpSpPr>
+        <a:xfrm>
+          <a:off x="0" y="0"/>
+          <a:ext cx="0" cy="0"/>
+          <a:chOff x="0" y="0"/>
+          <a:chExt cx="0" cy="0"/>
+        </a:xfrm>
+      </p:grpSpPr>
+      <p:sp>
+        <p:nvSpPr>
+          <p:cNvPr id="2" name="Title 1">
+            <a:extLst>
+              <a:ext uri="{FF2B5EF4-FFF2-40B4-BE49-F238E27FC236}">
+                <a16:creationId xmlns:a16="http://schemas.microsoft.com/office/drawing/2014/main" id="{B732F183-CA58-5F59-347E-EBF07B7CFFE1}"/>
+              </a:ext>
+            </a:extLst>
+          </p:cNvPr>
+          <p:cNvSpPr>
+            <a:spLocks noGrp="1"/>
+          </p:cNvSpPr>
+          <p:nvPr>
+            <p:ph type="title"/>
+          </p:nvPr>
+        </p:nvSpPr>
+        <p:spPr/>
+        <p:txBody>
+          <a:bodyPr/>
+          <a:lstStyle/>
+          <a:p>
+            <a:r>
+              <a:rPr lang="en-GB" dirty="0"/>
+              <a:t>URL DESIGN</a:t>
+            </a:r>
+          </a:p>
+        </p:txBody>
+      </p:sp>
+      <p:sp>
+        <p:nvSpPr>
+          <p:cNvPr id="3" name="Content Placeholder 2">
+            <a:extLst>
+              <a:ext uri="{FF2B5EF4-FFF2-40B4-BE49-F238E27FC236}">
+                <a16:creationId xmlns:a16="http://schemas.microsoft.com/office/drawing/2014/main" id="{20104FFC-57DB-233E-865F-5DCE394E7F0A}"/>
+              </a:ext>
+            </a:extLst>
+          </p:cNvPr>
+          <p:cNvSpPr>
+            <a:spLocks noGrp="1"/>
+          </p:cNvSpPr>
+          <p:nvPr>
+            <p:ph idx="1"/>
+          </p:nvPr>
+        </p:nvSpPr>
+        <p:spPr/>
+        <p:txBody>
+          <a:bodyPr/>
+          <a:lstStyle/>
+          <a:p>
+            <a:r>
+              <a:rPr lang="en-GB" dirty="0"/>
+              <a:t>Home page - /index</a:t>
+            </a:r>
+          </a:p>
+          <a:p>
+            <a:r>
+              <a:rPr lang="en-GB" dirty="0"/>
+              <a:t>Sign Up - /register</a:t>
+            </a:r>
+          </a:p>
+          <a:p>
+            <a:r>
+              <a:rPr lang="en-GB" dirty="0"/>
+              <a:t>Login - /login</a:t>
+            </a:r>
+          </a:p>
+          <a:p>
+            <a:r>
+              <a:rPr lang="en-GB" dirty="0"/>
+              <a:t>User Pages - /user/&lt;</a:t>
+            </a:r>
+            <a:r>
+              <a:rPr lang="en-GB" dirty="0" err="1"/>
+              <a:t>Users.Username</a:t>
+            </a:r>
+            <a:r>
+              <a:rPr lang="en-GB" dirty="0"/>
+              <a:t>&gt;</a:t>
+            </a:r>
+          </a:p>
+          <a:p>
+            <a:r>
+              <a:rPr lang="en-GB" dirty="0"/>
+              <a:t>Album Pages - /album/&lt;</a:t>
+            </a:r>
+            <a:r>
+              <a:rPr lang="en-GB" dirty="0" err="1"/>
+              <a:t>Albums.AlbumTitle</a:t>
+            </a:r>
+            <a:r>
+              <a:rPr lang="en-GB" dirty="0"/>
+              <a:t>&gt;</a:t>
+            </a:r>
+          </a:p>
+          <a:p>
+            <a:r>
+              <a:rPr lang="en-GB" dirty="0"/>
+              <a:t>Search/Filter/Sort Page - </a:t>
+            </a:r>
+            <a:r>
+              <a:rPr lang="en-GB"/>
+              <a:t>/search</a:t>
+            </a:r>
+            <a:endParaRPr lang="en-GB" dirty="0"/>
+          </a:p>
+          <a:p>
+            <a:endParaRPr lang="en-GB" dirty="0"/>
+          </a:p>
+        </p:txBody>
+      </p:sp>
+    </p:spTree>
+    <p:extLst>
+      <p:ext uri="{BB962C8B-B14F-4D97-AF65-F5344CB8AC3E}">
+        <p14:creationId xmlns:p14="http://schemas.microsoft.com/office/powerpoint/2010/main" val="2875610521"/>
+      </p:ext>
+    </p:extLst>
+  </p:cSld>
+  <p:clrMapOvr>
+    <a:masterClrMapping/>
+  </p:clrMapOvr>
+</p:sld>
+</file>
+
 <file path=ppt/theme/theme1.xml><?xml version="1.0" encoding="utf-8"?>
 <a:theme xmlns:a="http://schemas.openxmlformats.org/drawingml/2006/main" name="Celestial">
   <a:themeElements>

--- a/WAD2 Group Project Design Spec.pptx
+++ b/WAD2 Group Project Design Spec.pptx
@@ -10010,7 +10010,7 @@
             <a:pPr algn="ctr"/>
             <a:r>
               <a:rPr lang="en-GB" dirty="0"/>
-              <a:t>Album Pages</a:t>
+              <a:t>Search</a:t>
             </a:r>
           </a:p>
         </p:txBody>
@@ -10184,13 +10184,8 @@
           <a:p>
             <a:r>
               <a:rPr lang="en-GB" dirty="0"/>
-              <a:t>Search/Filter/Sort Page - </a:t>
-            </a:r>
-            <a:r>
-              <a:rPr lang="en-GB"/>
-              <a:t>/search</a:t>
-            </a:r>
-            <a:endParaRPr lang="en-GB" dirty="0"/>
+              <a:t>Search/Filter/Sort Page - /search</a:t>
+            </a:r>
           </a:p>
           <a:p>
             <a:endParaRPr lang="en-GB" dirty="0"/>

--- a/WAD2 Group Project Design Spec.pptx
+++ b/WAD2 Group Project Design Spec.pptx
@@ -348,7 +348,7 @@
           <a:p>
             <a:fld id="{386EAC6E-8ADC-498C-8D78-A1467B1978D3}" type="datetimeFigureOut">
               <a:rPr lang="en-GB" smtClean="0"/>
-              <a:t>25/02/2025</a:t>
+              <a:t>26/02/2025</a:t>
             </a:fld>
             <a:endParaRPr lang="en-GB"/>
           </a:p>
@@ -682,7 +682,7 @@
           <a:p>
             <a:fld id="{386EAC6E-8ADC-498C-8D78-A1467B1978D3}" type="datetimeFigureOut">
               <a:rPr lang="en-GB" smtClean="0"/>
-              <a:t>25/02/2025</a:t>
+              <a:t>26/02/2025</a:t>
             </a:fld>
             <a:endParaRPr lang="en-GB"/>
           </a:p>
@@ -960,7 +960,7 @@
           <a:p>
             <a:fld id="{386EAC6E-8ADC-498C-8D78-A1467B1978D3}" type="datetimeFigureOut">
               <a:rPr lang="en-GB" smtClean="0"/>
-              <a:t>25/02/2025</a:t>
+              <a:t>26/02/2025</a:t>
             </a:fld>
             <a:endParaRPr lang="en-GB"/>
           </a:p>
@@ -1528,7 +1528,7 @@
           <a:p>
             <a:fld id="{386EAC6E-8ADC-498C-8D78-A1467B1978D3}" type="datetimeFigureOut">
               <a:rPr lang="en-GB" smtClean="0"/>
-              <a:t>25/02/2025</a:t>
+              <a:t>26/02/2025</a:t>
             </a:fld>
             <a:endParaRPr lang="en-GB"/>
           </a:p>
@@ -1806,7 +1806,7 @@
           <a:p>
             <a:fld id="{386EAC6E-8ADC-498C-8D78-A1467B1978D3}" type="datetimeFigureOut">
               <a:rPr lang="en-GB" smtClean="0"/>
-              <a:t>25/02/2025</a:t>
+              <a:t>26/02/2025</a:t>
             </a:fld>
             <a:endParaRPr lang="en-GB"/>
           </a:p>
@@ -2368,7 +2368,7 @@
           <a:p>
             <a:fld id="{386EAC6E-8ADC-498C-8D78-A1467B1978D3}" type="datetimeFigureOut">
               <a:rPr lang="en-GB" smtClean="0"/>
-              <a:t>25/02/2025</a:t>
+              <a:t>26/02/2025</a:t>
             </a:fld>
             <a:endParaRPr lang="en-GB"/>
           </a:p>
@@ -2695,7 +2695,7 @@
           <a:p>
             <a:fld id="{386EAC6E-8ADC-498C-8D78-A1467B1978D3}" type="datetimeFigureOut">
               <a:rPr lang="en-GB" smtClean="0"/>
-              <a:t>25/02/2025</a:t>
+              <a:t>26/02/2025</a:t>
             </a:fld>
             <a:endParaRPr lang="en-GB"/>
           </a:p>
@@ -2872,7 +2872,7 @@
           <a:p>
             <a:fld id="{386EAC6E-8ADC-498C-8D78-A1467B1978D3}" type="datetimeFigureOut">
               <a:rPr lang="en-GB" smtClean="0"/>
-              <a:t>25/02/2025</a:t>
+              <a:t>26/02/2025</a:t>
             </a:fld>
             <a:endParaRPr lang="en-GB"/>
           </a:p>
@@ -3110,7 +3110,7 @@
           <a:p>
             <a:fld id="{386EAC6E-8ADC-498C-8D78-A1467B1978D3}" type="datetimeFigureOut">
               <a:rPr lang="en-GB" smtClean="0"/>
-              <a:t>25/02/2025</a:t>
+              <a:t>26/02/2025</a:t>
             </a:fld>
             <a:endParaRPr lang="en-GB"/>
           </a:p>
@@ -3310,7 +3310,7 @@
           <a:p>
             <a:fld id="{386EAC6E-8ADC-498C-8D78-A1467B1978D3}" type="datetimeFigureOut">
               <a:rPr lang="en-GB" smtClean="0"/>
-              <a:t>25/02/2025</a:t>
+              <a:t>26/02/2025</a:t>
             </a:fld>
             <a:endParaRPr lang="en-GB"/>
           </a:p>
@@ -3586,7 +3586,7 @@
           <a:p>
             <a:fld id="{386EAC6E-8ADC-498C-8D78-A1467B1978D3}" type="datetimeFigureOut">
               <a:rPr lang="en-GB" smtClean="0"/>
-              <a:t>25/02/2025</a:t>
+              <a:t>26/02/2025</a:t>
             </a:fld>
             <a:endParaRPr lang="en-GB"/>
           </a:p>
@@ -3852,7 +3852,7 @@
           <a:p>
             <a:fld id="{386EAC6E-8ADC-498C-8D78-A1467B1978D3}" type="datetimeFigureOut">
               <a:rPr lang="en-GB" smtClean="0"/>
-              <a:t>25/02/2025</a:t>
+              <a:t>26/02/2025</a:t>
             </a:fld>
             <a:endParaRPr lang="en-GB"/>
           </a:p>
@@ -4226,7 +4226,7 @@
           <a:p>
             <a:fld id="{386EAC6E-8ADC-498C-8D78-A1467B1978D3}" type="datetimeFigureOut">
               <a:rPr lang="en-GB" smtClean="0"/>
-              <a:t>25/02/2025</a:t>
+              <a:t>26/02/2025</a:t>
             </a:fld>
             <a:endParaRPr lang="en-GB"/>
           </a:p>
@@ -4374,7 +4374,7 @@
           <a:p>
             <a:fld id="{386EAC6E-8ADC-498C-8D78-A1467B1978D3}" type="datetimeFigureOut">
               <a:rPr lang="en-GB" smtClean="0"/>
-              <a:t>25/02/2025</a:t>
+              <a:t>26/02/2025</a:t>
             </a:fld>
             <a:endParaRPr lang="en-GB"/>
           </a:p>
@@ -4499,7 +4499,7 @@
           <a:p>
             <a:fld id="{386EAC6E-8ADC-498C-8D78-A1467B1978D3}" type="datetimeFigureOut">
               <a:rPr lang="en-GB" smtClean="0"/>
-              <a:t>25/02/2025</a:t>
+              <a:t>26/02/2025</a:t>
             </a:fld>
             <a:endParaRPr lang="en-GB"/>
           </a:p>
@@ -4784,7 +4784,7 @@
           <a:p>
             <a:fld id="{386EAC6E-8ADC-498C-8D78-A1467B1978D3}" type="datetimeFigureOut">
               <a:rPr lang="en-GB" smtClean="0"/>
-              <a:t>25/02/2025</a:t>
+              <a:t>26/02/2025</a:t>
             </a:fld>
             <a:endParaRPr lang="en-GB"/>
           </a:p>
@@ -5108,7 +5108,7 @@
           <a:p>
             <a:fld id="{386EAC6E-8ADC-498C-8D78-A1467B1978D3}" type="datetimeFigureOut">
               <a:rPr lang="en-GB" smtClean="0"/>
-              <a:t>25/02/2025</a:t>
+              <a:t>26/02/2025</a:t>
             </a:fld>
             <a:endParaRPr lang="en-GB"/>
           </a:p>
@@ -5322,7 +5322,7 @@
           <a:p>
             <a:fld id="{386EAC6E-8ADC-498C-8D78-A1467B1978D3}" type="datetimeFigureOut">
               <a:rPr lang="en-GB" smtClean="0"/>
-              <a:t>25/02/2025</a:t>
+              <a:t>26/02/2025</a:t>
             </a:fld>
             <a:endParaRPr lang="en-GB"/>
           </a:p>
@@ -9616,7 +9616,7 @@
         </p:nvSpPr>
         <p:spPr>
           <a:xfrm>
-            <a:off x="879987" y="3309648"/>
+            <a:off x="0" y="3429003"/>
             <a:ext cx="1474839" cy="588843"/>
           </a:xfrm>
           <a:prstGeom prst="rect">
@@ -9665,7 +9665,7 @@
         </p:nvSpPr>
         <p:spPr>
           <a:xfrm>
-            <a:off x="3180736" y="3309647"/>
+            <a:off x="2300749" y="3429002"/>
             <a:ext cx="1474839" cy="588843"/>
           </a:xfrm>
           <a:prstGeom prst="rect">
@@ -9714,7 +9714,7 @@
         </p:nvSpPr>
         <p:spPr>
           <a:xfrm>
-            <a:off x="5481485" y="3315651"/>
+            <a:off x="4601498" y="3435006"/>
             <a:ext cx="1474839" cy="588843"/>
           </a:xfrm>
           <a:prstGeom prst="rect">
@@ -9763,7 +9763,7 @@
         </p:nvSpPr>
         <p:spPr>
           <a:xfrm>
-            <a:off x="7733071" y="3309645"/>
+            <a:off x="6764594" y="3429000"/>
             <a:ext cx="1474839" cy="588843"/>
           </a:xfrm>
           <a:prstGeom prst="rect">
@@ -9815,8 +9815,8 @@
         </p:nvCxnSpPr>
         <p:spPr>
           <a:xfrm rot="5400000">
-            <a:off x="4721945" y="1812685"/>
-            <a:ext cx="693173" cy="2300750"/>
+            <a:off x="4222274" y="1432370"/>
+            <a:ext cx="812528" cy="3180737"/>
           </a:xfrm>
           <a:prstGeom prst="bentConnector3">
             <a:avLst/>
@@ -9857,8 +9857,8 @@
         </p:nvCxnSpPr>
         <p:spPr>
           <a:xfrm rot="5400000">
-            <a:off x="3571570" y="662312"/>
-            <a:ext cx="693174" cy="4601499"/>
+            <a:off x="3071899" y="281995"/>
+            <a:ext cx="812529" cy="5481486"/>
           </a:xfrm>
           <a:prstGeom prst="bentConnector3">
             <a:avLst/>
@@ -9899,8 +9899,8 @@
         </p:nvCxnSpPr>
         <p:spPr>
           <a:xfrm rot="5400000">
-            <a:off x="5869318" y="2966062"/>
-            <a:ext cx="699177" cy="1"/>
+            <a:off x="5369646" y="2585746"/>
+            <a:ext cx="818532" cy="879988"/>
           </a:xfrm>
           <a:prstGeom prst="bentConnector3">
             <a:avLst/>
@@ -9941,8 +9941,8 @@
         </p:nvCxnSpPr>
         <p:spPr>
           <a:xfrm rot="16200000" flipH="1">
-            <a:off x="6998113" y="1837266"/>
-            <a:ext cx="693171" cy="2251585"/>
+            <a:off x="6454197" y="2381183"/>
+            <a:ext cx="812526" cy="1283108"/>
           </a:xfrm>
           <a:prstGeom prst="bentConnector3">
             <a:avLst/>
@@ -9980,7 +9980,7 @@
         </p:nvSpPr>
         <p:spPr>
           <a:xfrm>
-            <a:off x="9837173" y="3309644"/>
+            <a:off x="8785122" y="3428999"/>
             <a:ext cx="1474839" cy="588843"/>
           </a:xfrm>
           <a:prstGeom prst="rect">
@@ -10032,8 +10032,375 @@
         </p:nvCxnSpPr>
         <p:spPr>
           <a:xfrm rot="16200000" flipH="1">
-            <a:off x="8050164" y="785215"/>
-            <a:ext cx="693170" cy="4355687"/>
+            <a:off x="7464462" y="1370918"/>
+            <a:ext cx="812525" cy="3303636"/>
+          </a:xfrm>
+          <a:prstGeom prst="bentConnector3">
+            <a:avLst/>
+          </a:prstGeom>
+          <a:ln>
+            <a:tailEnd type="triangle"/>
+          </a:ln>
+        </p:spPr>
+        <p:style>
+          <a:lnRef idx="1">
+            <a:schemeClr val="accent1"/>
+          </a:lnRef>
+          <a:fillRef idx="0">
+            <a:schemeClr val="accent1"/>
+          </a:fillRef>
+          <a:effectRef idx="0">
+            <a:schemeClr val="accent1"/>
+          </a:effectRef>
+          <a:fontRef idx="minor">
+            <a:schemeClr val="tx1"/>
+          </a:fontRef>
+        </p:style>
+      </p:cxnSp>
+      <p:sp>
+        <p:nvSpPr>
+          <p:cNvPr id="9" name="Rectangle 8">
+            <a:extLst>
+              <a:ext uri="{FF2B5EF4-FFF2-40B4-BE49-F238E27FC236}">
+                <a16:creationId xmlns:a16="http://schemas.microsoft.com/office/drawing/2014/main" id="{62C32F1F-ACCA-C186-9355-1B2A2C16E727}"/>
+              </a:ext>
+            </a:extLst>
+          </p:cNvPr>
+          <p:cNvSpPr/>
+          <p:nvPr/>
+        </p:nvSpPr>
+        <p:spPr>
+          <a:xfrm>
+            <a:off x="6853083" y="4551792"/>
+            <a:ext cx="1474839" cy="588843"/>
+          </a:xfrm>
+          <a:prstGeom prst="rect">
+            <a:avLst/>
+          </a:prstGeom>
+        </p:spPr>
+        <p:style>
+          <a:lnRef idx="2">
+            <a:schemeClr val="accent1">
+              <a:shade val="15000"/>
+            </a:schemeClr>
+          </a:lnRef>
+          <a:fillRef idx="1">
+            <a:schemeClr val="accent1"/>
+          </a:fillRef>
+          <a:effectRef idx="0">
+            <a:schemeClr val="accent1"/>
+          </a:effectRef>
+          <a:fontRef idx="minor">
+            <a:schemeClr val="lt1"/>
+          </a:fontRef>
+        </p:style>
+        <p:txBody>
+          <a:bodyPr rtlCol="0" anchor="ctr"/>
+          <a:lstStyle>
+            <a:defPPr>
+              <a:defRPr lang="en-US"/>
+            </a:defPPr>
+            <a:lvl1pPr marL="0" algn="l" defTabSz="457200" rtl="0" eaLnBrk="1" latinLnBrk="0" hangingPunct="1">
+              <a:defRPr sz="1800" kern="1200">
+                <a:solidFill>
+                  <a:schemeClr val="lt1"/>
+                </a:solidFill>
+                <a:latin typeface="+mn-lt"/>
+                <a:ea typeface="+mn-ea"/>
+                <a:cs typeface="+mn-cs"/>
+              </a:defRPr>
+            </a:lvl1pPr>
+            <a:lvl2pPr marL="457200" algn="l" defTabSz="457200" rtl="0" eaLnBrk="1" latinLnBrk="0" hangingPunct="1">
+              <a:defRPr sz="1800" kern="1200">
+                <a:solidFill>
+                  <a:schemeClr val="lt1"/>
+                </a:solidFill>
+                <a:latin typeface="+mn-lt"/>
+                <a:ea typeface="+mn-ea"/>
+                <a:cs typeface="+mn-cs"/>
+              </a:defRPr>
+            </a:lvl2pPr>
+            <a:lvl3pPr marL="914400" algn="l" defTabSz="457200" rtl="0" eaLnBrk="1" latinLnBrk="0" hangingPunct="1">
+              <a:defRPr sz="1800" kern="1200">
+                <a:solidFill>
+                  <a:schemeClr val="lt1"/>
+                </a:solidFill>
+                <a:latin typeface="+mn-lt"/>
+                <a:ea typeface="+mn-ea"/>
+                <a:cs typeface="+mn-cs"/>
+              </a:defRPr>
+            </a:lvl3pPr>
+            <a:lvl4pPr marL="1371600" algn="l" defTabSz="457200" rtl="0" eaLnBrk="1" latinLnBrk="0" hangingPunct="1">
+              <a:defRPr sz="1800" kern="1200">
+                <a:solidFill>
+                  <a:schemeClr val="lt1"/>
+                </a:solidFill>
+                <a:latin typeface="+mn-lt"/>
+                <a:ea typeface="+mn-ea"/>
+                <a:cs typeface="+mn-cs"/>
+              </a:defRPr>
+            </a:lvl4pPr>
+            <a:lvl5pPr marL="1828800" algn="l" defTabSz="457200" rtl="0" eaLnBrk="1" latinLnBrk="0" hangingPunct="1">
+              <a:defRPr sz="1800" kern="1200">
+                <a:solidFill>
+                  <a:schemeClr val="lt1"/>
+                </a:solidFill>
+                <a:latin typeface="+mn-lt"/>
+                <a:ea typeface="+mn-ea"/>
+                <a:cs typeface="+mn-cs"/>
+              </a:defRPr>
+            </a:lvl5pPr>
+            <a:lvl6pPr marL="2286000" algn="l" defTabSz="457200" rtl="0" eaLnBrk="1" latinLnBrk="0" hangingPunct="1">
+              <a:defRPr sz="1800" kern="1200">
+                <a:solidFill>
+                  <a:schemeClr val="lt1"/>
+                </a:solidFill>
+                <a:latin typeface="+mn-lt"/>
+                <a:ea typeface="+mn-ea"/>
+                <a:cs typeface="+mn-cs"/>
+              </a:defRPr>
+            </a:lvl6pPr>
+            <a:lvl7pPr marL="2743200" algn="l" defTabSz="457200" rtl="0" eaLnBrk="1" latinLnBrk="0" hangingPunct="1">
+              <a:defRPr sz="1800" kern="1200">
+                <a:solidFill>
+                  <a:schemeClr val="lt1"/>
+                </a:solidFill>
+                <a:latin typeface="+mn-lt"/>
+                <a:ea typeface="+mn-ea"/>
+                <a:cs typeface="+mn-cs"/>
+              </a:defRPr>
+            </a:lvl7pPr>
+            <a:lvl8pPr marL="3200400" algn="l" defTabSz="457200" rtl="0" eaLnBrk="1" latinLnBrk="0" hangingPunct="1">
+              <a:defRPr sz="1800" kern="1200">
+                <a:solidFill>
+                  <a:schemeClr val="lt1"/>
+                </a:solidFill>
+                <a:latin typeface="+mn-lt"/>
+                <a:ea typeface="+mn-ea"/>
+                <a:cs typeface="+mn-cs"/>
+              </a:defRPr>
+            </a:lvl8pPr>
+            <a:lvl9pPr marL="3657600" algn="l" defTabSz="457200" rtl="0" eaLnBrk="1" latinLnBrk="0" hangingPunct="1">
+              <a:defRPr sz="1800" kern="1200">
+                <a:solidFill>
+                  <a:schemeClr val="lt1"/>
+                </a:solidFill>
+                <a:latin typeface="+mn-lt"/>
+                <a:ea typeface="+mn-ea"/>
+                <a:cs typeface="+mn-cs"/>
+              </a:defRPr>
+            </a:lvl9pPr>
+          </a:lstStyle>
+          <a:p>
+            <a:pPr algn="ctr"/>
+            <a:r>
+              <a:rPr lang="en-GB" dirty="0"/>
+              <a:t>Create Album</a:t>
+            </a:r>
+          </a:p>
+        </p:txBody>
+      </p:sp>
+      <p:cxnSp>
+        <p:nvCxnSpPr>
+          <p:cNvPr id="13" name="Connector: Elbow 12">
+            <a:extLst>
+              <a:ext uri="{FF2B5EF4-FFF2-40B4-BE49-F238E27FC236}">
+                <a16:creationId xmlns:a16="http://schemas.microsoft.com/office/drawing/2014/main" id="{436FCC1E-2BA6-BC1B-806D-021CEC133189}"/>
+              </a:ext>
+            </a:extLst>
+          </p:cNvPr>
+          <p:cNvCxnSpPr>
+            <a:stCxn id="8" idx="2"/>
+            <a:endCxn id="9" idx="0"/>
+          </p:cNvCxnSpPr>
+          <p:nvPr/>
+        </p:nvCxnSpPr>
+        <p:spPr>
+          <a:xfrm rot="16200000" flipH="1">
+            <a:off x="7279284" y="4240572"/>
+            <a:ext cx="533949" cy="88489"/>
+          </a:xfrm>
+          <a:prstGeom prst="bentConnector3">
+            <a:avLst/>
+          </a:prstGeom>
+          <a:ln>
+            <a:tailEnd type="triangle"/>
+          </a:ln>
+        </p:spPr>
+        <p:style>
+          <a:lnRef idx="1">
+            <a:schemeClr val="accent1"/>
+          </a:lnRef>
+          <a:fillRef idx="0">
+            <a:schemeClr val="accent1"/>
+          </a:fillRef>
+          <a:effectRef idx="0">
+            <a:schemeClr val="accent1"/>
+          </a:effectRef>
+          <a:fontRef idx="minor">
+            <a:schemeClr val="tx1"/>
+          </a:fontRef>
+        </p:style>
+      </p:cxnSp>
+      <p:sp>
+        <p:nvSpPr>
+          <p:cNvPr id="15" name="Rectangle 14">
+            <a:extLst>
+              <a:ext uri="{FF2B5EF4-FFF2-40B4-BE49-F238E27FC236}">
+                <a16:creationId xmlns:a16="http://schemas.microsoft.com/office/drawing/2014/main" id="{27A7604D-9A47-5D70-B3AB-278CA5B96D42}"/>
+              </a:ext>
+            </a:extLst>
+          </p:cNvPr>
+          <p:cNvSpPr/>
+          <p:nvPr/>
+        </p:nvSpPr>
+        <p:spPr>
+          <a:xfrm>
+            <a:off x="2300748" y="4519837"/>
+            <a:ext cx="1474839" cy="588843"/>
+          </a:xfrm>
+          <a:prstGeom prst="rect">
+            <a:avLst/>
+          </a:prstGeom>
+        </p:spPr>
+        <p:style>
+          <a:lnRef idx="2">
+            <a:schemeClr val="accent1">
+              <a:shade val="15000"/>
+            </a:schemeClr>
+          </a:lnRef>
+          <a:fillRef idx="1">
+            <a:schemeClr val="accent1"/>
+          </a:fillRef>
+          <a:effectRef idx="0">
+            <a:schemeClr val="accent1"/>
+          </a:effectRef>
+          <a:fontRef idx="minor">
+            <a:schemeClr val="lt1"/>
+          </a:fontRef>
+        </p:style>
+        <p:txBody>
+          <a:bodyPr rtlCol="0" anchor="ctr"/>
+          <a:lstStyle/>
+          <a:p>
+            <a:pPr algn="ctr"/>
+            <a:r>
+              <a:rPr lang="en-GB" dirty="0"/>
+              <a:t>Logout</a:t>
+            </a:r>
+          </a:p>
+        </p:txBody>
+      </p:sp>
+      <p:cxnSp>
+        <p:nvCxnSpPr>
+          <p:cNvPr id="19" name="Connector: Elbow 18">
+            <a:extLst>
+              <a:ext uri="{FF2B5EF4-FFF2-40B4-BE49-F238E27FC236}">
+                <a16:creationId xmlns:a16="http://schemas.microsoft.com/office/drawing/2014/main" id="{764C8757-D497-DF7A-5B16-7D0E16DBCCEB}"/>
+              </a:ext>
+            </a:extLst>
+          </p:cNvPr>
+          <p:cNvCxnSpPr>
+            <a:stCxn id="6" idx="2"/>
+            <a:endCxn id="15" idx="0"/>
+          </p:cNvCxnSpPr>
+          <p:nvPr/>
+        </p:nvCxnSpPr>
+        <p:spPr>
+          <a:xfrm rot="5400000">
+            <a:off x="2787173" y="4268841"/>
+            <a:ext cx="501992" cy="1"/>
+          </a:xfrm>
+          <a:prstGeom prst="bentConnector3">
+            <a:avLst/>
+          </a:prstGeom>
+          <a:ln>
+            <a:tailEnd type="triangle"/>
+          </a:ln>
+        </p:spPr>
+        <p:style>
+          <a:lnRef idx="1">
+            <a:schemeClr val="accent1"/>
+          </a:lnRef>
+          <a:fillRef idx="0">
+            <a:schemeClr val="accent1"/>
+          </a:fillRef>
+          <a:effectRef idx="0">
+            <a:schemeClr val="accent1"/>
+          </a:effectRef>
+          <a:fontRef idx="minor">
+            <a:schemeClr val="tx1"/>
+          </a:fontRef>
+        </p:style>
+      </p:cxnSp>
+      <p:sp>
+        <p:nvSpPr>
+          <p:cNvPr id="26" name="Rectangle 25">
+            <a:extLst>
+              <a:ext uri="{FF2B5EF4-FFF2-40B4-BE49-F238E27FC236}">
+                <a16:creationId xmlns:a16="http://schemas.microsoft.com/office/drawing/2014/main" id="{734FFEE7-E30F-64EB-0089-13C937896C28}"/>
+              </a:ext>
+            </a:extLst>
+          </p:cNvPr>
+          <p:cNvSpPr/>
+          <p:nvPr/>
+        </p:nvSpPr>
+        <p:spPr>
+          <a:xfrm>
+            <a:off x="10717160" y="3428999"/>
+            <a:ext cx="1474839" cy="588843"/>
+          </a:xfrm>
+          <a:prstGeom prst="rect">
+            <a:avLst/>
+          </a:prstGeom>
+        </p:spPr>
+        <p:style>
+          <a:lnRef idx="2">
+            <a:schemeClr val="accent1">
+              <a:shade val="15000"/>
+            </a:schemeClr>
+          </a:lnRef>
+          <a:fillRef idx="1">
+            <a:schemeClr val="accent1"/>
+          </a:fillRef>
+          <a:effectRef idx="0">
+            <a:schemeClr val="accent1"/>
+          </a:effectRef>
+          <a:fontRef idx="minor">
+            <a:schemeClr val="lt1"/>
+          </a:fontRef>
+        </p:style>
+        <p:txBody>
+          <a:bodyPr rtlCol="0" anchor="ctr"/>
+          <a:lstStyle/>
+          <a:p>
+            <a:pPr algn="ctr"/>
+            <a:r>
+              <a:rPr lang="en-GB" dirty="0"/>
+              <a:t>Delete Account</a:t>
+            </a:r>
+          </a:p>
+        </p:txBody>
+      </p:sp>
+      <p:cxnSp>
+        <p:nvCxnSpPr>
+          <p:cNvPr id="28" name="Connector: Elbow 27">
+            <a:extLst>
+              <a:ext uri="{FF2B5EF4-FFF2-40B4-BE49-F238E27FC236}">
+                <a16:creationId xmlns:a16="http://schemas.microsoft.com/office/drawing/2014/main" id="{05CEF51D-B3E9-48EB-7868-775CB702FD92}"/>
+              </a:ext>
+            </a:extLst>
+          </p:cNvPr>
+          <p:cNvCxnSpPr>
+            <a:stCxn id="4" idx="2"/>
+            <a:endCxn id="26" idx="0"/>
+          </p:cNvCxnSpPr>
+          <p:nvPr/>
+        </p:nvCxnSpPr>
+        <p:spPr>
+          <a:xfrm rot="16200000" flipH="1">
+            <a:off x="8430481" y="404899"/>
+            <a:ext cx="812525" cy="5235674"/>
           </a:xfrm>
           <a:prstGeom prst="bentConnector3">
             <a:avLst/>
@@ -10133,7 +10500,9 @@
         </p:nvSpPr>
         <p:spPr/>
         <p:txBody>
-          <a:bodyPr/>
+          <a:bodyPr>
+            <a:normAutofit lnSpcReduction="10000"/>
+          </a:bodyPr>
           <a:lstStyle/>
           <a:p>
             <a:r>
@@ -10144,13 +10513,25 @@
           <a:p>
             <a:r>
               <a:rPr lang="en-GB" dirty="0"/>
-              <a:t>Sign Up - /register</a:t>
+              <a:t>Sign Up - /account/register</a:t>
             </a:r>
           </a:p>
           <a:p>
             <a:r>
               <a:rPr lang="en-GB" dirty="0"/>
-              <a:t>Login - /login</a:t>
+              <a:t>Login - /account/login</a:t>
+            </a:r>
+          </a:p>
+          <a:p>
+            <a:r>
+              <a:rPr lang="en-GB" dirty="0"/>
+              <a:t>Logout – /account/logout</a:t>
+            </a:r>
+          </a:p>
+          <a:p>
+            <a:r>
+              <a:rPr lang="en-GB" dirty="0"/>
+              <a:t>Delete Account - /account/delete-account</a:t>
             </a:r>
           </a:p>
           <a:p>
@@ -10179,6 +10560,12 @@
             <a:r>
               <a:rPr lang="en-GB" dirty="0"/>
               <a:t>&gt;</a:t>
+            </a:r>
+          </a:p>
+          <a:p>
+            <a:r>
+              <a:rPr lang="en-GB" dirty="0"/>
+              <a:t>Create Album - /album/create</a:t>
             </a:r>
           </a:p>
           <a:p>

--- a/WAD2 Group Project Design Spec.pptx
+++ b/WAD2 Group Project Design Spec.pptx
@@ -8,11 +8,17 @@
     <p:sldId id="256" r:id="rId2"/>
     <p:sldId id="257" r:id="rId3"/>
     <p:sldId id="260" r:id="rId4"/>
-    <p:sldId id="258" r:id="rId5"/>
-    <p:sldId id="261" r:id="rId6"/>
-    <p:sldId id="259" r:id="rId7"/>
-    <p:sldId id="262" r:id="rId8"/>
-    <p:sldId id="263" r:id="rId9"/>
+    <p:sldId id="266" r:id="rId5"/>
+    <p:sldId id="267" r:id="rId6"/>
+    <p:sldId id="258" r:id="rId7"/>
+    <p:sldId id="268" r:id="rId8"/>
+    <p:sldId id="269" r:id="rId9"/>
+    <p:sldId id="270" r:id="rId10"/>
+    <p:sldId id="271" r:id="rId11"/>
+    <p:sldId id="261" r:id="rId12"/>
+    <p:sldId id="259" r:id="rId13"/>
+    <p:sldId id="262" r:id="rId14"/>
+    <p:sldId id="263" r:id="rId15"/>
   </p:sldIdLst>
   <p:sldSz cx="12192000" cy="6858000"/>
   <p:notesSz cx="6858000" cy="9144000"/>
@@ -348,7 +354,7 @@
           <a:p>
             <a:fld id="{386EAC6E-8ADC-498C-8D78-A1467B1978D3}" type="datetimeFigureOut">
               <a:rPr lang="en-GB" smtClean="0"/>
-              <a:t>26/02/2025</a:t>
+              <a:t>27/02/2025</a:t>
             </a:fld>
             <a:endParaRPr lang="en-GB"/>
           </a:p>
@@ -682,7 +688,7 @@
           <a:p>
             <a:fld id="{386EAC6E-8ADC-498C-8D78-A1467B1978D3}" type="datetimeFigureOut">
               <a:rPr lang="en-GB" smtClean="0"/>
-              <a:t>26/02/2025</a:t>
+              <a:t>27/02/2025</a:t>
             </a:fld>
             <a:endParaRPr lang="en-GB"/>
           </a:p>
@@ -960,7 +966,7 @@
           <a:p>
             <a:fld id="{386EAC6E-8ADC-498C-8D78-A1467B1978D3}" type="datetimeFigureOut">
               <a:rPr lang="en-GB" smtClean="0"/>
-              <a:t>26/02/2025</a:t>
+              <a:t>27/02/2025</a:t>
             </a:fld>
             <a:endParaRPr lang="en-GB"/>
           </a:p>
@@ -1528,7 +1534,7 @@
           <a:p>
             <a:fld id="{386EAC6E-8ADC-498C-8D78-A1467B1978D3}" type="datetimeFigureOut">
               <a:rPr lang="en-GB" smtClean="0"/>
-              <a:t>26/02/2025</a:t>
+              <a:t>27/02/2025</a:t>
             </a:fld>
             <a:endParaRPr lang="en-GB"/>
           </a:p>
@@ -1806,7 +1812,7 @@
           <a:p>
             <a:fld id="{386EAC6E-8ADC-498C-8D78-A1467B1978D3}" type="datetimeFigureOut">
               <a:rPr lang="en-GB" smtClean="0"/>
-              <a:t>26/02/2025</a:t>
+              <a:t>27/02/2025</a:t>
             </a:fld>
             <a:endParaRPr lang="en-GB"/>
           </a:p>
@@ -2368,7 +2374,7 @@
           <a:p>
             <a:fld id="{386EAC6E-8ADC-498C-8D78-A1467B1978D3}" type="datetimeFigureOut">
               <a:rPr lang="en-GB" smtClean="0"/>
-              <a:t>26/02/2025</a:t>
+              <a:t>27/02/2025</a:t>
             </a:fld>
             <a:endParaRPr lang="en-GB"/>
           </a:p>
@@ -2695,7 +2701,7 @@
           <a:p>
             <a:fld id="{386EAC6E-8ADC-498C-8D78-A1467B1978D3}" type="datetimeFigureOut">
               <a:rPr lang="en-GB" smtClean="0"/>
-              <a:t>26/02/2025</a:t>
+              <a:t>27/02/2025</a:t>
             </a:fld>
             <a:endParaRPr lang="en-GB"/>
           </a:p>
@@ -2872,7 +2878,7 @@
           <a:p>
             <a:fld id="{386EAC6E-8ADC-498C-8D78-A1467B1978D3}" type="datetimeFigureOut">
               <a:rPr lang="en-GB" smtClean="0"/>
-              <a:t>26/02/2025</a:t>
+              <a:t>27/02/2025</a:t>
             </a:fld>
             <a:endParaRPr lang="en-GB"/>
           </a:p>
@@ -3110,7 +3116,7 @@
           <a:p>
             <a:fld id="{386EAC6E-8ADC-498C-8D78-A1467B1978D3}" type="datetimeFigureOut">
               <a:rPr lang="en-GB" smtClean="0"/>
-              <a:t>26/02/2025</a:t>
+              <a:t>27/02/2025</a:t>
             </a:fld>
             <a:endParaRPr lang="en-GB"/>
           </a:p>
@@ -3310,7 +3316,7 @@
           <a:p>
             <a:fld id="{386EAC6E-8ADC-498C-8D78-A1467B1978D3}" type="datetimeFigureOut">
               <a:rPr lang="en-GB" smtClean="0"/>
-              <a:t>26/02/2025</a:t>
+              <a:t>27/02/2025</a:t>
             </a:fld>
             <a:endParaRPr lang="en-GB"/>
           </a:p>
@@ -3586,7 +3592,7 @@
           <a:p>
             <a:fld id="{386EAC6E-8ADC-498C-8D78-A1467B1978D3}" type="datetimeFigureOut">
               <a:rPr lang="en-GB" smtClean="0"/>
-              <a:t>26/02/2025</a:t>
+              <a:t>27/02/2025</a:t>
             </a:fld>
             <a:endParaRPr lang="en-GB"/>
           </a:p>
@@ -3852,7 +3858,7 @@
           <a:p>
             <a:fld id="{386EAC6E-8ADC-498C-8D78-A1467B1978D3}" type="datetimeFigureOut">
               <a:rPr lang="en-GB" smtClean="0"/>
-              <a:t>26/02/2025</a:t>
+              <a:t>27/02/2025</a:t>
             </a:fld>
             <a:endParaRPr lang="en-GB"/>
           </a:p>
@@ -4226,7 +4232,7 @@
           <a:p>
             <a:fld id="{386EAC6E-8ADC-498C-8D78-A1467B1978D3}" type="datetimeFigureOut">
               <a:rPr lang="en-GB" smtClean="0"/>
-              <a:t>26/02/2025</a:t>
+              <a:t>27/02/2025</a:t>
             </a:fld>
             <a:endParaRPr lang="en-GB"/>
           </a:p>
@@ -4374,7 +4380,7 @@
           <a:p>
             <a:fld id="{386EAC6E-8ADC-498C-8D78-A1467B1978D3}" type="datetimeFigureOut">
               <a:rPr lang="en-GB" smtClean="0"/>
-              <a:t>26/02/2025</a:t>
+              <a:t>27/02/2025</a:t>
             </a:fld>
             <a:endParaRPr lang="en-GB"/>
           </a:p>
@@ -4499,7 +4505,7 @@
           <a:p>
             <a:fld id="{386EAC6E-8ADC-498C-8D78-A1467B1978D3}" type="datetimeFigureOut">
               <a:rPr lang="en-GB" smtClean="0"/>
-              <a:t>26/02/2025</a:t>
+              <a:t>27/02/2025</a:t>
             </a:fld>
             <a:endParaRPr lang="en-GB"/>
           </a:p>
@@ -4784,7 +4790,7 @@
           <a:p>
             <a:fld id="{386EAC6E-8ADC-498C-8D78-A1467B1978D3}" type="datetimeFigureOut">
               <a:rPr lang="en-GB" smtClean="0"/>
-              <a:t>26/02/2025</a:t>
+              <a:t>27/02/2025</a:t>
             </a:fld>
             <a:endParaRPr lang="en-GB"/>
           </a:p>
@@ -5108,7 +5114,7 @@
           <a:p>
             <a:fld id="{386EAC6E-8ADC-498C-8D78-A1467B1978D3}" type="datetimeFigureOut">
               <a:rPr lang="en-GB" smtClean="0"/>
-              <a:t>26/02/2025</a:t>
+              <a:t>27/02/2025</a:t>
             </a:fld>
             <a:endParaRPr lang="en-GB"/>
           </a:p>
@@ -5322,7 +5328,7 @@
           <a:p>
             <a:fld id="{386EAC6E-8ADC-498C-8D78-A1467B1978D3}" type="datetimeFigureOut">
               <a:rPr lang="en-GB" smtClean="0"/>
-              <a:t>26/02/2025</a:t>
+              <a:t>27/02/2025</a:t>
             </a:fld>
             <a:endParaRPr lang="en-GB"/>
           </a:p>
@@ -5904,124 +5910,7 @@
 </p:sld>
 </file>
 
-<file path=ppt/slides/slide2.xml><?xml version="1.0" encoding="utf-8"?>
-<p:sld xmlns:a="http://schemas.openxmlformats.org/drawingml/2006/main" xmlns:r="http://schemas.openxmlformats.org/officeDocument/2006/relationships" xmlns:p="http://schemas.openxmlformats.org/presentationml/2006/main">
-  <p:cSld>
-    <p:spTree>
-      <p:nvGrpSpPr>
-        <p:cNvPr id="1" name=""/>
-        <p:cNvGrpSpPr/>
-        <p:nvPr/>
-      </p:nvGrpSpPr>
-      <p:grpSpPr>
-        <a:xfrm>
-          <a:off x="0" y="0"/>
-          <a:ext cx="0" cy="0"/>
-          <a:chOff x="0" y="0"/>
-          <a:chExt cx="0" cy="0"/>
-        </a:xfrm>
-      </p:grpSpPr>
-      <p:sp>
-        <p:nvSpPr>
-          <p:cNvPr id="2" name="Title 1">
-            <a:extLst>
-              <a:ext uri="{FF2B5EF4-FFF2-40B4-BE49-F238E27FC236}">
-                <a16:creationId xmlns:a16="http://schemas.microsoft.com/office/drawing/2014/main" id="{DE043104-5488-AB23-C1C8-EB9D45458590}"/>
-              </a:ext>
-            </a:extLst>
-          </p:cNvPr>
-          <p:cNvSpPr>
-            <a:spLocks noGrp="1"/>
-          </p:cNvSpPr>
-          <p:nvPr>
-            <p:ph type="title"/>
-          </p:nvPr>
-        </p:nvSpPr>
-        <p:spPr>
-          <a:xfrm>
-            <a:off x="431800" y="365125"/>
-            <a:ext cx="10515600" cy="1325563"/>
-          </a:xfrm>
-        </p:spPr>
-        <p:txBody>
-          <a:bodyPr/>
-          <a:lstStyle/>
-          <a:p>
-            <a:r>
-              <a:rPr lang="en-GB" noProof="0" dirty="0"/>
-              <a:t>Project Overview</a:t>
-            </a:r>
-          </a:p>
-        </p:txBody>
-      </p:sp>
-      <p:sp>
-        <p:nvSpPr>
-          <p:cNvPr id="3" name="Content Placeholder 2">
-            <a:extLst>
-              <a:ext uri="{FF2B5EF4-FFF2-40B4-BE49-F238E27FC236}">
-                <a16:creationId xmlns:a16="http://schemas.microsoft.com/office/drawing/2014/main" id="{9D35EE75-46F7-78BA-6D8C-C9AE15E56381}"/>
-              </a:ext>
-            </a:extLst>
-          </p:cNvPr>
-          <p:cNvSpPr>
-            <a:spLocks noGrp="1"/>
-          </p:cNvSpPr>
-          <p:nvPr>
-            <p:ph idx="1"/>
-          </p:nvPr>
-        </p:nvSpPr>
-        <p:spPr>
-          <a:xfrm>
-            <a:off x="368300" y="1690688"/>
-            <a:ext cx="10515600" cy="4351338"/>
-          </a:xfrm>
-        </p:spPr>
-        <p:txBody>
-          <a:bodyPr/>
-          <a:lstStyle/>
-          <a:p>
-            <a:r>
-              <a:rPr lang="en-GB" noProof="0" dirty="0"/>
-              <a:t>Users will be able to view albums</a:t>
-            </a:r>
-          </a:p>
-          <a:p>
-            <a:r>
-              <a:rPr lang="en-GB" noProof="0" dirty="0"/>
-              <a:t>Authenticated users will be able to like/dislike, comment on and upload albums</a:t>
-            </a:r>
-          </a:p>
-          <a:p>
-            <a:r>
-              <a:rPr lang="en-GB" noProof="0" dirty="0"/>
-              <a:t>The home page will show top rated albums, albums uploaded that day, and a search feature for users/albums</a:t>
-            </a:r>
-          </a:p>
-          <a:p>
-            <a:r>
-              <a:rPr lang="en-GB" noProof="0" dirty="0"/>
-              <a:t>A “follow” system- users will be able to follow other users, and albums they rate will show in the home page</a:t>
-            </a:r>
-          </a:p>
-          <a:p>
-            <a:endParaRPr lang="en-GB" noProof="0" dirty="0"/>
-          </a:p>
-        </p:txBody>
-      </p:sp>
-    </p:spTree>
-    <p:extLst>
-      <p:ext uri="{BB962C8B-B14F-4D97-AF65-F5344CB8AC3E}">
-        <p14:creationId xmlns:p14="http://schemas.microsoft.com/office/powerpoint/2010/main" val="2470909054"/>
-      </p:ext>
-    </p:extLst>
-  </p:cSld>
-  <p:clrMapOvr>
-    <a:masterClrMapping/>
-  </p:clrMapOvr>
-</p:sld>
-</file>
-
-<file path=ppt/slides/slide3.xml><?xml version="1.0" encoding="utf-8"?>
+<file path=ppt/slides/slide10.xml><?xml version="1.0" encoding="utf-8"?>
 <p:sld xmlns:a="http://schemas.openxmlformats.org/drawingml/2006/main" xmlns:r="http://schemas.openxmlformats.org/officeDocument/2006/relationships" xmlns:p="http://schemas.openxmlformats.org/presentationml/2006/main">
   <p:cSld>
     <p:spTree>
@@ -6029,7 +5918,7 @@
         <p:cNvPr id="1" name="">
           <a:extLst>
             <a:ext uri="{FF2B5EF4-FFF2-40B4-BE49-F238E27FC236}">
-              <a16:creationId xmlns:a16="http://schemas.microsoft.com/office/drawing/2014/main" id="{A67D487C-ADA8-31AC-435F-B6DEE1DFAF96}"/>
+              <a16:creationId xmlns:a16="http://schemas.microsoft.com/office/drawing/2014/main" id="{6FBA8961-8F26-804E-64C7-BD58CFA3B5DF}"/>
             </a:ext>
           </a:extLst>
         </p:cNvPr>
@@ -6049,7 +5938,7 @@
           <p:cNvPr id="2" name="Title 1">
             <a:extLst>
               <a:ext uri="{FF2B5EF4-FFF2-40B4-BE49-F238E27FC236}">
-                <a16:creationId xmlns:a16="http://schemas.microsoft.com/office/drawing/2014/main" id="{5A47E641-6C73-6AC0-61DA-360021474C60}"/>
+                <a16:creationId xmlns:a16="http://schemas.microsoft.com/office/drawing/2014/main" id="{3DB5B3B4-15BF-FC46-416D-934D5B12DB22}"/>
               </a:ext>
             </a:extLst>
           </p:cNvPr>
@@ -6062,8 +5951,8 @@
         </p:nvSpPr>
         <p:spPr>
           <a:xfrm>
-            <a:off x="279400" y="320675"/>
-            <a:ext cx="10515600" cy="1325563"/>
+            <a:off x="685801" y="609600"/>
+            <a:ext cx="10820398" cy="1456267"/>
           </a:xfrm>
         </p:spPr>
         <p:txBody>
@@ -6071,643 +5960,88 @@
           <a:lstStyle/>
           <a:p>
             <a:r>
-              <a:rPr lang="en-GB" noProof="0" dirty="0"/>
-              <a:t>User Personas</a:t>
-            </a:r>
-          </a:p>
-        </p:txBody>
-      </p:sp>
-      <p:sp>
-        <p:nvSpPr>
-          <p:cNvPr id="3" name="Content Placeholder 2">
+              <a:rPr lang="en-GB" dirty="0"/>
+              <a:t>Wireframes – Delete account, change password</a:t>
+            </a:r>
+          </a:p>
+        </p:txBody>
+      </p:sp>
+      <p:pic>
+        <p:nvPicPr>
+          <p:cNvPr id="5" name="Picture 4" descr="A screenshot of a computer&#10;&#10;AI-generated content may be incorrect.">
             <a:extLst>
               <a:ext uri="{FF2B5EF4-FFF2-40B4-BE49-F238E27FC236}">
-                <a16:creationId xmlns:a16="http://schemas.microsoft.com/office/drawing/2014/main" id="{0F19E9B1-00A2-5137-CA05-787ABE9D9D3F}"/>
+                <a16:creationId xmlns:a16="http://schemas.microsoft.com/office/drawing/2014/main" id="{E608A58C-5610-3295-1800-D315E0B4C37C}"/>
               </a:ext>
             </a:extLst>
           </p:cNvPr>
-          <p:cNvSpPr>
-            <a:spLocks noGrp="1"/>
-          </p:cNvSpPr>
-          <p:nvPr>
-            <p:ph idx="1"/>
-          </p:nvPr>
-        </p:nvSpPr>
-        <p:spPr>
-          <a:xfrm>
-            <a:off x="279400" y="1546224"/>
-            <a:ext cx="3924300" cy="4848225"/>
-          </a:xfrm>
-        </p:spPr>
-        <p:txBody>
-          <a:bodyPr>
-            <a:normAutofit/>
-          </a:bodyPr>
-          <a:lstStyle/>
-          <a:p>
-            <a:pPr marL="0" indent="0">
-              <a:buNone/>
-            </a:pPr>
-            <a:r>
-              <a:rPr lang="en-GB" sz="1800" b="1" noProof="0" dirty="0"/>
-              <a:t>Casual Listener</a:t>
-            </a:r>
-            <a:r>
-              <a:rPr lang="en-GB" sz="1800" noProof="0" dirty="0"/>
-              <a:t>:</a:t>
-            </a:r>
-          </a:p>
-          <a:p>
-            <a:pPr marL="0" indent="0">
-              <a:buNone/>
-            </a:pPr>
-            <a:r>
-              <a:rPr lang="en-GB" sz="1800" noProof="0" dirty="0"/>
-              <a:t>Description: Loves listening to music, but doesn't have time to search deeply for new releases.</a:t>
-            </a:r>
-          </a:p>
-          <a:p>
-            <a:pPr marL="0" indent="0">
-              <a:buNone/>
-            </a:pPr>
-            <a:r>
-              <a:rPr lang="en-GB" sz="1800" i="1" noProof="0" dirty="0"/>
-              <a:t>Goal: </a:t>
-            </a:r>
-            <a:r>
-              <a:rPr lang="en-GB" sz="1800" noProof="0" dirty="0"/>
-              <a:t>Find new albums, quickly rate, read reviews from other users, leave short comments.</a:t>
-            </a:r>
-          </a:p>
-          <a:p>
-            <a:pPr marL="0" indent="0">
-              <a:buNone/>
-            </a:pPr>
-            <a:r>
-              <a:rPr lang="en-GB" sz="1800" i="1" noProof="0" dirty="0"/>
-              <a:t>Tasks:</a:t>
-            </a:r>
-          </a:p>
-          <a:p>
-            <a:pPr lvl="1"/>
-            <a:r>
-              <a:rPr lang="en-GB" sz="1800" dirty="0"/>
-              <a:t>Convenient</a:t>
-            </a:r>
-            <a:r>
-              <a:rPr lang="en-GB" sz="1800" noProof="0" dirty="0"/>
-              <a:t> search for albums, sort them by popularity/dates.</a:t>
-            </a:r>
-          </a:p>
-          <a:p>
-            <a:pPr lvl="1"/>
-            <a:r>
-              <a:rPr lang="en-GB" sz="1800" noProof="0" dirty="0"/>
-              <a:t>Keep track of what his friends like.</a:t>
-            </a:r>
-          </a:p>
-          <a:p>
-            <a:endParaRPr lang="en-GB" sz="1800" noProof="0" dirty="0"/>
-          </a:p>
-        </p:txBody>
-      </p:sp>
-      <p:sp>
-        <p:nvSpPr>
-          <p:cNvPr id="5" name="Content Placeholder 2">
+          <p:cNvPicPr>
+            <a:picLocks noChangeAspect="1"/>
+          </p:cNvPicPr>
+          <p:nvPr/>
+        </p:nvPicPr>
+        <p:blipFill>
+          <a:blip r:embed="rId2">
+            <a:extLst>
+              <a:ext uri="{28A0092B-C50C-407E-A947-70E740481C1C}">
+                <a14:useLocalDpi xmlns:a14="http://schemas.microsoft.com/office/drawing/2010/main" val="0"/>
+              </a:ext>
+            </a:extLst>
+          </a:blip>
+          <a:stretch>
+            <a:fillRect/>
+          </a:stretch>
+        </p:blipFill>
+        <p:spPr>
+          <a:xfrm>
+            <a:off x="6634163" y="2065866"/>
+            <a:ext cx="4872038" cy="3958531"/>
+          </a:xfrm>
+          <a:prstGeom prst="rect">
+            <a:avLst/>
+          </a:prstGeom>
+        </p:spPr>
+      </p:pic>
+      <p:pic>
+        <p:nvPicPr>
+          <p:cNvPr id="7" name="Picture 6" descr="A screenshot of a computer&#10;&#10;AI-generated content may be incorrect.">
             <a:extLst>
               <a:ext uri="{FF2B5EF4-FFF2-40B4-BE49-F238E27FC236}">
-                <a16:creationId xmlns:a16="http://schemas.microsoft.com/office/drawing/2014/main" id="{E800BC42-6DF4-355D-DD16-C45C46791893}"/>
+                <a16:creationId xmlns:a16="http://schemas.microsoft.com/office/drawing/2014/main" id="{D08D2B01-BEE8-C469-501A-F09E0BCCE93E}"/>
               </a:ext>
             </a:extLst>
           </p:cNvPr>
-          <p:cNvSpPr txBox="1">
-            <a:spLocks/>
-          </p:cNvSpPr>
+          <p:cNvPicPr>
+            <a:picLocks noChangeAspect="1"/>
+          </p:cNvPicPr>
           <p:nvPr/>
-        </p:nvSpPr>
-        <p:spPr>
-          <a:xfrm>
-            <a:off x="4203700" y="1546224"/>
-            <a:ext cx="3924300" cy="4848225"/>
+        </p:nvPicPr>
+        <p:blipFill>
+          <a:blip r:embed="rId3">
+            <a:extLst>
+              <a:ext uri="{28A0092B-C50C-407E-A947-70E740481C1C}">
+                <a14:useLocalDpi xmlns:a14="http://schemas.microsoft.com/office/drawing/2010/main" val="0"/>
+              </a:ext>
+            </a:extLst>
+          </a:blip>
+          <a:stretch>
+            <a:fillRect/>
+          </a:stretch>
+        </p:blipFill>
+        <p:spPr>
+          <a:xfrm>
+            <a:off x="685801" y="2065867"/>
+            <a:ext cx="4872038" cy="3958531"/>
           </a:xfrm>
           <a:prstGeom prst="rect">
             <a:avLst/>
           </a:prstGeom>
         </p:spPr>
-        <p:txBody>
-          <a:bodyPr vert="horz" lIns="91440" tIns="45720" rIns="91440" bIns="45720" rtlCol="0">
-            <a:normAutofit/>
-          </a:bodyPr>
-          <a:lstStyle>
-            <a:lvl1pPr marL="228600" indent="-228600" algn="l" defTabSz="914400" rtl="0" eaLnBrk="1" latinLnBrk="0" hangingPunct="1">
-              <a:lnSpc>
-                <a:spcPct val="90000"/>
-              </a:lnSpc>
-              <a:spcBef>
-                <a:spcPts val="1000"/>
-              </a:spcBef>
-              <a:buFont typeface="Arial" panose="020B0604020202020204" pitchFamily="34" charset="0"/>
-              <a:buChar char="•"/>
-              <a:defRPr sz="2800" kern="1200">
-                <a:solidFill>
-                  <a:schemeClr val="tx1"/>
-                </a:solidFill>
-                <a:latin typeface="+mn-lt"/>
-                <a:ea typeface="+mn-ea"/>
-                <a:cs typeface="+mn-cs"/>
-              </a:defRPr>
-            </a:lvl1pPr>
-            <a:lvl2pPr marL="685800" indent="-228600" algn="l" defTabSz="914400" rtl="0" eaLnBrk="1" latinLnBrk="0" hangingPunct="1">
-              <a:lnSpc>
-                <a:spcPct val="90000"/>
-              </a:lnSpc>
-              <a:spcBef>
-                <a:spcPts val="500"/>
-              </a:spcBef>
-              <a:buFont typeface="Arial" panose="020B0604020202020204" pitchFamily="34" charset="0"/>
-              <a:buChar char="•"/>
-              <a:defRPr sz="2400" kern="1200">
-                <a:solidFill>
-                  <a:schemeClr val="tx1"/>
-                </a:solidFill>
-                <a:latin typeface="+mn-lt"/>
-                <a:ea typeface="+mn-ea"/>
-                <a:cs typeface="+mn-cs"/>
-              </a:defRPr>
-            </a:lvl2pPr>
-            <a:lvl3pPr marL="1143000" indent="-228600" algn="l" defTabSz="914400" rtl="0" eaLnBrk="1" latinLnBrk="0" hangingPunct="1">
-              <a:lnSpc>
-                <a:spcPct val="90000"/>
-              </a:lnSpc>
-              <a:spcBef>
-                <a:spcPts val="500"/>
-              </a:spcBef>
-              <a:buFont typeface="Arial" panose="020B0604020202020204" pitchFamily="34" charset="0"/>
-              <a:buChar char="•"/>
-              <a:defRPr sz="2000" kern="1200">
-                <a:solidFill>
-                  <a:schemeClr val="tx1"/>
-                </a:solidFill>
-                <a:latin typeface="+mn-lt"/>
-                <a:ea typeface="+mn-ea"/>
-                <a:cs typeface="+mn-cs"/>
-              </a:defRPr>
-            </a:lvl3pPr>
-            <a:lvl4pPr marL="1600200" indent="-228600" algn="l" defTabSz="914400" rtl="0" eaLnBrk="1" latinLnBrk="0" hangingPunct="1">
-              <a:lnSpc>
-                <a:spcPct val="90000"/>
-              </a:lnSpc>
-              <a:spcBef>
-                <a:spcPts val="500"/>
-              </a:spcBef>
-              <a:buFont typeface="Arial" panose="020B0604020202020204" pitchFamily="34" charset="0"/>
-              <a:buChar char="•"/>
-              <a:defRPr sz="1800" kern="1200">
-                <a:solidFill>
-                  <a:schemeClr val="tx1"/>
-                </a:solidFill>
-                <a:latin typeface="+mn-lt"/>
-                <a:ea typeface="+mn-ea"/>
-                <a:cs typeface="+mn-cs"/>
-              </a:defRPr>
-            </a:lvl4pPr>
-            <a:lvl5pPr marL="2057400" indent="-228600" algn="l" defTabSz="914400" rtl="0" eaLnBrk="1" latinLnBrk="0" hangingPunct="1">
-              <a:lnSpc>
-                <a:spcPct val="90000"/>
-              </a:lnSpc>
-              <a:spcBef>
-                <a:spcPts val="500"/>
-              </a:spcBef>
-              <a:buFont typeface="Arial" panose="020B0604020202020204" pitchFamily="34" charset="0"/>
-              <a:buChar char="•"/>
-              <a:defRPr sz="1800" kern="1200">
-                <a:solidFill>
-                  <a:schemeClr val="tx1"/>
-                </a:solidFill>
-                <a:latin typeface="+mn-lt"/>
-                <a:ea typeface="+mn-ea"/>
-                <a:cs typeface="+mn-cs"/>
-              </a:defRPr>
-            </a:lvl5pPr>
-            <a:lvl6pPr marL="2514600" indent="-228600" algn="l" defTabSz="914400" rtl="0" eaLnBrk="1" latinLnBrk="0" hangingPunct="1">
-              <a:lnSpc>
-                <a:spcPct val="90000"/>
-              </a:lnSpc>
-              <a:spcBef>
-                <a:spcPts val="500"/>
-              </a:spcBef>
-              <a:buFont typeface="Arial" panose="020B0604020202020204" pitchFamily="34" charset="0"/>
-              <a:buChar char="•"/>
-              <a:defRPr sz="1800" kern="1200">
-                <a:solidFill>
-                  <a:schemeClr val="tx1"/>
-                </a:solidFill>
-                <a:latin typeface="+mn-lt"/>
-                <a:ea typeface="+mn-ea"/>
-                <a:cs typeface="+mn-cs"/>
-              </a:defRPr>
-            </a:lvl6pPr>
-            <a:lvl7pPr marL="2971800" indent="-228600" algn="l" defTabSz="914400" rtl="0" eaLnBrk="1" latinLnBrk="0" hangingPunct="1">
-              <a:lnSpc>
-                <a:spcPct val="90000"/>
-              </a:lnSpc>
-              <a:spcBef>
-                <a:spcPts val="500"/>
-              </a:spcBef>
-              <a:buFont typeface="Arial" panose="020B0604020202020204" pitchFamily="34" charset="0"/>
-              <a:buChar char="•"/>
-              <a:defRPr sz="1800" kern="1200">
-                <a:solidFill>
-                  <a:schemeClr val="tx1"/>
-                </a:solidFill>
-                <a:latin typeface="+mn-lt"/>
-                <a:ea typeface="+mn-ea"/>
-                <a:cs typeface="+mn-cs"/>
-              </a:defRPr>
-            </a:lvl7pPr>
-            <a:lvl8pPr marL="3429000" indent="-228600" algn="l" defTabSz="914400" rtl="0" eaLnBrk="1" latinLnBrk="0" hangingPunct="1">
-              <a:lnSpc>
-                <a:spcPct val="90000"/>
-              </a:lnSpc>
-              <a:spcBef>
-                <a:spcPts val="500"/>
-              </a:spcBef>
-              <a:buFont typeface="Arial" panose="020B0604020202020204" pitchFamily="34" charset="0"/>
-              <a:buChar char="•"/>
-              <a:defRPr sz="1800" kern="1200">
-                <a:solidFill>
-                  <a:schemeClr val="tx1"/>
-                </a:solidFill>
-                <a:latin typeface="+mn-lt"/>
-                <a:ea typeface="+mn-ea"/>
-                <a:cs typeface="+mn-cs"/>
-              </a:defRPr>
-            </a:lvl8pPr>
-            <a:lvl9pPr marL="3886200" indent="-228600" algn="l" defTabSz="914400" rtl="0" eaLnBrk="1" latinLnBrk="0" hangingPunct="1">
-              <a:lnSpc>
-                <a:spcPct val="90000"/>
-              </a:lnSpc>
-              <a:spcBef>
-                <a:spcPts val="500"/>
-              </a:spcBef>
-              <a:buFont typeface="Arial" panose="020B0604020202020204" pitchFamily="34" charset="0"/>
-              <a:buChar char="•"/>
-              <a:defRPr sz="1800" kern="1200">
-                <a:solidFill>
-                  <a:schemeClr val="tx1"/>
-                </a:solidFill>
-                <a:latin typeface="+mn-lt"/>
-                <a:ea typeface="+mn-ea"/>
-                <a:cs typeface="+mn-cs"/>
-              </a:defRPr>
-            </a:lvl9pPr>
-          </a:lstStyle>
-          <a:p>
-            <a:pPr marL="0" indent="0">
-              <a:buFont typeface="Arial" panose="020B0604020202020204" pitchFamily="34" charset="0"/>
-              <a:buNone/>
-            </a:pPr>
-            <a:r>
-              <a:rPr lang="en-GB" sz="1800" b="1" noProof="0" dirty="0"/>
-              <a:t>Content Creator</a:t>
-            </a:r>
-            <a:r>
-              <a:rPr lang="en-GB" sz="1800" noProof="0" dirty="0"/>
-              <a:t>:</a:t>
-            </a:r>
-          </a:p>
-          <a:p>
-            <a:pPr marL="0" indent="0">
-              <a:buFont typeface="Arial" panose="020B0604020202020204" pitchFamily="34" charset="0"/>
-              <a:buNone/>
-            </a:pPr>
-            <a:r>
-              <a:rPr lang="en-GB" sz="1800" i="1" noProof="0" dirty="0"/>
-              <a:t>Description:</a:t>
-            </a:r>
-            <a:r>
-              <a:rPr lang="en-GB" sz="1800" noProof="0" dirty="0"/>
-              <a:t> An aspiring musician, he records his own tracks and wants to share them with the community.</a:t>
-            </a:r>
-          </a:p>
-          <a:p>
-            <a:pPr marL="0" indent="0">
-              <a:buFont typeface="Arial" panose="020B0604020202020204" pitchFamily="34" charset="0"/>
-              <a:buNone/>
-            </a:pPr>
-            <a:r>
-              <a:rPr lang="en-GB" sz="1800" i="1" noProof="0" dirty="0"/>
-              <a:t>Goal: </a:t>
-            </a:r>
-            <a:r>
-              <a:rPr lang="en-GB" sz="1800" noProof="0" dirty="0"/>
-              <a:t>Upload your albums, get feedback and a fan base.</a:t>
-            </a:r>
-          </a:p>
-          <a:p>
-            <a:pPr marL="0" indent="0">
-              <a:buFont typeface="Arial" panose="020B0604020202020204" pitchFamily="34" charset="0"/>
-              <a:buNone/>
-            </a:pPr>
-            <a:r>
-              <a:rPr lang="en-GB" sz="1800" i="1" noProof="0" dirty="0"/>
-              <a:t>Tasks:</a:t>
-            </a:r>
-          </a:p>
-          <a:p>
-            <a:pPr lvl="1"/>
-            <a:r>
-              <a:rPr lang="en-GB" sz="1800" noProof="0" dirty="0"/>
-              <a:t>Easy upload albums and covers.</a:t>
-            </a:r>
-          </a:p>
-          <a:p>
-            <a:pPr lvl="1"/>
-            <a:r>
-              <a:rPr lang="en-GB" sz="1800" noProof="0" dirty="0"/>
-              <a:t>Ability to track statistics (number of likes, views and comments).</a:t>
-            </a:r>
-          </a:p>
-          <a:p>
-            <a:pPr lvl="1"/>
-            <a:r>
-              <a:rPr lang="en-GB" sz="1800" noProof="0" dirty="0"/>
-              <a:t>Communicate with fans through comments.</a:t>
-            </a:r>
-          </a:p>
-        </p:txBody>
-      </p:sp>
-      <p:sp>
-        <p:nvSpPr>
-          <p:cNvPr id="6" name="Content Placeholder 2">
-            <a:extLst>
-              <a:ext uri="{FF2B5EF4-FFF2-40B4-BE49-F238E27FC236}">
-                <a16:creationId xmlns:a16="http://schemas.microsoft.com/office/drawing/2014/main" id="{6C202748-E359-D596-5AFC-AEFA8D2BD373}"/>
-              </a:ext>
-            </a:extLst>
-          </p:cNvPr>
-          <p:cNvSpPr txBox="1">
-            <a:spLocks/>
-          </p:cNvSpPr>
-          <p:nvPr/>
-        </p:nvSpPr>
-        <p:spPr>
-          <a:xfrm>
-            <a:off x="8128000" y="1546224"/>
-            <a:ext cx="3924300" cy="4848225"/>
-          </a:xfrm>
-          <a:prstGeom prst="rect">
-            <a:avLst/>
-          </a:prstGeom>
-        </p:spPr>
-        <p:txBody>
-          <a:bodyPr vert="horz" lIns="91440" tIns="45720" rIns="91440" bIns="45720" rtlCol="0">
-            <a:noAutofit/>
-          </a:bodyPr>
-          <a:lstStyle>
-            <a:lvl1pPr marL="228600" indent="-228600" algn="l" defTabSz="914400" rtl="0" eaLnBrk="1" latinLnBrk="0" hangingPunct="1">
-              <a:lnSpc>
-                <a:spcPct val="90000"/>
-              </a:lnSpc>
-              <a:spcBef>
-                <a:spcPts val="1000"/>
-              </a:spcBef>
-              <a:buFont typeface="Arial" panose="020B0604020202020204" pitchFamily="34" charset="0"/>
-              <a:buChar char="•"/>
-              <a:defRPr sz="2800" kern="1200">
-                <a:solidFill>
-                  <a:schemeClr val="tx1"/>
-                </a:solidFill>
-                <a:latin typeface="+mn-lt"/>
-                <a:ea typeface="+mn-ea"/>
-                <a:cs typeface="+mn-cs"/>
-              </a:defRPr>
-            </a:lvl1pPr>
-            <a:lvl2pPr marL="685800" indent="-228600" algn="l" defTabSz="914400" rtl="0" eaLnBrk="1" latinLnBrk="0" hangingPunct="1">
-              <a:lnSpc>
-                <a:spcPct val="90000"/>
-              </a:lnSpc>
-              <a:spcBef>
-                <a:spcPts val="500"/>
-              </a:spcBef>
-              <a:buFont typeface="Arial" panose="020B0604020202020204" pitchFamily="34" charset="0"/>
-              <a:buChar char="•"/>
-              <a:defRPr sz="2400" kern="1200">
-                <a:solidFill>
-                  <a:schemeClr val="tx1"/>
-                </a:solidFill>
-                <a:latin typeface="+mn-lt"/>
-                <a:ea typeface="+mn-ea"/>
-                <a:cs typeface="+mn-cs"/>
-              </a:defRPr>
-            </a:lvl2pPr>
-            <a:lvl3pPr marL="1143000" indent="-228600" algn="l" defTabSz="914400" rtl="0" eaLnBrk="1" latinLnBrk="0" hangingPunct="1">
-              <a:lnSpc>
-                <a:spcPct val="90000"/>
-              </a:lnSpc>
-              <a:spcBef>
-                <a:spcPts val="500"/>
-              </a:spcBef>
-              <a:buFont typeface="Arial" panose="020B0604020202020204" pitchFamily="34" charset="0"/>
-              <a:buChar char="•"/>
-              <a:defRPr sz="2000" kern="1200">
-                <a:solidFill>
-                  <a:schemeClr val="tx1"/>
-                </a:solidFill>
-                <a:latin typeface="+mn-lt"/>
-                <a:ea typeface="+mn-ea"/>
-                <a:cs typeface="+mn-cs"/>
-              </a:defRPr>
-            </a:lvl3pPr>
-            <a:lvl4pPr marL="1600200" indent="-228600" algn="l" defTabSz="914400" rtl="0" eaLnBrk="1" latinLnBrk="0" hangingPunct="1">
-              <a:lnSpc>
-                <a:spcPct val="90000"/>
-              </a:lnSpc>
-              <a:spcBef>
-                <a:spcPts val="500"/>
-              </a:spcBef>
-              <a:buFont typeface="Arial" panose="020B0604020202020204" pitchFamily="34" charset="0"/>
-              <a:buChar char="•"/>
-              <a:defRPr sz="1800" kern="1200">
-                <a:solidFill>
-                  <a:schemeClr val="tx1"/>
-                </a:solidFill>
-                <a:latin typeface="+mn-lt"/>
-                <a:ea typeface="+mn-ea"/>
-                <a:cs typeface="+mn-cs"/>
-              </a:defRPr>
-            </a:lvl4pPr>
-            <a:lvl5pPr marL="2057400" indent="-228600" algn="l" defTabSz="914400" rtl="0" eaLnBrk="1" latinLnBrk="0" hangingPunct="1">
-              <a:lnSpc>
-                <a:spcPct val="90000"/>
-              </a:lnSpc>
-              <a:spcBef>
-                <a:spcPts val="500"/>
-              </a:spcBef>
-              <a:buFont typeface="Arial" panose="020B0604020202020204" pitchFamily="34" charset="0"/>
-              <a:buChar char="•"/>
-              <a:defRPr sz="1800" kern="1200">
-                <a:solidFill>
-                  <a:schemeClr val="tx1"/>
-                </a:solidFill>
-                <a:latin typeface="+mn-lt"/>
-                <a:ea typeface="+mn-ea"/>
-                <a:cs typeface="+mn-cs"/>
-              </a:defRPr>
-            </a:lvl5pPr>
-            <a:lvl6pPr marL="2514600" indent="-228600" algn="l" defTabSz="914400" rtl="0" eaLnBrk="1" latinLnBrk="0" hangingPunct="1">
-              <a:lnSpc>
-                <a:spcPct val="90000"/>
-              </a:lnSpc>
-              <a:spcBef>
-                <a:spcPts val="500"/>
-              </a:spcBef>
-              <a:buFont typeface="Arial" panose="020B0604020202020204" pitchFamily="34" charset="0"/>
-              <a:buChar char="•"/>
-              <a:defRPr sz="1800" kern="1200">
-                <a:solidFill>
-                  <a:schemeClr val="tx1"/>
-                </a:solidFill>
-                <a:latin typeface="+mn-lt"/>
-                <a:ea typeface="+mn-ea"/>
-                <a:cs typeface="+mn-cs"/>
-              </a:defRPr>
-            </a:lvl6pPr>
-            <a:lvl7pPr marL="2971800" indent="-228600" algn="l" defTabSz="914400" rtl="0" eaLnBrk="1" latinLnBrk="0" hangingPunct="1">
-              <a:lnSpc>
-                <a:spcPct val="90000"/>
-              </a:lnSpc>
-              <a:spcBef>
-                <a:spcPts val="500"/>
-              </a:spcBef>
-              <a:buFont typeface="Arial" panose="020B0604020202020204" pitchFamily="34" charset="0"/>
-              <a:buChar char="•"/>
-              <a:defRPr sz="1800" kern="1200">
-                <a:solidFill>
-                  <a:schemeClr val="tx1"/>
-                </a:solidFill>
-                <a:latin typeface="+mn-lt"/>
-                <a:ea typeface="+mn-ea"/>
-                <a:cs typeface="+mn-cs"/>
-              </a:defRPr>
-            </a:lvl7pPr>
-            <a:lvl8pPr marL="3429000" indent="-228600" algn="l" defTabSz="914400" rtl="0" eaLnBrk="1" latinLnBrk="0" hangingPunct="1">
-              <a:lnSpc>
-                <a:spcPct val="90000"/>
-              </a:lnSpc>
-              <a:spcBef>
-                <a:spcPts val="500"/>
-              </a:spcBef>
-              <a:buFont typeface="Arial" panose="020B0604020202020204" pitchFamily="34" charset="0"/>
-              <a:buChar char="•"/>
-              <a:defRPr sz="1800" kern="1200">
-                <a:solidFill>
-                  <a:schemeClr val="tx1"/>
-                </a:solidFill>
-                <a:latin typeface="+mn-lt"/>
-                <a:ea typeface="+mn-ea"/>
-                <a:cs typeface="+mn-cs"/>
-              </a:defRPr>
-            </a:lvl8pPr>
-            <a:lvl9pPr marL="3886200" indent="-228600" algn="l" defTabSz="914400" rtl="0" eaLnBrk="1" latinLnBrk="0" hangingPunct="1">
-              <a:lnSpc>
-                <a:spcPct val="90000"/>
-              </a:lnSpc>
-              <a:spcBef>
-                <a:spcPts val="500"/>
-              </a:spcBef>
-              <a:buFont typeface="Arial" panose="020B0604020202020204" pitchFamily="34" charset="0"/>
-              <a:buChar char="•"/>
-              <a:defRPr sz="1800" kern="1200">
-                <a:solidFill>
-                  <a:schemeClr val="tx1"/>
-                </a:solidFill>
-                <a:latin typeface="+mn-lt"/>
-                <a:ea typeface="+mn-ea"/>
-                <a:cs typeface="+mn-cs"/>
-              </a:defRPr>
-            </a:lvl9pPr>
-          </a:lstStyle>
-          <a:p>
-            <a:pPr marL="0" indent="0">
-              <a:buFont typeface="Arial" panose="020B0604020202020204" pitchFamily="34" charset="0"/>
-              <a:buNone/>
-            </a:pPr>
-            <a:r>
-              <a:rPr lang="en-GB" sz="1800" b="1" noProof="0" dirty="0"/>
-              <a:t>Music Critic</a:t>
-            </a:r>
-            <a:r>
-              <a:rPr lang="en-GB" sz="1800" noProof="0" dirty="0"/>
-              <a:t>:</a:t>
-            </a:r>
-          </a:p>
-          <a:p>
-            <a:pPr marL="0" indent="0">
-              <a:buFont typeface="Arial" panose="020B0604020202020204" pitchFamily="34" charset="0"/>
-              <a:buNone/>
-            </a:pPr>
-            <a:r>
-              <a:rPr lang="en-GB" sz="1800" i="1" noProof="0" dirty="0"/>
-              <a:t>Description:</a:t>
-            </a:r>
-            <a:r>
-              <a:rPr lang="en-GB" sz="1800" noProof="0" dirty="0"/>
-              <a:t> An experienced music lover, he runs a blog and loves to give detailed reviews of music.</a:t>
-            </a:r>
-          </a:p>
-          <a:p>
-            <a:pPr marL="0" indent="0">
-              <a:buFont typeface="Arial" panose="020B0604020202020204" pitchFamily="34" charset="0"/>
-              <a:buNone/>
-            </a:pPr>
-            <a:r>
-              <a:rPr lang="en-GB" sz="1800" i="1" noProof="0" dirty="0"/>
-              <a:t>Goal: </a:t>
-            </a:r>
-            <a:r>
-              <a:rPr lang="en-US" sz="1800" noProof="0" dirty="0"/>
-              <a:t>Search for rare/interesting albums, comment on them in detail</a:t>
-            </a:r>
-            <a:r>
-              <a:rPr lang="en-GB" sz="1800" noProof="0" dirty="0"/>
-              <a:t>.</a:t>
-            </a:r>
-          </a:p>
-          <a:p>
-            <a:pPr marL="0" indent="0">
-              <a:buFont typeface="Arial" panose="020B0604020202020204" pitchFamily="34" charset="0"/>
-              <a:buNone/>
-            </a:pPr>
-            <a:r>
-              <a:rPr lang="en-GB" sz="1800" i="1" noProof="0" dirty="0"/>
-              <a:t>Tasks:</a:t>
-            </a:r>
-          </a:p>
-          <a:p>
-            <a:pPr lvl="1"/>
-            <a:r>
-              <a:rPr lang="en-US" sz="1800" noProof="0" dirty="0"/>
-              <a:t>Ability to find albums by genre and other metadata.</a:t>
-            </a:r>
-          </a:p>
-          <a:p>
-            <a:pPr lvl="1"/>
-            <a:r>
-              <a:rPr lang="en-US" sz="1800" dirty="0"/>
-              <a:t>Write detailed reviews for each album</a:t>
-            </a:r>
-            <a:r>
-              <a:rPr lang="en-US" sz="1800" noProof="0" dirty="0"/>
-              <a:t>.</a:t>
-            </a:r>
-          </a:p>
-        </p:txBody>
-      </p:sp>
+      </p:pic>
     </p:spTree>
     <p:extLst>
       <p:ext uri="{BB962C8B-B14F-4D97-AF65-F5344CB8AC3E}">
-        <p14:creationId xmlns:p14="http://schemas.microsoft.com/office/powerpoint/2010/main" val="173748744"/>
+        <p14:creationId xmlns:p14="http://schemas.microsoft.com/office/powerpoint/2010/main" val="3034584360"/>
       </p:ext>
     </p:extLst>
   </p:cSld>
@@ -6717,542 +6051,7 @@
 </p:sld>
 </file>
 
-<file path=ppt/slides/slide4.xml><?xml version="1.0" encoding="utf-8"?>
-<p:sld xmlns:a="http://schemas.openxmlformats.org/drawingml/2006/main" xmlns:r="http://schemas.openxmlformats.org/officeDocument/2006/relationships" xmlns:p="http://schemas.openxmlformats.org/presentationml/2006/main">
-  <p:cSld>
-    <p:spTree>
-      <p:nvGrpSpPr>
-        <p:cNvPr id="1" name=""/>
-        <p:cNvGrpSpPr/>
-        <p:nvPr/>
-      </p:nvGrpSpPr>
-      <p:grpSpPr>
-        <a:xfrm>
-          <a:off x="0" y="0"/>
-          <a:ext cx="0" cy="0"/>
-          <a:chOff x="0" y="0"/>
-          <a:chExt cx="0" cy="0"/>
-        </a:xfrm>
-      </p:grpSpPr>
-      <p:sp>
-        <p:nvSpPr>
-          <p:cNvPr id="2" name="Title 1">
-            <a:extLst>
-              <a:ext uri="{FF2B5EF4-FFF2-40B4-BE49-F238E27FC236}">
-                <a16:creationId xmlns:a16="http://schemas.microsoft.com/office/drawing/2014/main" id="{3D4BB3E7-3677-9628-3BED-8C06AB41A9CF}"/>
-              </a:ext>
-            </a:extLst>
-          </p:cNvPr>
-          <p:cNvSpPr>
-            <a:spLocks noGrp="1"/>
-          </p:cNvSpPr>
-          <p:nvPr>
-            <p:ph type="title"/>
-          </p:nvPr>
-        </p:nvSpPr>
-        <p:spPr>
-          <a:xfrm>
-            <a:off x="330200" y="257175"/>
-            <a:ext cx="10515600" cy="1325563"/>
-          </a:xfrm>
-        </p:spPr>
-        <p:txBody>
-          <a:bodyPr/>
-          <a:lstStyle/>
-          <a:p>
-            <a:r>
-              <a:rPr lang="en-GB" noProof="0" dirty="0"/>
-              <a:t>Project Specification</a:t>
-            </a:r>
-          </a:p>
-        </p:txBody>
-      </p:sp>
-      <p:graphicFrame>
-        <p:nvGraphicFramePr>
-          <p:cNvPr id="4" name="Table 3">
-            <a:extLst>
-              <a:ext uri="{FF2B5EF4-FFF2-40B4-BE49-F238E27FC236}">
-                <a16:creationId xmlns:a16="http://schemas.microsoft.com/office/drawing/2014/main" id="{C086A621-F8F0-0464-129E-826126E15D4D}"/>
-              </a:ext>
-            </a:extLst>
-          </p:cNvPr>
-          <p:cNvGraphicFramePr>
-            <a:graphicFrameLocks noGrp="1"/>
-          </p:cNvGraphicFramePr>
-          <p:nvPr>
-            <p:extLst>
-              <p:ext uri="{D42A27DB-BD31-4B8C-83A1-F6EECF244321}">
-                <p14:modId xmlns:p14="http://schemas.microsoft.com/office/powerpoint/2010/main" val="3828459622"/>
-              </p:ext>
-            </p:extLst>
-          </p:nvPr>
-        </p:nvGraphicFramePr>
-        <p:xfrm>
-          <a:off x="405685" y="1278036"/>
-          <a:ext cx="11352726" cy="4211320"/>
-        </p:xfrm>
-        <a:graphic>
-          <a:graphicData uri="http://schemas.openxmlformats.org/drawingml/2006/table">
-            <a:tbl>
-              <a:tblPr firstRow="1" bandRow="1">
-                <a:tableStyleId>{5C22544A-7EE6-4342-B048-85BDC9FD1C3A}</a:tableStyleId>
-              </a:tblPr>
-              <a:tblGrid>
-                <a:gridCol w="5546029">
-                  <a:extLst>
-                    <a:ext uri="{9D8B030D-6E8A-4147-A177-3AD203B41FA5}">
-                      <a16:colId xmlns:a16="http://schemas.microsoft.com/office/drawing/2014/main" val="1641353362"/>
-                    </a:ext>
-                  </a:extLst>
-                </a:gridCol>
-                <a:gridCol w="5806697">
-                  <a:extLst>
-                    <a:ext uri="{9D8B030D-6E8A-4147-A177-3AD203B41FA5}">
-                      <a16:colId xmlns:a16="http://schemas.microsoft.com/office/drawing/2014/main" val="4291018923"/>
-                    </a:ext>
-                  </a:extLst>
-                </a:gridCol>
-              </a:tblGrid>
-              <a:tr h="370840">
-                <a:tc>
-                  <a:txBody>
-                    <a:bodyPr/>
-                    <a:lstStyle/>
-                    <a:p>
-                      <a:r>
-                        <a:rPr lang="en-GB" noProof="0" dirty="0"/>
-                        <a:t>Specification</a:t>
-                      </a:r>
-                      <a:endParaRPr lang="en-US" dirty="0"/>
-                    </a:p>
-                  </a:txBody>
-                  <a:tcPr/>
-                </a:tc>
-                <a:tc>
-                  <a:txBody>
-                    <a:bodyPr/>
-                    <a:lstStyle/>
-                    <a:p>
-                      <a:r>
-                        <a:rPr lang="en-GB" dirty="0"/>
-                        <a:t>Description</a:t>
-                      </a:r>
-                      <a:endParaRPr lang="en-US" dirty="0"/>
-                    </a:p>
-                  </a:txBody>
-                  <a:tcPr/>
-                </a:tc>
-                <a:extLst>
-                  <a:ext uri="{0D108BD9-81ED-4DB2-BD59-A6C34878D82A}">
-                    <a16:rowId xmlns:a16="http://schemas.microsoft.com/office/drawing/2014/main" val="1518990347"/>
-                  </a:ext>
-                </a:extLst>
-              </a:tr>
-              <a:tr h="370840">
-                <a:tc>
-                  <a:txBody>
-                    <a:bodyPr/>
-                    <a:lstStyle/>
-                    <a:p>
-                      <a:r>
-                        <a:rPr lang="en-GB" sz="1200" noProof="0" dirty="0"/>
-                        <a:t>Registration and authorisation</a:t>
-                      </a:r>
-                      <a:endParaRPr lang="en-US" sz="1200" dirty="0"/>
-                    </a:p>
-                  </a:txBody>
-                  <a:tcPr/>
-                </a:tc>
-                <a:tc>
-                  <a:txBody>
-                    <a:bodyPr/>
-                    <a:lstStyle/>
-                    <a:p>
-                      <a:pPr marL="171450" indent="-171450">
-                        <a:buFont typeface="Arial" panose="020B0604020202020204" pitchFamily="34" charset="0"/>
-                        <a:buChar char="•"/>
-                      </a:pPr>
-                      <a:r>
-                        <a:rPr lang="en-US" sz="1200" dirty="0"/>
-                        <a:t>The user can create an account using a login and password.</a:t>
-                      </a:r>
-                    </a:p>
-                    <a:p>
-                      <a:pPr marL="171450" indent="-171450">
-                        <a:buFont typeface="Arial" panose="020B0604020202020204" pitchFamily="34" charset="0"/>
-                        <a:buChar char="•"/>
-                      </a:pPr>
-                      <a:r>
-                        <a:rPr lang="en-US" sz="1200" dirty="0"/>
-                        <a:t>Authenticated users have access to like, comment and upload album features.</a:t>
-                      </a:r>
-                    </a:p>
-                  </a:txBody>
-                  <a:tcPr/>
-                </a:tc>
-                <a:extLst>
-                  <a:ext uri="{0D108BD9-81ED-4DB2-BD59-A6C34878D82A}">
-                    <a16:rowId xmlns:a16="http://schemas.microsoft.com/office/drawing/2014/main" val="1979020116"/>
-                  </a:ext>
-                </a:extLst>
-              </a:tr>
-              <a:tr h="370840">
-                <a:tc>
-                  <a:txBody>
-                    <a:bodyPr/>
-                    <a:lstStyle/>
-                    <a:p>
-                      <a:r>
-                        <a:rPr lang="en-US" sz="1200" dirty="0"/>
-                        <a:t>User profile</a:t>
-                      </a:r>
-                    </a:p>
-                  </a:txBody>
-                  <a:tcPr/>
-                </a:tc>
-                <a:tc>
-                  <a:txBody>
-                    <a:bodyPr/>
-                    <a:lstStyle/>
-                    <a:p>
-                      <a:pPr marL="171450" indent="-171450">
-                        <a:buFont typeface="Arial" panose="020B0604020202020204" pitchFamily="34" charset="0"/>
-                        <a:buChar char="•"/>
-                      </a:pPr>
-                      <a:r>
-                        <a:rPr lang="en-US" sz="1200" dirty="0"/>
-                        <a:t>Display basic information: username, registration date, uploaded albums, etc.</a:t>
-                      </a:r>
-                    </a:p>
-                    <a:p>
-                      <a:pPr marL="171450" indent="-171450">
-                        <a:buFont typeface="Arial" panose="020B0604020202020204" pitchFamily="34" charset="0"/>
-                        <a:buChar char="•"/>
-                      </a:pPr>
-                      <a:r>
-                        <a:rPr lang="en-US" sz="1200" dirty="0"/>
-                        <a:t>Ability to change password and some settings.</a:t>
-                      </a:r>
-                    </a:p>
-                  </a:txBody>
-                  <a:tcPr/>
-                </a:tc>
-                <a:extLst>
-                  <a:ext uri="{0D108BD9-81ED-4DB2-BD59-A6C34878D82A}">
-                    <a16:rowId xmlns:a16="http://schemas.microsoft.com/office/drawing/2014/main" val="1513095257"/>
-                  </a:ext>
-                </a:extLst>
-              </a:tr>
-              <a:tr h="370840">
-                <a:tc>
-                  <a:txBody>
-                    <a:bodyPr/>
-                    <a:lstStyle/>
-                    <a:p>
-                      <a:r>
-                        <a:rPr lang="en-US" sz="1200" dirty="0"/>
-                        <a:t>Albums uploading</a:t>
-                      </a:r>
-                    </a:p>
-                  </a:txBody>
-                  <a:tcPr/>
-                </a:tc>
-                <a:tc>
-                  <a:txBody>
-                    <a:bodyPr/>
-                    <a:lstStyle/>
-                    <a:p>
-                      <a:pPr marL="171450" indent="-171450">
-                        <a:buFont typeface="Arial" panose="020B0604020202020204" pitchFamily="34" charset="0"/>
-                        <a:buChar char="•"/>
-                      </a:pPr>
-                      <a:r>
-                        <a:rPr lang="en-US" sz="1200" dirty="0"/>
-                        <a:t>Fields when uploading: Album title, Cover, Genre, Description (optional).</a:t>
-                      </a:r>
-                    </a:p>
-                    <a:p>
-                      <a:pPr marL="171450" indent="-171450">
-                        <a:buFont typeface="Arial" panose="020B0604020202020204" pitchFamily="34" charset="0"/>
-                        <a:buChar char="•"/>
-                      </a:pPr>
-                      <a:r>
-                        <a:rPr lang="en-US" sz="1200" dirty="0"/>
-                        <a:t>Tracking upload date, views, likes/dislikes.</a:t>
-                      </a:r>
-                    </a:p>
-                  </a:txBody>
-                  <a:tcPr/>
-                </a:tc>
-                <a:extLst>
-                  <a:ext uri="{0D108BD9-81ED-4DB2-BD59-A6C34878D82A}">
-                    <a16:rowId xmlns:a16="http://schemas.microsoft.com/office/drawing/2014/main" val="3924231895"/>
-                  </a:ext>
-                </a:extLst>
-              </a:tr>
-              <a:tr h="370840">
-                <a:tc>
-                  <a:txBody>
-                    <a:bodyPr/>
-                    <a:lstStyle/>
-                    <a:p>
-                      <a:r>
-                        <a:rPr lang="en-US" sz="1200" dirty="0"/>
-                        <a:t>Like/dislike system</a:t>
-                      </a:r>
-                    </a:p>
-                  </a:txBody>
-                  <a:tcPr/>
-                </a:tc>
-                <a:tc>
-                  <a:txBody>
-                    <a:bodyPr/>
-                    <a:lstStyle/>
-                    <a:p>
-                      <a:pPr marL="171450" indent="-171450">
-                        <a:buFont typeface="Arial" panose="020B0604020202020204" pitchFamily="34" charset="0"/>
-                        <a:buChar char="•"/>
-                      </a:pPr>
-                      <a:r>
-                        <a:rPr lang="en-US" sz="1200" dirty="0"/>
-                        <a:t>Each album can be rated positively or negatively.</a:t>
-                      </a:r>
-                      <a:endParaRPr lang="ru-RU" sz="1200" dirty="0"/>
-                    </a:p>
-                    <a:p>
-                      <a:pPr marL="171450" indent="-171450">
-                        <a:buFont typeface="Arial" panose="020B0604020202020204" pitchFamily="34" charset="0"/>
-                        <a:buChar char="•"/>
-                      </a:pPr>
-                      <a:r>
-                        <a:rPr lang="en-US" sz="1200" dirty="0"/>
-                        <a:t>The like/dislike counter is displayed next to each album.</a:t>
-                      </a:r>
-                    </a:p>
-                  </a:txBody>
-                  <a:tcPr/>
-                </a:tc>
-                <a:extLst>
-                  <a:ext uri="{0D108BD9-81ED-4DB2-BD59-A6C34878D82A}">
-                    <a16:rowId xmlns:a16="http://schemas.microsoft.com/office/drawing/2014/main" val="2028155564"/>
-                  </a:ext>
-                </a:extLst>
-              </a:tr>
-              <a:tr h="370840">
-                <a:tc>
-                  <a:txBody>
-                    <a:bodyPr/>
-                    <a:lstStyle/>
-                    <a:p>
-                      <a:r>
-                        <a:rPr lang="en-US" sz="1200" dirty="0"/>
-                        <a:t>Comment system</a:t>
-                      </a:r>
-                    </a:p>
-                  </a:txBody>
-                  <a:tcPr/>
-                </a:tc>
-                <a:tc>
-                  <a:txBody>
-                    <a:bodyPr/>
-                    <a:lstStyle/>
-                    <a:p>
-                      <a:pPr marL="171450" indent="-171450">
-                        <a:buFont typeface="Arial" panose="020B0604020202020204" pitchFamily="34" charset="0"/>
-                        <a:buChar char="•"/>
-                      </a:pPr>
-                      <a:r>
-                        <a:rPr lang="en-US" sz="1200" dirty="0"/>
-                        <a:t>Ability to leave text comments under the album.</a:t>
-                      </a:r>
-                      <a:endParaRPr lang="ru-RU" sz="1200" dirty="0"/>
-                    </a:p>
-                    <a:p>
-                      <a:pPr marL="171450" indent="-171450">
-                        <a:buFont typeface="Arial" panose="020B0604020202020204" pitchFamily="34" charset="0"/>
-                        <a:buChar char="•"/>
-                      </a:pPr>
-                      <a:r>
-                        <a:rPr lang="en-US" sz="1200" dirty="0"/>
-                        <a:t>Display a list of all comments in chronological order.</a:t>
-                      </a:r>
-                    </a:p>
-                  </a:txBody>
-                  <a:tcPr/>
-                </a:tc>
-                <a:extLst>
-                  <a:ext uri="{0D108BD9-81ED-4DB2-BD59-A6C34878D82A}">
-                    <a16:rowId xmlns:a16="http://schemas.microsoft.com/office/drawing/2014/main" val="4265522486"/>
-                  </a:ext>
-                </a:extLst>
-              </a:tr>
-              <a:tr h="370840">
-                <a:tc>
-                  <a:txBody>
-                    <a:bodyPr/>
-                    <a:lstStyle/>
-                    <a:p>
-                      <a:r>
-                        <a:rPr lang="en-US" sz="1200" dirty="0"/>
-                        <a:t>The mechanics of “Followers”</a:t>
-                      </a:r>
-                    </a:p>
-                  </a:txBody>
-                  <a:tcPr/>
-                </a:tc>
-                <a:tc>
-                  <a:txBody>
-                    <a:bodyPr/>
-                    <a:lstStyle/>
-                    <a:p>
-                      <a:pPr marL="171450" indent="-171450">
-                        <a:buFont typeface="Arial" panose="020B0604020202020204" pitchFamily="34" charset="0"/>
-                        <a:buChar char="•"/>
-                      </a:pPr>
-                      <a:r>
-                        <a:rPr lang="en-US" sz="1200" dirty="0"/>
-                        <a:t>Users can follow each other.</a:t>
-                      </a:r>
-                    </a:p>
-                    <a:p>
-                      <a:pPr marL="171450" indent="-171450">
-                        <a:buFont typeface="Arial" panose="020B0604020202020204" pitchFamily="34" charset="0"/>
-                        <a:buChar char="•"/>
-                      </a:pPr>
-                      <a:r>
-                        <a:rPr lang="en-US" sz="1200" dirty="0"/>
-                        <a:t>The Home page displays the latest ratings and comments from people you follow.</a:t>
-                      </a:r>
-                    </a:p>
-                  </a:txBody>
-                  <a:tcPr/>
-                </a:tc>
-                <a:extLst>
-                  <a:ext uri="{0D108BD9-81ED-4DB2-BD59-A6C34878D82A}">
-                    <a16:rowId xmlns:a16="http://schemas.microsoft.com/office/drawing/2014/main" val="1065828768"/>
-                  </a:ext>
-                </a:extLst>
-              </a:tr>
-              <a:tr h="370840">
-                <a:tc>
-                  <a:txBody>
-                    <a:bodyPr/>
-                    <a:lstStyle/>
-                    <a:p>
-                      <a:r>
-                        <a:rPr lang="en-US" sz="1200" dirty="0"/>
-                        <a:t>Search and sort</a:t>
-                      </a:r>
-                    </a:p>
-                  </a:txBody>
-                  <a:tcPr/>
-                </a:tc>
-                <a:tc>
-                  <a:txBody>
-                    <a:bodyPr/>
-                    <a:lstStyle/>
-                    <a:p>
-                      <a:pPr marL="171450" indent="-171450">
-                        <a:buFont typeface="Arial" panose="020B0604020202020204" pitchFamily="34" charset="0"/>
-                        <a:buChar char="•"/>
-                      </a:pPr>
-                      <a:r>
-                        <a:rPr lang="en-US" sz="1200" dirty="0"/>
-                        <a:t>Full text search by album title and username.</a:t>
-                      </a:r>
-                    </a:p>
-                    <a:p>
-                      <a:pPr marL="171450" indent="-171450">
-                        <a:buFont typeface="Arial" panose="020B0604020202020204" pitchFamily="34" charset="0"/>
-                        <a:buChar char="•"/>
-                      </a:pPr>
-                      <a:r>
-                        <a:rPr lang="en-US" sz="1200" dirty="0"/>
-                        <a:t>Filter by number of likes, upload date, popularity.</a:t>
-                      </a:r>
-                    </a:p>
-                  </a:txBody>
-                  <a:tcPr/>
-                </a:tc>
-                <a:extLst>
-                  <a:ext uri="{0D108BD9-81ED-4DB2-BD59-A6C34878D82A}">
-                    <a16:rowId xmlns:a16="http://schemas.microsoft.com/office/drawing/2014/main" val="2254452428"/>
-                  </a:ext>
-                </a:extLst>
-              </a:tr>
-              <a:tr h="370840">
-                <a:tc>
-                  <a:txBody>
-                    <a:bodyPr/>
-                    <a:lstStyle/>
-                    <a:p>
-                      <a:r>
-                        <a:rPr lang="en-US" sz="1200" dirty="0"/>
-                        <a:t>Views</a:t>
-                      </a:r>
-                    </a:p>
-                  </a:txBody>
-                  <a:tcPr/>
-                </a:tc>
-                <a:tc>
-                  <a:txBody>
-                    <a:bodyPr/>
-                    <a:lstStyle/>
-                    <a:p>
-                      <a:pPr marL="171450" indent="-171450">
-                        <a:buFont typeface="Arial" panose="020B0604020202020204" pitchFamily="34" charset="0"/>
-                        <a:buChar char="•"/>
-                      </a:pPr>
-                      <a:r>
-                        <a:rPr lang="en-US" sz="1200" dirty="0"/>
-                        <a:t>Each time you open an album page the view counter increases.</a:t>
-                      </a:r>
-                    </a:p>
-                    <a:p>
-                      <a:pPr marL="171450" indent="-171450">
-                        <a:buFont typeface="Arial" panose="020B0604020202020204" pitchFamily="34" charset="0"/>
-                        <a:buChar char="•"/>
-                      </a:pPr>
-                      <a:r>
-                        <a:rPr lang="en-US" sz="1200" dirty="0"/>
-                        <a:t>Using cookies or sessions to avoid “cheat</a:t>
-                      </a:r>
-                      <a:r>
-                        <a:rPr lang="en-GB" sz="1200" dirty="0"/>
-                        <a:t>ed</a:t>
-                      </a:r>
-                      <a:r>
-                        <a:rPr lang="en-US" sz="1200" dirty="0"/>
-                        <a:t>” views from the same user in a short period of time.</a:t>
-                      </a:r>
-                    </a:p>
-                  </a:txBody>
-                  <a:tcPr/>
-                </a:tc>
-                <a:extLst>
-                  <a:ext uri="{0D108BD9-81ED-4DB2-BD59-A6C34878D82A}">
-                    <a16:rowId xmlns:a16="http://schemas.microsoft.com/office/drawing/2014/main" val="3235469331"/>
-                  </a:ext>
-                </a:extLst>
-              </a:tr>
-            </a:tbl>
-          </a:graphicData>
-        </a:graphic>
-      </p:graphicFrame>
-    </p:spTree>
-    <p:extLst>
-      <p:ext uri="{BB962C8B-B14F-4D97-AF65-F5344CB8AC3E}">
-        <p14:creationId xmlns:p14="http://schemas.microsoft.com/office/powerpoint/2010/main" val="2058726886"/>
-      </p:ext>
-    </p:extLst>
-  </p:cSld>
-  <p:clrMapOvr>
-    <a:masterClrMapping/>
-  </p:clrMapOvr>
-</p:sld>
-</file>
-
-<file path=ppt/slides/slide5.xml><?xml version="1.0" encoding="utf-8"?>
+<file path=ppt/slides/slide11.xml><?xml version="1.0" encoding="utf-8"?>
 <p:sld xmlns:a="http://schemas.openxmlformats.org/drawingml/2006/main" xmlns:r="http://schemas.openxmlformats.org/officeDocument/2006/relationships" xmlns:p="http://schemas.openxmlformats.org/presentationml/2006/main">
   <p:cSld>
     <p:spTree>
@@ -8354,7 +7153,7 @@
 </p:sld>
 </file>
 
-<file path=ppt/slides/slide6.xml><?xml version="1.0" encoding="utf-8"?>
+<file path=ppt/slides/slide12.xml><?xml version="1.0" encoding="utf-8"?>
 <p:sld xmlns:a="http://schemas.openxmlformats.org/drawingml/2006/main" xmlns:r="http://schemas.openxmlformats.org/officeDocument/2006/relationships" xmlns:p="http://schemas.openxmlformats.org/presentationml/2006/main">
   <p:cSld>
     <p:spTree>
@@ -8444,14 +7243,14 @@
           <p:nvPr>
             <p:extLst>
               <p:ext uri="{D42A27DB-BD31-4B8C-83A1-F6EECF244321}">
-                <p14:modId xmlns:p14="http://schemas.microsoft.com/office/powerpoint/2010/main" val="3491845218"/>
+                <p14:modId xmlns:p14="http://schemas.microsoft.com/office/powerpoint/2010/main" val="436267963"/>
               </p:ext>
             </p:extLst>
           </p:nvPr>
         </p:nvGraphicFramePr>
         <p:xfrm>
           <a:off x="5584797" y="575822"/>
-          <a:ext cx="2893962" cy="2194560"/>
+          <a:ext cx="2893962" cy="2468880"/>
         </p:xfrm>
         <a:graphic>
           <a:graphicData uri="http://schemas.openxmlformats.org/drawingml/2006/table">
@@ -8581,6 +7380,10 @@
                     <a:bodyPr/>
                     <a:lstStyle/>
                     <a:p>
+                      <a:r>
+                        <a:rPr lang="en-GB" noProof="0" dirty="0" err="1"/>
+                        <a:t>FavouriteAlbum</a:t>
+                      </a:r>
                       <a:endParaRPr lang="en-GB" noProof="0" dirty="0"/>
                     </a:p>
                   </a:txBody>
@@ -8591,7 +7394,10 @@
                     <a:bodyPr/>
                     <a:lstStyle/>
                     <a:p>
-                      <a:endParaRPr lang="en-GB" noProof="0" dirty="0"/>
+                      <a:r>
+                        <a:rPr lang="en-GB" noProof="0" dirty="0"/>
+                        <a:t>Album (1)</a:t>
+                      </a:r>
                     </a:p>
                   </a:txBody>
                   <a:tcPr/>
@@ -8608,7 +7414,10 @@
                     <a:bodyPr/>
                     <a:lstStyle/>
                     <a:p>
-                      <a:endParaRPr lang="en-GB" noProof="0" dirty="0"/>
+                      <a:r>
+                        <a:rPr lang="en-GB" noProof="0" dirty="0"/>
+                        <a:t>Followers</a:t>
+                      </a:r>
                     </a:p>
                   </a:txBody>
                   <a:tcPr/>
@@ -8618,7 +7427,10 @@
                     <a:bodyPr/>
                     <a:lstStyle/>
                     <a:p>
-                      <a:endParaRPr lang="en-GB" noProof="0" dirty="0"/>
+                      <a:r>
+                        <a:rPr lang="en-GB" noProof="0" dirty="0"/>
+                        <a:t>Integer</a:t>
+                      </a:r>
                     </a:p>
                   </a:txBody>
                   <a:tcPr/>
@@ -8635,7 +7447,10 @@
                     <a:bodyPr/>
                     <a:lstStyle/>
                     <a:p>
-                      <a:endParaRPr lang="en-GB" noProof="0" dirty="0"/>
+                      <a:r>
+                        <a:rPr lang="en-GB" noProof="0" dirty="0"/>
+                        <a:t>Following</a:t>
+                      </a:r>
                     </a:p>
                   </a:txBody>
                   <a:tcPr/>
@@ -8645,7 +7460,10 @@
                     <a:bodyPr/>
                     <a:lstStyle/>
                     <a:p>
-                      <a:endParaRPr lang="en-GB" noProof="0" dirty="0"/>
+                      <a:r>
+                        <a:rPr lang="en-GB" noProof="0" dirty="0"/>
+                        <a:t>Integer</a:t>
+                      </a:r>
                     </a:p>
                   </a:txBody>
                   <a:tcPr/>
@@ -8711,14 +7529,14 @@
           <p:nvPr>
             <p:extLst>
               <p:ext uri="{D42A27DB-BD31-4B8C-83A1-F6EECF244321}">
-                <p14:modId xmlns:p14="http://schemas.microsoft.com/office/powerpoint/2010/main" val="3930543984"/>
+                <p14:modId xmlns:p14="http://schemas.microsoft.com/office/powerpoint/2010/main" val="3917195649"/>
               </p:ext>
             </p:extLst>
           </p:nvPr>
         </p:nvGraphicFramePr>
         <p:xfrm>
           <a:off x="8610826" y="567193"/>
-          <a:ext cx="3364864" cy="4206240"/>
+          <a:ext cx="3364864" cy="3474720"/>
         </p:xfrm>
         <a:graphic>
           <a:graphicData uri="http://schemas.openxmlformats.org/drawingml/2006/table">
@@ -8816,7 +7634,7 @@
                     <a:p>
                       <a:r>
                         <a:rPr lang="en-GB" noProof="0" dirty="0"/>
-                        <a:t>Likes</a:t>
+                        <a:t>Rating Score</a:t>
                       </a:r>
                     </a:p>
                   </a:txBody>
@@ -8829,7 +7647,7 @@
                     <a:p>
                       <a:r>
                         <a:rPr lang="en-GB" noProof="0" dirty="0"/>
-                        <a:t>Integer</a:t>
+                        <a:t>Float</a:t>
                       </a:r>
                     </a:p>
                   </a:txBody>
@@ -8841,73 +7659,7 @@
                   </a:ext>
                 </a:extLst>
               </a:tr>
-              <a:tr h="318720">
-                <a:tc>
-                  <a:txBody>
-                    <a:bodyPr/>
-                    <a:lstStyle/>
-                    <a:p>
-                      <a:r>
-                        <a:rPr lang="en-GB" noProof="0" dirty="0"/>
-                        <a:t>Dislikes</a:t>
-                      </a:r>
-                    </a:p>
-                  </a:txBody>
-                  <a:tcPr/>
-                </a:tc>
-                <a:tc>
-                  <a:txBody>
-                    <a:bodyPr/>
-                    <a:lstStyle/>
-                    <a:p>
-                      <a:r>
-                        <a:rPr lang="en-GB" noProof="0" dirty="0"/>
-                        <a:t>Integer</a:t>
-                      </a:r>
-                    </a:p>
-                  </a:txBody>
-                  <a:tcPr/>
-                </a:tc>
-                <a:extLst>
-                  <a:ext uri="{0D108BD9-81ED-4DB2-BD59-A6C34878D82A}">
-                    <a16:rowId xmlns:a16="http://schemas.microsoft.com/office/drawing/2014/main" val="988923780"/>
-                  </a:ext>
-                </a:extLst>
-              </a:tr>
-              <a:tr h="318720">
-                <a:tc>
-                  <a:txBody>
-                    <a:bodyPr/>
-                    <a:lstStyle/>
-                    <a:p>
-                      <a:r>
-                        <a:rPr lang="en-GB" noProof="0" dirty="0"/>
-                        <a:t>Followers</a:t>
-                      </a:r>
-                    </a:p>
-                  </a:txBody>
-                  <a:tcPr/>
-                </a:tc>
-                <a:tc>
-                  <a:txBody>
-                    <a:bodyPr/>
-                    <a:lstStyle/>
-                    <a:p>
-                      <a:r>
-                        <a:rPr lang="en-GB" noProof="0" dirty="0"/>
-                        <a:t>Integer</a:t>
-                      </a:r>
-                    </a:p>
-                  </a:txBody>
-                  <a:tcPr/>
-                </a:tc>
-                <a:extLst>
-                  <a:ext uri="{0D108BD9-81ED-4DB2-BD59-A6C34878D82A}">
-                    <a16:rowId xmlns:a16="http://schemas.microsoft.com/office/drawing/2014/main" val="1289283692"/>
-                  </a:ext>
-                </a:extLst>
-              </a:tr>
-              <a:tr h="318720">
+              <a:tr h="0">
                 <a:tc>
                   <a:txBody>
                     <a:bodyPr/>
@@ -8937,11 +7689,11 @@
                 </a:tc>
                 <a:extLst>
                   <a:ext uri="{0D108BD9-81ED-4DB2-BD59-A6C34878D82A}">
-                    <a16:rowId xmlns:a16="http://schemas.microsoft.com/office/drawing/2014/main" val="2525786986"/>
+                    <a16:rowId xmlns:a16="http://schemas.microsoft.com/office/drawing/2014/main" val="988923780"/>
                   </a:ext>
                 </a:extLst>
               </a:tr>
-              <a:tr h="318720">
+              <a:tr h="0">
                 <a:tc>
                   <a:txBody>
                     <a:bodyPr/>
@@ -8971,11 +7723,11 @@
                 </a:tc>
                 <a:extLst>
                   <a:ext uri="{0D108BD9-81ED-4DB2-BD59-A6C34878D82A}">
-                    <a16:rowId xmlns:a16="http://schemas.microsoft.com/office/drawing/2014/main" val="2882015945"/>
+                    <a16:rowId xmlns:a16="http://schemas.microsoft.com/office/drawing/2014/main" val="2346530169"/>
                   </a:ext>
                 </a:extLst>
               </a:tr>
-              <a:tr h="318720">
+              <a:tr h="0">
                 <a:tc>
                   <a:txBody>
                     <a:bodyPr/>
@@ -9005,11 +7757,11 @@
                 </a:tc>
                 <a:extLst>
                   <a:ext uri="{0D108BD9-81ED-4DB2-BD59-A6C34878D82A}">
-                    <a16:rowId xmlns:a16="http://schemas.microsoft.com/office/drawing/2014/main" val="2319001431"/>
+                    <a16:rowId xmlns:a16="http://schemas.microsoft.com/office/drawing/2014/main" val="4064337450"/>
                   </a:ext>
                 </a:extLst>
               </a:tr>
-              <a:tr h="318720">
+              <a:tr h="0">
                 <a:tc>
                   <a:txBody>
                     <a:bodyPr/>
@@ -9038,11 +7790,11 @@
                 </a:tc>
                 <a:extLst>
                   <a:ext uri="{0D108BD9-81ED-4DB2-BD59-A6C34878D82A}">
-                    <a16:rowId xmlns:a16="http://schemas.microsoft.com/office/drawing/2014/main" val="2149279636"/>
+                    <a16:rowId xmlns:a16="http://schemas.microsoft.com/office/drawing/2014/main" val="2563602201"/>
                   </a:ext>
                 </a:extLst>
               </a:tr>
-              <a:tr h="318720">
+              <a:tr h="0">
                 <a:tc>
                   <a:txBody>
                     <a:bodyPr/>
@@ -9077,7 +7829,7 @@
                 </a:tc>
                 <a:extLst>
                   <a:ext uri="{0D108BD9-81ED-4DB2-BD59-A6C34878D82A}">
-                    <a16:rowId xmlns:a16="http://schemas.microsoft.com/office/drawing/2014/main" val="1645688090"/>
+                    <a16:rowId xmlns:a16="http://schemas.microsoft.com/office/drawing/2014/main" val="1289283692"/>
                   </a:ext>
                 </a:extLst>
               </a:tr>
@@ -9136,13 +7888,13 @@
           <p:nvPr>
             <p:extLst>
               <p:ext uri="{D42A27DB-BD31-4B8C-83A1-F6EECF244321}">
-                <p14:modId xmlns:p14="http://schemas.microsoft.com/office/powerpoint/2010/main" val="3900862724"/>
+                <p14:modId xmlns:p14="http://schemas.microsoft.com/office/powerpoint/2010/main" val="2717511609"/>
               </p:ext>
             </p:extLst>
           </p:nvPr>
         </p:nvGraphicFramePr>
         <p:xfrm>
-          <a:off x="5578576" y="3300682"/>
+          <a:off x="5641499" y="3585251"/>
           <a:ext cx="2893962" cy="2194560"/>
         </p:xfrm>
         <a:graphic>
@@ -9306,7 +8058,10 @@
                     <a:bodyPr/>
                     <a:lstStyle/>
                     <a:p>
-                      <a:endParaRPr lang="en-GB" noProof="0" dirty="0"/>
+                      <a:r>
+                        <a:rPr lang="en-GB" noProof="0" dirty="0"/>
+                        <a:t>Score</a:t>
+                      </a:r>
                     </a:p>
                   </a:txBody>
                   <a:tcPr/>
@@ -9316,7 +8071,10 @@
                     <a:bodyPr/>
                     <a:lstStyle/>
                     <a:p>
-                      <a:endParaRPr lang="en-GB" noProof="0" dirty="0"/>
+                      <a:r>
+                        <a:rPr lang="en-GB" noProof="0" dirty="0"/>
+                        <a:t>Integer</a:t>
+                      </a:r>
                     </a:p>
                   </a:txBody>
                   <a:tcPr/>
@@ -9372,7 +8130,7 @@
         </p:nvSpPr>
         <p:spPr>
           <a:xfrm>
-            <a:off x="5591018" y="2905319"/>
+            <a:off x="5578576" y="3177348"/>
             <a:ext cx="2881520" cy="369332"/>
           </a:xfrm>
           <a:prstGeom prst="rect">
@@ -9476,7 +8234,7 @@
 </p:sld>
 </file>
 
-<file path=ppt/slides/slide7.xml><?xml version="1.0" encoding="utf-8"?>
+<file path=ppt/slides/slide13.xml><?xml version="1.0" encoding="utf-8"?>
 <p:sld xmlns:a="http://schemas.openxmlformats.org/drawingml/2006/main" xmlns:r="http://schemas.openxmlformats.org/officeDocument/2006/relationships" xmlns:p="http://schemas.openxmlformats.org/presentationml/2006/main">
   <p:cSld>
     <p:spTree>
@@ -10437,7 +9195,7 @@
 </p:sld>
 </file>
 
-<file path=ppt/slides/slide8.xml><?xml version="1.0" encoding="utf-8"?>
+<file path=ppt/slides/slide14.xml><?xml version="1.0" encoding="utf-8"?>
 <p:sld xmlns:a="http://schemas.openxmlformats.org/drawingml/2006/main" xmlns:r="http://schemas.openxmlformats.org/officeDocument/2006/relationships" xmlns:p="http://schemas.openxmlformats.org/presentationml/2006/main">
   <p:cSld>
     <p:spTree>
@@ -10583,6 +9341,2138 @@
     <p:extLst>
       <p:ext uri="{BB962C8B-B14F-4D97-AF65-F5344CB8AC3E}">
         <p14:creationId xmlns:p14="http://schemas.microsoft.com/office/powerpoint/2010/main" val="2875610521"/>
+      </p:ext>
+    </p:extLst>
+  </p:cSld>
+  <p:clrMapOvr>
+    <a:masterClrMapping/>
+  </p:clrMapOvr>
+</p:sld>
+</file>
+
+<file path=ppt/slides/slide2.xml><?xml version="1.0" encoding="utf-8"?>
+<p:sld xmlns:a="http://schemas.openxmlformats.org/drawingml/2006/main" xmlns:r="http://schemas.openxmlformats.org/officeDocument/2006/relationships" xmlns:p="http://schemas.openxmlformats.org/presentationml/2006/main">
+  <p:cSld>
+    <p:spTree>
+      <p:nvGrpSpPr>
+        <p:cNvPr id="1" name=""/>
+        <p:cNvGrpSpPr/>
+        <p:nvPr/>
+      </p:nvGrpSpPr>
+      <p:grpSpPr>
+        <a:xfrm>
+          <a:off x="0" y="0"/>
+          <a:ext cx="0" cy="0"/>
+          <a:chOff x="0" y="0"/>
+          <a:chExt cx="0" cy="0"/>
+        </a:xfrm>
+      </p:grpSpPr>
+      <p:sp>
+        <p:nvSpPr>
+          <p:cNvPr id="2" name="Title 1">
+            <a:extLst>
+              <a:ext uri="{FF2B5EF4-FFF2-40B4-BE49-F238E27FC236}">
+                <a16:creationId xmlns:a16="http://schemas.microsoft.com/office/drawing/2014/main" id="{DE043104-5488-AB23-C1C8-EB9D45458590}"/>
+              </a:ext>
+            </a:extLst>
+          </p:cNvPr>
+          <p:cNvSpPr>
+            <a:spLocks noGrp="1"/>
+          </p:cNvSpPr>
+          <p:nvPr>
+            <p:ph type="title"/>
+          </p:nvPr>
+        </p:nvSpPr>
+        <p:spPr>
+          <a:xfrm>
+            <a:off x="431800" y="365125"/>
+            <a:ext cx="10515600" cy="1325563"/>
+          </a:xfrm>
+        </p:spPr>
+        <p:txBody>
+          <a:bodyPr/>
+          <a:lstStyle/>
+          <a:p>
+            <a:r>
+              <a:rPr lang="en-GB" noProof="0" dirty="0"/>
+              <a:t>Project Overview</a:t>
+            </a:r>
+          </a:p>
+        </p:txBody>
+      </p:sp>
+      <p:sp>
+        <p:nvSpPr>
+          <p:cNvPr id="3" name="Content Placeholder 2">
+            <a:extLst>
+              <a:ext uri="{FF2B5EF4-FFF2-40B4-BE49-F238E27FC236}">
+                <a16:creationId xmlns:a16="http://schemas.microsoft.com/office/drawing/2014/main" id="{9D35EE75-46F7-78BA-6D8C-C9AE15E56381}"/>
+              </a:ext>
+            </a:extLst>
+          </p:cNvPr>
+          <p:cNvSpPr>
+            <a:spLocks noGrp="1"/>
+          </p:cNvSpPr>
+          <p:nvPr>
+            <p:ph idx="1"/>
+          </p:nvPr>
+        </p:nvSpPr>
+        <p:spPr>
+          <a:xfrm>
+            <a:off x="368300" y="1690688"/>
+            <a:ext cx="10515600" cy="4351338"/>
+          </a:xfrm>
+        </p:spPr>
+        <p:txBody>
+          <a:bodyPr/>
+          <a:lstStyle/>
+          <a:p>
+            <a:r>
+              <a:rPr lang="en-GB" noProof="0" dirty="0"/>
+              <a:t>Users will be able to view albums</a:t>
+            </a:r>
+          </a:p>
+          <a:p>
+            <a:r>
+              <a:rPr lang="en-GB" noProof="0" dirty="0"/>
+              <a:t>Authenticated users will be able to like/dislike, comment on and upload albums</a:t>
+            </a:r>
+          </a:p>
+          <a:p>
+            <a:r>
+              <a:rPr lang="en-GB" noProof="0" dirty="0"/>
+              <a:t>The home page will show top rated albums, albums uploaded that day, and a search feature for users/albums</a:t>
+            </a:r>
+          </a:p>
+          <a:p>
+            <a:r>
+              <a:rPr lang="en-GB" noProof="0" dirty="0"/>
+              <a:t>A “follow” system- users will be able to follow other users, and albums they rate will show in the home page</a:t>
+            </a:r>
+          </a:p>
+          <a:p>
+            <a:endParaRPr lang="en-GB" noProof="0" dirty="0"/>
+          </a:p>
+        </p:txBody>
+      </p:sp>
+    </p:spTree>
+    <p:extLst>
+      <p:ext uri="{BB962C8B-B14F-4D97-AF65-F5344CB8AC3E}">
+        <p14:creationId xmlns:p14="http://schemas.microsoft.com/office/powerpoint/2010/main" val="2470909054"/>
+      </p:ext>
+    </p:extLst>
+  </p:cSld>
+  <p:clrMapOvr>
+    <a:masterClrMapping/>
+  </p:clrMapOvr>
+</p:sld>
+</file>
+
+<file path=ppt/slides/slide3.xml><?xml version="1.0" encoding="utf-8"?>
+<p:sld xmlns:a="http://schemas.openxmlformats.org/drawingml/2006/main" xmlns:r="http://schemas.openxmlformats.org/officeDocument/2006/relationships" xmlns:p="http://schemas.openxmlformats.org/presentationml/2006/main">
+  <p:cSld>
+    <p:bg>
+      <p:bgPr>
+        <a:blipFill>
+          <a:blip r:embed="rId2"/>
+          <a:stretch/>
+        </a:blipFill>
+        <a:effectLst/>
+      </p:bgPr>
+    </p:bg>
+    <p:spTree>
+      <p:nvGrpSpPr>
+        <p:cNvPr id="1" name="">
+          <a:extLst>
+            <a:ext uri="{FF2B5EF4-FFF2-40B4-BE49-F238E27FC236}">
+              <a16:creationId xmlns:a16="http://schemas.microsoft.com/office/drawing/2014/main" id="{A67D487C-ADA8-31AC-435F-B6DEE1DFAF96}"/>
+            </a:ext>
+          </a:extLst>
+        </p:cNvPr>
+        <p:cNvGrpSpPr/>
+        <p:nvPr/>
+      </p:nvGrpSpPr>
+      <p:grpSpPr>
+        <a:xfrm>
+          <a:off x="0" y="0"/>
+          <a:ext cx="0" cy="0"/>
+          <a:chOff x="0" y="0"/>
+          <a:chExt cx="0" cy="0"/>
+        </a:xfrm>
+      </p:grpSpPr>
+      <p:sp>
+        <p:nvSpPr>
+          <p:cNvPr id="2" name="Title 1">
+            <a:extLst>
+              <a:ext uri="{FF2B5EF4-FFF2-40B4-BE49-F238E27FC236}">
+                <a16:creationId xmlns:a16="http://schemas.microsoft.com/office/drawing/2014/main" id="{5A47E641-6C73-6AC0-61DA-360021474C60}"/>
+              </a:ext>
+            </a:extLst>
+          </p:cNvPr>
+          <p:cNvSpPr>
+            <a:spLocks noGrp="1"/>
+          </p:cNvSpPr>
+          <p:nvPr>
+            <p:ph type="title"/>
+          </p:nvPr>
+        </p:nvSpPr>
+        <p:spPr>
+          <a:xfrm>
+            <a:off x="825909" y="808055"/>
+            <a:ext cx="3979205" cy="1453363"/>
+          </a:xfrm>
+        </p:spPr>
+        <p:txBody>
+          <a:bodyPr>
+            <a:normAutofit/>
+          </a:bodyPr>
+          <a:lstStyle/>
+          <a:p>
+            <a:r>
+              <a:rPr lang="en-GB" noProof="0" dirty="0"/>
+              <a:t>User Personas</a:t>
+            </a:r>
+          </a:p>
+        </p:txBody>
+      </p:sp>
+      <p:sp>
+        <p:nvSpPr>
+          <p:cNvPr id="3" name="Content Placeholder 2">
+            <a:extLst>
+              <a:ext uri="{FF2B5EF4-FFF2-40B4-BE49-F238E27FC236}">
+                <a16:creationId xmlns:a16="http://schemas.microsoft.com/office/drawing/2014/main" id="{0F19E9B1-00A2-5137-CA05-787ABE9D9D3F}"/>
+              </a:ext>
+            </a:extLst>
+          </p:cNvPr>
+          <p:cNvSpPr>
+            <a:spLocks noGrp="1"/>
+          </p:cNvSpPr>
+          <p:nvPr>
+            <p:ph idx="1"/>
+          </p:nvPr>
+        </p:nvSpPr>
+        <p:spPr>
+          <a:xfrm>
+            <a:off x="802178" y="2261420"/>
+            <a:ext cx="4002936" cy="3637935"/>
+          </a:xfrm>
+        </p:spPr>
+        <p:txBody>
+          <a:bodyPr>
+            <a:normAutofit/>
+          </a:bodyPr>
+          <a:lstStyle/>
+          <a:p>
+            <a:pPr marL="0" indent="0">
+              <a:lnSpc>
+                <a:spcPct val="90000"/>
+              </a:lnSpc>
+              <a:buNone/>
+            </a:pPr>
+            <a:r>
+              <a:rPr lang="en-GB" b="1" noProof="0" dirty="0"/>
+              <a:t>Casual Listener</a:t>
+            </a:r>
+            <a:r>
+              <a:rPr lang="en-GB" noProof="0" dirty="0"/>
+              <a:t>:</a:t>
+            </a:r>
+          </a:p>
+          <a:p>
+            <a:pPr marL="0" indent="0">
+              <a:lnSpc>
+                <a:spcPct val="90000"/>
+              </a:lnSpc>
+              <a:buNone/>
+            </a:pPr>
+            <a:r>
+              <a:rPr lang="en-GB" noProof="0" dirty="0"/>
+              <a:t>Description: Loves listening to music, but doesn't have time to search deeply for new releases.</a:t>
+            </a:r>
+          </a:p>
+          <a:p>
+            <a:pPr marL="0" indent="0">
+              <a:lnSpc>
+                <a:spcPct val="90000"/>
+              </a:lnSpc>
+              <a:buNone/>
+            </a:pPr>
+            <a:r>
+              <a:rPr lang="en-GB" i="1" noProof="0" dirty="0"/>
+              <a:t>Goal: </a:t>
+            </a:r>
+            <a:r>
+              <a:rPr lang="en-GB" noProof="0" dirty="0"/>
+              <a:t>Find new albums, quickly rate and read reviews from other users.</a:t>
+            </a:r>
+          </a:p>
+          <a:p>
+            <a:pPr marL="0" indent="0">
+              <a:lnSpc>
+                <a:spcPct val="90000"/>
+              </a:lnSpc>
+              <a:buNone/>
+            </a:pPr>
+            <a:r>
+              <a:rPr lang="en-GB" i="1" noProof="0" dirty="0"/>
+              <a:t>Tasks:</a:t>
+            </a:r>
+          </a:p>
+          <a:p>
+            <a:pPr lvl="1">
+              <a:lnSpc>
+                <a:spcPct val="90000"/>
+              </a:lnSpc>
+            </a:pPr>
+            <a:r>
+              <a:rPr lang="en-GB" dirty="0"/>
+              <a:t>Convenient</a:t>
+            </a:r>
+            <a:r>
+              <a:rPr lang="en-GB" noProof="0" dirty="0"/>
+              <a:t> search for albums, sort them by popularity/dates.</a:t>
+            </a:r>
+          </a:p>
+          <a:p>
+            <a:pPr lvl="1">
+              <a:lnSpc>
+                <a:spcPct val="90000"/>
+              </a:lnSpc>
+            </a:pPr>
+            <a:r>
+              <a:rPr lang="en-GB" noProof="0" dirty="0"/>
+              <a:t>Keep track of what his friends like.</a:t>
+            </a:r>
+          </a:p>
+          <a:p>
+            <a:pPr>
+              <a:lnSpc>
+                <a:spcPct val="90000"/>
+              </a:lnSpc>
+            </a:pPr>
+            <a:endParaRPr lang="en-GB" noProof="0" dirty="0"/>
+          </a:p>
+        </p:txBody>
+      </p:sp>
+      <p:pic>
+        <p:nvPicPr>
+          <p:cNvPr id="1026" name="Picture 2" descr="13 Facts About David Lynch You Didn't Know, I Want To Learn #9">
+            <a:extLst>
+              <a:ext uri="{FF2B5EF4-FFF2-40B4-BE49-F238E27FC236}">
+                <a16:creationId xmlns:a16="http://schemas.microsoft.com/office/drawing/2014/main" id="{E5A53E43-00A8-ACCD-113E-CF9782498E70}"/>
+              </a:ext>
+            </a:extLst>
+          </p:cNvPr>
+          <p:cNvPicPr>
+            <a:picLocks noChangeAspect="1" noChangeArrowheads="1"/>
+          </p:cNvPicPr>
+          <p:nvPr/>
+        </p:nvPicPr>
+        <p:blipFill>
+          <a:blip r:embed="rId3">
+            <a:extLst>
+              <a:ext uri="{28A0092B-C50C-407E-A947-70E740481C1C}">
+                <a14:useLocalDpi xmlns:a14="http://schemas.microsoft.com/office/drawing/2010/main" val="0"/>
+              </a:ext>
+            </a:extLst>
+          </a:blip>
+          <a:stretch>
+            <a:fillRect/>
+          </a:stretch>
+        </p:blipFill>
+        <p:spPr bwMode="auto">
+          <a:xfrm>
+            <a:off x="5289752" y="1062037"/>
+            <a:ext cx="6095593" cy="4571694"/>
+          </a:xfrm>
+          <a:prstGeom prst="roundRect">
+            <a:avLst>
+              <a:gd name="adj" fmla="val 4380"/>
+            </a:avLst>
+          </a:prstGeom>
+          <a:noFill/>
+          <a:ln w="50800" cap="sq" cmpd="dbl">
+            <a:gradFill flip="none" rotWithShape="1">
+              <a:gsLst>
+                <a:gs pos="0">
+                  <a:srgbClr val="FFFFFF"/>
+                </a:gs>
+                <a:gs pos="100000">
+                  <a:schemeClr val="tx1">
+                    <a:alpha val="0"/>
+                  </a:schemeClr>
+                </a:gs>
+              </a:gsLst>
+              <a:path path="circle">
+                <a:fillToRect l="50000" t="50000" r="50000" b="50000"/>
+              </a:path>
+              <a:tileRect/>
+            </a:gradFill>
+            <a:miter lim="800000"/>
+          </a:ln>
+          <a:effectLst>
+            <a:outerShdw blurRad="254000" algn="tl" rotWithShape="0">
+              <a:srgbClr val="000000">
+                <a:alpha val="43000"/>
+              </a:srgbClr>
+            </a:outerShdw>
+          </a:effectLst>
+          <a:extLst>
+            <a:ext uri="{909E8E84-426E-40DD-AFC4-6F175D3DCCD1}">
+              <a14:hiddenFill xmlns:a14="http://schemas.microsoft.com/office/drawing/2010/main">
+                <a:solidFill>
+                  <a:srgbClr val="FFFFFF"/>
+                </a:solidFill>
+              </a14:hiddenFill>
+            </a:ext>
+          </a:extLst>
+        </p:spPr>
+      </p:pic>
+    </p:spTree>
+    <p:extLst>
+      <p:ext uri="{BB962C8B-B14F-4D97-AF65-F5344CB8AC3E}">
+        <p14:creationId xmlns:p14="http://schemas.microsoft.com/office/powerpoint/2010/main" val="173748744"/>
+      </p:ext>
+    </p:extLst>
+  </p:cSld>
+  <p:clrMapOvr>
+    <a:masterClrMapping/>
+  </p:clrMapOvr>
+</p:sld>
+</file>
+
+<file path=ppt/slides/slide4.xml><?xml version="1.0" encoding="utf-8"?>
+<p:sld xmlns:a="http://schemas.openxmlformats.org/drawingml/2006/main" xmlns:r="http://schemas.openxmlformats.org/officeDocument/2006/relationships" xmlns:p="http://schemas.openxmlformats.org/presentationml/2006/main">
+  <p:cSld>
+    <p:bg>
+      <p:bgPr>
+        <a:blipFill>
+          <a:blip r:embed="rId2"/>
+          <a:stretch/>
+        </a:blipFill>
+        <a:effectLst/>
+      </p:bgPr>
+    </p:bg>
+    <p:spTree>
+      <p:nvGrpSpPr>
+        <p:cNvPr id="1" name="">
+          <a:extLst>
+            <a:ext uri="{FF2B5EF4-FFF2-40B4-BE49-F238E27FC236}">
+              <a16:creationId xmlns:a16="http://schemas.microsoft.com/office/drawing/2014/main" id="{C4EEFAA4-55B4-E444-CA16-A2E2E2A74767}"/>
+            </a:ext>
+          </a:extLst>
+        </p:cNvPr>
+        <p:cNvGrpSpPr/>
+        <p:nvPr/>
+      </p:nvGrpSpPr>
+      <p:grpSpPr>
+        <a:xfrm>
+          <a:off x="0" y="0"/>
+          <a:ext cx="0" cy="0"/>
+          <a:chOff x="0" y="0"/>
+          <a:chExt cx="0" cy="0"/>
+        </a:xfrm>
+      </p:grpSpPr>
+      <p:sp>
+        <p:nvSpPr>
+          <p:cNvPr id="2" name="Title 1">
+            <a:extLst>
+              <a:ext uri="{FF2B5EF4-FFF2-40B4-BE49-F238E27FC236}">
+                <a16:creationId xmlns:a16="http://schemas.microsoft.com/office/drawing/2014/main" id="{9AB20C42-2E19-4128-AADB-6D10DF3136B4}"/>
+              </a:ext>
+            </a:extLst>
+          </p:cNvPr>
+          <p:cNvSpPr>
+            <a:spLocks noGrp="1"/>
+          </p:cNvSpPr>
+          <p:nvPr>
+            <p:ph type="title"/>
+          </p:nvPr>
+        </p:nvSpPr>
+        <p:spPr>
+          <a:xfrm>
+            <a:off x="825909" y="808055"/>
+            <a:ext cx="3979205" cy="1453363"/>
+          </a:xfrm>
+        </p:spPr>
+        <p:txBody>
+          <a:bodyPr>
+            <a:normAutofit/>
+          </a:bodyPr>
+          <a:lstStyle/>
+          <a:p>
+            <a:r>
+              <a:rPr lang="en-GB" noProof="0" dirty="0"/>
+              <a:t>User Personas</a:t>
+            </a:r>
+          </a:p>
+        </p:txBody>
+      </p:sp>
+      <p:sp>
+        <p:nvSpPr>
+          <p:cNvPr id="3" name="Content Placeholder 2">
+            <a:extLst>
+              <a:ext uri="{FF2B5EF4-FFF2-40B4-BE49-F238E27FC236}">
+                <a16:creationId xmlns:a16="http://schemas.microsoft.com/office/drawing/2014/main" id="{7A0D1C71-A247-79D0-FF05-E0790750F8F7}"/>
+              </a:ext>
+            </a:extLst>
+          </p:cNvPr>
+          <p:cNvSpPr>
+            <a:spLocks noGrp="1"/>
+          </p:cNvSpPr>
+          <p:nvPr>
+            <p:ph idx="1"/>
+          </p:nvPr>
+        </p:nvSpPr>
+        <p:spPr>
+          <a:xfrm>
+            <a:off x="802178" y="2261420"/>
+            <a:ext cx="4002936" cy="3637935"/>
+          </a:xfrm>
+        </p:spPr>
+        <p:txBody>
+          <a:bodyPr>
+            <a:normAutofit/>
+          </a:bodyPr>
+          <a:lstStyle/>
+          <a:p>
+            <a:pPr marL="0" indent="0">
+              <a:lnSpc>
+                <a:spcPct val="90000"/>
+              </a:lnSpc>
+              <a:buFont typeface="Arial" panose="020B0604020202020204" pitchFamily="34" charset="0"/>
+              <a:buNone/>
+            </a:pPr>
+            <a:r>
+              <a:rPr lang="en-GB" b="1" noProof="0"/>
+              <a:t>Content Creator</a:t>
+            </a:r>
+            <a:r>
+              <a:rPr lang="en-GB" noProof="0"/>
+              <a:t>:</a:t>
+            </a:r>
+          </a:p>
+          <a:p>
+            <a:pPr marL="0" indent="0">
+              <a:lnSpc>
+                <a:spcPct val="90000"/>
+              </a:lnSpc>
+              <a:buFont typeface="Arial" panose="020B0604020202020204" pitchFamily="34" charset="0"/>
+              <a:buNone/>
+            </a:pPr>
+            <a:r>
+              <a:rPr lang="en-GB" i="1" noProof="0"/>
+              <a:t>Description:</a:t>
+            </a:r>
+            <a:r>
+              <a:rPr lang="en-GB" noProof="0"/>
+              <a:t> An aspiring musician, he records his own tracks and wants to share them with the community.</a:t>
+            </a:r>
+          </a:p>
+          <a:p>
+            <a:pPr marL="0" indent="0">
+              <a:lnSpc>
+                <a:spcPct val="90000"/>
+              </a:lnSpc>
+              <a:buFont typeface="Arial" panose="020B0604020202020204" pitchFamily="34" charset="0"/>
+              <a:buNone/>
+            </a:pPr>
+            <a:r>
+              <a:rPr lang="en-GB" i="1" noProof="0"/>
+              <a:t>Goal: </a:t>
+            </a:r>
+            <a:r>
+              <a:rPr lang="en-GB" noProof="0"/>
+              <a:t>Upload your albums, get feedback and a fan base.</a:t>
+            </a:r>
+          </a:p>
+          <a:p>
+            <a:pPr marL="0" indent="0">
+              <a:lnSpc>
+                <a:spcPct val="90000"/>
+              </a:lnSpc>
+              <a:buFont typeface="Arial" panose="020B0604020202020204" pitchFamily="34" charset="0"/>
+              <a:buNone/>
+            </a:pPr>
+            <a:r>
+              <a:rPr lang="en-GB" i="1" noProof="0"/>
+              <a:t>Tasks:</a:t>
+            </a:r>
+          </a:p>
+          <a:p>
+            <a:pPr lvl="1">
+              <a:lnSpc>
+                <a:spcPct val="90000"/>
+              </a:lnSpc>
+            </a:pPr>
+            <a:r>
+              <a:rPr lang="en-GB" noProof="0"/>
+              <a:t>Easy upload albums and covers.</a:t>
+            </a:r>
+          </a:p>
+          <a:p>
+            <a:pPr lvl="1">
+              <a:lnSpc>
+                <a:spcPct val="90000"/>
+              </a:lnSpc>
+            </a:pPr>
+            <a:r>
+              <a:rPr lang="en-GB" noProof="0"/>
+              <a:t>Ability to track statistics (number of likes, views and reviews).</a:t>
+            </a:r>
+          </a:p>
+          <a:p>
+            <a:pPr lvl="1">
+              <a:lnSpc>
+                <a:spcPct val="90000"/>
+              </a:lnSpc>
+            </a:pPr>
+            <a:r>
+              <a:rPr lang="en-GB" noProof="0"/>
+              <a:t>Get fan feedback from reviews</a:t>
+            </a:r>
+          </a:p>
+        </p:txBody>
+      </p:sp>
+      <p:pic>
+        <p:nvPicPr>
+          <p:cNvPr id="3076" name="Picture 4" descr="Bob Dylan – Nashville Skyline (1969, Vinyl) - Discogs">
+            <a:extLst>
+              <a:ext uri="{FF2B5EF4-FFF2-40B4-BE49-F238E27FC236}">
+                <a16:creationId xmlns:a16="http://schemas.microsoft.com/office/drawing/2014/main" id="{69C42699-02C4-E8D1-D4D4-ECD0956F81BE}"/>
+              </a:ext>
+            </a:extLst>
+          </p:cNvPr>
+          <p:cNvPicPr>
+            <a:picLocks noChangeAspect="1" noChangeArrowheads="1"/>
+          </p:cNvPicPr>
+          <p:nvPr/>
+        </p:nvPicPr>
+        <p:blipFill>
+          <a:blip r:embed="rId3">
+            <a:extLst>
+              <a:ext uri="{28A0092B-C50C-407E-A947-70E740481C1C}">
+                <a14:useLocalDpi xmlns:a14="http://schemas.microsoft.com/office/drawing/2010/main" val="0"/>
+              </a:ext>
+            </a:extLst>
+          </a:blip>
+          <a:stretch>
+            <a:fillRect/>
+          </a:stretch>
+        </p:blipFill>
+        <p:spPr bwMode="auto">
+          <a:xfrm>
+            <a:off x="5792456" y="796413"/>
+            <a:ext cx="5090185" cy="5102943"/>
+          </a:xfrm>
+          <a:prstGeom prst="roundRect">
+            <a:avLst>
+              <a:gd name="adj" fmla="val 4380"/>
+            </a:avLst>
+          </a:prstGeom>
+          <a:noFill/>
+          <a:ln w="50800" cap="sq" cmpd="dbl">
+            <a:gradFill flip="none" rotWithShape="1">
+              <a:gsLst>
+                <a:gs pos="0">
+                  <a:srgbClr val="FFFFFF"/>
+                </a:gs>
+                <a:gs pos="100000">
+                  <a:schemeClr val="tx1">
+                    <a:alpha val="0"/>
+                  </a:schemeClr>
+                </a:gs>
+              </a:gsLst>
+              <a:path path="circle">
+                <a:fillToRect l="50000" t="50000" r="50000" b="50000"/>
+              </a:path>
+              <a:tileRect/>
+            </a:gradFill>
+            <a:miter lim="800000"/>
+          </a:ln>
+          <a:effectLst>
+            <a:outerShdw blurRad="254000" algn="tl" rotWithShape="0">
+              <a:srgbClr val="000000">
+                <a:alpha val="43000"/>
+              </a:srgbClr>
+            </a:outerShdw>
+          </a:effectLst>
+          <a:extLst>
+            <a:ext uri="{909E8E84-426E-40DD-AFC4-6F175D3DCCD1}">
+              <a14:hiddenFill xmlns:a14="http://schemas.microsoft.com/office/drawing/2010/main">
+                <a:solidFill>
+                  <a:srgbClr val="FFFFFF"/>
+                </a:solidFill>
+              </a14:hiddenFill>
+            </a:ext>
+          </a:extLst>
+        </p:spPr>
+      </p:pic>
+    </p:spTree>
+    <p:extLst>
+      <p:ext uri="{BB962C8B-B14F-4D97-AF65-F5344CB8AC3E}">
+        <p14:creationId xmlns:p14="http://schemas.microsoft.com/office/powerpoint/2010/main" val="3932660154"/>
+      </p:ext>
+    </p:extLst>
+  </p:cSld>
+  <p:clrMapOvr>
+    <a:masterClrMapping/>
+  </p:clrMapOvr>
+</p:sld>
+</file>
+
+<file path=ppt/slides/slide5.xml><?xml version="1.0" encoding="utf-8"?>
+<p:sld xmlns:a="http://schemas.openxmlformats.org/drawingml/2006/main" xmlns:r="http://schemas.openxmlformats.org/officeDocument/2006/relationships" xmlns:p="http://schemas.openxmlformats.org/presentationml/2006/main">
+  <p:cSld>
+    <p:bg>
+      <p:bgPr>
+        <a:blipFill>
+          <a:blip r:embed="rId2"/>
+          <a:stretch/>
+        </a:blipFill>
+        <a:effectLst/>
+      </p:bgPr>
+    </p:bg>
+    <p:spTree>
+      <p:nvGrpSpPr>
+        <p:cNvPr id="1" name="">
+          <a:extLst>
+            <a:ext uri="{FF2B5EF4-FFF2-40B4-BE49-F238E27FC236}">
+              <a16:creationId xmlns:a16="http://schemas.microsoft.com/office/drawing/2014/main" id="{08A47037-532B-2071-E378-EA1F7DDB557F}"/>
+            </a:ext>
+          </a:extLst>
+        </p:cNvPr>
+        <p:cNvGrpSpPr/>
+        <p:nvPr/>
+      </p:nvGrpSpPr>
+      <p:grpSpPr>
+        <a:xfrm>
+          <a:off x="0" y="0"/>
+          <a:ext cx="0" cy="0"/>
+          <a:chOff x="0" y="0"/>
+          <a:chExt cx="0" cy="0"/>
+        </a:xfrm>
+      </p:grpSpPr>
+      <p:sp>
+        <p:nvSpPr>
+          <p:cNvPr id="2" name="Title 1">
+            <a:extLst>
+              <a:ext uri="{FF2B5EF4-FFF2-40B4-BE49-F238E27FC236}">
+                <a16:creationId xmlns:a16="http://schemas.microsoft.com/office/drawing/2014/main" id="{071A8DAD-0DF6-1F3F-8E95-76B2730A627E}"/>
+              </a:ext>
+            </a:extLst>
+          </p:cNvPr>
+          <p:cNvSpPr>
+            <a:spLocks noGrp="1"/>
+          </p:cNvSpPr>
+          <p:nvPr>
+            <p:ph type="title"/>
+          </p:nvPr>
+        </p:nvSpPr>
+        <p:spPr>
+          <a:xfrm>
+            <a:off x="825909" y="808055"/>
+            <a:ext cx="3979205" cy="1453363"/>
+          </a:xfrm>
+        </p:spPr>
+        <p:txBody>
+          <a:bodyPr>
+            <a:normAutofit/>
+          </a:bodyPr>
+          <a:lstStyle/>
+          <a:p>
+            <a:r>
+              <a:rPr lang="en-GB" noProof="0" dirty="0"/>
+              <a:t>User Personas</a:t>
+            </a:r>
+          </a:p>
+        </p:txBody>
+      </p:sp>
+      <p:sp>
+        <p:nvSpPr>
+          <p:cNvPr id="3" name="Content Placeholder 2">
+            <a:extLst>
+              <a:ext uri="{FF2B5EF4-FFF2-40B4-BE49-F238E27FC236}">
+                <a16:creationId xmlns:a16="http://schemas.microsoft.com/office/drawing/2014/main" id="{D06E5B4B-9BBF-5F71-559E-08E1DA5D7E23}"/>
+              </a:ext>
+            </a:extLst>
+          </p:cNvPr>
+          <p:cNvSpPr>
+            <a:spLocks noGrp="1"/>
+          </p:cNvSpPr>
+          <p:nvPr>
+            <p:ph idx="1"/>
+          </p:nvPr>
+        </p:nvSpPr>
+        <p:spPr>
+          <a:xfrm>
+            <a:off x="802178" y="2261420"/>
+            <a:ext cx="4002936" cy="3637935"/>
+          </a:xfrm>
+        </p:spPr>
+        <p:txBody>
+          <a:bodyPr>
+            <a:normAutofit/>
+          </a:bodyPr>
+          <a:lstStyle/>
+          <a:p>
+            <a:pPr marL="0" indent="0">
+              <a:lnSpc>
+                <a:spcPct val="90000"/>
+              </a:lnSpc>
+              <a:buFont typeface="Arial" panose="020B0604020202020204" pitchFamily="34" charset="0"/>
+              <a:buNone/>
+            </a:pPr>
+            <a:r>
+              <a:rPr lang="en-GB" b="1" noProof="0"/>
+              <a:t>Music Critic</a:t>
+            </a:r>
+            <a:r>
+              <a:rPr lang="en-GB" noProof="0"/>
+              <a:t>:</a:t>
+            </a:r>
+          </a:p>
+          <a:p>
+            <a:pPr marL="0" indent="0">
+              <a:lnSpc>
+                <a:spcPct val="90000"/>
+              </a:lnSpc>
+              <a:buFont typeface="Arial" panose="020B0604020202020204" pitchFamily="34" charset="0"/>
+              <a:buNone/>
+            </a:pPr>
+            <a:r>
+              <a:rPr lang="en-GB" i="1" noProof="0"/>
+              <a:t>Description:</a:t>
+            </a:r>
+            <a:r>
+              <a:rPr lang="en-GB" noProof="0"/>
+              <a:t> An experienced music lover, he runs a blog and loves to give detailed reviews of music.</a:t>
+            </a:r>
+          </a:p>
+          <a:p>
+            <a:pPr marL="0" indent="0">
+              <a:lnSpc>
+                <a:spcPct val="90000"/>
+              </a:lnSpc>
+              <a:buFont typeface="Arial" panose="020B0604020202020204" pitchFamily="34" charset="0"/>
+              <a:buNone/>
+            </a:pPr>
+            <a:r>
+              <a:rPr lang="en-GB" i="1" noProof="0"/>
+              <a:t>Goal: </a:t>
+            </a:r>
+            <a:r>
+              <a:rPr lang="en-US" noProof="0"/>
+              <a:t>Search for rare/interesting albums, comment on them in detail</a:t>
+            </a:r>
+            <a:r>
+              <a:rPr lang="en-GB" noProof="0"/>
+              <a:t>.</a:t>
+            </a:r>
+          </a:p>
+          <a:p>
+            <a:pPr marL="0" indent="0">
+              <a:lnSpc>
+                <a:spcPct val="90000"/>
+              </a:lnSpc>
+              <a:buFont typeface="Arial" panose="020B0604020202020204" pitchFamily="34" charset="0"/>
+              <a:buNone/>
+            </a:pPr>
+            <a:r>
+              <a:rPr lang="en-GB" i="1" noProof="0"/>
+              <a:t>Tasks:</a:t>
+            </a:r>
+          </a:p>
+          <a:p>
+            <a:pPr lvl="1">
+              <a:lnSpc>
+                <a:spcPct val="90000"/>
+              </a:lnSpc>
+            </a:pPr>
+            <a:r>
+              <a:rPr lang="en-US" noProof="0"/>
+              <a:t>Ability to find albums by genre and other metadata.</a:t>
+            </a:r>
+          </a:p>
+          <a:p>
+            <a:pPr lvl="1">
+              <a:lnSpc>
+                <a:spcPct val="90000"/>
+              </a:lnSpc>
+            </a:pPr>
+            <a:r>
+              <a:rPr lang="en-US"/>
+              <a:t>Write detailed reviews for each album</a:t>
+            </a:r>
+            <a:r>
+              <a:rPr lang="en-US" noProof="0"/>
+              <a:t>.</a:t>
+            </a:r>
+          </a:p>
+          <a:p>
+            <a:pPr marL="0" indent="0">
+              <a:lnSpc>
+                <a:spcPct val="90000"/>
+              </a:lnSpc>
+              <a:buFont typeface="Arial" panose="020B0604020202020204" pitchFamily="34" charset="0"/>
+              <a:buNone/>
+            </a:pPr>
+            <a:endParaRPr lang="en-GB" noProof="0" dirty="0"/>
+          </a:p>
+        </p:txBody>
+      </p:sp>
+      <p:pic>
+        <p:nvPicPr>
+          <p:cNvPr id="4100" name="Picture 4" descr="Fantano Highlighted in Teen Magazine - News at Southern">
+            <a:extLst>
+              <a:ext uri="{FF2B5EF4-FFF2-40B4-BE49-F238E27FC236}">
+                <a16:creationId xmlns:a16="http://schemas.microsoft.com/office/drawing/2014/main" id="{42BB2FE9-2FA6-F656-BAEF-436DD85951E7}"/>
+              </a:ext>
+            </a:extLst>
+          </p:cNvPr>
+          <p:cNvPicPr>
+            <a:picLocks noChangeAspect="1" noChangeArrowheads="1"/>
+          </p:cNvPicPr>
+          <p:nvPr/>
+        </p:nvPicPr>
+        <p:blipFill>
+          <a:blip r:embed="rId3">
+            <a:extLst>
+              <a:ext uri="{28A0092B-C50C-407E-A947-70E740481C1C}">
+                <a14:useLocalDpi xmlns:a14="http://schemas.microsoft.com/office/drawing/2010/main" val="0"/>
+              </a:ext>
+            </a:extLst>
+          </a:blip>
+          <a:stretch>
+            <a:fillRect/>
+          </a:stretch>
+        </p:blipFill>
+        <p:spPr bwMode="auto">
+          <a:xfrm>
+            <a:off x="5289752" y="1313480"/>
+            <a:ext cx="6095593" cy="4068808"/>
+          </a:xfrm>
+          <a:prstGeom prst="roundRect">
+            <a:avLst>
+              <a:gd name="adj" fmla="val 4380"/>
+            </a:avLst>
+          </a:prstGeom>
+          <a:noFill/>
+          <a:ln w="50800" cap="sq" cmpd="dbl">
+            <a:gradFill flip="none" rotWithShape="1">
+              <a:gsLst>
+                <a:gs pos="0">
+                  <a:srgbClr val="FFFFFF"/>
+                </a:gs>
+                <a:gs pos="100000">
+                  <a:schemeClr val="tx1">
+                    <a:alpha val="0"/>
+                  </a:schemeClr>
+                </a:gs>
+              </a:gsLst>
+              <a:path path="circle">
+                <a:fillToRect l="50000" t="50000" r="50000" b="50000"/>
+              </a:path>
+              <a:tileRect/>
+            </a:gradFill>
+            <a:miter lim="800000"/>
+          </a:ln>
+          <a:effectLst>
+            <a:outerShdw blurRad="254000" algn="tl" rotWithShape="0">
+              <a:srgbClr val="000000">
+                <a:alpha val="43000"/>
+              </a:srgbClr>
+            </a:outerShdw>
+          </a:effectLst>
+          <a:extLst>
+            <a:ext uri="{909E8E84-426E-40DD-AFC4-6F175D3DCCD1}">
+              <a14:hiddenFill xmlns:a14="http://schemas.microsoft.com/office/drawing/2010/main">
+                <a:solidFill>
+                  <a:srgbClr val="FFFFFF"/>
+                </a:solidFill>
+              </a14:hiddenFill>
+            </a:ext>
+          </a:extLst>
+        </p:spPr>
+      </p:pic>
+      <p:sp>
+        <p:nvSpPr>
+          <p:cNvPr id="4" name="AutoShape 2" descr="Fantano Highlighted in Teen Magazine - News at Southern">
+            <a:extLst>
+              <a:ext uri="{FF2B5EF4-FFF2-40B4-BE49-F238E27FC236}">
+                <a16:creationId xmlns:a16="http://schemas.microsoft.com/office/drawing/2014/main" id="{2FBE888E-DDEF-8576-5FFD-CD44A1700F8D}"/>
+              </a:ext>
+            </a:extLst>
+          </p:cNvPr>
+          <p:cNvSpPr>
+            <a:spLocks noChangeAspect="1" noChangeArrowheads="1"/>
+          </p:cNvSpPr>
+          <p:nvPr/>
+        </p:nvSpPr>
+        <p:spPr bwMode="auto">
+          <a:xfrm>
+            <a:off x="5943600" y="3276600"/>
+            <a:ext cx="304800" cy="304800"/>
+          </a:xfrm>
+          <a:prstGeom prst="rect">
+            <a:avLst/>
+          </a:prstGeom>
+          <a:noFill/>
+          <a:extLst>
+            <a:ext uri="{909E8E84-426E-40DD-AFC4-6F175D3DCCD1}">
+              <a14:hiddenFill xmlns:a14="http://schemas.microsoft.com/office/drawing/2010/main">
+                <a:solidFill>
+                  <a:srgbClr val="FFFFFF"/>
+                </a:solidFill>
+              </a14:hiddenFill>
+            </a:ext>
+          </a:extLst>
+        </p:spPr>
+        <p:txBody>
+          <a:bodyPr vert="horz" wrap="square" lIns="91440" tIns="45720" rIns="91440" bIns="45720" numCol="1" anchor="t" anchorCtr="0" compatLnSpc="1">
+            <a:prstTxWarp prst="textNoShape">
+              <a:avLst/>
+            </a:prstTxWarp>
+          </a:bodyPr>
+          <a:lstStyle/>
+          <a:p>
+            <a:endParaRPr lang="en-GB"/>
+          </a:p>
+        </p:txBody>
+      </p:sp>
+    </p:spTree>
+    <p:extLst>
+      <p:ext uri="{BB962C8B-B14F-4D97-AF65-F5344CB8AC3E}">
+        <p14:creationId xmlns:p14="http://schemas.microsoft.com/office/powerpoint/2010/main" val="820455020"/>
+      </p:ext>
+    </p:extLst>
+  </p:cSld>
+  <p:clrMapOvr>
+    <a:masterClrMapping/>
+  </p:clrMapOvr>
+</p:sld>
+</file>
+
+<file path=ppt/slides/slide6.xml><?xml version="1.0" encoding="utf-8"?>
+<p:sld xmlns:a="http://schemas.openxmlformats.org/drawingml/2006/main" xmlns:r="http://schemas.openxmlformats.org/officeDocument/2006/relationships" xmlns:p="http://schemas.openxmlformats.org/presentationml/2006/main">
+  <p:cSld>
+    <p:spTree>
+      <p:nvGrpSpPr>
+        <p:cNvPr id="1" name=""/>
+        <p:cNvGrpSpPr/>
+        <p:nvPr/>
+      </p:nvGrpSpPr>
+      <p:grpSpPr>
+        <a:xfrm>
+          <a:off x="0" y="0"/>
+          <a:ext cx="0" cy="0"/>
+          <a:chOff x="0" y="0"/>
+          <a:chExt cx="0" cy="0"/>
+        </a:xfrm>
+      </p:grpSpPr>
+      <p:sp>
+        <p:nvSpPr>
+          <p:cNvPr id="2" name="Title 1">
+            <a:extLst>
+              <a:ext uri="{FF2B5EF4-FFF2-40B4-BE49-F238E27FC236}">
+                <a16:creationId xmlns:a16="http://schemas.microsoft.com/office/drawing/2014/main" id="{3D4BB3E7-3677-9628-3BED-8C06AB41A9CF}"/>
+              </a:ext>
+            </a:extLst>
+          </p:cNvPr>
+          <p:cNvSpPr>
+            <a:spLocks noGrp="1"/>
+          </p:cNvSpPr>
+          <p:nvPr>
+            <p:ph type="title"/>
+          </p:nvPr>
+        </p:nvSpPr>
+        <p:spPr>
+          <a:xfrm>
+            <a:off x="330200" y="257175"/>
+            <a:ext cx="10515600" cy="1325563"/>
+          </a:xfrm>
+        </p:spPr>
+        <p:txBody>
+          <a:bodyPr/>
+          <a:lstStyle/>
+          <a:p>
+            <a:r>
+              <a:rPr lang="en-GB" noProof="0" dirty="0"/>
+              <a:t>Project Specification</a:t>
+            </a:r>
+          </a:p>
+        </p:txBody>
+      </p:sp>
+      <p:graphicFrame>
+        <p:nvGraphicFramePr>
+          <p:cNvPr id="4" name="Table 3">
+            <a:extLst>
+              <a:ext uri="{FF2B5EF4-FFF2-40B4-BE49-F238E27FC236}">
+                <a16:creationId xmlns:a16="http://schemas.microsoft.com/office/drawing/2014/main" id="{C086A621-F8F0-0464-129E-826126E15D4D}"/>
+              </a:ext>
+            </a:extLst>
+          </p:cNvPr>
+          <p:cNvGraphicFramePr>
+            <a:graphicFrameLocks noGrp="1"/>
+          </p:cNvGraphicFramePr>
+          <p:nvPr>
+            <p:extLst>
+              <p:ext uri="{D42A27DB-BD31-4B8C-83A1-F6EECF244321}">
+                <p14:modId xmlns:p14="http://schemas.microsoft.com/office/powerpoint/2010/main" val="3768321777"/>
+              </p:ext>
+            </p:extLst>
+          </p:nvPr>
+        </p:nvGraphicFramePr>
+        <p:xfrm>
+          <a:off x="405685" y="1278036"/>
+          <a:ext cx="11352726" cy="4394200"/>
+        </p:xfrm>
+        <a:graphic>
+          <a:graphicData uri="http://schemas.openxmlformats.org/drawingml/2006/table">
+            <a:tbl>
+              <a:tblPr firstRow="1" bandRow="1">
+                <a:tableStyleId>{5C22544A-7EE6-4342-B048-85BDC9FD1C3A}</a:tableStyleId>
+              </a:tblPr>
+              <a:tblGrid>
+                <a:gridCol w="5546029">
+                  <a:extLst>
+                    <a:ext uri="{9D8B030D-6E8A-4147-A177-3AD203B41FA5}">
+                      <a16:colId xmlns:a16="http://schemas.microsoft.com/office/drawing/2014/main" val="1641353362"/>
+                    </a:ext>
+                  </a:extLst>
+                </a:gridCol>
+                <a:gridCol w="5806697">
+                  <a:extLst>
+                    <a:ext uri="{9D8B030D-6E8A-4147-A177-3AD203B41FA5}">
+                      <a16:colId xmlns:a16="http://schemas.microsoft.com/office/drawing/2014/main" val="4291018923"/>
+                    </a:ext>
+                  </a:extLst>
+                </a:gridCol>
+              </a:tblGrid>
+              <a:tr h="370840">
+                <a:tc>
+                  <a:txBody>
+                    <a:bodyPr/>
+                    <a:lstStyle/>
+                    <a:p>
+                      <a:r>
+                        <a:rPr lang="en-GB" noProof="0" dirty="0"/>
+                        <a:t>Specification</a:t>
+                      </a:r>
+                      <a:endParaRPr lang="en-US" dirty="0"/>
+                    </a:p>
+                  </a:txBody>
+                  <a:tcPr/>
+                </a:tc>
+                <a:tc>
+                  <a:txBody>
+                    <a:bodyPr/>
+                    <a:lstStyle/>
+                    <a:p>
+                      <a:r>
+                        <a:rPr lang="en-GB" dirty="0"/>
+                        <a:t>Description</a:t>
+                      </a:r>
+                      <a:endParaRPr lang="en-US" dirty="0"/>
+                    </a:p>
+                  </a:txBody>
+                  <a:tcPr/>
+                </a:tc>
+                <a:extLst>
+                  <a:ext uri="{0D108BD9-81ED-4DB2-BD59-A6C34878D82A}">
+                    <a16:rowId xmlns:a16="http://schemas.microsoft.com/office/drawing/2014/main" val="1518990347"/>
+                  </a:ext>
+                </a:extLst>
+              </a:tr>
+              <a:tr h="370840">
+                <a:tc>
+                  <a:txBody>
+                    <a:bodyPr/>
+                    <a:lstStyle/>
+                    <a:p>
+                      <a:r>
+                        <a:rPr lang="en-GB" sz="1200" noProof="0" dirty="0"/>
+                        <a:t>Registration and authorisation</a:t>
+                      </a:r>
+                      <a:endParaRPr lang="en-US" sz="1200" dirty="0"/>
+                    </a:p>
+                  </a:txBody>
+                  <a:tcPr/>
+                </a:tc>
+                <a:tc>
+                  <a:txBody>
+                    <a:bodyPr/>
+                    <a:lstStyle/>
+                    <a:p>
+                      <a:pPr marL="171450" indent="-171450">
+                        <a:buFont typeface="Arial" panose="020B0604020202020204" pitchFamily="34" charset="0"/>
+                        <a:buChar char="•"/>
+                      </a:pPr>
+                      <a:r>
+                        <a:rPr lang="en-US" sz="1200" dirty="0"/>
+                        <a:t>The user can create an account using a login and password.</a:t>
+                      </a:r>
+                    </a:p>
+                    <a:p>
+                      <a:pPr marL="171450" indent="-171450">
+                        <a:buFont typeface="Arial" panose="020B0604020202020204" pitchFamily="34" charset="0"/>
+                        <a:buChar char="•"/>
+                      </a:pPr>
+                      <a:r>
+                        <a:rPr lang="en-US" sz="1200" dirty="0"/>
+                        <a:t>Authenticated users have access to rate, review and upload album features.</a:t>
+                      </a:r>
+                    </a:p>
+                  </a:txBody>
+                  <a:tcPr/>
+                </a:tc>
+                <a:extLst>
+                  <a:ext uri="{0D108BD9-81ED-4DB2-BD59-A6C34878D82A}">
+                    <a16:rowId xmlns:a16="http://schemas.microsoft.com/office/drawing/2014/main" val="1979020116"/>
+                  </a:ext>
+                </a:extLst>
+              </a:tr>
+              <a:tr h="370840">
+                <a:tc>
+                  <a:txBody>
+                    <a:bodyPr/>
+                    <a:lstStyle/>
+                    <a:p>
+                      <a:r>
+                        <a:rPr lang="en-US" sz="1200" dirty="0"/>
+                        <a:t>User profile</a:t>
+                      </a:r>
+                    </a:p>
+                  </a:txBody>
+                  <a:tcPr/>
+                </a:tc>
+                <a:tc>
+                  <a:txBody>
+                    <a:bodyPr/>
+                    <a:lstStyle/>
+                    <a:p>
+                      <a:pPr marL="171450" indent="-171450">
+                        <a:buFont typeface="Arial" panose="020B0604020202020204" pitchFamily="34" charset="0"/>
+                        <a:buChar char="•"/>
+                      </a:pPr>
+                      <a:r>
+                        <a:rPr lang="en-US" sz="1200" dirty="0"/>
+                        <a:t>Display basic information: username, registration date, uploaded albums, etc.</a:t>
+                      </a:r>
+                    </a:p>
+                    <a:p>
+                      <a:pPr marL="171450" indent="-171450">
+                        <a:buFont typeface="Arial" panose="020B0604020202020204" pitchFamily="34" charset="0"/>
+                        <a:buChar char="•"/>
+                      </a:pPr>
+                      <a:r>
+                        <a:rPr lang="en-US" sz="1200" dirty="0"/>
+                        <a:t>Ability to change password and some settings.</a:t>
+                      </a:r>
+                    </a:p>
+                  </a:txBody>
+                  <a:tcPr/>
+                </a:tc>
+                <a:extLst>
+                  <a:ext uri="{0D108BD9-81ED-4DB2-BD59-A6C34878D82A}">
+                    <a16:rowId xmlns:a16="http://schemas.microsoft.com/office/drawing/2014/main" val="1513095257"/>
+                  </a:ext>
+                </a:extLst>
+              </a:tr>
+              <a:tr h="370840">
+                <a:tc>
+                  <a:txBody>
+                    <a:bodyPr/>
+                    <a:lstStyle/>
+                    <a:p>
+                      <a:r>
+                        <a:rPr lang="en-US" sz="1200" dirty="0"/>
+                        <a:t>Albums uploading</a:t>
+                      </a:r>
+                    </a:p>
+                  </a:txBody>
+                  <a:tcPr/>
+                </a:tc>
+                <a:tc>
+                  <a:txBody>
+                    <a:bodyPr/>
+                    <a:lstStyle/>
+                    <a:p>
+                      <a:pPr marL="171450" indent="-171450">
+                        <a:buFont typeface="Arial" panose="020B0604020202020204" pitchFamily="34" charset="0"/>
+                        <a:buChar char="•"/>
+                      </a:pPr>
+                      <a:r>
+                        <a:rPr lang="en-US" sz="1200" dirty="0"/>
+                        <a:t>Fields when uploading: Album title, Cover, Genre, Release Date (defaults to current date) and Description (optional).</a:t>
+                      </a:r>
+                    </a:p>
+                    <a:p>
+                      <a:pPr marL="171450" indent="-171450">
+                        <a:buFont typeface="Arial" panose="020B0604020202020204" pitchFamily="34" charset="0"/>
+                        <a:buChar char="•"/>
+                      </a:pPr>
+                      <a:r>
+                        <a:rPr lang="en-US" sz="1200" dirty="0"/>
+                        <a:t>Tracking upload date, views, score.</a:t>
+                      </a:r>
+                    </a:p>
+                  </a:txBody>
+                  <a:tcPr/>
+                </a:tc>
+                <a:extLst>
+                  <a:ext uri="{0D108BD9-81ED-4DB2-BD59-A6C34878D82A}">
+                    <a16:rowId xmlns:a16="http://schemas.microsoft.com/office/drawing/2014/main" val="3924231895"/>
+                  </a:ext>
+                </a:extLst>
+              </a:tr>
+              <a:tr h="370840">
+                <a:tc>
+                  <a:txBody>
+                    <a:bodyPr/>
+                    <a:lstStyle/>
+                    <a:p>
+                      <a:r>
+                        <a:rPr lang="en-US" sz="1200" dirty="0"/>
+                        <a:t>Like/dislike system</a:t>
+                      </a:r>
+                    </a:p>
+                  </a:txBody>
+                  <a:tcPr/>
+                </a:tc>
+                <a:tc>
+                  <a:txBody>
+                    <a:bodyPr/>
+                    <a:lstStyle/>
+                    <a:p>
+                      <a:pPr marL="171450" indent="-171450">
+                        <a:buFont typeface="Arial" panose="020B0604020202020204" pitchFamily="34" charset="0"/>
+                        <a:buChar char="•"/>
+                      </a:pPr>
+                      <a:r>
+                        <a:rPr lang="en-US" sz="1200" dirty="0"/>
+                        <a:t>Each album can be rated </a:t>
+                      </a:r>
+                      <a:r>
+                        <a:rPr lang="en-GB" sz="1200" dirty="0"/>
+                        <a:t>out of 5 stars</a:t>
+                      </a:r>
+                      <a:endParaRPr lang="ru-RU" sz="1200" dirty="0"/>
+                    </a:p>
+                    <a:p>
+                      <a:pPr marL="171450" indent="-171450">
+                        <a:buFont typeface="Arial" panose="020B0604020202020204" pitchFamily="34" charset="0"/>
+                        <a:buChar char="•"/>
+                      </a:pPr>
+                      <a:r>
+                        <a:rPr lang="en-US" sz="1200" dirty="0"/>
+                        <a:t>The average rating is displayed next to each album.</a:t>
+                      </a:r>
+                    </a:p>
+                  </a:txBody>
+                  <a:tcPr/>
+                </a:tc>
+                <a:extLst>
+                  <a:ext uri="{0D108BD9-81ED-4DB2-BD59-A6C34878D82A}">
+                    <a16:rowId xmlns:a16="http://schemas.microsoft.com/office/drawing/2014/main" val="2028155564"/>
+                  </a:ext>
+                </a:extLst>
+              </a:tr>
+              <a:tr h="370840">
+                <a:tc>
+                  <a:txBody>
+                    <a:bodyPr/>
+                    <a:lstStyle/>
+                    <a:p>
+                      <a:r>
+                        <a:rPr lang="en-US" sz="1200" dirty="0"/>
+                        <a:t>Review system</a:t>
+                      </a:r>
+                    </a:p>
+                  </a:txBody>
+                  <a:tcPr/>
+                </a:tc>
+                <a:tc>
+                  <a:txBody>
+                    <a:bodyPr/>
+                    <a:lstStyle/>
+                    <a:p>
+                      <a:pPr marL="171450" indent="-171450">
+                        <a:buFont typeface="Arial" panose="020B0604020202020204" pitchFamily="34" charset="0"/>
+                        <a:buChar char="•"/>
+                      </a:pPr>
+                      <a:r>
+                        <a:rPr lang="en-US" sz="1200" dirty="0"/>
+                        <a:t>Ability to leave text reviews and scores under the album.</a:t>
+                      </a:r>
+                      <a:endParaRPr lang="ru-RU" sz="1200" dirty="0"/>
+                    </a:p>
+                    <a:p>
+                      <a:pPr marL="171450" indent="-171450">
+                        <a:buFont typeface="Arial" panose="020B0604020202020204" pitchFamily="34" charset="0"/>
+                        <a:buChar char="•"/>
+                      </a:pPr>
+                      <a:r>
+                        <a:rPr lang="en-US" sz="1200" dirty="0"/>
+                        <a:t>Display a list of all reviews in chronological order.</a:t>
+                      </a:r>
+                    </a:p>
+                  </a:txBody>
+                  <a:tcPr/>
+                </a:tc>
+                <a:extLst>
+                  <a:ext uri="{0D108BD9-81ED-4DB2-BD59-A6C34878D82A}">
+                    <a16:rowId xmlns:a16="http://schemas.microsoft.com/office/drawing/2014/main" val="4265522486"/>
+                  </a:ext>
+                </a:extLst>
+              </a:tr>
+              <a:tr h="370840">
+                <a:tc>
+                  <a:txBody>
+                    <a:bodyPr/>
+                    <a:lstStyle/>
+                    <a:p>
+                      <a:r>
+                        <a:rPr lang="en-US" sz="1200" dirty="0"/>
+                        <a:t>The mechanics of “Followers”</a:t>
+                      </a:r>
+                    </a:p>
+                  </a:txBody>
+                  <a:tcPr/>
+                </a:tc>
+                <a:tc>
+                  <a:txBody>
+                    <a:bodyPr/>
+                    <a:lstStyle/>
+                    <a:p>
+                      <a:pPr marL="171450" indent="-171450">
+                        <a:buFont typeface="Arial" panose="020B0604020202020204" pitchFamily="34" charset="0"/>
+                        <a:buChar char="•"/>
+                      </a:pPr>
+                      <a:r>
+                        <a:rPr lang="en-US" sz="1200" dirty="0"/>
+                        <a:t>Users can follow each other.</a:t>
+                      </a:r>
+                    </a:p>
+                    <a:p>
+                      <a:pPr marL="171450" indent="-171450">
+                        <a:buFont typeface="Arial" panose="020B0604020202020204" pitchFamily="34" charset="0"/>
+                        <a:buChar char="•"/>
+                      </a:pPr>
+                      <a:r>
+                        <a:rPr lang="en-US" sz="1200" dirty="0"/>
+                        <a:t>The Home page displays the latest ratings from people you follow.</a:t>
+                      </a:r>
+                    </a:p>
+                  </a:txBody>
+                  <a:tcPr/>
+                </a:tc>
+                <a:extLst>
+                  <a:ext uri="{0D108BD9-81ED-4DB2-BD59-A6C34878D82A}">
+                    <a16:rowId xmlns:a16="http://schemas.microsoft.com/office/drawing/2014/main" val="1065828768"/>
+                  </a:ext>
+                </a:extLst>
+              </a:tr>
+              <a:tr h="370840">
+                <a:tc>
+                  <a:txBody>
+                    <a:bodyPr/>
+                    <a:lstStyle/>
+                    <a:p>
+                      <a:r>
+                        <a:rPr lang="en-US" sz="1200" dirty="0"/>
+                        <a:t>Search and sort</a:t>
+                      </a:r>
+                    </a:p>
+                  </a:txBody>
+                  <a:tcPr/>
+                </a:tc>
+                <a:tc>
+                  <a:txBody>
+                    <a:bodyPr/>
+                    <a:lstStyle/>
+                    <a:p>
+                      <a:pPr marL="171450" indent="-171450">
+                        <a:buFont typeface="Arial" panose="020B0604020202020204" pitchFamily="34" charset="0"/>
+                        <a:buChar char="•"/>
+                      </a:pPr>
+                      <a:r>
+                        <a:rPr lang="en-US" sz="1200" dirty="0"/>
+                        <a:t>Full text search by album title and username.</a:t>
+                      </a:r>
+                    </a:p>
+                    <a:p>
+                      <a:pPr marL="171450" indent="-171450">
+                        <a:buFont typeface="Arial" panose="020B0604020202020204" pitchFamily="34" charset="0"/>
+                        <a:buChar char="•"/>
+                      </a:pPr>
+                      <a:r>
+                        <a:rPr lang="en-US" sz="1200" dirty="0"/>
+                        <a:t>Filter by score, upload date, popularity.</a:t>
+                      </a:r>
+                    </a:p>
+                  </a:txBody>
+                  <a:tcPr/>
+                </a:tc>
+                <a:extLst>
+                  <a:ext uri="{0D108BD9-81ED-4DB2-BD59-A6C34878D82A}">
+                    <a16:rowId xmlns:a16="http://schemas.microsoft.com/office/drawing/2014/main" val="2254452428"/>
+                  </a:ext>
+                </a:extLst>
+              </a:tr>
+              <a:tr h="370840">
+                <a:tc>
+                  <a:txBody>
+                    <a:bodyPr/>
+                    <a:lstStyle/>
+                    <a:p>
+                      <a:r>
+                        <a:rPr lang="en-US" sz="1200" dirty="0"/>
+                        <a:t>Views</a:t>
+                      </a:r>
+                    </a:p>
+                  </a:txBody>
+                  <a:tcPr/>
+                </a:tc>
+                <a:tc>
+                  <a:txBody>
+                    <a:bodyPr/>
+                    <a:lstStyle/>
+                    <a:p>
+                      <a:pPr marL="171450" indent="-171450">
+                        <a:buFont typeface="Arial" panose="020B0604020202020204" pitchFamily="34" charset="0"/>
+                        <a:buChar char="•"/>
+                      </a:pPr>
+                      <a:r>
+                        <a:rPr lang="en-US" sz="1200" dirty="0"/>
+                        <a:t>Each time you open an album page the view counter increases.</a:t>
+                      </a:r>
+                    </a:p>
+                    <a:p>
+                      <a:pPr marL="171450" indent="-171450">
+                        <a:buFont typeface="Arial" panose="020B0604020202020204" pitchFamily="34" charset="0"/>
+                        <a:buChar char="•"/>
+                      </a:pPr>
+                      <a:r>
+                        <a:rPr lang="en-US" sz="1200" dirty="0"/>
+                        <a:t>Using cookies or sessions to avoid “cheat</a:t>
+                      </a:r>
+                      <a:r>
+                        <a:rPr lang="en-GB" sz="1200" dirty="0"/>
+                        <a:t>ed</a:t>
+                      </a:r>
+                      <a:r>
+                        <a:rPr lang="en-US" sz="1200" dirty="0"/>
+                        <a:t>” views from the same user in a short period of time.</a:t>
+                      </a:r>
+                    </a:p>
+                  </a:txBody>
+                  <a:tcPr/>
+                </a:tc>
+                <a:extLst>
+                  <a:ext uri="{0D108BD9-81ED-4DB2-BD59-A6C34878D82A}">
+                    <a16:rowId xmlns:a16="http://schemas.microsoft.com/office/drawing/2014/main" val="3235469331"/>
+                  </a:ext>
+                </a:extLst>
+              </a:tr>
+            </a:tbl>
+          </a:graphicData>
+        </a:graphic>
+      </p:graphicFrame>
+    </p:spTree>
+    <p:extLst>
+      <p:ext uri="{BB962C8B-B14F-4D97-AF65-F5344CB8AC3E}">
+        <p14:creationId xmlns:p14="http://schemas.microsoft.com/office/powerpoint/2010/main" val="2058726886"/>
+      </p:ext>
+    </p:extLst>
+  </p:cSld>
+  <p:clrMapOvr>
+    <a:masterClrMapping/>
+  </p:clrMapOvr>
+</p:sld>
+</file>
+
+<file path=ppt/slides/slide7.xml><?xml version="1.0" encoding="utf-8"?>
+<p:sld xmlns:a="http://schemas.openxmlformats.org/drawingml/2006/main" xmlns:r="http://schemas.openxmlformats.org/officeDocument/2006/relationships" xmlns:p="http://schemas.openxmlformats.org/presentationml/2006/main">
+  <p:cSld>
+    <p:spTree>
+      <p:nvGrpSpPr>
+        <p:cNvPr id="1" name=""/>
+        <p:cNvGrpSpPr/>
+        <p:nvPr/>
+      </p:nvGrpSpPr>
+      <p:grpSpPr>
+        <a:xfrm>
+          <a:off x="0" y="0"/>
+          <a:ext cx="0" cy="0"/>
+          <a:chOff x="0" y="0"/>
+          <a:chExt cx="0" cy="0"/>
+        </a:xfrm>
+      </p:grpSpPr>
+      <p:sp>
+        <p:nvSpPr>
+          <p:cNvPr id="2" name="Title 1">
+            <a:extLst>
+              <a:ext uri="{FF2B5EF4-FFF2-40B4-BE49-F238E27FC236}">
+                <a16:creationId xmlns:a16="http://schemas.microsoft.com/office/drawing/2014/main" id="{AAEAFD98-3993-0A21-50D7-20467B5F8030}"/>
+              </a:ext>
+            </a:extLst>
+          </p:cNvPr>
+          <p:cNvSpPr>
+            <a:spLocks noGrp="1"/>
+          </p:cNvSpPr>
+          <p:nvPr>
+            <p:ph type="title"/>
+          </p:nvPr>
+        </p:nvSpPr>
+        <p:spPr/>
+        <p:txBody>
+          <a:bodyPr/>
+          <a:lstStyle/>
+          <a:p>
+            <a:r>
+              <a:rPr lang="en-GB" dirty="0"/>
+              <a:t>Wireframes – Home, About pages</a:t>
+            </a:r>
+          </a:p>
+        </p:txBody>
+      </p:sp>
+      <p:pic>
+        <p:nvPicPr>
+          <p:cNvPr id="5" name="Content Placeholder 4" descr="A screenshot of a computer&#10;&#10;AI-generated content may be incorrect.">
+            <a:extLst>
+              <a:ext uri="{FF2B5EF4-FFF2-40B4-BE49-F238E27FC236}">
+                <a16:creationId xmlns:a16="http://schemas.microsoft.com/office/drawing/2014/main" id="{FCD204FC-2A07-8C18-B8AE-3ED68B35D706}"/>
+              </a:ext>
+            </a:extLst>
+          </p:cNvPr>
+          <p:cNvPicPr>
+            <a:picLocks noGrp="1" noChangeAspect="1"/>
+          </p:cNvPicPr>
+          <p:nvPr>
+            <p:ph idx="1"/>
+          </p:nvPr>
+        </p:nvPicPr>
+        <p:blipFill>
+          <a:blip r:embed="rId2">
+            <a:extLst>
+              <a:ext uri="{28A0092B-C50C-407E-A947-70E740481C1C}">
+                <a14:useLocalDpi xmlns:a14="http://schemas.microsoft.com/office/drawing/2010/main" val="0"/>
+              </a:ext>
+            </a:extLst>
+          </a:blip>
+          <a:stretch>
+            <a:fillRect/>
+          </a:stretch>
+        </p:blipFill>
+        <p:spPr>
+          <a:xfrm>
+            <a:off x="340093" y="1989138"/>
+            <a:ext cx="4491891" cy="3649662"/>
+          </a:xfrm>
+        </p:spPr>
+      </p:pic>
+      <p:pic>
+        <p:nvPicPr>
+          <p:cNvPr id="7" name="Picture 6" descr="A screenshot of a computer&#10;&#10;AI-generated content may be incorrect.">
+            <a:extLst>
+              <a:ext uri="{FF2B5EF4-FFF2-40B4-BE49-F238E27FC236}">
+                <a16:creationId xmlns:a16="http://schemas.microsoft.com/office/drawing/2014/main" id="{13D21896-0492-BF47-DCBB-C5AA9FA5A742}"/>
+              </a:ext>
+            </a:extLst>
+          </p:cNvPr>
+          <p:cNvPicPr>
+            <a:picLocks noChangeAspect="1"/>
+          </p:cNvPicPr>
+          <p:nvPr/>
+        </p:nvPicPr>
+        <p:blipFill>
+          <a:blip r:embed="rId3">
+            <a:extLst>
+              <a:ext uri="{28A0092B-C50C-407E-A947-70E740481C1C}">
+                <a14:useLocalDpi xmlns:a14="http://schemas.microsoft.com/office/drawing/2010/main" val="0"/>
+              </a:ext>
+            </a:extLst>
+          </a:blip>
+          <a:stretch>
+            <a:fillRect/>
+          </a:stretch>
+        </p:blipFill>
+        <p:spPr>
+          <a:xfrm>
+            <a:off x="6325334" y="1989138"/>
+            <a:ext cx="4491892" cy="3649662"/>
+          </a:xfrm>
+          <a:prstGeom prst="rect">
+            <a:avLst/>
+          </a:prstGeom>
+        </p:spPr>
+      </p:pic>
+    </p:spTree>
+    <p:extLst>
+      <p:ext uri="{BB962C8B-B14F-4D97-AF65-F5344CB8AC3E}">
+        <p14:creationId xmlns:p14="http://schemas.microsoft.com/office/powerpoint/2010/main" val="2504973691"/>
+      </p:ext>
+    </p:extLst>
+  </p:cSld>
+  <p:clrMapOvr>
+    <a:masterClrMapping/>
+  </p:clrMapOvr>
+</p:sld>
+</file>
+
+<file path=ppt/slides/slide8.xml><?xml version="1.0" encoding="utf-8"?>
+<p:sld xmlns:a="http://schemas.openxmlformats.org/drawingml/2006/main" xmlns:r="http://schemas.openxmlformats.org/officeDocument/2006/relationships" xmlns:p="http://schemas.openxmlformats.org/presentationml/2006/main">
+  <p:cSld>
+    <p:spTree>
+      <p:nvGrpSpPr>
+        <p:cNvPr id="1" name="">
+          <a:extLst>
+            <a:ext uri="{FF2B5EF4-FFF2-40B4-BE49-F238E27FC236}">
+              <a16:creationId xmlns:a16="http://schemas.microsoft.com/office/drawing/2014/main" id="{25E148AA-6260-CADC-A9E5-9FBB66F46292}"/>
+            </a:ext>
+          </a:extLst>
+        </p:cNvPr>
+        <p:cNvGrpSpPr/>
+        <p:nvPr/>
+      </p:nvGrpSpPr>
+      <p:grpSpPr>
+        <a:xfrm>
+          <a:off x="0" y="0"/>
+          <a:ext cx="0" cy="0"/>
+          <a:chOff x="0" y="0"/>
+          <a:chExt cx="0" cy="0"/>
+        </a:xfrm>
+      </p:grpSpPr>
+      <p:sp>
+        <p:nvSpPr>
+          <p:cNvPr id="2" name="Title 1">
+            <a:extLst>
+              <a:ext uri="{FF2B5EF4-FFF2-40B4-BE49-F238E27FC236}">
+                <a16:creationId xmlns:a16="http://schemas.microsoft.com/office/drawing/2014/main" id="{17F51430-200E-0BFB-2A7E-81819A79CE68}"/>
+              </a:ext>
+            </a:extLst>
+          </p:cNvPr>
+          <p:cNvSpPr>
+            <a:spLocks noGrp="1"/>
+          </p:cNvSpPr>
+          <p:nvPr>
+            <p:ph type="title"/>
+          </p:nvPr>
+        </p:nvSpPr>
+        <p:spPr>
+          <a:xfrm>
+            <a:off x="685801" y="609600"/>
+            <a:ext cx="10820398" cy="1456267"/>
+          </a:xfrm>
+        </p:spPr>
+        <p:txBody>
+          <a:bodyPr/>
+          <a:lstStyle/>
+          <a:p>
+            <a:r>
+              <a:rPr lang="en-GB" dirty="0"/>
+              <a:t>Wireframes – Album, search, upload album pages</a:t>
+            </a:r>
+          </a:p>
+        </p:txBody>
+      </p:sp>
+      <p:pic>
+        <p:nvPicPr>
+          <p:cNvPr id="4" name="Picture 3" descr="A screenshot of a computer&#10;&#10;AI-generated content may be incorrect.">
+            <a:extLst>
+              <a:ext uri="{FF2B5EF4-FFF2-40B4-BE49-F238E27FC236}">
+                <a16:creationId xmlns:a16="http://schemas.microsoft.com/office/drawing/2014/main" id="{AD522209-8D48-5B34-F3DD-1B154AA9F1CC}"/>
+              </a:ext>
+            </a:extLst>
+          </p:cNvPr>
+          <p:cNvPicPr>
+            <a:picLocks noChangeAspect="1"/>
+          </p:cNvPicPr>
+          <p:nvPr/>
+        </p:nvPicPr>
+        <p:blipFill>
+          <a:blip r:embed="rId2">
+            <a:extLst>
+              <a:ext uri="{28A0092B-C50C-407E-A947-70E740481C1C}">
+                <a14:useLocalDpi xmlns:a14="http://schemas.microsoft.com/office/drawing/2010/main" val="0"/>
+              </a:ext>
+            </a:extLst>
+          </a:blip>
+          <a:stretch>
+            <a:fillRect/>
+          </a:stretch>
+        </p:blipFill>
+        <p:spPr>
+          <a:xfrm>
+            <a:off x="168601" y="2065867"/>
+            <a:ext cx="3752687" cy="3049058"/>
+          </a:xfrm>
+          <a:prstGeom prst="rect">
+            <a:avLst/>
+          </a:prstGeom>
+        </p:spPr>
+      </p:pic>
+      <p:pic>
+        <p:nvPicPr>
+          <p:cNvPr id="8" name="Picture 7" descr="A screenshot of a computer&#10;&#10;AI-generated content may be incorrect.">
+            <a:extLst>
+              <a:ext uri="{FF2B5EF4-FFF2-40B4-BE49-F238E27FC236}">
+                <a16:creationId xmlns:a16="http://schemas.microsoft.com/office/drawing/2014/main" id="{4CF5EA17-341D-59AC-8645-F6DC6B50AD8E}"/>
+              </a:ext>
+            </a:extLst>
+          </p:cNvPr>
+          <p:cNvPicPr>
+            <a:picLocks noChangeAspect="1"/>
+          </p:cNvPicPr>
+          <p:nvPr/>
+        </p:nvPicPr>
+        <p:blipFill>
+          <a:blip r:embed="rId3">
+            <a:extLst>
+              <a:ext uri="{28A0092B-C50C-407E-A947-70E740481C1C}">
+                <a14:useLocalDpi xmlns:a14="http://schemas.microsoft.com/office/drawing/2010/main" val="0"/>
+              </a:ext>
+            </a:extLst>
+          </a:blip>
+          <a:stretch>
+            <a:fillRect/>
+          </a:stretch>
+        </p:blipFill>
+        <p:spPr>
+          <a:xfrm>
+            <a:off x="4219656" y="2065867"/>
+            <a:ext cx="3752687" cy="3049058"/>
+          </a:xfrm>
+          <a:prstGeom prst="rect">
+            <a:avLst/>
+          </a:prstGeom>
+        </p:spPr>
+      </p:pic>
+      <p:pic>
+        <p:nvPicPr>
+          <p:cNvPr id="12" name="Picture 11" descr="A screenshot of a computer&#10;&#10;AI-generated content may be incorrect.">
+            <a:extLst>
+              <a:ext uri="{FF2B5EF4-FFF2-40B4-BE49-F238E27FC236}">
+                <a16:creationId xmlns:a16="http://schemas.microsoft.com/office/drawing/2014/main" id="{06024112-C298-CF91-C834-144B361DADFE}"/>
+              </a:ext>
+            </a:extLst>
+          </p:cNvPr>
+          <p:cNvPicPr>
+            <a:picLocks noChangeAspect="1"/>
+          </p:cNvPicPr>
+          <p:nvPr/>
+        </p:nvPicPr>
+        <p:blipFill>
+          <a:blip r:embed="rId4">
+            <a:extLst>
+              <a:ext uri="{28A0092B-C50C-407E-A947-70E740481C1C}">
+                <a14:useLocalDpi xmlns:a14="http://schemas.microsoft.com/office/drawing/2010/main" val="0"/>
+              </a:ext>
+            </a:extLst>
+          </a:blip>
+          <a:stretch>
+            <a:fillRect/>
+          </a:stretch>
+        </p:blipFill>
+        <p:spPr>
+          <a:xfrm>
+            <a:off x="8270712" y="2065867"/>
+            <a:ext cx="3752687" cy="3049058"/>
+          </a:xfrm>
+          <a:prstGeom prst="rect">
+            <a:avLst/>
+          </a:prstGeom>
+        </p:spPr>
+      </p:pic>
+    </p:spTree>
+    <p:extLst>
+      <p:ext uri="{BB962C8B-B14F-4D97-AF65-F5344CB8AC3E}">
+        <p14:creationId xmlns:p14="http://schemas.microsoft.com/office/powerpoint/2010/main" val="2167226177"/>
+      </p:ext>
+    </p:extLst>
+  </p:cSld>
+  <p:clrMapOvr>
+    <a:masterClrMapping/>
+  </p:clrMapOvr>
+</p:sld>
+</file>
+
+<file path=ppt/slides/slide9.xml><?xml version="1.0" encoding="utf-8"?>
+<p:sld xmlns:a="http://schemas.openxmlformats.org/drawingml/2006/main" xmlns:r="http://schemas.openxmlformats.org/officeDocument/2006/relationships" xmlns:p="http://schemas.openxmlformats.org/presentationml/2006/main">
+  <p:cSld>
+    <p:spTree>
+      <p:nvGrpSpPr>
+        <p:cNvPr id="1" name="">
+          <a:extLst>
+            <a:ext uri="{FF2B5EF4-FFF2-40B4-BE49-F238E27FC236}">
+              <a16:creationId xmlns:a16="http://schemas.microsoft.com/office/drawing/2014/main" id="{9A21C6D0-C0C6-A7CB-F75B-58FDEE8523DD}"/>
+            </a:ext>
+          </a:extLst>
+        </p:cNvPr>
+        <p:cNvGrpSpPr/>
+        <p:nvPr/>
+      </p:nvGrpSpPr>
+      <p:grpSpPr>
+        <a:xfrm>
+          <a:off x="0" y="0"/>
+          <a:ext cx="0" cy="0"/>
+          <a:chOff x="0" y="0"/>
+          <a:chExt cx="0" cy="0"/>
+        </a:xfrm>
+      </p:grpSpPr>
+      <p:sp>
+        <p:nvSpPr>
+          <p:cNvPr id="2" name="Title 1">
+            <a:extLst>
+              <a:ext uri="{FF2B5EF4-FFF2-40B4-BE49-F238E27FC236}">
+                <a16:creationId xmlns:a16="http://schemas.microsoft.com/office/drawing/2014/main" id="{608D24D5-99AC-3F5E-D5AC-B02132CE5599}"/>
+              </a:ext>
+            </a:extLst>
+          </p:cNvPr>
+          <p:cNvSpPr>
+            <a:spLocks noGrp="1"/>
+          </p:cNvSpPr>
+          <p:nvPr>
+            <p:ph type="title"/>
+          </p:nvPr>
+        </p:nvSpPr>
+        <p:spPr>
+          <a:xfrm>
+            <a:off x="685801" y="609600"/>
+            <a:ext cx="10820398" cy="1456267"/>
+          </a:xfrm>
+        </p:spPr>
+        <p:txBody>
+          <a:bodyPr/>
+          <a:lstStyle/>
+          <a:p>
+            <a:r>
+              <a:rPr lang="en-GB" dirty="0"/>
+              <a:t>Wireframes – User page, log in, sign up</a:t>
+            </a:r>
+          </a:p>
+        </p:txBody>
+      </p:sp>
+      <p:pic>
+        <p:nvPicPr>
+          <p:cNvPr id="4" name="Picture 3" descr="A screenshot of a computer&#10;&#10;AI-generated content may be incorrect.">
+            <a:extLst>
+              <a:ext uri="{FF2B5EF4-FFF2-40B4-BE49-F238E27FC236}">
+                <a16:creationId xmlns:a16="http://schemas.microsoft.com/office/drawing/2014/main" id="{35FCC0CB-3B7E-6B85-F925-E011C49770A9}"/>
+              </a:ext>
+            </a:extLst>
+          </p:cNvPr>
+          <p:cNvPicPr>
+            <a:picLocks noChangeAspect="1"/>
+          </p:cNvPicPr>
+          <p:nvPr/>
+        </p:nvPicPr>
+        <p:blipFill>
+          <a:blip r:embed="rId2">
+            <a:extLst>
+              <a:ext uri="{28A0092B-C50C-407E-A947-70E740481C1C}">
+                <a14:useLocalDpi xmlns:a14="http://schemas.microsoft.com/office/drawing/2010/main" val="0"/>
+              </a:ext>
+            </a:extLst>
+          </a:blip>
+          <a:stretch>
+            <a:fillRect/>
+          </a:stretch>
+        </p:blipFill>
+        <p:spPr>
+          <a:xfrm>
+            <a:off x="168601" y="2065867"/>
+            <a:ext cx="3752687" cy="3049058"/>
+          </a:xfrm>
+          <a:prstGeom prst="rect">
+            <a:avLst/>
+          </a:prstGeom>
+        </p:spPr>
+      </p:pic>
+      <p:pic>
+        <p:nvPicPr>
+          <p:cNvPr id="8" name="Picture 7" descr="A screenshot of a computer&#10;&#10;AI-generated content may be incorrect.">
+            <a:extLst>
+              <a:ext uri="{FF2B5EF4-FFF2-40B4-BE49-F238E27FC236}">
+                <a16:creationId xmlns:a16="http://schemas.microsoft.com/office/drawing/2014/main" id="{172B337C-25E5-AE10-5B49-1D5BB6A52B0D}"/>
+              </a:ext>
+            </a:extLst>
+          </p:cNvPr>
+          <p:cNvPicPr>
+            <a:picLocks noChangeAspect="1"/>
+          </p:cNvPicPr>
+          <p:nvPr/>
+        </p:nvPicPr>
+        <p:blipFill>
+          <a:blip r:embed="rId3">
+            <a:extLst>
+              <a:ext uri="{28A0092B-C50C-407E-A947-70E740481C1C}">
+                <a14:useLocalDpi xmlns:a14="http://schemas.microsoft.com/office/drawing/2010/main" val="0"/>
+              </a:ext>
+            </a:extLst>
+          </a:blip>
+          <a:stretch>
+            <a:fillRect/>
+          </a:stretch>
+        </p:blipFill>
+        <p:spPr>
+          <a:xfrm>
+            <a:off x="4219656" y="2065867"/>
+            <a:ext cx="3752687" cy="3049058"/>
+          </a:xfrm>
+          <a:prstGeom prst="rect">
+            <a:avLst/>
+          </a:prstGeom>
+        </p:spPr>
+      </p:pic>
+      <p:pic>
+        <p:nvPicPr>
+          <p:cNvPr id="12" name="Picture 11" descr="A screenshot of a computer&#10;&#10;AI-generated content may be incorrect.">
+            <a:extLst>
+              <a:ext uri="{FF2B5EF4-FFF2-40B4-BE49-F238E27FC236}">
+                <a16:creationId xmlns:a16="http://schemas.microsoft.com/office/drawing/2014/main" id="{A6691B61-7628-7B72-3AE2-CB05FB68E00E}"/>
+              </a:ext>
+            </a:extLst>
+          </p:cNvPr>
+          <p:cNvPicPr>
+            <a:picLocks noChangeAspect="1"/>
+          </p:cNvPicPr>
+          <p:nvPr/>
+        </p:nvPicPr>
+        <p:blipFill>
+          <a:blip r:embed="rId4">
+            <a:extLst>
+              <a:ext uri="{28A0092B-C50C-407E-A947-70E740481C1C}">
+                <a14:useLocalDpi xmlns:a14="http://schemas.microsoft.com/office/drawing/2010/main" val="0"/>
+              </a:ext>
+            </a:extLst>
+          </a:blip>
+          <a:stretch>
+            <a:fillRect/>
+          </a:stretch>
+        </p:blipFill>
+        <p:spPr>
+          <a:xfrm>
+            <a:off x="8270712" y="2065867"/>
+            <a:ext cx="3752687" cy="3049058"/>
+          </a:xfrm>
+          <a:prstGeom prst="rect">
+            <a:avLst/>
+          </a:prstGeom>
+        </p:spPr>
+      </p:pic>
+      <p:pic>
+        <p:nvPicPr>
+          <p:cNvPr id="5" name="Picture 4" descr="A screenshot of a computer&#10;&#10;AI-generated content may be incorrect.">
+            <a:extLst>
+              <a:ext uri="{FF2B5EF4-FFF2-40B4-BE49-F238E27FC236}">
+                <a16:creationId xmlns:a16="http://schemas.microsoft.com/office/drawing/2014/main" id="{2A7CC508-13BD-E290-97DC-4806D5691BEF}"/>
+              </a:ext>
+            </a:extLst>
+          </p:cNvPr>
+          <p:cNvPicPr>
+            <a:picLocks noChangeAspect="1"/>
+          </p:cNvPicPr>
+          <p:nvPr/>
+        </p:nvPicPr>
+        <p:blipFill>
+          <a:blip r:embed="rId5">
+            <a:extLst>
+              <a:ext uri="{28A0092B-C50C-407E-A947-70E740481C1C}">
+                <a14:useLocalDpi xmlns:a14="http://schemas.microsoft.com/office/drawing/2010/main" val="0"/>
+              </a:ext>
+            </a:extLst>
+          </a:blip>
+          <a:stretch>
+            <a:fillRect/>
+          </a:stretch>
+        </p:blipFill>
+        <p:spPr>
+          <a:xfrm>
+            <a:off x="168601" y="2065868"/>
+            <a:ext cx="3752687" cy="3049058"/>
+          </a:xfrm>
+          <a:prstGeom prst="rect">
+            <a:avLst/>
+          </a:prstGeom>
+        </p:spPr>
+      </p:pic>
+      <p:pic>
+        <p:nvPicPr>
+          <p:cNvPr id="7" name="Picture 6" descr="A screenshot of a computer&#10;&#10;AI-generated content may be incorrect.">
+            <a:extLst>
+              <a:ext uri="{FF2B5EF4-FFF2-40B4-BE49-F238E27FC236}">
+                <a16:creationId xmlns:a16="http://schemas.microsoft.com/office/drawing/2014/main" id="{0CA1CC75-A653-131A-CC73-BCE0A3195E04}"/>
+              </a:ext>
+            </a:extLst>
+          </p:cNvPr>
+          <p:cNvPicPr>
+            <a:picLocks noChangeAspect="1"/>
+          </p:cNvPicPr>
+          <p:nvPr/>
+        </p:nvPicPr>
+        <p:blipFill>
+          <a:blip r:embed="rId6">
+            <a:extLst>
+              <a:ext uri="{28A0092B-C50C-407E-A947-70E740481C1C}">
+                <a14:useLocalDpi xmlns:a14="http://schemas.microsoft.com/office/drawing/2010/main" val="0"/>
+              </a:ext>
+            </a:extLst>
+          </a:blip>
+          <a:stretch>
+            <a:fillRect/>
+          </a:stretch>
+        </p:blipFill>
+        <p:spPr>
+          <a:xfrm>
+            <a:off x="4219656" y="2065867"/>
+            <a:ext cx="3752687" cy="3049057"/>
+          </a:xfrm>
+          <a:prstGeom prst="rect">
+            <a:avLst/>
+          </a:prstGeom>
+        </p:spPr>
+      </p:pic>
+      <p:pic>
+        <p:nvPicPr>
+          <p:cNvPr id="10" name="Picture 9" descr="A screenshot of a computer&#10;&#10;AI-generated content may be incorrect.">
+            <a:extLst>
+              <a:ext uri="{FF2B5EF4-FFF2-40B4-BE49-F238E27FC236}">
+                <a16:creationId xmlns:a16="http://schemas.microsoft.com/office/drawing/2014/main" id="{909F7CCD-AFBE-FAB5-F8E7-FD6360877DA6}"/>
+              </a:ext>
+            </a:extLst>
+          </p:cNvPr>
+          <p:cNvPicPr>
+            <a:picLocks noChangeAspect="1"/>
+          </p:cNvPicPr>
+          <p:nvPr/>
+        </p:nvPicPr>
+        <p:blipFill>
+          <a:blip r:embed="rId7">
+            <a:extLst>
+              <a:ext uri="{28A0092B-C50C-407E-A947-70E740481C1C}">
+                <a14:useLocalDpi xmlns:a14="http://schemas.microsoft.com/office/drawing/2010/main" val="0"/>
+              </a:ext>
+            </a:extLst>
+          </a:blip>
+          <a:stretch>
+            <a:fillRect/>
+          </a:stretch>
+        </p:blipFill>
+        <p:spPr>
+          <a:xfrm>
+            <a:off x="8270711" y="2065866"/>
+            <a:ext cx="3752687" cy="3049058"/>
+          </a:xfrm>
+          <a:prstGeom prst="rect">
+            <a:avLst/>
+          </a:prstGeom>
+        </p:spPr>
+      </p:pic>
+    </p:spTree>
+    <p:extLst>
+      <p:ext uri="{BB962C8B-B14F-4D97-AF65-F5344CB8AC3E}">
+        <p14:creationId xmlns:p14="http://schemas.microsoft.com/office/powerpoint/2010/main" val="3213826152"/>
       </p:ext>
     </p:extLst>
   </p:cSld>

--- a/WAD2 Group Project Design Spec.pptx
+++ b/WAD2 Group Project Design Spec.pptx
@@ -7243,7 +7243,7 @@
           <p:nvPr>
             <p:extLst>
               <p:ext uri="{D42A27DB-BD31-4B8C-83A1-F6EECF244321}">
-                <p14:modId xmlns:p14="http://schemas.microsoft.com/office/powerpoint/2010/main" val="436267963"/>
+                <p14:modId xmlns:p14="http://schemas.microsoft.com/office/powerpoint/2010/main" val="1543229446"/>
               </p:ext>
             </p:extLst>
           </p:nvPr>
@@ -7259,14 +7259,14 @@
                 <a:tableStyleId>{5C22544A-7EE6-4342-B048-85BDC9FD1C3A}</a:tableStyleId>
               </a:tblPr>
               <a:tblGrid>
-                <a:gridCol w="1484597">
+                <a:gridCol w="1592751">
                   <a:extLst>
                     <a:ext uri="{9D8B030D-6E8A-4147-A177-3AD203B41FA5}">
                       <a16:colId xmlns:a16="http://schemas.microsoft.com/office/drawing/2014/main" val="1978240753"/>
                     </a:ext>
                   </a:extLst>
                 </a:gridCol>
-                <a:gridCol w="1409365">
+                <a:gridCol w="1301211">
                   <a:extLst>
                     <a:ext uri="{9D8B030D-6E8A-4147-A177-3AD203B41FA5}">
                       <a16:colId xmlns:a16="http://schemas.microsoft.com/office/drawing/2014/main" val="1094651281"/>
@@ -7382,7 +7382,7 @@
                     <a:p>
                       <a:r>
                         <a:rPr lang="en-GB" noProof="0" dirty="0" err="1"/>
-                        <a:t>FavouriteAlbum</a:t>
+                        <a:t>FavouriteAlbumTitle</a:t>
                       </a:r>
                       <a:endParaRPr lang="en-GB" noProof="0" dirty="0"/>
                     </a:p>
@@ -7396,7 +7396,7 @@
                     <a:p>
                       <a:r>
                         <a:rPr lang="en-GB" noProof="0" dirty="0"/>
-                        <a:t>Album (1)</a:t>
+                        <a:t>Char(40)</a:t>
                       </a:r>
                     </a:p>
                   </a:txBody>
@@ -8423,7 +8423,7 @@
         </p:nvSpPr>
         <p:spPr>
           <a:xfrm>
-            <a:off x="2300749" y="3429002"/>
+            <a:off x="1687465" y="3445661"/>
             <a:ext cx="1474839" cy="588843"/>
           </a:xfrm>
           <a:prstGeom prst="rect">
@@ -8472,7 +8472,7 @@
         </p:nvSpPr>
         <p:spPr>
           <a:xfrm>
-            <a:off x="4601498" y="3435006"/>
+            <a:off x="3374931" y="3445661"/>
             <a:ext cx="1474839" cy="588843"/>
           </a:xfrm>
           <a:prstGeom prst="rect">
@@ -8566,6 +8566,7 @@
             </a:extLst>
           </p:cNvPr>
           <p:cNvCxnSpPr>
+            <a:cxnSpLocks/>
             <a:stCxn id="4" idx="2"/>
             <a:endCxn id="6" idx="0"/>
           </p:cNvCxnSpPr>
@@ -8573,8 +8574,8 @@
         </p:nvCxnSpPr>
         <p:spPr>
           <a:xfrm rot="5400000">
-            <a:off x="4222274" y="1432370"/>
-            <a:ext cx="812528" cy="3180737"/>
+            <a:off x="3907303" y="1134057"/>
+            <a:ext cx="829187" cy="3794021"/>
           </a:xfrm>
           <a:prstGeom prst="bentConnector3">
             <a:avLst/>
@@ -8657,8 +8658,8 @@
         </p:nvCxnSpPr>
         <p:spPr>
           <a:xfrm rot="5400000">
-            <a:off x="5369646" y="2585746"/>
-            <a:ext cx="818532" cy="879988"/>
+            <a:off x="4751036" y="1977790"/>
+            <a:ext cx="829187" cy="2106555"/>
           </a:xfrm>
           <a:prstGeom prst="bentConnector3">
             <a:avLst/>
@@ -8738,7 +8739,7 @@
         </p:nvSpPr>
         <p:spPr>
           <a:xfrm>
-            <a:off x="8785122" y="3428999"/>
+            <a:off x="8432753" y="3423537"/>
             <a:ext cx="1474839" cy="588843"/>
           </a:xfrm>
           <a:prstGeom prst="rect">
@@ -8790,8 +8791,8 @@
         </p:nvCxnSpPr>
         <p:spPr>
           <a:xfrm rot="16200000" flipH="1">
-            <a:off x="7464462" y="1370918"/>
-            <a:ext cx="812525" cy="3303636"/>
+            <a:off x="7291008" y="1544371"/>
+            <a:ext cx="807063" cy="2951267"/>
           </a:xfrm>
           <a:prstGeom prst="bentConnector3">
             <a:avLst/>
@@ -8829,7 +8830,7 @@
         </p:nvSpPr>
         <p:spPr>
           <a:xfrm>
-            <a:off x="6853083" y="4551792"/>
+            <a:off x="6764593" y="4536496"/>
             <a:ext cx="1474839" cy="588843"/>
           </a:xfrm>
           <a:prstGeom prst="rect">
@@ -8974,9 +8975,9 @@
           <p:nvPr/>
         </p:nvCxnSpPr>
         <p:spPr>
-          <a:xfrm rot="16200000" flipH="1">
-            <a:off x="7279284" y="4240572"/>
-            <a:ext cx="533949" cy="88489"/>
+          <a:xfrm rot="5400000">
+            <a:off x="7242688" y="4277169"/>
+            <a:ext cx="518653" cy="1"/>
           </a:xfrm>
           <a:prstGeom prst="bentConnector3">
             <a:avLst/>
@@ -9014,7 +9015,7 @@
         </p:nvSpPr>
         <p:spPr>
           <a:xfrm>
-            <a:off x="2300748" y="4519837"/>
+            <a:off x="2637511" y="4497716"/>
             <a:ext cx="1474839" cy="588843"/>
           </a:xfrm>
           <a:prstGeom prst="rect">
@@ -9059,15 +9060,16 @@
             </a:extLst>
           </p:cNvPr>
           <p:cNvCxnSpPr>
+            <a:cxnSpLocks/>
             <a:stCxn id="6" idx="2"/>
             <a:endCxn id="15" idx="0"/>
           </p:cNvCxnSpPr>
           <p:nvPr/>
         </p:nvCxnSpPr>
         <p:spPr>
-          <a:xfrm rot="5400000">
-            <a:off x="2787173" y="4268841"/>
-            <a:ext cx="501992" cy="1"/>
+          <a:xfrm rot="16200000" flipH="1">
+            <a:off x="2668302" y="3791087"/>
+            <a:ext cx="463212" cy="950046"/>
           </a:xfrm>
           <a:prstGeom prst="bentConnector3">
             <a:avLst/>
@@ -9105,7 +9107,7 @@
         </p:nvSpPr>
         <p:spPr>
           <a:xfrm>
-            <a:off x="10717160" y="3428999"/>
+            <a:off x="10154257" y="3450032"/>
             <a:ext cx="1474839" cy="588843"/>
           </a:xfrm>
           <a:prstGeom prst="rect">
@@ -9157,8 +9159,190 @@
         </p:nvCxnSpPr>
         <p:spPr>
           <a:xfrm rot="16200000" flipH="1">
-            <a:off x="8430481" y="404899"/>
-            <a:ext cx="812525" cy="5235674"/>
+            <a:off x="8138512" y="696867"/>
+            <a:ext cx="833558" cy="4672771"/>
+          </a:xfrm>
+          <a:prstGeom prst="bentConnector3">
+            <a:avLst/>
+          </a:prstGeom>
+          <a:ln>
+            <a:tailEnd type="triangle"/>
+          </a:ln>
+        </p:spPr>
+        <p:style>
+          <a:lnRef idx="1">
+            <a:schemeClr val="accent1"/>
+          </a:lnRef>
+          <a:fillRef idx="0">
+            <a:schemeClr val="accent1"/>
+          </a:fillRef>
+          <a:effectRef idx="0">
+            <a:schemeClr val="accent1"/>
+          </a:effectRef>
+          <a:fontRef idx="minor">
+            <a:schemeClr val="tx1"/>
+          </a:fontRef>
+        </p:style>
+      </p:cxnSp>
+      <p:sp>
+        <p:nvSpPr>
+          <p:cNvPr id="20" name="Rectangle 19">
+            <a:extLst>
+              <a:ext uri="{FF2B5EF4-FFF2-40B4-BE49-F238E27FC236}">
+                <a16:creationId xmlns:a16="http://schemas.microsoft.com/office/drawing/2014/main" id="{B0167E2E-B597-F03F-97D4-4C14C32B4F0E}"/>
+              </a:ext>
+            </a:extLst>
+          </p:cNvPr>
+          <p:cNvSpPr/>
+          <p:nvPr/>
+        </p:nvSpPr>
+        <p:spPr>
+          <a:xfrm>
+            <a:off x="5096435" y="3445661"/>
+            <a:ext cx="1474839" cy="588843"/>
+          </a:xfrm>
+          <a:prstGeom prst="rect">
+            <a:avLst/>
+          </a:prstGeom>
+        </p:spPr>
+        <p:style>
+          <a:lnRef idx="2">
+            <a:schemeClr val="accent1">
+              <a:shade val="15000"/>
+            </a:schemeClr>
+          </a:lnRef>
+          <a:fillRef idx="1">
+            <a:schemeClr val="accent1"/>
+          </a:fillRef>
+          <a:effectRef idx="0">
+            <a:schemeClr val="accent1"/>
+          </a:effectRef>
+          <a:fontRef idx="minor">
+            <a:schemeClr val="lt1"/>
+          </a:fontRef>
+        </p:style>
+        <p:txBody>
+          <a:bodyPr rtlCol="0" anchor="ctr"/>
+          <a:lstStyle/>
+          <a:p>
+            <a:pPr algn="ctr"/>
+            <a:r>
+              <a:rPr lang="en-GB" dirty="0"/>
+              <a:t>About</a:t>
+            </a:r>
+          </a:p>
+        </p:txBody>
+      </p:sp>
+      <p:cxnSp>
+        <p:nvCxnSpPr>
+          <p:cNvPr id="27" name="Connector: Elbow 26">
+            <a:extLst>
+              <a:ext uri="{FF2B5EF4-FFF2-40B4-BE49-F238E27FC236}">
+                <a16:creationId xmlns:a16="http://schemas.microsoft.com/office/drawing/2014/main" id="{6A225660-11AA-082D-4F9F-D348BA566498}"/>
+              </a:ext>
+            </a:extLst>
+          </p:cNvPr>
+          <p:cNvCxnSpPr>
+            <a:stCxn id="4" idx="2"/>
+            <a:endCxn id="20" idx="0"/>
+          </p:cNvCxnSpPr>
+          <p:nvPr/>
+        </p:nvCxnSpPr>
+        <p:spPr>
+          <a:xfrm rot="5400000">
+            <a:off x="5611788" y="2838542"/>
+            <a:ext cx="829187" cy="385051"/>
+          </a:xfrm>
+          <a:prstGeom prst="bentConnector3">
+            <a:avLst/>
+          </a:prstGeom>
+          <a:ln>
+            <a:tailEnd type="triangle"/>
+          </a:ln>
+        </p:spPr>
+        <p:style>
+          <a:lnRef idx="1">
+            <a:schemeClr val="accent1"/>
+          </a:lnRef>
+          <a:fillRef idx="0">
+            <a:schemeClr val="accent1"/>
+          </a:fillRef>
+          <a:effectRef idx="0">
+            <a:schemeClr val="accent1"/>
+          </a:effectRef>
+          <a:fontRef idx="minor">
+            <a:schemeClr val="tx1"/>
+          </a:fontRef>
+        </p:style>
+      </p:cxnSp>
+      <p:sp>
+        <p:nvSpPr>
+          <p:cNvPr id="38" name="Rectangle 37">
+            <a:extLst>
+              <a:ext uri="{FF2B5EF4-FFF2-40B4-BE49-F238E27FC236}">
+                <a16:creationId xmlns:a16="http://schemas.microsoft.com/office/drawing/2014/main" id="{456B79FD-C8AA-309E-84FE-F262D5AC4DB1}"/>
+              </a:ext>
+            </a:extLst>
+          </p:cNvPr>
+          <p:cNvSpPr/>
+          <p:nvPr/>
+        </p:nvSpPr>
+        <p:spPr>
+          <a:xfrm>
+            <a:off x="685801" y="4497715"/>
+            <a:ext cx="1474839" cy="588843"/>
+          </a:xfrm>
+          <a:prstGeom prst="rect">
+            <a:avLst/>
+          </a:prstGeom>
+        </p:spPr>
+        <p:style>
+          <a:lnRef idx="2">
+            <a:schemeClr val="accent1">
+              <a:shade val="15000"/>
+            </a:schemeClr>
+          </a:lnRef>
+          <a:fillRef idx="1">
+            <a:schemeClr val="accent1"/>
+          </a:fillRef>
+          <a:effectRef idx="0">
+            <a:schemeClr val="accent1"/>
+          </a:effectRef>
+          <a:fontRef idx="minor">
+            <a:schemeClr val="lt1"/>
+          </a:fontRef>
+        </p:style>
+        <p:txBody>
+          <a:bodyPr rtlCol="0" anchor="ctr"/>
+          <a:lstStyle/>
+          <a:p>
+            <a:pPr algn="ctr"/>
+            <a:r>
+              <a:rPr lang="en-GB" dirty="0"/>
+              <a:t>Change Password</a:t>
+            </a:r>
+          </a:p>
+        </p:txBody>
+      </p:sp>
+      <p:cxnSp>
+        <p:nvCxnSpPr>
+          <p:cNvPr id="41" name="Connector: Elbow 40">
+            <a:extLst>
+              <a:ext uri="{FF2B5EF4-FFF2-40B4-BE49-F238E27FC236}">
+                <a16:creationId xmlns:a16="http://schemas.microsoft.com/office/drawing/2014/main" id="{8A5EE8E8-6C51-AE9D-4F8E-1FD46B0AF126}"/>
+              </a:ext>
+            </a:extLst>
+          </p:cNvPr>
+          <p:cNvCxnSpPr>
+            <a:stCxn id="6" idx="2"/>
+            <a:endCxn id="38" idx="0"/>
+          </p:cNvCxnSpPr>
+          <p:nvPr/>
+        </p:nvCxnSpPr>
+        <p:spPr>
+          <a:xfrm rot="5400000">
+            <a:off x="1692448" y="3765277"/>
+            <a:ext cx="463211" cy="1001664"/>
           </a:xfrm>
           <a:prstGeom prst="bentConnector3">
             <a:avLst/>
@@ -9259,7 +9443,7 @@
         <p:spPr/>
         <p:txBody>
           <a:bodyPr>
-            <a:normAutofit lnSpcReduction="10000"/>
+            <a:normAutofit fontScale="85000" lnSpcReduction="20000"/>
           </a:bodyPr>
           <a:lstStyle/>
           <a:p>
@@ -9271,6 +9455,12 @@
           <a:p>
             <a:r>
               <a:rPr lang="en-GB" dirty="0"/>
+              <a:t>About Page - /about</a:t>
+            </a:r>
+          </a:p>
+          <a:p>
+            <a:r>
+              <a:rPr lang="en-GB" dirty="0"/>
               <a:t>Sign Up - /account/register</a:t>
             </a:r>
           </a:p>
@@ -9284,6 +9474,12 @@
             <a:r>
               <a:rPr lang="en-GB" dirty="0"/>
               <a:t>Logout – /account/logout</a:t>
+            </a:r>
+          </a:p>
+          <a:p>
+            <a:r>
+              <a:rPr lang="en-GB" dirty="0"/>
+              <a:t>Change Password - /account/password-change</a:t>
             </a:r>
           </a:p>
           <a:p>
@@ -9570,7 +9766,7 @@
             </a:pPr>
             <a:r>
               <a:rPr lang="en-GB" b="1" noProof="0" dirty="0"/>
-              <a:t>Casual Listener</a:t>
+              <a:t>Casual Listener Derek</a:t>
             </a:r>
             <a:r>
               <a:rPr lang="en-GB" noProof="0" dirty="0"/>
@@ -9586,7 +9782,15 @@
             </a:pPr>
             <a:r>
               <a:rPr lang="en-GB" noProof="0" dirty="0"/>
-              <a:t>Description: Loves listening to music, but doesn't have time to search deeply for new releases.</a:t>
+              <a:t>Description: Derek ;</a:t>
+            </a:r>
+            <a:r>
+              <a:rPr lang="en-GB" noProof="0" dirty="0" err="1"/>
+              <a:t>oves</a:t>
+            </a:r>
+            <a:r>
+              <a:rPr lang="en-GB" noProof="0" dirty="0"/>
+              <a:t> listening to music, but he doesn't have time to search deeply for new releases.</a:t>
             </a:r>
           </a:p>
           <a:p>
@@ -9602,7 +9806,7 @@
             </a:r>
             <a:r>
               <a:rPr lang="en-GB" noProof="0" dirty="0"/>
-              <a:t>Find new albums, quickly rate and read reviews from other users.</a:t>
+              <a:t>He wants to find new albums, and  quickly rate and read reviews from other users.</a:t>
             </a:r>
           </a:p>
           <a:p>
@@ -9843,11 +10047,11 @@
               <a:buNone/>
             </a:pPr>
             <a:r>
-              <a:rPr lang="en-GB" b="1" noProof="0"/>
-              <a:t>Content Creator</a:t>
-            </a:r>
-            <a:r>
-              <a:rPr lang="en-GB" noProof="0"/>
+              <a:rPr lang="en-GB" b="1" noProof="0" dirty="0"/>
+              <a:t>Content Creator Evan</a:t>
+            </a:r>
+            <a:r>
+              <a:rPr lang="en-GB" noProof="0" dirty="0"/>
               <a:t>:</a:t>
             </a:r>
           </a:p>
@@ -9860,12 +10064,20 @@
               <a:buNone/>
             </a:pPr>
             <a:r>
-              <a:rPr lang="en-GB" i="1" noProof="0"/>
+              <a:rPr lang="en-GB" i="1" noProof="0" dirty="0"/>
               <a:t>Description:</a:t>
             </a:r>
             <a:r>
-              <a:rPr lang="en-GB" noProof="0"/>
-              <a:t> An aspiring musician, he records his own tracks and wants to share them with the community.</a:t>
+              <a:rPr lang="en-GB" noProof="0" dirty="0"/>
+              <a:t> Evan is an aspiring musician, </a:t>
+            </a:r>
+            <a:r>
+              <a:rPr lang="en-GB" dirty="0"/>
+              <a:t>who</a:t>
+            </a:r>
+            <a:r>
+              <a:rPr lang="en-GB" noProof="0" dirty="0"/>
+              <a:t> records his own tracks and wants to share them with the community.</a:t>
             </a:r>
           </a:p>
           <a:p>
@@ -9877,12 +10089,20 @@
               <a:buNone/>
             </a:pPr>
             <a:r>
-              <a:rPr lang="en-GB" i="1" noProof="0"/>
+              <a:rPr lang="en-GB" i="1" noProof="0" dirty="0"/>
               <a:t>Goal: </a:t>
             </a:r>
             <a:r>
-              <a:rPr lang="en-GB" noProof="0"/>
-              <a:t>Upload your albums, get feedback and a fan base.</a:t>
+              <a:rPr lang="en-GB" noProof="0" dirty="0"/>
+              <a:t>He wants to upload his albums, </a:t>
+            </a:r>
+            <a:r>
+              <a:rPr lang="en-GB" dirty="0"/>
+              <a:t>and g</a:t>
+            </a:r>
+            <a:r>
+              <a:rPr lang="en-GB" noProof="0" dirty="0"/>
+              <a:t>et feedback and a fan base.</a:t>
             </a:r>
           </a:p>
           <a:p>
@@ -9894,7 +10114,7 @@
               <a:buNone/>
             </a:pPr>
             <a:r>
-              <a:rPr lang="en-GB" i="1" noProof="0"/>
+              <a:rPr lang="en-GB" i="1" noProof="0" dirty="0"/>
               <a:t>Tasks:</a:t>
             </a:r>
           </a:p>
@@ -9905,7 +10125,7 @@
               </a:lnSpc>
             </a:pPr>
             <a:r>
-              <a:rPr lang="en-GB" noProof="0"/>
+              <a:rPr lang="en-GB" noProof="0" dirty="0"/>
               <a:t>Easy upload albums and covers.</a:t>
             </a:r>
           </a:p>
@@ -9916,7 +10136,7 @@
               </a:lnSpc>
             </a:pPr>
             <a:r>
-              <a:rPr lang="en-GB" noProof="0"/>
+              <a:rPr lang="en-GB" noProof="0" dirty="0"/>
               <a:t>Ability to track statistics (number of likes, views and reviews).</a:t>
             </a:r>
           </a:p>
@@ -9927,7 +10147,7 @@
               </a:lnSpc>
             </a:pPr>
             <a:r>
-              <a:rPr lang="en-GB" noProof="0"/>
+              <a:rPr lang="en-GB" noProof="0" dirty="0"/>
               <a:t>Get fan feedback from reviews</a:t>
             </a:r>
           </a:p>
@@ -10111,7 +10331,7 @@
         </p:spPr>
         <p:txBody>
           <a:bodyPr>
-            <a:normAutofit/>
+            <a:normAutofit lnSpcReduction="10000"/>
           </a:bodyPr>
           <a:lstStyle/>
           <a:p>
@@ -10123,11 +10343,11 @@
               <a:buNone/>
             </a:pPr>
             <a:r>
-              <a:rPr lang="en-GB" b="1" noProof="0"/>
-              <a:t>Music Critic</a:t>
-            </a:r>
-            <a:r>
-              <a:rPr lang="en-GB" noProof="0"/>
+              <a:rPr lang="en-GB" b="1" noProof="0" dirty="0"/>
+              <a:t>Music Critic Jared</a:t>
+            </a:r>
+            <a:r>
+              <a:rPr lang="en-GB" noProof="0" dirty="0"/>
               <a:t>:</a:t>
             </a:r>
           </a:p>
@@ -10140,12 +10360,12 @@
               <a:buNone/>
             </a:pPr>
             <a:r>
-              <a:rPr lang="en-GB" i="1" noProof="0"/>
+              <a:rPr lang="en-GB" i="1" noProof="0" dirty="0"/>
               <a:t>Description:</a:t>
             </a:r>
             <a:r>
-              <a:rPr lang="en-GB" noProof="0"/>
-              <a:t> An experienced music lover, he runs a blog and loves to give detailed reviews of music.</a:t>
+              <a:rPr lang="en-GB" noProof="0" dirty="0"/>
+              <a:t> Jared is an experienced music lover, he runs a blog and loves to give detailed reviews of music.</a:t>
             </a:r>
           </a:p>
           <a:p>
@@ -10157,15 +10377,23 @@
               <a:buNone/>
             </a:pPr>
             <a:r>
-              <a:rPr lang="en-GB" i="1" noProof="0"/>
+              <a:rPr lang="en-GB" i="1" noProof="0" dirty="0"/>
               <a:t>Goal: </a:t>
             </a:r>
             <a:r>
+              <a:rPr lang="en-US" noProof="0" dirty="0"/>
+              <a:t>He wants to search for rare/interesting albums</a:t>
+            </a:r>
+            <a:r>
               <a:rPr lang="en-US" noProof="0"/>
-              <a:t>Search for rare/interesting albums, comment on them in detail</a:t>
-            </a:r>
-            <a:r>
-              <a:rPr lang="en-GB" noProof="0"/>
+              <a:t>, and comment </a:t>
+            </a:r>
+            <a:r>
+              <a:rPr lang="en-US" noProof="0" dirty="0"/>
+              <a:t>on them in detail</a:t>
+            </a:r>
+            <a:r>
+              <a:rPr lang="en-GB" noProof="0" dirty="0"/>
               <a:t>.</a:t>
             </a:r>
           </a:p>
@@ -10178,7 +10406,7 @@
               <a:buNone/>
             </a:pPr>
             <a:r>
-              <a:rPr lang="en-GB" i="1" noProof="0"/>
+              <a:rPr lang="en-GB" i="1" noProof="0" dirty="0"/>
               <a:t>Tasks:</a:t>
             </a:r>
           </a:p>
@@ -10189,7 +10417,7 @@
               </a:lnSpc>
             </a:pPr>
             <a:r>
-              <a:rPr lang="en-US" noProof="0"/>
+              <a:rPr lang="en-US" noProof="0" dirty="0"/>
               <a:t>Ability to find albums by genre and other metadata.</a:t>
             </a:r>
           </a:p>
@@ -10200,11 +10428,11 @@
               </a:lnSpc>
             </a:pPr>
             <a:r>
-              <a:rPr lang="en-US"/>
+              <a:rPr lang="en-US" dirty="0"/>
               <a:t>Write detailed reviews for each album</a:t>
             </a:r>
             <a:r>
-              <a:rPr lang="en-US" noProof="0"/>
+              <a:rPr lang="en-US" noProof="0" dirty="0"/>
               <a:t>.</a:t>
             </a:r>
           </a:p>

--- a/WAD2 Group Project Design Spec.pptx
+++ b/WAD2 Group Project Design Spec.pptx
@@ -7243,7 +7243,7 @@
           <p:nvPr>
             <p:extLst>
               <p:ext uri="{D42A27DB-BD31-4B8C-83A1-F6EECF244321}">
-                <p14:modId xmlns:p14="http://schemas.microsoft.com/office/powerpoint/2010/main" val="1543229446"/>
+                <p14:modId xmlns:p14="http://schemas.microsoft.com/office/powerpoint/2010/main" val="3343819687"/>
               </p:ext>
             </p:extLst>
           </p:nvPr>
@@ -7314,7 +7314,7 @@
                     <a:lstStyle/>
                     <a:p>
                       <a:r>
-                        <a:rPr lang="en-GB" noProof="0" dirty="0"/>
+                        <a:rPr lang="en-GB" u="sng" noProof="0" dirty="0"/>
                         <a:t>Username</a:t>
                       </a:r>
                     </a:p>
@@ -7382,7 +7382,7 @@
                     <a:p>
                       <a:r>
                         <a:rPr lang="en-GB" noProof="0" dirty="0" err="1"/>
-                        <a:t>FavouriteAlbumTitle</a:t>
+                        <a:t>FavouriteAlbumId</a:t>
                       </a:r>
                       <a:endParaRPr lang="en-GB" noProof="0" dirty="0"/>
                     </a:p>
@@ -7396,7 +7396,7 @@
                     <a:p>
                       <a:r>
                         <a:rPr lang="en-GB" noProof="0" dirty="0"/>
-                        <a:t>Char(40)</a:t>
+                        <a:t>Integer</a:t>
                       </a:r>
                     </a:p>
                   </a:txBody>
@@ -7529,14 +7529,14 @@
           <p:nvPr>
             <p:extLst>
               <p:ext uri="{D42A27DB-BD31-4B8C-83A1-F6EECF244321}">
-                <p14:modId xmlns:p14="http://schemas.microsoft.com/office/powerpoint/2010/main" val="3917195649"/>
+                <p14:modId xmlns:p14="http://schemas.microsoft.com/office/powerpoint/2010/main" val="3202690150"/>
               </p:ext>
             </p:extLst>
           </p:nvPr>
         </p:nvGraphicFramePr>
         <p:xfrm>
           <a:off x="8610826" y="567193"/>
-          <a:ext cx="3364864" cy="3474720"/>
+          <a:ext cx="3364866" cy="3840480"/>
         </p:xfrm>
         <a:graphic>
           <a:graphicData uri="http://schemas.openxmlformats.org/drawingml/2006/table">
@@ -7545,7 +7545,7 @@
                 <a:tableStyleId>{5C22544A-7EE6-4342-B048-85BDC9FD1C3A}</a:tableStyleId>
               </a:tblPr>
               <a:tblGrid>
-                <a:gridCol w="2246331">
+                <a:gridCol w="2246333">
                   <a:extLst>
                     <a:ext uri="{9D8B030D-6E8A-4147-A177-3AD203B41FA5}">
                       <a16:colId xmlns:a16="http://schemas.microsoft.com/office/drawing/2014/main" val="1978240753"/>
@@ -7590,6 +7590,39 @@
                 <a:extLst>
                   <a:ext uri="{0D108BD9-81ED-4DB2-BD59-A6C34878D82A}">
                     <a16:rowId xmlns:a16="http://schemas.microsoft.com/office/drawing/2014/main" val="1005000879"/>
+                  </a:ext>
+                </a:extLst>
+              </a:tr>
+              <a:tr h="318720">
+                <a:tc>
+                  <a:txBody>
+                    <a:bodyPr/>
+                    <a:lstStyle/>
+                    <a:p>
+                      <a:r>
+                        <a:rPr lang="en-GB" u="sng" noProof="0" dirty="0"/>
+                        <a:t>Id</a:t>
+                      </a:r>
+                    </a:p>
+                  </a:txBody>
+                  <a:tcPr/>
+                </a:tc>
+                <a:tc>
+                  <a:txBody>
+                    <a:bodyPr/>
+                    <a:lstStyle/>
+                    <a:p>
+                      <a:r>
+                        <a:rPr lang="en-GB" noProof="0" dirty="0"/>
+                        <a:t>Integer</a:t>
+                      </a:r>
+                    </a:p>
+                  </a:txBody>
+                  <a:tcPr/>
+                </a:tc>
+                <a:extLst>
+                  <a:ext uri="{0D108BD9-81ED-4DB2-BD59-A6C34878D82A}">
+                    <a16:rowId xmlns:a16="http://schemas.microsoft.com/office/drawing/2014/main" val="2266229910"/>
                   </a:ext>
                 </a:extLst>
               </a:tr>
@@ -7888,14 +7921,14 @@
           <p:nvPr>
             <p:extLst>
               <p:ext uri="{D42A27DB-BD31-4B8C-83A1-F6EECF244321}">
-                <p14:modId xmlns:p14="http://schemas.microsoft.com/office/powerpoint/2010/main" val="2717511609"/>
+                <p14:modId xmlns:p14="http://schemas.microsoft.com/office/powerpoint/2010/main" val="231436667"/>
               </p:ext>
             </p:extLst>
           </p:nvPr>
         </p:nvGraphicFramePr>
         <p:xfrm>
           <a:off x="5641499" y="3585251"/>
-          <a:ext cx="2893962" cy="2194560"/>
+          <a:ext cx="2893962" cy="2560320"/>
         </p:xfrm>
         <a:graphic>
           <a:graphicData uri="http://schemas.openxmlformats.org/drawingml/2006/table">
@@ -7949,6 +7982,39 @@
                 <a:extLst>
                   <a:ext uri="{0D108BD9-81ED-4DB2-BD59-A6C34878D82A}">
                     <a16:rowId xmlns:a16="http://schemas.microsoft.com/office/drawing/2014/main" val="1005000879"/>
+                  </a:ext>
+                </a:extLst>
+              </a:tr>
+              <a:tr h="318720">
+                <a:tc>
+                  <a:txBody>
+                    <a:bodyPr/>
+                    <a:lstStyle/>
+                    <a:p>
+                      <a:r>
+                        <a:rPr lang="en-GB" u="sng" noProof="0" dirty="0"/>
+                        <a:t>Id</a:t>
+                      </a:r>
+                    </a:p>
+                  </a:txBody>
+                  <a:tcPr/>
+                </a:tc>
+                <a:tc>
+                  <a:txBody>
+                    <a:bodyPr/>
+                    <a:lstStyle/>
+                    <a:p>
+                      <a:r>
+                        <a:rPr lang="en-GB" noProof="0" dirty="0"/>
+                        <a:t>Integer</a:t>
+                      </a:r>
+                    </a:p>
+                  </a:txBody>
+                  <a:tcPr/>
+                </a:tc>
+                <a:extLst>
+                  <a:ext uri="{0D108BD9-81ED-4DB2-BD59-A6C34878D82A}">
+                    <a16:rowId xmlns:a16="http://schemas.microsoft.com/office/drawing/2014/main" val="2753433228"/>
                   </a:ext>
                 </a:extLst>
               </a:tr>
@@ -8025,10 +8091,10 @@
                     <a:lstStyle/>
                     <a:p>
                       <a:r>
-                        <a:rPr lang="en-GB" noProof="0" dirty="0" err="1"/>
-                        <a:t>AlbumTitle</a:t>
+                        <a:rPr lang="en-GB" u="sng" noProof="0" dirty="0" err="1"/>
+                        <a:t>AlbumId</a:t>
                       </a:r>
-                      <a:endParaRPr lang="en-GB" noProof="0" dirty="0"/>
+                      <a:endParaRPr lang="en-GB" u="sng" noProof="0" dirty="0"/>
                     </a:p>
                   </a:txBody>
                   <a:tcPr/>
@@ -8040,7 +8106,7 @@
                     <a:p>
                       <a:r>
                         <a:rPr lang="en-GB" noProof="0" dirty="0"/>
-                        <a:t>Char(40)</a:t>
+                        <a:t>Integer</a:t>
                       </a:r>
                     </a:p>
                   </a:txBody>
@@ -9782,7 +9848,11 @@
             </a:pPr>
             <a:r>
               <a:rPr lang="en-GB" noProof="0" dirty="0"/>
-              <a:t>Description: Derek ;</a:t>
+              <a:t>Description: Derek </a:t>
+            </a:r>
+            <a:r>
+              <a:rPr lang="en-GB" dirty="0"/>
+              <a:t>l</a:t>
             </a:r>
             <a:r>
               <a:rPr lang="en-GB" noProof="0" dirty="0" err="1"/>
@@ -10382,15 +10452,7 @@
             </a:r>
             <a:r>
               <a:rPr lang="en-US" noProof="0" dirty="0"/>
-              <a:t>He wants to search for rare/interesting albums</a:t>
-            </a:r>
-            <a:r>
-              <a:rPr lang="en-US" noProof="0"/>
-              <a:t>, and comment </a:t>
-            </a:r>
-            <a:r>
-              <a:rPr lang="en-US" noProof="0" dirty="0"/>
-              <a:t>on them in detail</a:t>
+              <a:t>He wants to search for rare/interesting albums, and comment on them in detail</a:t>
             </a:r>
             <a:r>
               <a:rPr lang="en-GB" noProof="0" dirty="0"/>

--- a/WAD2 Group Project Design Spec.pptx
+++ b/WAD2 Group Project Design Spec.pptx
@@ -354,7 +354,7 @@
           <a:p>
             <a:fld id="{386EAC6E-8ADC-498C-8D78-A1467B1978D3}" type="datetimeFigureOut">
               <a:rPr lang="en-GB" smtClean="0"/>
-              <a:t>27/02/2025</a:t>
+              <a:t>28/02/2025</a:t>
             </a:fld>
             <a:endParaRPr lang="en-GB"/>
           </a:p>
@@ -688,7 +688,7 @@
           <a:p>
             <a:fld id="{386EAC6E-8ADC-498C-8D78-A1467B1978D3}" type="datetimeFigureOut">
               <a:rPr lang="en-GB" smtClean="0"/>
-              <a:t>27/02/2025</a:t>
+              <a:t>28/02/2025</a:t>
             </a:fld>
             <a:endParaRPr lang="en-GB"/>
           </a:p>
@@ -966,7 +966,7 @@
           <a:p>
             <a:fld id="{386EAC6E-8ADC-498C-8D78-A1467B1978D3}" type="datetimeFigureOut">
               <a:rPr lang="en-GB" smtClean="0"/>
-              <a:t>27/02/2025</a:t>
+              <a:t>28/02/2025</a:t>
             </a:fld>
             <a:endParaRPr lang="en-GB"/>
           </a:p>
@@ -1534,7 +1534,7 @@
           <a:p>
             <a:fld id="{386EAC6E-8ADC-498C-8D78-A1467B1978D3}" type="datetimeFigureOut">
               <a:rPr lang="en-GB" smtClean="0"/>
-              <a:t>27/02/2025</a:t>
+              <a:t>28/02/2025</a:t>
             </a:fld>
             <a:endParaRPr lang="en-GB"/>
           </a:p>
@@ -1812,7 +1812,7 @@
           <a:p>
             <a:fld id="{386EAC6E-8ADC-498C-8D78-A1467B1978D3}" type="datetimeFigureOut">
               <a:rPr lang="en-GB" smtClean="0"/>
-              <a:t>27/02/2025</a:t>
+              <a:t>28/02/2025</a:t>
             </a:fld>
             <a:endParaRPr lang="en-GB"/>
           </a:p>
@@ -2374,7 +2374,7 @@
           <a:p>
             <a:fld id="{386EAC6E-8ADC-498C-8D78-A1467B1978D3}" type="datetimeFigureOut">
               <a:rPr lang="en-GB" smtClean="0"/>
-              <a:t>27/02/2025</a:t>
+              <a:t>28/02/2025</a:t>
             </a:fld>
             <a:endParaRPr lang="en-GB"/>
           </a:p>
@@ -2701,7 +2701,7 @@
           <a:p>
             <a:fld id="{386EAC6E-8ADC-498C-8D78-A1467B1978D3}" type="datetimeFigureOut">
               <a:rPr lang="en-GB" smtClean="0"/>
-              <a:t>27/02/2025</a:t>
+              <a:t>28/02/2025</a:t>
             </a:fld>
             <a:endParaRPr lang="en-GB"/>
           </a:p>
@@ -2878,7 +2878,7 @@
           <a:p>
             <a:fld id="{386EAC6E-8ADC-498C-8D78-A1467B1978D3}" type="datetimeFigureOut">
               <a:rPr lang="en-GB" smtClean="0"/>
-              <a:t>27/02/2025</a:t>
+              <a:t>28/02/2025</a:t>
             </a:fld>
             <a:endParaRPr lang="en-GB"/>
           </a:p>
@@ -3116,7 +3116,7 @@
           <a:p>
             <a:fld id="{386EAC6E-8ADC-498C-8D78-A1467B1978D3}" type="datetimeFigureOut">
               <a:rPr lang="en-GB" smtClean="0"/>
-              <a:t>27/02/2025</a:t>
+              <a:t>28/02/2025</a:t>
             </a:fld>
             <a:endParaRPr lang="en-GB"/>
           </a:p>
@@ -3316,7 +3316,7 @@
           <a:p>
             <a:fld id="{386EAC6E-8ADC-498C-8D78-A1467B1978D3}" type="datetimeFigureOut">
               <a:rPr lang="en-GB" smtClean="0"/>
-              <a:t>27/02/2025</a:t>
+              <a:t>28/02/2025</a:t>
             </a:fld>
             <a:endParaRPr lang="en-GB"/>
           </a:p>
@@ -3592,7 +3592,7 @@
           <a:p>
             <a:fld id="{386EAC6E-8ADC-498C-8D78-A1467B1978D3}" type="datetimeFigureOut">
               <a:rPr lang="en-GB" smtClean="0"/>
-              <a:t>27/02/2025</a:t>
+              <a:t>28/02/2025</a:t>
             </a:fld>
             <a:endParaRPr lang="en-GB"/>
           </a:p>
@@ -3858,7 +3858,7 @@
           <a:p>
             <a:fld id="{386EAC6E-8ADC-498C-8D78-A1467B1978D3}" type="datetimeFigureOut">
               <a:rPr lang="en-GB" smtClean="0"/>
-              <a:t>27/02/2025</a:t>
+              <a:t>28/02/2025</a:t>
             </a:fld>
             <a:endParaRPr lang="en-GB"/>
           </a:p>
@@ -4232,7 +4232,7 @@
           <a:p>
             <a:fld id="{386EAC6E-8ADC-498C-8D78-A1467B1978D3}" type="datetimeFigureOut">
               <a:rPr lang="en-GB" smtClean="0"/>
-              <a:t>27/02/2025</a:t>
+              <a:t>28/02/2025</a:t>
             </a:fld>
             <a:endParaRPr lang="en-GB"/>
           </a:p>
@@ -4380,7 +4380,7 @@
           <a:p>
             <a:fld id="{386EAC6E-8ADC-498C-8D78-A1467B1978D3}" type="datetimeFigureOut">
               <a:rPr lang="en-GB" smtClean="0"/>
-              <a:t>27/02/2025</a:t>
+              <a:t>28/02/2025</a:t>
             </a:fld>
             <a:endParaRPr lang="en-GB"/>
           </a:p>
@@ -4505,7 +4505,7 @@
           <a:p>
             <a:fld id="{386EAC6E-8ADC-498C-8D78-A1467B1978D3}" type="datetimeFigureOut">
               <a:rPr lang="en-GB" smtClean="0"/>
-              <a:t>27/02/2025</a:t>
+              <a:t>28/02/2025</a:t>
             </a:fld>
             <a:endParaRPr lang="en-GB"/>
           </a:p>
@@ -4790,7 +4790,7 @@
           <a:p>
             <a:fld id="{386EAC6E-8ADC-498C-8D78-A1467B1978D3}" type="datetimeFigureOut">
               <a:rPr lang="en-GB" smtClean="0"/>
-              <a:t>27/02/2025</a:t>
+              <a:t>28/02/2025</a:t>
             </a:fld>
             <a:endParaRPr lang="en-GB"/>
           </a:p>
@@ -5114,7 +5114,7 @@
           <a:p>
             <a:fld id="{386EAC6E-8ADC-498C-8D78-A1467B1978D3}" type="datetimeFigureOut">
               <a:rPr lang="en-GB" smtClean="0"/>
-              <a:t>27/02/2025</a:t>
+              <a:t>28/02/2025</a:t>
             </a:fld>
             <a:endParaRPr lang="en-GB"/>
           </a:p>
@@ -5328,7 +5328,7 @@
           <a:p>
             <a:fld id="{386EAC6E-8ADC-498C-8D78-A1467B1978D3}" type="datetimeFigureOut">
               <a:rPr lang="en-GB" smtClean="0"/>
-              <a:t>27/02/2025</a:t>
+              <a:t>28/02/2025</a:t>
             </a:fld>
             <a:endParaRPr lang="en-GB"/>
           </a:p>
@@ -9696,7 +9696,15 @@
           <a:p>
             <a:r>
               <a:rPr lang="en-GB" noProof="0" dirty="0"/>
-              <a:t>Authenticated users will be able to like/dislike, comment on and upload albums</a:t>
+              <a:t>Authenticated users will be able to </a:t>
+            </a:r>
+            <a:r>
+              <a:rPr lang="en-GB" dirty="0"/>
+              <a:t>rate</a:t>
+            </a:r>
+            <a:r>
+              <a:rPr lang="en-GB" noProof="0" dirty="0"/>
+              <a:t>, comment on and upload albums</a:t>
             </a:r>
           </a:p>
           <a:p>
@@ -9876,7 +9884,15 @@
             </a:r>
             <a:r>
               <a:rPr lang="en-GB" noProof="0" dirty="0"/>
-              <a:t>He wants to find new albums, and  quickly rate and read reviews from other users.</a:t>
+              <a:t>He wants to find new albums, and  quickly rate and read </a:t>
+            </a:r>
+            <a:r>
+              <a:rPr lang="en-GB" dirty="0"/>
+              <a:t>comments</a:t>
+            </a:r>
+            <a:r>
+              <a:rPr lang="en-GB" noProof="0" dirty="0"/>
+              <a:t> from other users.</a:t>
             </a:r>
           </a:p>
           <a:p>
@@ -10207,7 +10223,7 @@
             </a:pPr>
             <a:r>
               <a:rPr lang="en-GB" noProof="0" dirty="0"/>
-              <a:t>Ability to track statistics (number of likes, views and reviews).</a:t>
+              <a:t>Ability to track statistics (number of likes, views and comments).</a:t>
             </a:r>
           </a:p>
           <a:p>
@@ -10218,7 +10234,7 @@
             </a:pPr>
             <a:r>
               <a:rPr lang="en-GB" noProof="0" dirty="0"/>
-              <a:t>Get fan feedback from reviews</a:t>
+              <a:t>Get fan feedback from comments</a:t>
             </a:r>
           </a:p>
         </p:txBody>
@@ -10435,7 +10451,7 @@
             </a:r>
             <a:r>
               <a:rPr lang="en-GB" noProof="0" dirty="0"/>
-              <a:t> Jared is an experienced music lover, he runs a blog and loves to give detailed reviews of music.</a:t>
+              <a:t> Jared is an experienced music lover, he runs a blog and loves to give detailed reviews of music by using the comment system.</a:t>
             </a:r>
           </a:p>
           <a:p>
@@ -10491,7 +10507,7 @@
             </a:pPr>
             <a:r>
               <a:rPr lang="en-US" dirty="0"/>
-              <a:t>Write detailed reviews for each album</a:t>
+              <a:t>Write detailed comments for each album</a:t>
             </a:r>
             <a:r>
               <a:rPr lang="en-US" noProof="0" dirty="0"/>
@@ -10707,7 +10723,7 @@
           <p:nvPr>
             <p:extLst>
               <p:ext uri="{D42A27DB-BD31-4B8C-83A1-F6EECF244321}">
-                <p14:modId xmlns:p14="http://schemas.microsoft.com/office/powerpoint/2010/main" val="3768321777"/>
+                <p14:modId xmlns:p14="http://schemas.microsoft.com/office/powerpoint/2010/main" val="1282554417"/>
               </p:ext>
             </p:extLst>
           </p:nvPr>
@@ -10809,7 +10825,7 @@
                       </a:pPr>
                       <a:r>
                         <a:rPr lang="en-US" sz="1200" dirty="0"/>
-                        <a:t>Authenticated users have access to rate, review and upload album features.</a:t>
+                        <a:t>Authenticated users have access to rate, comment and upload album features.</a:t>
                       </a:r>
                     </a:p>
                   </a:txBody>
@@ -10975,7 +10991,7 @@
                     <a:p>
                       <a:r>
                         <a:rPr lang="en-US" sz="1200" dirty="0"/>
-                        <a:t>Review system</a:t>
+                        <a:t>Comment system</a:t>
                       </a:r>
                     </a:p>
                   </a:txBody>
@@ -10992,7 +11008,7 @@
                       </a:pPr>
                       <a:r>
                         <a:rPr lang="en-US" sz="1200" dirty="0"/>
-                        <a:t>Ability to leave text reviews and scores under the album.</a:t>
+                        <a:t>Ability to leave text comments and scores under the album.</a:t>
                       </a:r>
                       <a:endParaRPr lang="ru-RU" sz="1200" dirty="0"/>
                     </a:p>
@@ -11003,7 +11019,7 @@
                       </a:pPr>
                       <a:r>
                         <a:rPr lang="en-US" sz="1200" dirty="0"/>
-                        <a:t>Display a list of all reviews in chronological order.</a:t>
+                        <a:t>Display a list of all comments in chronological order.</a:t>
                       </a:r>
                     </a:p>
                   </a:txBody>
